--- a/LTS25HDLPresentation.pptx
+++ b/LTS25HDLPresentation.pptx
@@ -10,6 +10,7 @@
     <p:sldId id="258" r:id="rId4"/>
     <p:sldId id="259" r:id="rId5"/>
     <p:sldId id="260" r:id="rId6"/>
+    <p:sldId id="261" r:id="rId7"/>
   </p:sldIdLst>
   <p:sldSz cx="12192000" cy="6858000"/>
   <p:notesSz cx="6858000" cy="9144000"/>
@@ -108,6 +109,11 @@
       </a:defRPr>
     </a:lvl9pPr>
   </p:defaultTextStyle>
+  <p:extLst>
+    <p:ext uri="{EFAFB233-063F-42B5-8137-9DF3F51BA10A}">
+      <p15:sldGuideLst xmlns:p15="http://schemas.microsoft.com/office/powerpoint/2012/main"/>
+    </p:ext>
+  </p:extLst>
 </p:presentation>
 </file>
 
@@ -8296,6 +8302,17 @@
 <file path=ppt/slides/slide2.xml><?xml version="1.0" encoding="utf-8"?>
 <p:sld xmlns:a="http://schemas.openxmlformats.org/drawingml/2006/main" xmlns:r="http://schemas.openxmlformats.org/officeDocument/2006/relationships" xmlns:p="http://schemas.openxmlformats.org/presentationml/2006/main">
   <p:cSld>
+    <p:bg>
+      <p:bgPr>
+        <a:blipFill>
+          <a:blip r:embed="rId2">
+            <a:extLst/>
+          </a:blip>
+          <a:stretch/>
+        </a:blipFill>
+        <a:effectLst/>
+      </p:bgPr>
+    </p:bg>
     <p:spTree>
       <p:nvGrpSpPr>
         <p:cNvPr id="1" name=""/>
@@ -8326,24 +8343,99 @@
             <p:ph type="title"/>
           </p:nvPr>
         </p:nvSpPr>
-        <p:spPr/>
-        <p:txBody>
-          <a:bodyPr/>
+        <p:spPr>
+          <a:xfrm>
+            <a:off x="7865806" y="643463"/>
+            <a:ext cx="3706762" cy="1608124"/>
+          </a:xfrm>
+        </p:spPr>
+        <p:txBody>
+          <a:bodyPr>
+            <a:normAutofit/>
+          </a:bodyPr>
           <a:lstStyle/>
           <a:p>
+            <a:r>
+              <a:rPr lang="en-US" dirty="0"/>
+              <a:t>Top level diagram</a:t>
+            </a:r>
             <a:endParaRPr lang="en-US"/>
           </a:p>
         </p:txBody>
       </p:sp>
-      <p:sp>
-        <p:nvSpPr>
-          <p:cNvPr id="3" name="Content Placeholder 2">
+      <p:pic>
+        <p:nvPicPr>
+          <p:cNvPr id="8" name="Content Placeholder 4">
             <a:extLst>
               <a:ext uri="{FF2B5EF4-FFF2-40B4-BE49-F238E27FC236}">
-                <a16:creationId xmlns:a16="http://schemas.microsoft.com/office/drawing/2014/main" id="{64611517-A37B-44EF-B31B-DA9A673D0A42}"/>
+                <a16:creationId xmlns:a16="http://schemas.microsoft.com/office/drawing/2014/main" id="{D353A0B1-31F4-4EB5-9ADE-C360B981463C}"/>
               </a:ext>
             </a:extLst>
           </p:cNvPr>
+          <p:cNvPicPr>
+            <a:picLocks noChangeAspect="1"/>
+          </p:cNvPicPr>
+          <p:nvPr/>
+        </p:nvPicPr>
+        <p:blipFill>
+          <a:blip r:embed="rId3">
+            <a:extLst>
+              <a:ext uri="{28A0092B-C50C-407E-A947-70E740481C1C}">
+                <a14:useLocalDpi xmlns:a14="http://schemas.microsoft.com/office/drawing/2010/main" val="0"/>
+              </a:ext>
+            </a:extLst>
+          </a:blip>
+          <a:stretch>
+            <a:fillRect/>
+          </a:stretch>
+        </p:blipFill>
+        <p:spPr>
+          <a:xfrm>
+            <a:off x="1170751" y="643463"/>
+            <a:ext cx="5843304" cy="5580356"/>
+          </a:xfrm>
+          <a:prstGeom prst="roundRect">
+            <a:avLst>
+              <a:gd name="adj" fmla="val 4380"/>
+            </a:avLst>
+          </a:prstGeom>
+          <a:ln w="50800" cap="sq" cmpd="dbl">
+            <a:gradFill flip="none" rotWithShape="1">
+              <a:gsLst>
+                <a:gs pos="0">
+                  <a:srgbClr val="FFFFFF"/>
+                </a:gs>
+                <a:gs pos="100000">
+                  <a:schemeClr val="tx1">
+                    <a:alpha val="0"/>
+                  </a:schemeClr>
+                </a:gs>
+              </a:gsLst>
+              <a:path path="circle">
+                <a:fillToRect l="50000" t="50000" r="50000" b="50000"/>
+              </a:path>
+              <a:tileRect/>
+            </a:gradFill>
+            <a:miter lim="800000"/>
+          </a:ln>
+          <a:effectLst>
+            <a:outerShdw blurRad="254000" algn="tl" rotWithShape="0">
+              <a:srgbClr val="000000">
+                <a:alpha val="43000"/>
+              </a:srgbClr>
+            </a:outerShdw>
+          </a:effectLst>
+        </p:spPr>
+      </p:pic>
+      <p:sp>
+        <p:nvSpPr>
+          <p:cNvPr id="10" name="Content Placeholder 9">
+            <a:extLst>
+              <a:ext uri="{FF2B5EF4-FFF2-40B4-BE49-F238E27FC236}">
+                <a16:creationId xmlns:a16="http://schemas.microsoft.com/office/drawing/2014/main" id="{C59FDC54-49CB-4180-A353-7A54EB7B3E7F}"/>
+              </a:ext>
+            </a:extLst>
+          </p:cNvPr>
           <p:cNvSpPr>
             <a:spLocks noGrp="1"/>
           </p:cNvSpPr>
@@ -8351,9 +8443,16 @@
             <p:ph idx="1"/>
           </p:nvPr>
         </p:nvSpPr>
-        <p:spPr/>
-        <p:txBody>
-          <a:bodyPr/>
+        <p:spPr>
+          <a:xfrm>
+            <a:off x="7865806" y="2251587"/>
+            <a:ext cx="3706762" cy="3972232"/>
+          </a:xfrm>
+        </p:spPr>
+        <p:txBody>
+          <a:bodyPr>
+            <a:normAutofit/>
+          </a:bodyPr>
           <a:lstStyle/>
           <a:p>
             <a:endParaRPr lang="en-US"/>
@@ -8376,6 +8475,17 @@
 <file path=ppt/slides/slide3.xml><?xml version="1.0" encoding="utf-8"?>
 <p:sld xmlns:a="http://schemas.openxmlformats.org/drawingml/2006/main" xmlns:r="http://schemas.openxmlformats.org/officeDocument/2006/relationships" xmlns:p="http://schemas.openxmlformats.org/presentationml/2006/main">
   <p:cSld>
+    <p:bg>
+      <p:bgPr>
+        <a:blipFill>
+          <a:blip r:embed="rId2">
+            <a:extLst/>
+          </a:blip>
+          <a:stretch/>
+        </a:blipFill>
+        <a:effectLst/>
+      </p:bgPr>
+    </p:bg>
     <p:spTree>
       <p:nvGrpSpPr>
         <p:cNvPr id="1" name=""/>
@@ -8392,6 +8502,528 @@
       </p:grpSpPr>
       <p:sp>
         <p:nvSpPr>
+          <p:cNvPr id="8" name="Freeform: Shape 7">
+            <a:extLst>
+              <a:ext uri="{FF2B5EF4-FFF2-40B4-BE49-F238E27FC236}">
+                <a16:creationId xmlns:a16="http://schemas.microsoft.com/office/drawing/2014/main" id="{54309F57-B331-41A7-9154-15EC2AF45A60}"/>
+              </a:ext>
+              <a:ext uri="{C183D7F6-B498-43B3-948B-1728B52AA6E4}">
+                <adec:decorative xmlns:adec="http://schemas.microsoft.com/office/drawing/2017/decorative" val="1"/>
+              </a:ext>
+            </a:extLst>
+          </p:cNvPr>
+          <p:cNvSpPr>
+            <a:spLocks noGrp="1" noRot="1" noChangeAspect="1" noMove="1" noResize="1" noEditPoints="1" noAdjustHandles="1" noChangeArrowheads="1" noChangeShapeType="1" noTextEdit="1"/>
+          </p:cNvSpPr>
+          <p:nvPr>
+            <p:extLst>
+              <p:ext uri="{386F3935-93C4-4BCD-93E2-E3B085C9AB24}">
+                <p16:designElem xmlns:p16="http://schemas.microsoft.com/office/powerpoint/2015/main" val="1"/>
+              </p:ext>
+            </p:extLst>
+          </p:nvPr>
+        </p:nvSpPr>
+        <p:spPr>
+          <a:xfrm rot="10800000">
+            <a:off x="0" y="0"/>
+            <a:ext cx="8845162" cy="6858000"/>
+          </a:xfrm>
+          <a:custGeom>
+            <a:avLst/>
+            <a:gdLst>
+              <a:gd name="connsiteX0" fmla="*/ 0 w 8845162"/>
+              <a:gd name="connsiteY0" fmla="*/ 0 h 6858000"/>
+              <a:gd name="connsiteX1" fmla="*/ 6265248 w 8845162"/>
+              <a:gd name="connsiteY1" fmla="*/ 0 h 6858000"/>
+              <a:gd name="connsiteX2" fmla="*/ 7537703 w 8845162"/>
+              <a:gd name="connsiteY2" fmla="*/ 0 h 6858000"/>
+              <a:gd name="connsiteX3" fmla="*/ 8845162 w 8845162"/>
+              <a:gd name="connsiteY3" fmla="*/ 0 h 6858000"/>
+              <a:gd name="connsiteX4" fmla="*/ 8845162 w 8845162"/>
+              <a:gd name="connsiteY4" fmla="*/ 6858000 h 6858000"/>
+              <a:gd name="connsiteX5" fmla="*/ 7537703 w 8845162"/>
+              <a:gd name="connsiteY5" fmla="*/ 6858000 h 6858000"/>
+              <a:gd name="connsiteX6" fmla="*/ 6265248 w 8845162"/>
+              <a:gd name="connsiteY6" fmla="*/ 6858000 h 6858000"/>
+              <a:gd name="connsiteX7" fmla="*/ 20957 w 8845162"/>
+              <a:gd name="connsiteY7" fmla="*/ 6858000 h 6858000"/>
+              <a:gd name="connsiteX8" fmla="*/ 46002 w 8845162"/>
+              <a:gd name="connsiteY8" fmla="*/ 6702325 h 6858000"/>
+              <a:gd name="connsiteX9" fmla="*/ 69870 w 8845162"/>
+              <a:gd name="connsiteY9" fmla="*/ 6547334 h 6858000"/>
+              <a:gd name="connsiteX10" fmla="*/ 93234 w 8845162"/>
+              <a:gd name="connsiteY10" fmla="*/ 6391658 h 6858000"/>
+              <a:gd name="connsiteX11" fmla="*/ 113237 w 8845162"/>
+              <a:gd name="connsiteY11" fmla="*/ 6235295 h 6858000"/>
+              <a:gd name="connsiteX12" fmla="*/ 133409 w 8845162"/>
+              <a:gd name="connsiteY12" fmla="*/ 6079619 h 6858000"/>
+              <a:gd name="connsiteX13" fmla="*/ 152234 w 8845162"/>
+              <a:gd name="connsiteY13" fmla="*/ 5923256 h 6858000"/>
+              <a:gd name="connsiteX14" fmla="*/ 168370 w 8845162"/>
+              <a:gd name="connsiteY14" fmla="*/ 5768951 h 6858000"/>
+              <a:gd name="connsiteX15" fmla="*/ 183667 w 8845162"/>
+              <a:gd name="connsiteY15" fmla="*/ 5612589 h 6858000"/>
+              <a:gd name="connsiteX16" fmla="*/ 197619 w 8845162"/>
+              <a:gd name="connsiteY16" fmla="*/ 5456912 h 6858000"/>
+              <a:gd name="connsiteX17" fmla="*/ 209720 w 8845162"/>
+              <a:gd name="connsiteY17" fmla="*/ 5303979 h 6858000"/>
+              <a:gd name="connsiteX18" fmla="*/ 221823 w 8845162"/>
+              <a:gd name="connsiteY18" fmla="*/ 5148988 h 6858000"/>
+              <a:gd name="connsiteX19" fmla="*/ 231908 w 8845162"/>
+              <a:gd name="connsiteY19" fmla="*/ 4996055 h 6858000"/>
+              <a:gd name="connsiteX20" fmla="*/ 239808 w 8845162"/>
+              <a:gd name="connsiteY20" fmla="*/ 4843121 h 6858000"/>
+              <a:gd name="connsiteX21" fmla="*/ 248045 w 8845162"/>
+              <a:gd name="connsiteY21" fmla="*/ 4690874 h 6858000"/>
+              <a:gd name="connsiteX22" fmla="*/ 254936 w 8845162"/>
+              <a:gd name="connsiteY22" fmla="*/ 4539998 h 6858000"/>
+              <a:gd name="connsiteX23" fmla="*/ 259811 w 8845162"/>
+              <a:gd name="connsiteY23" fmla="*/ 4390493 h 6858000"/>
+              <a:gd name="connsiteX24" fmla="*/ 264014 w 8845162"/>
+              <a:gd name="connsiteY24" fmla="*/ 4240989 h 6858000"/>
+              <a:gd name="connsiteX25" fmla="*/ 268047 w 8845162"/>
+              <a:gd name="connsiteY25" fmla="*/ 4092856 h 6858000"/>
+              <a:gd name="connsiteX26" fmla="*/ 269897 w 8845162"/>
+              <a:gd name="connsiteY26" fmla="*/ 3946781 h 6858000"/>
+              <a:gd name="connsiteX27" fmla="*/ 271913 w 8845162"/>
+              <a:gd name="connsiteY27" fmla="*/ 3800705 h 6858000"/>
+              <a:gd name="connsiteX28" fmla="*/ 272922 w 8845162"/>
+              <a:gd name="connsiteY28" fmla="*/ 3656687 h 6858000"/>
+              <a:gd name="connsiteX29" fmla="*/ 271913 w 8845162"/>
+              <a:gd name="connsiteY29" fmla="*/ 3514041 h 6858000"/>
+              <a:gd name="connsiteX30" fmla="*/ 271913 w 8845162"/>
+              <a:gd name="connsiteY30" fmla="*/ 3372766 h 6858000"/>
+              <a:gd name="connsiteX31" fmla="*/ 269897 w 8845162"/>
+              <a:gd name="connsiteY31" fmla="*/ 3232863 h 6858000"/>
+              <a:gd name="connsiteX32" fmla="*/ 266871 w 8845162"/>
+              <a:gd name="connsiteY32" fmla="*/ 3095703 h 6858000"/>
+              <a:gd name="connsiteX33" fmla="*/ 264014 w 8845162"/>
+              <a:gd name="connsiteY33" fmla="*/ 2959915 h 6858000"/>
+              <a:gd name="connsiteX34" fmla="*/ 260820 w 8845162"/>
+              <a:gd name="connsiteY34" fmla="*/ 2826869 h 6858000"/>
+              <a:gd name="connsiteX35" fmla="*/ 255946 w 8845162"/>
+              <a:gd name="connsiteY35" fmla="*/ 2694510 h 6858000"/>
+              <a:gd name="connsiteX36" fmla="*/ 250734 w 8845162"/>
+              <a:gd name="connsiteY36" fmla="*/ 2564209 h 6858000"/>
+              <a:gd name="connsiteX37" fmla="*/ 246028 w 8845162"/>
+              <a:gd name="connsiteY37" fmla="*/ 2436650 h 6858000"/>
+              <a:gd name="connsiteX38" fmla="*/ 232749 w 8845162"/>
+              <a:gd name="connsiteY38" fmla="*/ 2187704 h 6858000"/>
+              <a:gd name="connsiteX39" fmla="*/ 218630 w 8845162"/>
+              <a:gd name="connsiteY39" fmla="*/ 1949046 h 6858000"/>
+              <a:gd name="connsiteX40" fmla="*/ 203837 w 8845162"/>
+              <a:gd name="connsiteY40" fmla="*/ 1719989 h 6858000"/>
+              <a:gd name="connsiteX41" fmla="*/ 187532 w 8845162"/>
+              <a:gd name="connsiteY41" fmla="*/ 1503276 h 6858000"/>
+              <a:gd name="connsiteX42" fmla="*/ 170555 w 8845162"/>
+              <a:gd name="connsiteY42" fmla="*/ 1296164 h 6858000"/>
+              <a:gd name="connsiteX43" fmla="*/ 152234 w 8845162"/>
+              <a:gd name="connsiteY43" fmla="*/ 1104140 h 6858000"/>
+              <a:gd name="connsiteX44" fmla="*/ 134248 w 8845162"/>
+              <a:gd name="connsiteY44" fmla="*/ 923775 h 6858000"/>
+              <a:gd name="connsiteX45" fmla="*/ 116263 w 8845162"/>
+              <a:gd name="connsiteY45" fmla="*/ 757811 h 6858000"/>
+              <a:gd name="connsiteX46" fmla="*/ 99286 w 8845162"/>
+              <a:gd name="connsiteY46" fmla="*/ 605564 h 6858000"/>
+              <a:gd name="connsiteX47" fmla="*/ 83149 w 8845162"/>
+              <a:gd name="connsiteY47" fmla="*/ 470461 h 6858000"/>
+              <a:gd name="connsiteX48" fmla="*/ 67853 w 8845162"/>
+              <a:gd name="connsiteY48" fmla="*/ 348389 h 6858000"/>
+              <a:gd name="connsiteX49" fmla="*/ 55078 w 8845162"/>
+              <a:gd name="connsiteY49" fmla="*/ 245519 h 6858000"/>
+              <a:gd name="connsiteX50" fmla="*/ 42976 w 8845162"/>
+              <a:gd name="connsiteY50" fmla="*/ 159108 h 6858000"/>
+              <a:gd name="connsiteX51" fmla="*/ 25662 w 8845162"/>
+              <a:gd name="connsiteY51" fmla="*/ 40464 h 6858000"/>
+              <a:gd name="connsiteX52" fmla="*/ 19779 w 8845162"/>
+              <a:gd name="connsiteY52" fmla="*/ 2 h 6858000"/>
+              <a:gd name="connsiteX53" fmla="*/ 26532 w 8845162"/>
+              <a:gd name="connsiteY53" fmla="*/ 2 h 6858000"/>
+              <a:gd name="connsiteX54" fmla="*/ 26532 w 8845162"/>
+              <a:gd name="connsiteY54" fmla="*/ 1 h 6858000"/>
+              <a:gd name="connsiteX55" fmla="*/ 0 w 8845162"/>
+              <a:gd name="connsiteY55" fmla="*/ 1 h 6858000"/>
+            </a:gdLst>
+            <a:ahLst/>
+            <a:cxnLst>
+              <a:cxn ang="0">
+                <a:pos x="connsiteX0" y="connsiteY0"/>
+              </a:cxn>
+              <a:cxn ang="0">
+                <a:pos x="connsiteX1" y="connsiteY1"/>
+              </a:cxn>
+              <a:cxn ang="0">
+                <a:pos x="connsiteX2" y="connsiteY2"/>
+              </a:cxn>
+              <a:cxn ang="0">
+                <a:pos x="connsiteX3" y="connsiteY3"/>
+              </a:cxn>
+              <a:cxn ang="0">
+                <a:pos x="connsiteX4" y="connsiteY4"/>
+              </a:cxn>
+              <a:cxn ang="0">
+                <a:pos x="connsiteX5" y="connsiteY5"/>
+              </a:cxn>
+              <a:cxn ang="0">
+                <a:pos x="connsiteX6" y="connsiteY6"/>
+              </a:cxn>
+              <a:cxn ang="0">
+                <a:pos x="connsiteX7" y="connsiteY7"/>
+              </a:cxn>
+              <a:cxn ang="0">
+                <a:pos x="connsiteX8" y="connsiteY8"/>
+              </a:cxn>
+              <a:cxn ang="0">
+                <a:pos x="connsiteX9" y="connsiteY9"/>
+              </a:cxn>
+              <a:cxn ang="0">
+                <a:pos x="connsiteX10" y="connsiteY10"/>
+              </a:cxn>
+              <a:cxn ang="0">
+                <a:pos x="connsiteX11" y="connsiteY11"/>
+              </a:cxn>
+              <a:cxn ang="0">
+                <a:pos x="connsiteX12" y="connsiteY12"/>
+              </a:cxn>
+              <a:cxn ang="0">
+                <a:pos x="connsiteX13" y="connsiteY13"/>
+              </a:cxn>
+              <a:cxn ang="0">
+                <a:pos x="connsiteX14" y="connsiteY14"/>
+              </a:cxn>
+              <a:cxn ang="0">
+                <a:pos x="connsiteX15" y="connsiteY15"/>
+              </a:cxn>
+              <a:cxn ang="0">
+                <a:pos x="connsiteX16" y="connsiteY16"/>
+              </a:cxn>
+              <a:cxn ang="0">
+                <a:pos x="connsiteX17" y="connsiteY17"/>
+              </a:cxn>
+              <a:cxn ang="0">
+                <a:pos x="connsiteX18" y="connsiteY18"/>
+              </a:cxn>
+              <a:cxn ang="0">
+                <a:pos x="connsiteX19" y="connsiteY19"/>
+              </a:cxn>
+              <a:cxn ang="0">
+                <a:pos x="connsiteX20" y="connsiteY20"/>
+              </a:cxn>
+              <a:cxn ang="0">
+                <a:pos x="connsiteX21" y="connsiteY21"/>
+              </a:cxn>
+              <a:cxn ang="0">
+                <a:pos x="connsiteX22" y="connsiteY22"/>
+              </a:cxn>
+              <a:cxn ang="0">
+                <a:pos x="connsiteX23" y="connsiteY23"/>
+              </a:cxn>
+              <a:cxn ang="0">
+                <a:pos x="connsiteX24" y="connsiteY24"/>
+              </a:cxn>
+              <a:cxn ang="0">
+                <a:pos x="connsiteX25" y="connsiteY25"/>
+              </a:cxn>
+              <a:cxn ang="0">
+                <a:pos x="connsiteX26" y="connsiteY26"/>
+              </a:cxn>
+              <a:cxn ang="0">
+                <a:pos x="connsiteX27" y="connsiteY27"/>
+              </a:cxn>
+              <a:cxn ang="0">
+                <a:pos x="connsiteX28" y="connsiteY28"/>
+              </a:cxn>
+              <a:cxn ang="0">
+                <a:pos x="connsiteX29" y="connsiteY29"/>
+              </a:cxn>
+              <a:cxn ang="0">
+                <a:pos x="connsiteX30" y="connsiteY30"/>
+              </a:cxn>
+              <a:cxn ang="0">
+                <a:pos x="connsiteX31" y="connsiteY31"/>
+              </a:cxn>
+              <a:cxn ang="0">
+                <a:pos x="connsiteX32" y="connsiteY32"/>
+              </a:cxn>
+              <a:cxn ang="0">
+                <a:pos x="connsiteX33" y="connsiteY33"/>
+              </a:cxn>
+              <a:cxn ang="0">
+                <a:pos x="connsiteX34" y="connsiteY34"/>
+              </a:cxn>
+              <a:cxn ang="0">
+                <a:pos x="connsiteX35" y="connsiteY35"/>
+              </a:cxn>
+              <a:cxn ang="0">
+                <a:pos x="connsiteX36" y="connsiteY36"/>
+              </a:cxn>
+              <a:cxn ang="0">
+                <a:pos x="connsiteX37" y="connsiteY37"/>
+              </a:cxn>
+              <a:cxn ang="0">
+                <a:pos x="connsiteX38" y="connsiteY38"/>
+              </a:cxn>
+              <a:cxn ang="0">
+                <a:pos x="connsiteX39" y="connsiteY39"/>
+              </a:cxn>
+              <a:cxn ang="0">
+                <a:pos x="connsiteX40" y="connsiteY40"/>
+              </a:cxn>
+              <a:cxn ang="0">
+                <a:pos x="connsiteX41" y="connsiteY41"/>
+              </a:cxn>
+              <a:cxn ang="0">
+                <a:pos x="connsiteX42" y="connsiteY42"/>
+              </a:cxn>
+              <a:cxn ang="0">
+                <a:pos x="connsiteX43" y="connsiteY43"/>
+              </a:cxn>
+              <a:cxn ang="0">
+                <a:pos x="connsiteX44" y="connsiteY44"/>
+              </a:cxn>
+              <a:cxn ang="0">
+                <a:pos x="connsiteX45" y="connsiteY45"/>
+              </a:cxn>
+              <a:cxn ang="0">
+                <a:pos x="connsiteX46" y="connsiteY46"/>
+              </a:cxn>
+              <a:cxn ang="0">
+                <a:pos x="connsiteX47" y="connsiteY47"/>
+              </a:cxn>
+              <a:cxn ang="0">
+                <a:pos x="connsiteX48" y="connsiteY48"/>
+              </a:cxn>
+              <a:cxn ang="0">
+                <a:pos x="connsiteX49" y="connsiteY49"/>
+              </a:cxn>
+              <a:cxn ang="0">
+                <a:pos x="connsiteX50" y="connsiteY50"/>
+              </a:cxn>
+              <a:cxn ang="0">
+                <a:pos x="connsiteX51" y="connsiteY51"/>
+              </a:cxn>
+              <a:cxn ang="0">
+                <a:pos x="connsiteX52" y="connsiteY52"/>
+              </a:cxn>
+              <a:cxn ang="0">
+                <a:pos x="connsiteX53" y="connsiteY53"/>
+              </a:cxn>
+              <a:cxn ang="0">
+                <a:pos x="connsiteX54" y="connsiteY54"/>
+              </a:cxn>
+              <a:cxn ang="0">
+                <a:pos x="connsiteX55" y="connsiteY55"/>
+              </a:cxn>
+            </a:cxnLst>
+            <a:rect l="l" t="t" r="r" b="b"/>
+            <a:pathLst>
+              <a:path w="8845162" h="6858000">
+                <a:moveTo>
+                  <a:pt x="0" y="0"/>
+                </a:moveTo>
+                <a:lnTo>
+                  <a:pt x="6265248" y="0"/>
+                </a:lnTo>
+                <a:lnTo>
+                  <a:pt x="7537703" y="0"/>
+                </a:lnTo>
+                <a:lnTo>
+                  <a:pt x="8845162" y="0"/>
+                </a:lnTo>
+                <a:lnTo>
+                  <a:pt x="8845162" y="6858000"/>
+                </a:lnTo>
+                <a:lnTo>
+                  <a:pt x="7537703" y="6858000"/>
+                </a:lnTo>
+                <a:lnTo>
+                  <a:pt x="6265248" y="6858000"/>
+                </a:lnTo>
+                <a:lnTo>
+                  <a:pt x="20957" y="6858000"/>
+                </a:lnTo>
+                <a:lnTo>
+                  <a:pt x="46002" y="6702325"/>
+                </a:lnTo>
+                <a:lnTo>
+                  <a:pt x="69870" y="6547334"/>
+                </a:lnTo>
+                <a:lnTo>
+                  <a:pt x="93234" y="6391658"/>
+                </a:lnTo>
+                <a:lnTo>
+                  <a:pt x="113237" y="6235295"/>
+                </a:lnTo>
+                <a:lnTo>
+                  <a:pt x="133409" y="6079619"/>
+                </a:lnTo>
+                <a:lnTo>
+                  <a:pt x="152234" y="5923256"/>
+                </a:lnTo>
+                <a:lnTo>
+                  <a:pt x="168370" y="5768951"/>
+                </a:lnTo>
+                <a:lnTo>
+                  <a:pt x="183667" y="5612589"/>
+                </a:lnTo>
+                <a:lnTo>
+                  <a:pt x="197619" y="5456912"/>
+                </a:lnTo>
+                <a:lnTo>
+                  <a:pt x="209720" y="5303979"/>
+                </a:lnTo>
+                <a:lnTo>
+                  <a:pt x="221823" y="5148988"/>
+                </a:lnTo>
+                <a:lnTo>
+                  <a:pt x="231908" y="4996055"/>
+                </a:lnTo>
+                <a:lnTo>
+                  <a:pt x="239808" y="4843121"/>
+                </a:lnTo>
+                <a:lnTo>
+                  <a:pt x="248045" y="4690874"/>
+                </a:lnTo>
+                <a:lnTo>
+                  <a:pt x="254936" y="4539998"/>
+                </a:lnTo>
+                <a:lnTo>
+                  <a:pt x="259811" y="4390493"/>
+                </a:lnTo>
+                <a:lnTo>
+                  <a:pt x="264014" y="4240989"/>
+                </a:lnTo>
+                <a:lnTo>
+                  <a:pt x="268047" y="4092856"/>
+                </a:lnTo>
+                <a:lnTo>
+                  <a:pt x="269897" y="3946781"/>
+                </a:lnTo>
+                <a:lnTo>
+                  <a:pt x="271913" y="3800705"/>
+                </a:lnTo>
+                <a:lnTo>
+                  <a:pt x="272922" y="3656687"/>
+                </a:lnTo>
+                <a:lnTo>
+                  <a:pt x="271913" y="3514041"/>
+                </a:lnTo>
+                <a:lnTo>
+                  <a:pt x="271913" y="3372766"/>
+                </a:lnTo>
+                <a:lnTo>
+                  <a:pt x="269897" y="3232863"/>
+                </a:lnTo>
+                <a:lnTo>
+                  <a:pt x="266871" y="3095703"/>
+                </a:lnTo>
+                <a:lnTo>
+                  <a:pt x="264014" y="2959915"/>
+                </a:lnTo>
+                <a:lnTo>
+                  <a:pt x="260820" y="2826869"/>
+                </a:lnTo>
+                <a:lnTo>
+                  <a:pt x="255946" y="2694510"/>
+                </a:lnTo>
+                <a:lnTo>
+                  <a:pt x="250734" y="2564209"/>
+                </a:lnTo>
+                <a:lnTo>
+                  <a:pt x="246028" y="2436650"/>
+                </a:lnTo>
+                <a:lnTo>
+                  <a:pt x="232749" y="2187704"/>
+                </a:lnTo>
+                <a:lnTo>
+                  <a:pt x="218630" y="1949046"/>
+                </a:lnTo>
+                <a:lnTo>
+                  <a:pt x="203837" y="1719989"/>
+                </a:lnTo>
+                <a:lnTo>
+                  <a:pt x="187532" y="1503276"/>
+                </a:lnTo>
+                <a:lnTo>
+                  <a:pt x="170555" y="1296164"/>
+                </a:lnTo>
+                <a:lnTo>
+                  <a:pt x="152234" y="1104140"/>
+                </a:lnTo>
+                <a:lnTo>
+                  <a:pt x="134248" y="923775"/>
+                </a:lnTo>
+                <a:lnTo>
+                  <a:pt x="116263" y="757811"/>
+                </a:lnTo>
+                <a:lnTo>
+                  <a:pt x="99286" y="605564"/>
+                </a:lnTo>
+                <a:lnTo>
+                  <a:pt x="83149" y="470461"/>
+                </a:lnTo>
+                <a:lnTo>
+                  <a:pt x="67853" y="348389"/>
+                </a:lnTo>
+                <a:lnTo>
+                  <a:pt x="55078" y="245519"/>
+                </a:lnTo>
+                <a:lnTo>
+                  <a:pt x="42976" y="159108"/>
+                </a:lnTo>
+                <a:lnTo>
+                  <a:pt x="25662" y="40464"/>
+                </a:lnTo>
+                <a:lnTo>
+                  <a:pt x="19779" y="2"/>
+                </a:lnTo>
+                <a:lnTo>
+                  <a:pt x="26532" y="2"/>
+                </a:lnTo>
+                <a:lnTo>
+                  <a:pt x="26532" y="1"/>
+                </a:lnTo>
+                <a:lnTo>
+                  <a:pt x="0" y="1"/>
+                </a:lnTo>
+                <a:close/>
+              </a:path>
+            </a:pathLst>
+          </a:custGeom>
+          <a:solidFill>
+            <a:schemeClr val="bg2"/>
+          </a:solidFill>
+          <a:ln>
+            <a:noFill/>
+          </a:ln>
+        </p:spPr>
+        <p:style>
+          <a:lnRef idx="2">
+            <a:schemeClr val="accent1">
+              <a:shade val="50000"/>
+            </a:schemeClr>
+          </a:lnRef>
+          <a:fillRef idx="1">
+            <a:schemeClr val="accent1"/>
+          </a:fillRef>
+          <a:effectRef idx="0">
+            <a:schemeClr val="accent1"/>
+          </a:effectRef>
+          <a:fontRef idx="minor">
+            <a:schemeClr val="lt1"/>
+          </a:fontRef>
+        </p:style>
+        <p:txBody>
+          <a:bodyPr rtlCol="0" anchor="ctr"/>
+          <a:lstStyle/>
+          <a:p>
+            <a:pPr algn="ctr"/>
+            <a:endParaRPr lang="en-US"/>
+          </a:p>
+        </p:txBody>
+      </p:sp>
+      <p:sp>
+        <p:nvSpPr>
           <p:cNvPr id="2" name="Title 1">
             <a:extLst>
               <a:ext uri="{FF2B5EF4-FFF2-40B4-BE49-F238E27FC236}">
@@ -8406,40 +9038,63 @@
             <p:ph type="title"/>
           </p:nvPr>
         </p:nvSpPr>
-        <p:spPr/>
-        <p:txBody>
-          <a:bodyPr/>
+        <p:spPr>
+          <a:xfrm>
+            <a:off x="685801" y="500743"/>
+            <a:ext cx="7402285" cy="1360714"/>
+          </a:xfrm>
+        </p:spPr>
+        <p:txBody>
+          <a:bodyPr>
+            <a:normAutofit/>
+          </a:bodyPr>
           <a:lstStyle/>
           <a:p>
-            <a:endParaRPr lang="en-US"/>
-          </a:p>
-        </p:txBody>
-      </p:sp>
-      <p:sp>
-        <p:nvSpPr>
-          <p:cNvPr id="3" name="Content Placeholder 2">
+            <a:r>
+              <a:rPr lang="en-US" dirty="0"/>
+              <a:t>Execution engine</a:t>
+            </a:r>
+          </a:p>
+        </p:txBody>
+      </p:sp>
+      <p:pic>
+        <p:nvPicPr>
+          <p:cNvPr id="5" name="Content Placeholder 4">
             <a:extLst>
               <a:ext uri="{FF2B5EF4-FFF2-40B4-BE49-F238E27FC236}">
-                <a16:creationId xmlns:a16="http://schemas.microsoft.com/office/drawing/2014/main" id="{B7636D23-FA4C-4677-A75E-64CE61439E7B}"/>
+                <a16:creationId xmlns:a16="http://schemas.microsoft.com/office/drawing/2014/main" id="{93F29949-3889-4E56-A1F5-250CD80BCB6B}"/>
               </a:ext>
             </a:extLst>
           </p:cNvPr>
-          <p:cNvSpPr>
-            <a:spLocks noGrp="1"/>
-          </p:cNvSpPr>
+          <p:cNvPicPr>
+            <a:picLocks noGrp="1" noChangeAspect="1"/>
+          </p:cNvPicPr>
           <p:nvPr>
             <p:ph idx="1"/>
           </p:nvPr>
-        </p:nvSpPr>
-        <p:spPr/>
-        <p:txBody>
-          <a:bodyPr/>
-          <a:lstStyle/>
-          <a:p>
-            <a:endParaRPr lang="en-US"/>
-          </a:p>
-        </p:txBody>
-      </p:sp>
+        </p:nvPicPr>
+        <p:blipFill>
+          <a:blip r:embed="rId3">
+            <a:extLst>
+              <a:ext uri="{28A0092B-C50C-407E-A947-70E740481C1C}">
+                <a14:useLocalDpi xmlns:a14="http://schemas.microsoft.com/office/drawing/2010/main" val="0"/>
+              </a:ext>
+            </a:extLst>
+          </a:blip>
+          <a:stretch>
+            <a:fillRect/>
+          </a:stretch>
+        </p:blipFill>
+        <p:spPr>
+          <a:xfrm>
+            <a:off x="8845162" y="4114587"/>
+            <a:ext cx="3346838" cy="2739549"/>
+          </a:xfrm>
+          <a:effectLst>
+            <a:softEdge rad="127000"/>
+          </a:effectLst>
+        </p:spPr>
+      </p:pic>
     </p:spTree>
     <p:extLst>
       <p:ext uri="{BB962C8B-B14F-4D97-AF65-F5344CB8AC3E}">
@@ -8448,7 +9103,7 @@
     </p:extLst>
   </p:cSld>
   <p:clrMapOvr>
-    <a:masterClrMapping/>
+    <a:overrideClrMapping bg1="lt1" tx1="dk1" bg2="lt2" tx2="dk2" accent1="accent1" accent2="accent2" accent3="accent3" accent4="accent4" accent5="accent5" accent6="accent6" hlink="hlink" folHlink="folHlink"/>
   </p:clrMapOvr>
 </p:sld>
 </file>
@@ -8456,6 +9111,17 @@
 <file path=ppt/slides/slide4.xml><?xml version="1.0" encoding="utf-8"?>
 <p:sld xmlns:a="http://schemas.openxmlformats.org/drawingml/2006/main" xmlns:r="http://schemas.openxmlformats.org/officeDocument/2006/relationships" xmlns:p="http://schemas.openxmlformats.org/presentationml/2006/main">
   <p:cSld>
+    <p:bg>
+      <p:bgPr>
+        <a:blipFill>
+          <a:blip r:embed="rId2">
+            <a:extLst/>
+          </a:blip>
+          <a:stretch/>
+        </a:blipFill>
+        <a:effectLst/>
+      </p:bgPr>
+    </p:bg>
     <p:spTree>
       <p:nvGrpSpPr>
         <p:cNvPr id="1" name=""/>
@@ -8470,6 +9136,148 @@
           <a:chExt cx="0" cy="0"/>
         </a:xfrm>
       </p:grpSpPr>
+      <p:sp useBgFill="1">
+        <p:nvSpPr>
+          <p:cNvPr id="16" name="Rectangle 15">
+            <a:extLst>
+              <a:ext uri="{FF2B5EF4-FFF2-40B4-BE49-F238E27FC236}">
+                <a16:creationId xmlns:a16="http://schemas.microsoft.com/office/drawing/2014/main" id="{CBD94887-6A10-4F62-8EE1-B2BCFA1F380F}"/>
+              </a:ext>
+              <a:ext uri="{C183D7F6-B498-43B3-948B-1728B52AA6E4}">
+                <adec:decorative xmlns:adec="http://schemas.microsoft.com/office/drawing/2017/decorative" val="1"/>
+              </a:ext>
+            </a:extLst>
+          </p:cNvPr>
+          <p:cNvSpPr>
+            <a:spLocks noGrp="1" noRot="1" noChangeAspect="1" noMove="1" noResize="1" noEditPoints="1" noAdjustHandles="1" noChangeArrowheads="1" noChangeShapeType="1" noTextEdit="1"/>
+          </p:cNvSpPr>
+          <p:nvPr>
+            <p:extLst>
+              <p:ext uri="{386F3935-93C4-4BCD-93E2-E3B085C9AB24}">
+                <p16:designElem xmlns:p16="http://schemas.microsoft.com/office/powerpoint/2015/main" val="1"/>
+              </p:ext>
+            </p:extLst>
+          </p:nvPr>
+        </p:nvSpPr>
+        <p:spPr>
+          <a:xfrm>
+            <a:off x="-3175" y="-1786"/>
+            <a:ext cx="12188825" cy="6856214"/>
+          </a:xfrm>
+          <a:prstGeom prst="rect">
+            <a:avLst/>
+          </a:prstGeom>
+          <a:ln>
+            <a:noFill/>
+          </a:ln>
+        </p:spPr>
+        <p:style>
+          <a:lnRef idx="2">
+            <a:schemeClr val="accent1">
+              <a:shade val="50000"/>
+            </a:schemeClr>
+          </a:lnRef>
+          <a:fillRef idx="1">
+            <a:schemeClr val="accent1"/>
+          </a:fillRef>
+          <a:effectRef idx="0">
+            <a:schemeClr val="accent1"/>
+          </a:effectRef>
+          <a:fontRef idx="minor">
+            <a:schemeClr val="lt1"/>
+          </a:fontRef>
+        </p:style>
+        <p:txBody>
+          <a:bodyPr rtlCol="0" anchor="ctr"/>
+          <a:lstStyle/>
+          <a:p>
+            <a:pPr algn="ctr"/>
+            <a:endParaRPr lang="en-US"/>
+          </a:p>
+        </p:txBody>
+      </p:sp>
+      <p:pic>
+        <p:nvPicPr>
+          <p:cNvPr id="9" name="Picture 8">
+            <a:extLst>
+              <a:ext uri="{FF2B5EF4-FFF2-40B4-BE49-F238E27FC236}">
+                <a16:creationId xmlns:a16="http://schemas.microsoft.com/office/drawing/2014/main" id="{9C2F50C5-EDF1-4FF0-A0E4-0838FBCACA5D}"/>
+              </a:ext>
+            </a:extLst>
+          </p:cNvPr>
+          <p:cNvPicPr>
+            <a:picLocks noChangeAspect="1"/>
+          </p:cNvPicPr>
+          <p:nvPr/>
+        </p:nvPicPr>
+        <p:blipFill rotWithShape="1">
+          <a:blip r:embed="rId3">
+            <a:alphaModFix amt="20000"/>
+            <a:extLst>
+              <a:ext uri="{28A0092B-C50C-407E-A947-70E740481C1C}">
+                <a14:useLocalDpi xmlns:a14="http://schemas.microsoft.com/office/drawing/2010/main" val="0"/>
+              </a:ext>
+            </a:extLst>
+          </a:blip>
+          <a:srcRect b="18478"/>
+          <a:stretch/>
+        </p:blipFill>
+        <p:spPr>
+          <a:xfrm>
+            <a:off x="20" y="10"/>
+            <a:ext cx="12191980" cy="6857990"/>
+          </a:xfrm>
+          <a:prstGeom prst="rect">
+            <a:avLst/>
+          </a:prstGeom>
+        </p:spPr>
+      </p:pic>
+      <p:pic>
+        <p:nvPicPr>
+          <p:cNvPr id="18" name="Picture 17">
+            <a:extLst>
+              <a:ext uri="{FF2B5EF4-FFF2-40B4-BE49-F238E27FC236}">
+                <a16:creationId xmlns:a16="http://schemas.microsoft.com/office/drawing/2014/main" id="{A3D512BA-228A-4979-9312-ACD246E1099D}"/>
+              </a:ext>
+              <a:ext uri="{C183D7F6-B498-43B3-948B-1728B52AA6E4}">
+                <adec:decorative xmlns:adec="http://schemas.microsoft.com/office/drawing/2017/decorative" val="1"/>
+              </a:ext>
+            </a:extLst>
+          </p:cNvPr>
+          <p:cNvPicPr>
+            <a:picLocks noGrp="1" noRot="1" noChangeAspect="1" noMove="1" noResize="1" noEditPoints="1" noAdjustHandles="1" noChangeArrowheads="1" noChangeShapeType="1" noCrop="1"/>
+          </p:cNvPicPr>
+          <p:nvPr>
+            <p:extLst>
+              <p:ext uri="{386F3935-93C4-4BCD-93E2-E3B085C9AB24}">
+                <p16:designElem xmlns:p16="http://schemas.microsoft.com/office/powerpoint/2015/main" val="1"/>
+              </p:ext>
+            </p:extLst>
+          </p:nvPr>
+        </p:nvPicPr>
+        <p:blipFill>
+          <a:blip r:embed="rId4">
+            <a:alphaModFix amt="39000"/>
+            <a:extLst>
+              <a:ext uri="{28A0092B-C50C-407E-A947-70E740481C1C}">
+                <a14:useLocalDpi xmlns:a14="http://schemas.microsoft.com/office/drawing/2010/main" val="0"/>
+              </a:ext>
+            </a:extLst>
+          </a:blip>
+          <a:stretch>
+            <a:fillRect/>
+          </a:stretch>
+        </p:blipFill>
+        <p:spPr>
+          <a:xfrm>
+            <a:off x="0" y="0"/>
+            <a:ext cx="12188825" cy="6856214"/>
+          </a:xfrm>
+          <a:prstGeom prst="rect">
+            <a:avLst/>
+          </a:prstGeom>
+        </p:spPr>
+      </p:pic>
       <p:sp>
         <p:nvSpPr>
           <p:cNvPr id="2" name="Title 1">
@@ -8486,40 +9294,78 @@
             <p:ph type="title"/>
           </p:nvPr>
         </p:nvSpPr>
-        <p:spPr/>
-        <p:txBody>
-          <a:bodyPr/>
+        <p:spPr>
+          <a:xfrm>
+            <a:off x="685801" y="609600"/>
+            <a:ext cx="10131425" cy="1456267"/>
+          </a:xfrm>
+        </p:spPr>
+        <p:txBody>
+          <a:bodyPr>
+            <a:normAutofit/>
+          </a:bodyPr>
           <a:lstStyle/>
           <a:p>
-            <a:endParaRPr lang="en-US"/>
-          </a:p>
-        </p:txBody>
-      </p:sp>
-      <p:sp>
-        <p:nvSpPr>
-          <p:cNvPr id="3" name="Content Placeholder 2">
+            <a:r>
+              <a:rPr lang="en-US" dirty="0"/>
+              <a:t>Module structure</a:t>
+            </a:r>
+          </a:p>
+        </p:txBody>
+      </p:sp>
+      <p:pic>
+        <p:nvPicPr>
+          <p:cNvPr id="13" name="Content Placeholder 12">
             <a:extLst>
               <a:ext uri="{FF2B5EF4-FFF2-40B4-BE49-F238E27FC236}">
-                <a16:creationId xmlns:a16="http://schemas.microsoft.com/office/drawing/2014/main" id="{B2FF513B-74FD-4009-AAFE-D5D9F5B6A934}"/>
+                <a16:creationId xmlns:a16="http://schemas.microsoft.com/office/drawing/2014/main" id="{DB880E20-5262-4374-AA89-0BF78B877A53}"/>
               </a:ext>
             </a:extLst>
           </p:cNvPr>
-          <p:cNvSpPr>
-            <a:spLocks noGrp="1"/>
-          </p:cNvSpPr>
+          <p:cNvPicPr>
+            <a:picLocks noGrp="1" noChangeAspect="1"/>
+          </p:cNvPicPr>
           <p:nvPr>
             <p:ph idx="1"/>
           </p:nvPr>
-        </p:nvSpPr>
-        <p:spPr/>
-        <p:txBody>
-          <a:bodyPr/>
-          <a:lstStyle/>
-          <a:p>
-            <a:endParaRPr lang="en-US"/>
-          </a:p>
-        </p:txBody>
-      </p:sp>
+        </p:nvPicPr>
+        <p:blipFill rotWithShape="1">
+          <a:blip r:embed="rId5">
+            <a:duotone>
+              <a:prstClr val="black"/>
+              <a:srgbClr val="D9C3A5">
+                <a:tint val="50000"/>
+                <a:satMod val="180000"/>
+              </a:srgbClr>
+            </a:duotone>
+            <a:extLst>
+              <a:ext uri="{BEBA8EAE-BF5A-486C-A8C5-ECC9F3942E4B}">
+                <a14:imgProps xmlns:a14="http://schemas.microsoft.com/office/drawing/2010/main">
+                  <a14:imgLayer r:embed="rId6">
+                    <a14:imgEffect>
+                      <a14:colorTemperature colorTemp="1500"/>
+                    </a14:imgEffect>
+                  </a14:imgLayer>
+                </a14:imgProps>
+              </a:ext>
+              <a:ext uri="{28A0092B-C50C-407E-A947-70E740481C1C}">
+                <a14:useLocalDpi xmlns:a14="http://schemas.microsoft.com/office/drawing/2010/main" val="0"/>
+              </a:ext>
+            </a:extLst>
+          </a:blip>
+          <a:srcRect l="28848" r="19518" b="24877"/>
+          <a:stretch/>
+        </p:blipFill>
+        <p:spPr>
+          <a:xfrm rot="20365123">
+            <a:off x="7370444" y="1095831"/>
+            <a:ext cx="1704977" cy="2424956"/>
+          </a:xfrm>
+          <a:effectLst>
+            <a:softEdge rad="317500"/>
+          </a:effectLst>
+        </p:spPr>
+      </p:pic>
     </p:spTree>
     <p:extLst>
       <p:ext uri="{BB962C8B-B14F-4D97-AF65-F5344CB8AC3E}">
@@ -8571,7 +9417,10 @@
           <a:bodyPr/>
           <a:lstStyle/>
           <a:p>
-            <a:endParaRPr lang="en-US"/>
+            <a:r>
+              <a:rPr lang="en-US" dirty="0"/>
+              <a:t>Interesting code</a:t>
+            </a:r>
           </a:p>
         </p:txBody>
       </p:sp>
@@ -8604,6 +9453,90 @@
     <p:extLst>
       <p:ext uri="{BB962C8B-B14F-4D97-AF65-F5344CB8AC3E}">
         <p14:creationId xmlns:p14="http://schemas.microsoft.com/office/powerpoint/2010/main" val="2381571536"/>
+      </p:ext>
+    </p:extLst>
+  </p:cSld>
+  <p:clrMapOvr>
+    <a:masterClrMapping/>
+  </p:clrMapOvr>
+</p:sld>
+</file>
+
+<file path=ppt/slides/slide6.xml><?xml version="1.0" encoding="utf-8"?>
+<p:sld xmlns:a="http://schemas.openxmlformats.org/drawingml/2006/main" xmlns:r="http://schemas.openxmlformats.org/officeDocument/2006/relationships" xmlns:p="http://schemas.openxmlformats.org/presentationml/2006/main">
+  <p:cSld>
+    <p:spTree>
+      <p:nvGrpSpPr>
+        <p:cNvPr id="1" name=""/>
+        <p:cNvGrpSpPr/>
+        <p:nvPr/>
+      </p:nvGrpSpPr>
+      <p:grpSpPr>
+        <a:xfrm>
+          <a:off x="0" y="0"/>
+          <a:ext cx="0" cy="0"/>
+          <a:chOff x="0" y="0"/>
+          <a:chExt cx="0" cy="0"/>
+        </a:xfrm>
+      </p:grpSpPr>
+      <p:sp>
+        <p:nvSpPr>
+          <p:cNvPr id="2" name="Title 1">
+            <a:extLst>
+              <a:ext uri="{FF2B5EF4-FFF2-40B4-BE49-F238E27FC236}">
+                <a16:creationId xmlns:a16="http://schemas.microsoft.com/office/drawing/2014/main" id="{C691932B-4BF3-4AAC-80CA-E05ACC6BC1DD}"/>
+              </a:ext>
+            </a:extLst>
+          </p:cNvPr>
+          <p:cNvSpPr>
+            <a:spLocks noGrp="1"/>
+          </p:cNvSpPr>
+          <p:nvPr>
+            <p:ph type="title"/>
+          </p:nvPr>
+        </p:nvSpPr>
+        <p:spPr/>
+        <p:txBody>
+          <a:bodyPr/>
+          <a:lstStyle/>
+          <a:p>
+            <a:r>
+              <a:rPr lang="en-US"/>
+              <a:t>Thank you</a:t>
+            </a:r>
+            <a:endParaRPr lang="en-US" dirty="0"/>
+          </a:p>
+        </p:txBody>
+      </p:sp>
+      <p:sp>
+        <p:nvSpPr>
+          <p:cNvPr id="3" name="Content Placeholder 2">
+            <a:extLst>
+              <a:ext uri="{FF2B5EF4-FFF2-40B4-BE49-F238E27FC236}">
+                <a16:creationId xmlns:a16="http://schemas.microsoft.com/office/drawing/2014/main" id="{80C0CE42-7F47-4EAF-A10A-DFD2A9EDE95C}"/>
+              </a:ext>
+            </a:extLst>
+          </p:cNvPr>
+          <p:cNvSpPr>
+            <a:spLocks noGrp="1"/>
+          </p:cNvSpPr>
+          <p:nvPr>
+            <p:ph idx="1"/>
+          </p:nvPr>
+        </p:nvSpPr>
+        <p:spPr/>
+        <p:txBody>
+          <a:bodyPr/>
+          <a:lstStyle/>
+          <a:p>
+            <a:endParaRPr lang="en-US"/>
+          </a:p>
+        </p:txBody>
+      </p:sp>
+    </p:spTree>
+    <p:extLst>
+      <p:ext uri="{BB962C8B-B14F-4D97-AF65-F5344CB8AC3E}">
+        <p14:creationId xmlns:p14="http://schemas.microsoft.com/office/powerpoint/2010/main" val="724954679"/>
       </p:ext>
     </p:extLst>
   </p:cSld>

--- a/LTS25HDLPresentation.pptx
+++ b/LTS25HDLPresentation.pptx
@@ -8244,7 +8244,10 @@
           <a:p>
             <a:pPr algn="ctr"/>
             <a:r>
-              <a:rPr lang="en-US" dirty="0"/>
+              <a:rPr lang="en-US" dirty="0">
+                <a:latin typeface="Times New Roman" panose="02020603050405020304" pitchFamily="18" charset="0"/>
+                <a:cs typeface="Times New Roman" panose="02020603050405020304" pitchFamily="18" charset="0"/>
+              </a:rPr>
               <a:t>Verilog HDL Final Project</a:t>
             </a:r>
           </a:p>
@@ -8280,7 +8283,10 @@
           <a:p>
             <a:pPr algn="ctr"/>
             <a:r>
-              <a:rPr lang="en-US" dirty="0"/>
+              <a:rPr lang="en-US" dirty="0">
+                <a:latin typeface="Times New Roman" panose="02020603050405020304" pitchFamily="18" charset="0"/>
+                <a:cs typeface="Times New Roman" panose="02020603050405020304" pitchFamily="18" charset="0"/>
+              </a:rPr>
               <a:t>Levi Stalsworth</a:t>
             </a:r>
           </a:p>
@@ -8356,10 +8362,12 @@
           <a:lstStyle/>
           <a:p>
             <a:r>
-              <a:rPr lang="en-US" dirty="0"/>
+              <a:rPr lang="en-US" dirty="0">
+                <a:latin typeface="Times New Roman" panose="02020603050405020304" pitchFamily="18" charset="0"/>
+                <a:cs typeface="Times New Roman" panose="02020603050405020304" pitchFamily="18" charset="0"/>
+              </a:rPr>
               <a:t>Top level diagram</a:t>
             </a:r>
-            <a:endParaRPr lang="en-US"/>
           </a:p>
         </p:txBody>
       </p:sp>
@@ -9051,7 +9059,10 @@
           <a:lstStyle/>
           <a:p>
             <a:r>
-              <a:rPr lang="en-US" dirty="0"/>
+              <a:rPr lang="en-US" dirty="0">
+                <a:latin typeface="Times New Roman" panose="02020603050405020304" pitchFamily="18" charset="0"/>
+                <a:cs typeface="Times New Roman" panose="02020603050405020304" pitchFamily="18" charset="0"/>
+              </a:rPr>
               <a:t>Execution engine</a:t>
             </a:r>
           </a:p>
@@ -9307,7 +9318,10 @@
           <a:lstStyle/>
           <a:p>
             <a:r>
-              <a:rPr lang="en-US" dirty="0"/>
+              <a:rPr lang="en-US" dirty="0">
+                <a:latin typeface="Times New Roman" panose="02020603050405020304" pitchFamily="18" charset="0"/>
+                <a:cs typeface="Times New Roman" panose="02020603050405020304" pitchFamily="18" charset="0"/>
+              </a:rPr>
               <a:t>Module structure</a:t>
             </a:r>
           </a:p>
@@ -9361,11 +9375,56 @@
             <a:off x="7370444" y="1095831"/>
             <a:ext cx="1704977" cy="2424956"/>
           </a:xfrm>
+          <a:solidFill>
+            <a:schemeClr val="accent1"/>
+          </a:solidFill>
           <a:effectLst>
             <a:softEdge rad="317500"/>
           </a:effectLst>
         </p:spPr>
       </p:pic>
+      <p:sp>
+        <p:nvSpPr>
+          <p:cNvPr id="3" name="TextBox 2">
+            <a:extLst>
+              <a:ext uri="{FF2B5EF4-FFF2-40B4-BE49-F238E27FC236}">
+                <a16:creationId xmlns:a16="http://schemas.microsoft.com/office/drawing/2014/main" id="{46B6F6F7-51C3-4F36-A016-F29C6E8E710A}"/>
+              </a:ext>
+            </a:extLst>
+          </p:cNvPr>
+          <p:cNvSpPr txBox="1"/>
+          <p:nvPr/>
+        </p:nvSpPr>
+        <p:spPr>
+          <a:xfrm>
+            <a:off x="855406" y="2315497"/>
+            <a:ext cx="9961820" cy="369332"/>
+          </a:xfrm>
+          <a:prstGeom prst="rect">
+            <a:avLst/>
+          </a:prstGeom>
+          <a:noFill/>
+        </p:spPr>
+        <p:txBody>
+          <a:bodyPr wrap="square" rtlCol="0">
+            <a:spAutoFit/>
+          </a:bodyPr>
+          <a:lstStyle/>
+          <a:p>
+            <a:pPr marL="285750" indent="-285750">
+              <a:buFont typeface="Arial" panose="020B0604020202020204" pitchFamily="34" charset="0"/>
+              <a:buChar char="•"/>
+            </a:pPr>
+            <a:r>
+              <a:rPr lang="en-US" dirty="0">
+                <a:latin typeface="Times New Roman" panose="02020603050405020304" pitchFamily="18" charset="0"/>
+                <a:cs typeface="Times New Roman" panose="02020603050405020304" pitchFamily="18" charset="0"/>
+              </a:rPr>
+              <a:t>Describing of models</a:t>
+            </a:r>
+          </a:p>
+        </p:txBody>
+      </p:sp>
     </p:spTree>
     <p:extLst>
       <p:ext uri="{BB962C8B-B14F-4D97-AF65-F5344CB8AC3E}">
@@ -9382,6 +9441,17 @@
 <file path=ppt/slides/slide5.xml><?xml version="1.0" encoding="utf-8"?>
 <p:sld xmlns:a="http://schemas.openxmlformats.org/drawingml/2006/main" xmlns:r="http://schemas.openxmlformats.org/officeDocument/2006/relationships" xmlns:p="http://schemas.openxmlformats.org/presentationml/2006/main">
   <p:cSld>
+    <p:bg>
+      <p:bgPr>
+        <a:blipFill>
+          <a:blip r:embed="rId2">
+            <a:extLst/>
+          </a:blip>
+          <a:stretch/>
+        </a:blipFill>
+        <a:effectLst/>
+      </p:bgPr>
+    </p:bg>
     <p:spTree>
       <p:nvGrpSpPr>
         <p:cNvPr id="1" name=""/>
@@ -9412,27 +9482,72 @@
             <p:ph type="title"/>
           </p:nvPr>
         </p:nvSpPr>
-        <p:spPr/>
-        <p:txBody>
-          <a:bodyPr/>
+        <p:spPr>
+          <a:xfrm>
+            <a:off x="4955458" y="639097"/>
+            <a:ext cx="6593075" cy="1612490"/>
+          </a:xfrm>
+        </p:spPr>
+        <p:txBody>
+          <a:bodyPr>
+            <a:normAutofit/>
+          </a:bodyPr>
           <a:lstStyle/>
           <a:p>
             <a:r>
-              <a:rPr lang="en-US" dirty="0"/>
+              <a:rPr lang="en-US" dirty="0">
+                <a:latin typeface="Times New Roman" panose="02020603050405020304" pitchFamily="18" charset="0"/>
+                <a:cs typeface="Times New Roman" panose="02020603050405020304" pitchFamily="18" charset="0"/>
+              </a:rPr>
               <a:t>Interesting code</a:t>
             </a:r>
           </a:p>
         </p:txBody>
       </p:sp>
-      <p:sp>
-        <p:nvSpPr>
-          <p:cNvPr id="3" name="Content Placeholder 2">
+      <p:pic>
+        <p:nvPicPr>
+          <p:cNvPr id="8" name="Content Placeholder 4">
             <a:extLst>
               <a:ext uri="{FF2B5EF4-FFF2-40B4-BE49-F238E27FC236}">
-                <a16:creationId xmlns:a16="http://schemas.microsoft.com/office/drawing/2014/main" id="{60ECDA64-E6AB-44C4-B4BC-24B8009683CD}"/>
+                <a16:creationId xmlns:a16="http://schemas.microsoft.com/office/drawing/2014/main" id="{B3F11213-622C-4B13-B881-F54318159181}"/>
               </a:ext>
             </a:extLst>
           </p:cNvPr>
+          <p:cNvPicPr>
+            <a:picLocks noChangeAspect="1"/>
+          </p:cNvPicPr>
+          <p:nvPr/>
+        </p:nvPicPr>
+        <p:blipFill rotWithShape="1">
+          <a:blip r:embed="rId3">
+            <a:extLst>
+              <a:ext uri="{28A0092B-C50C-407E-A947-70E740481C1C}">
+                <a14:useLocalDpi xmlns:a14="http://schemas.microsoft.com/office/drawing/2010/main" val="0"/>
+              </a:ext>
+            </a:extLst>
+          </a:blip>
+          <a:srcRect l="13027" r="9495"/>
+          <a:stretch/>
+        </p:blipFill>
+        <p:spPr>
+          <a:xfrm>
+            <a:off x="20" y="975"/>
+            <a:ext cx="4635988" cy="6858000"/>
+          </a:xfrm>
+          <a:prstGeom prst="rect">
+            <a:avLst/>
+          </a:prstGeom>
+        </p:spPr>
+      </p:pic>
+      <p:sp>
+        <p:nvSpPr>
+          <p:cNvPr id="10" name="Content Placeholder 9">
+            <a:extLst>
+              <a:ext uri="{FF2B5EF4-FFF2-40B4-BE49-F238E27FC236}">
+                <a16:creationId xmlns:a16="http://schemas.microsoft.com/office/drawing/2014/main" id="{125664D4-5AF4-4E4E-9033-77C41ED8363E}"/>
+              </a:ext>
+            </a:extLst>
+          </p:cNvPr>
           <p:cNvSpPr>
             <a:spLocks noGrp="1"/>
           </p:cNvSpPr>
@@ -9440,9 +9555,16 @@
             <p:ph idx="1"/>
           </p:nvPr>
         </p:nvSpPr>
-        <p:spPr/>
-        <p:txBody>
-          <a:bodyPr/>
+        <p:spPr>
+          <a:xfrm>
+            <a:off x="4955458" y="2251587"/>
+            <a:ext cx="6593075" cy="3972232"/>
+          </a:xfrm>
+        </p:spPr>
+        <p:txBody>
+          <a:bodyPr>
+            <a:normAutofit/>
+          </a:bodyPr>
           <a:lstStyle/>
           <a:p>
             <a:endParaRPr lang="en-US"/>
@@ -9465,6 +9587,17 @@
 <file path=ppt/slides/slide6.xml><?xml version="1.0" encoding="utf-8"?>
 <p:sld xmlns:a="http://schemas.openxmlformats.org/drawingml/2006/main" xmlns:r="http://schemas.openxmlformats.org/officeDocument/2006/relationships" xmlns:p="http://schemas.openxmlformats.org/presentationml/2006/main">
   <p:cSld>
+    <p:bg>
+      <p:bgPr>
+        <a:blipFill>
+          <a:blip r:embed="rId2">
+            <a:extLst/>
+          </a:blip>
+          <a:stretch/>
+        </a:blipFill>
+        <a:effectLst/>
+      </p:bgPr>
+    </p:bg>
     <p:spTree>
       <p:nvGrpSpPr>
         <p:cNvPr id="1" name=""/>
@@ -9479,6 +9612,148 @@
           <a:chExt cx="0" cy="0"/>
         </a:xfrm>
       </p:grpSpPr>
+      <p:sp useBgFill="1">
+        <p:nvSpPr>
+          <p:cNvPr id="13" name="Rectangle 12">
+            <a:extLst>
+              <a:ext uri="{FF2B5EF4-FFF2-40B4-BE49-F238E27FC236}">
+                <a16:creationId xmlns:a16="http://schemas.microsoft.com/office/drawing/2014/main" id="{CBD94887-6A10-4F62-8EE1-B2BCFA1F380F}"/>
+              </a:ext>
+              <a:ext uri="{C183D7F6-B498-43B3-948B-1728B52AA6E4}">
+                <adec:decorative xmlns:adec="http://schemas.microsoft.com/office/drawing/2017/decorative" val="1"/>
+              </a:ext>
+            </a:extLst>
+          </p:cNvPr>
+          <p:cNvSpPr>
+            <a:spLocks noGrp="1" noRot="1" noChangeAspect="1" noMove="1" noResize="1" noEditPoints="1" noAdjustHandles="1" noChangeArrowheads="1" noChangeShapeType="1" noTextEdit="1"/>
+          </p:cNvSpPr>
+          <p:nvPr>
+            <p:extLst>
+              <p:ext uri="{386F3935-93C4-4BCD-93E2-E3B085C9AB24}">
+                <p16:designElem xmlns:p16="http://schemas.microsoft.com/office/powerpoint/2015/main" val="1"/>
+              </p:ext>
+            </p:extLst>
+          </p:nvPr>
+        </p:nvSpPr>
+        <p:spPr>
+          <a:xfrm>
+            <a:off x="-3175" y="-1786"/>
+            <a:ext cx="12188825" cy="6856214"/>
+          </a:xfrm>
+          <a:prstGeom prst="rect">
+            <a:avLst/>
+          </a:prstGeom>
+          <a:ln>
+            <a:noFill/>
+          </a:ln>
+        </p:spPr>
+        <p:style>
+          <a:lnRef idx="2">
+            <a:schemeClr val="accent1">
+              <a:shade val="50000"/>
+            </a:schemeClr>
+          </a:lnRef>
+          <a:fillRef idx="1">
+            <a:schemeClr val="accent1"/>
+          </a:fillRef>
+          <a:effectRef idx="0">
+            <a:schemeClr val="accent1"/>
+          </a:effectRef>
+          <a:fontRef idx="minor">
+            <a:schemeClr val="lt1"/>
+          </a:fontRef>
+        </p:style>
+        <p:txBody>
+          <a:bodyPr rtlCol="0" anchor="ctr"/>
+          <a:lstStyle/>
+          <a:p>
+            <a:pPr algn="ctr"/>
+            <a:endParaRPr lang="en-US"/>
+          </a:p>
+        </p:txBody>
+      </p:sp>
+      <p:pic>
+        <p:nvPicPr>
+          <p:cNvPr id="8" name="Content Placeholder 4">
+            <a:extLst>
+              <a:ext uri="{FF2B5EF4-FFF2-40B4-BE49-F238E27FC236}">
+                <a16:creationId xmlns:a16="http://schemas.microsoft.com/office/drawing/2014/main" id="{2536490C-892C-47CA-A059-ED828CE28135}"/>
+              </a:ext>
+            </a:extLst>
+          </p:cNvPr>
+          <p:cNvPicPr>
+            <a:picLocks noChangeAspect="1"/>
+          </p:cNvPicPr>
+          <p:nvPr/>
+        </p:nvPicPr>
+        <p:blipFill rotWithShape="1">
+          <a:blip r:embed="rId3">
+            <a:alphaModFix amt="20000"/>
+            <a:extLst>
+              <a:ext uri="{28A0092B-C50C-407E-A947-70E740481C1C}">
+                <a14:useLocalDpi xmlns:a14="http://schemas.microsoft.com/office/drawing/2010/main" val="0"/>
+              </a:ext>
+            </a:extLst>
+          </a:blip>
+          <a:srcRect t="10000"/>
+          <a:stretch/>
+        </p:blipFill>
+        <p:spPr>
+          <a:xfrm>
+            <a:off x="20" y="10"/>
+            <a:ext cx="12191980" cy="6857990"/>
+          </a:xfrm>
+          <a:prstGeom prst="rect">
+            <a:avLst/>
+          </a:prstGeom>
+        </p:spPr>
+      </p:pic>
+      <p:pic>
+        <p:nvPicPr>
+          <p:cNvPr id="15" name="Picture 14">
+            <a:extLst>
+              <a:ext uri="{FF2B5EF4-FFF2-40B4-BE49-F238E27FC236}">
+                <a16:creationId xmlns:a16="http://schemas.microsoft.com/office/drawing/2014/main" id="{A3D512BA-228A-4979-9312-ACD246E1099D}"/>
+              </a:ext>
+              <a:ext uri="{C183D7F6-B498-43B3-948B-1728B52AA6E4}">
+                <adec:decorative xmlns:adec="http://schemas.microsoft.com/office/drawing/2017/decorative" val="1"/>
+              </a:ext>
+            </a:extLst>
+          </p:cNvPr>
+          <p:cNvPicPr>
+            <a:picLocks noGrp="1" noRot="1" noChangeAspect="1" noMove="1" noResize="1" noEditPoints="1" noAdjustHandles="1" noChangeArrowheads="1" noChangeShapeType="1" noCrop="1"/>
+          </p:cNvPicPr>
+          <p:nvPr>
+            <p:extLst>
+              <p:ext uri="{386F3935-93C4-4BCD-93E2-E3B085C9AB24}">
+                <p16:designElem xmlns:p16="http://schemas.microsoft.com/office/powerpoint/2015/main" val="1"/>
+              </p:ext>
+            </p:extLst>
+          </p:nvPr>
+        </p:nvPicPr>
+        <p:blipFill>
+          <a:blip r:embed="rId4">
+            <a:alphaModFix amt="39000"/>
+            <a:extLst>
+              <a:ext uri="{28A0092B-C50C-407E-A947-70E740481C1C}">
+                <a14:useLocalDpi xmlns:a14="http://schemas.microsoft.com/office/drawing/2010/main" val="0"/>
+              </a:ext>
+            </a:extLst>
+          </a:blip>
+          <a:stretch>
+            <a:fillRect/>
+          </a:stretch>
+        </p:blipFill>
+        <p:spPr>
+          <a:xfrm>
+            <a:off x="0" y="0"/>
+            <a:ext cx="12188825" cy="6856214"/>
+          </a:xfrm>
+          <a:prstGeom prst="rect">
+            <a:avLst/>
+          </a:prstGeom>
+        </p:spPr>
+      </p:pic>
       <p:sp>
         <p:nvSpPr>
           <p:cNvPr id="2" name="Title 1">
@@ -9495,41 +9770,26 @@
             <p:ph type="title"/>
           </p:nvPr>
         </p:nvSpPr>
-        <p:spPr/>
-        <p:txBody>
-          <a:bodyPr/>
+        <p:spPr>
+          <a:xfrm>
+            <a:off x="685801" y="609600"/>
+            <a:ext cx="10131425" cy="1456267"/>
+          </a:xfrm>
+        </p:spPr>
+        <p:txBody>
+          <a:bodyPr>
+            <a:normAutofit/>
+          </a:bodyPr>
           <a:lstStyle/>
           <a:p>
+            <a:pPr algn="ctr"/>
             <a:r>
-              <a:rPr lang="en-US"/>
+              <a:rPr lang="en-US" sz="7200" dirty="0">
+                <a:latin typeface="Times New Roman" panose="02020603050405020304" pitchFamily="18" charset="0"/>
+                <a:cs typeface="Times New Roman" panose="02020603050405020304" pitchFamily="18" charset="0"/>
+              </a:rPr>
               <a:t>Thank you</a:t>
             </a:r>
-            <a:endParaRPr lang="en-US" dirty="0"/>
-          </a:p>
-        </p:txBody>
-      </p:sp>
-      <p:sp>
-        <p:nvSpPr>
-          <p:cNvPr id="3" name="Content Placeholder 2">
-            <a:extLst>
-              <a:ext uri="{FF2B5EF4-FFF2-40B4-BE49-F238E27FC236}">
-                <a16:creationId xmlns:a16="http://schemas.microsoft.com/office/drawing/2014/main" id="{80C0CE42-7F47-4EAF-A10A-DFD2A9EDE95C}"/>
-              </a:ext>
-            </a:extLst>
-          </p:cNvPr>
-          <p:cNvSpPr>
-            <a:spLocks noGrp="1"/>
-          </p:cNvSpPr>
-          <p:nvPr>
-            <p:ph idx="1"/>
-          </p:nvPr>
-        </p:nvSpPr>
-        <p:spPr/>
-        <p:txBody>
-          <a:bodyPr/>
-          <a:lstStyle/>
-          <a:p>
-            <a:endParaRPr lang="en-US"/>
           </a:p>
         </p:txBody>
       </p:sp>

--- a/LTS25HDLPresentation.pptx
+++ b/LTS25HDLPresentation.pptx
@@ -7,10 +7,11 @@
   <p:sldIdLst>
     <p:sldId id="256" r:id="rId2"/>
     <p:sldId id="257" r:id="rId3"/>
-    <p:sldId id="258" r:id="rId4"/>
-    <p:sldId id="259" r:id="rId5"/>
+    <p:sldId id="259" r:id="rId4"/>
+    <p:sldId id="258" r:id="rId5"/>
     <p:sldId id="260" r:id="rId6"/>
-    <p:sldId id="261" r:id="rId7"/>
+    <p:sldId id="262" r:id="rId7"/>
+    <p:sldId id="261" r:id="rId8"/>
   </p:sldIdLst>
   <p:sldSz cx="12192000" cy="6858000"/>
   <p:notesSz cx="6858000" cy="9144000"/>
@@ -5864,12 +5865,12 @@
           <a:chExt cx="0" cy="0"/>
         </a:xfrm>
       </p:grpSpPr>
-      <p:sp>
+      <p:sp useBgFill="1">
         <p:nvSpPr>
-          <p:cNvPr id="21" name="Rectangle 20">
+          <p:cNvPr id="32" name="Rectangle 31">
             <a:extLst>
               <a:ext uri="{FF2B5EF4-FFF2-40B4-BE49-F238E27FC236}">
-                <a16:creationId xmlns:a16="http://schemas.microsoft.com/office/drawing/2014/main" id="{C04F8797-ED77-4C70-AAEA-0DE48267C25C}"/>
+                <a16:creationId xmlns:a16="http://schemas.microsoft.com/office/drawing/2014/main" id="{1BE7BD64-C268-4BE6-8D67-F5DD171F0154}"/>
               </a:ext>
               <a:ext uri="{C183D7F6-B498-43B3-948B-1728B52AA6E4}">
                 <adec:decorative xmlns:adec="http://schemas.microsoft.com/office/drawing/2017/decorative" val="1"/>
@@ -5895,9 +5896,6 @@
           <a:prstGeom prst="rect">
             <a:avLst/>
           </a:prstGeom>
-          <a:solidFill>
-            <a:schemeClr val="tx2"/>
-          </a:solidFill>
           <a:ln>
             <a:noFill/>
           </a:ln>
@@ -5927,21 +5925,21 @@
           </a:p>
         </p:txBody>
       </p:sp>
-      <p:sp useBgFill="1">
-        <p:nvSpPr>
-          <p:cNvPr id="23" name="Freeform: Shape 22">
+      <p:pic>
+        <p:nvPicPr>
+          <p:cNvPr id="34" name="Picture 33">
             <a:extLst>
               <a:ext uri="{FF2B5EF4-FFF2-40B4-BE49-F238E27FC236}">
-                <a16:creationId xmlns:a16="http://schemas.microsoft.com/office/drawing/2014/main" id="{CAD06229-FEB7-4CC9-8BE7-1A9457B9C601}"/>
+                <a16:creationId xmlns:a16="http://schemas.microsoft.com/office/drawing/2014/main" id="{7D6C6E9A-567D-4054-B920-2E1BAF6D2426}"/>
               </a:ext>
               <a:ext uri="{C183D7F6-B498-43B3-948B-1728B52AA6E4}">
                 <adec:decorative xmlns:adec="http://schemas.microsoft.com/office/drawing/2017/decorative" val="1"/>
               </a:ext>
             </a:extLst>
           </p:cNvPr>
-          <p:cNvSpPr>
-            <a:spLocks noGrp="1" noRot="1" noChangeAspect="1" noMove="1" noResize="1" noEditPoints="1" noAdjustHandles="1" noChangeArrowheads="1" noChangeShapeType="1" noTextEdit="1"/>
-          </p:cNvSpPr>
+          <p:cNvPicPr>
+            <a:picLocks noGrp="1" noRot="1" noChangeAspect="1" noMove="1" noResize="1" noEditPoints="1" noAdjustHandles="1" noChangeArrowheads="1" noChangeShapeType="1" noCrop="1"/>
+          </p:cNvPicPr>
           <p:nvPr>
             <p:extLst>
               <p:ext uri="{386F3935-93C4-4BCD-93E2-E3B085C9AB24}">
@@ -5949,127 +5947,118 @@
               </p:ext>
             </p:extLst>
           </p:nvPr>
-        </p:nvSpPr>
+        </p:nvPicPr>
+        <p:blipFill>
+          <a:blip r:embed="rId3">
+            <a:extLst>
+              <a:ext uri="{28A0092B-C50C-407E-A947-70E740481C1C}">
+                <a14:useLocalDpi xmlns:a14="http://schemas.microsoft.com/office/drawing/2010/main" val="0"/>
+              </a:ext>
+            </a:extLst>
+          </a:blip>
+          <a:srcRect/>
+          <a:stretch>
+            <a:fillRect/>
+          </a:stretch>
+        </p:blipFill>
         <p:spPr>
           <a:xfrm>
-            <a:off x="0" y="0"/>
-            <a:ext cx="12192000" cy="5322895"/>
+            <a:off x="1" y="0"/>
+            <a:ext cx="9676190" cy="5442857"/>
           </a:xfrm>
           <a:custGeom>
             <a:avLst/>
             <a:gdLst>
-              <a:gd name="connsiteX0" fmla="*/ 0 w 12192000"/>
-              <a:gd name="connsiteY0" fmla="*/ 0 h 5322895"/>
-              <a:gd name="connsiteX1" fmla="*/ 12192000 w 12192000"/>
-              <a:gd name="connsiteY1" fmla="*/ 0 h 5322895"/>
-              <a:gd name="connsiteX2" fmla="*/ 12192000 w 12192000"/>
-              <a:gd name="connsiteY2" fmla="*/ 213719 h 5322895"/>
-              <a:gd name="connsiteX3" fmla="*/ 12192000 w 12192000"/>
-              <a:gd name="connsiteY3" fmla="*/ 471948 h 5322895"/>
-              <a:gd name="connsiteX4" fmla="*/ 12192000 w 12192000"/>
-              <a:gd name="connsiteY4" fmla="*/ 3571886 h 5322895"/>
-              <a:gd name="connsiteX5" fmla="*/ 12192000 w 12192000"/>
-              <a:gd name="connsiteY5" fmla="*/ 3753332 h 5322895"/>
-              <a:gd name="connsiteX6" fmla="*/ 12192000 w 12192000"/>
-              <a:gd name="connsiteY6" fmla="*/ 4806077 h 5322895"/>
-              <a:gd name="connsiteX7" fmla="*/ 11957522 w 12192000"/>
-              <a:gd name="connsiteY7" fmla="*/ 4849979 h 5322895"/>
-              <a:gd name="connsiteX8" fmla="*/ 11679973 w 12192000"/>
-              <a:gd name="connsiteY8" fmla="*/ 4899723 h 5322895"/>
-              <a:gd name="connsiteX9" fmla="*/ 11401197 w 12192000"/>
-              <a:gd name="connsiteY9" fmla="*/ 4948416 h 5322895"/>
-              <a:gd name="connsiteX10" fmla="*/ 11121192 w 12192000"/>
-              <a:gd name="connsiteY10" fmla="*/ 4990102 h 5322895"/>
-              <a:gd name="connsiteX11" fmla="*/ 10842416 w 12192000"/>
-              <a:gd name="connsiteY11" fmla="*/ 5032139 h 5322895"/>
-              <a:gd name="connsiteX12" fmla="*/ 10562411 w 12192000"/>
-              <a:gd name="connsiteY12" fmla="*/ 5071374 h 5322895"/>
-              <a:gd name="connsiteX13" fmla="*/ 10286091 w 12192000"/>
-              <a:gd name="connsiteY13" fmla="*/ 5105003 h 5322895"/>
-              <a:gd name="connsiteX14" fmla="*/ 10006086 w 12192000"/>
-              <a:gd name="connsiteY14" fmla="*/ 5136881 h 5322895"/>
-              <a:gd name="connsiteX15" fmla="*/ 9727310 w 12192000"/>
-              <a:gd name="connsiteY15" fmla="*/ 5165957 h 5322895"/>
-              <a:gd name="connsiteX16" fmla="*/ 9453445 w 12192000"/>
-              <a:gd name="connsiteY16" fmla="*/ 5191179 h 5322895"/>
-              <a:gd name="connsiteX17" fmla="*/ 9175897 w 12192000"/>
-              <a:gd name="connsiteY17" fmla="*/ 5216401 h 5322895"/>
-              <a:gd name="connsiteX18" fmla="*/ 8902033 w 12192000"/>
-              <a:gd name="connsiteY18" fmla="*/ 5237420 h 5322895"/>
-              <a:gd name="connsiteX19" fmla="*/ 8628169 w 12192000"/>
-              <a:gd name="connsiteY19" fmla="*/ 5253884 h 5322895"/>
-              <a:gd name="connsiteX20" fmla="*/ 8355533 w 12192000"/>
-              <a:gd name="connsiteY20" fmla="*/ 5271050 h 5322895"/>
-              <a:gd name="connsiteX21" fmla="*/ 8085353 w 12192000"/>
-              <a:gd name="connsiteY21" fmla="*/ 5285412 h 5322895"/>
-              <a:gd name="connsiteX22" fmla="*/ 7817629 w 12192000"/>
-              <a:gd name="connsiteY22" fmla="*/ 5295571 h 5322895"/>
-              <a:gd name="connsiteX23" fmla="*/ 7549905 w 12192000"/>
-              <a:gd name="connsiteY23" fmla="*/ 5304329 h 5322895"/>
-              <a:gd name="connsiteX24" fmla="*/ 7284638 w 12192000"/>
-              <a:gd name="connsiteY24" fmla="*/ 5312736 h 5322895"/>
-              <a:gd name="connsiteX25" fmla="*/ 7023055 w 12192000"/>
-              <a:gd name="connsiteY25" fmla="*/ 5316590 h 5322895"/>
-              <a:gd name="connsiteX26" fmla="*/ 6761472 w 12192000"/>
-              <a:gd name="connsiteY26" fmla="*/ 5320793 h 5322895"/>
-              <a:gd name="connsiteX27" fmla="*/ 6503573 w 12192000"/>
-              <a:gd name="connsiteY27" fmla="*/ 5322895 h 5322895"/>
-              <a:gd name="connsiteX28" fmla="*/ 6248130 w 12192000"/>
-              <a:gd name="connsiteY28" fmla="*/ 5320793 h 5322895"/>
-              <a:gd name="connsiteX29" fmla="*/ 5995144 w 12192000"/>
-              <a:gd name="connsiteY29" fmla="*/ 5320793 h 5322895"/>
-              <a:gd name="connsiteX30" fmla="*/ 5744613 w 12192000"/>
-              <a:gd name="connsiteY30" fmla="*/ 5316590 h 5322895"/>
-              <a:gd name="connsiteX31" fmla="*/ 5498995 w 12192000"/>
-              <a:gd name="connsiteY31" fmla="*/ 5310284 h 5322895"/>
-              <a:gd name="connsiteX32" fmla="*/ 5255834 w 12192000"/>
-              <a:gd name="connsiteY32" fmla="*/ 5304329 h 5322895"/>
-              <a:gd name="connsiteX33" fmla="*/ 5017584 w 12192000"/>
-              <a:gd name="connsiteY33" fmla="*/ 5297673 h 5322895"/>
-              <a:gd name="connsiteX34" fmla="*/ 4780562 w 12192000"/>
-              <a:gd name="connsiteY34" fmla="*/ 5287514 h 5322895"/>
-              <a:gd name="connsiteX35" fmla="*/ 4547227 w 12192000"/>
-              <a:gd name="connsiteY35" fmla="*/ 5276654 h 5322895"/>
-              <a:gd name="connsiteX36" fmla="*/ 4318800 w 12192000"/>
-              <a:gd name="connsiteY36" fmla="*/ 5266846 h 5322895"/>
-              <a:gd name="connsiteX37" fmla="*/ 3873004 w 12192000"/>
-              <a:gd name="connsiteY37" fmla="*/ 5239171 h 5322895"/>
-              <a:gd name="connsiteX38" fmla="*/ 3445628 w 12192000"/>
-              <a:gd name="connsiteY38" fmla="*/ 5209746 h 5322895"/>
-              <a:gd name="connsiteX39" fmla="*/ 3035446 w 12192000"/>
-              <a:gd name="connsiteY39" fmla="*/ 5178918 h 5322895"/>
-              <a:gd name="connsiteX40" fmla="*/ 2647370 w 12192000"/>
-              <a:gd name="connsiteY40" fmla="*/ 5144939 h 5322895"/>
-              <a:gd name="connsiteX41" fmla="*/ 2276487 w 12192000"/>
-              <a:gd name="connsiteY41" fmla="*/ 5109557 h 5322895"/>
-              <a:gd name="connsiteX42" fmla="*/ 1932621 w 12192000"/>
-              <a:gd name="connsiteY42" fmla="*/ 5071374 h 5322895"/>
-              <a:gd name="connsiteX43" fmla="*/ 1609634 w 12192000"/>
-              <a:gd name="connsiteY43" fmla="*/ 5033891 h 5322895"/>
-              <a:gd name="connsiteX44" fmla="*/ 1312435 w 12192000"/>
-              <a:gd name="connsiteY44" fmla="*/ 4996408 h 5322895"/>
-              <a:gd name="connsiteX45" fmla="*/ 1039799 w 12192000"/>
-              <a:gd name="connsiteY45" fmla="*/ 4961027 h 5322895"/>
-              <a:gd name="connsiteX46" fmla="*/ 797865 w 12192000"/>
-              <a:gd name="connsiteY46" fmla="*/ 4927397 h 5322895"/>
-              <a:gd name="connsiteX47" fmla="*/ 579265 w 12192000"/>
-              <a:gd name="connsiteY47" fmla="*/ 4895519 h 5322895"/>
-              <a:gd name="connsiteX48" fmla="*/ 395052 w 12192000"/>
-              <a:gd name="connsiteY48" fmla="*/ 4868896 h 5322895"/>
-              <a:gd name="connsiteX49" fmla="*/ 240312 w 12192000"/>
-              <a:gd name="connsiteY49" fmla="*/ 4843673 h 5322895"/>
-              <a:gd name="connsiteX50" fmla="*/ 27853 w 12192000"/>
-              <a:gd name="connsiteY50" fmla="*/ 4807592 h 5322895"/>
-              <a:gd name="connsiteX51" fmla="*/ 0 w 12192000"/>
-              <a:gd name="connsiteY51" fmla="*/ 4802879 h 5322895"/>
-              <a:gd name="connsiteX52" fmla="*/ 0 w 12192000"/>
-              <a:gd name="connsiteY52" fmla="*/ 3753332 h 5322895"/>
-              <a:gd name="connsiteX53" fmla="*/ 0 w 12192000"/>
-              <a:gd name="connsiteY53" fmla="*/ 3571886 h 5322895"/>
-              <a:gd name="connsiteX54" fmla="*/ 0 w 12192000"/>
-              <a:gd name="connsiteY54" fmla="*/ 471948 h 5322895"/>
-              <a:gd name="connsiteX55" fmla="*/ 0 w 12192000"/>
-              <a:gd name="connsiteY55" fmla="*/ 213719 h 5322895"/>
+              <a:gd name="connsiteX0" fmla="*/ 0 w 9676190"/>
+              <a:gd name="connsiteY0" fmla="*/ 0 h 5442857"/>
+              <a:gd name="connsiteX1" fmla="*/ 9676190 w 9676190"/>
+              <a:gd name="connsiteY1" fmla="*/ 0 h 5442857"/>
+              <a:gd name="connsiteX2" fmla="*/ 9676190 w 9676190"/>
+              <a:gd name="connsiteY2" fmla="*/ 5442857 h 5442857"/>
+              <a:gd name="connsiteX3" fmla="*/ 1890711 w 9676190"/>
+              <a:gd name="connsiteY3" fmla="*/ 5442857 h 5442857"/>
+              <a:gd name="connsiteX4" fmla="*/ 1883227 w 9676190"/>
+              <a:gd name="connsiteY4" fmla="*/ 5203371 h 5442857"/>
+              <a:gd name="connsiteX5" fmla="*/ 1872341 w 9676190"/>
+              <a:gd name="connsiteY5" fmla="*/ 5170714 h 5442857"/>
+              <a:gd name="connsiteX6" fmla="*/ 1828798 w 9676190"/>
+              <a:gd name="connsiteY6" fmla="*/ 5116285 h 5442857"/>
+              <a:gd name="connsiteX7" fmla="*/ 1796141 w 9676190"/>
+              <a:gd name="connsiteY7" fmla="*/ 4953000 h 5442857"/>
+              <a:gd name="connsiteX8" fmla="*/ 1817912 w 9676190"/>
+              <a:gd name="connsiteY8" fmla="*/ 4909457 h 5442857"/>
+              <a:gd name="connsiteX9" fmla="*/ 1741712 w 9676190"/>
+              <a:gd name="connsiteY9" fmla="*/ 4789714 h 5442857"/>
+              <a:gd name="connsiteX10" fmla="*/ 1730827 w 9676190"/>
+              <a:gd name="connsiteY10" fmla="*/ 4757057 h 5442857"/>
+              <a:gd name="connsiteX11" fmla="*/ 1687284 w 9676190"/>
+              <a:gd name="connsiteY11" fmla="*/ 4702628 h 5442857"/>
+              <a:gd name="connsiteX12" fmla="*/ 1632855 w 9676190"/>
+              <a:gd name="connsiteY12" fmla="*/ 4593771 h 5442857"/>
+              <a:gd name="connsiteX13" fmla="*/ 1600198 w 9676190"/>
+              <a:gd name="connsiteY13" fmla="*/ 4572000 h 5442857"/>
+              <a:gd name="connsiteX14" fmla="*/ 1578427 w 9676190"/>
+              <a:gd name="connsiteY14" fmla="*/ 4550228 h 5442857"/>
+              <a:gd name="connsiteX15" fmla="*/ 1556655 w 9676190"/>
+              <a:gd name="connsiteY15" fmla="*/ 4517571 h 5442857"/>
+              <a:gd name="connsiteX16" fmla="*/ 1523998 w 9676190"/>
+              <a:gd name="connsiteY16" fmla="*/ 4506685 h 5442857"/>
+              <a:gd name="connsiteX17" fmla="*/ 1491341 w 9676190"/>
+              <a:gd name="connsiteY17" fmla="*/ 4484914 h 5442857"/>
+              <a:gd name="connsiteX18" fmla="*/ 1415141 w 9676190"/>
+              <a:gd name="connsiteY18" fmla="*/ 4463143 h 5442857"/>
+              <a:gd name="connsiteX19" fmla="*/ 1349827 w 9676190"/>
+              <a:gd name="connsiteY19" fmla="*/ 4397828 h 5442857"/>
+              <a:gd name="connsiteX20" fmla="*/ 1328055 w 9676190"/>
+              <a:gd name="connsiteY20" fmla="*/ 4376057 h 5442857"/>
+              <a:gd name="connsiteX21" fmla="*/ 1295398 w 9676190"/>
+              <a:gd name="connsiteY21" fmla="*/ 4354285 h 5442857"/>
+              <a:gd name="connsiteX22" fmla="*/ 1262741 w 9676190"/>
+              <a:gd name="connsiteY22" fmla="*/ 4321628 h 5442857"/>
+              <a:gd name="connsiteX23" fmla="*/ 1197427 w 9676190"/>
+              <a:gd name="connsiteY23" fmla="*/ 4299857 h 5442857"/>
+              <a:gd name="connsiteX24" fmla="*/ 1153884 w 9676190"/>
+              <a:gd name="connsiteY24" fmla="*/ 4288971 h 5442857"/>
+              <a:gd name="connsiteX25" fmla="*/ 1088570 w 9676190"/>
+              <a:gd name="connsiteY25" fmla="*/ 4267200 h 5442857"/>
+              <a:gd name="connsiteX26" fmla="*/ 1023255 w 9676190"/>
+              <a:gd name="connsiteY26" fmla="*/ 4223657 h 5442857"/>
+              <a:gd name="connsiteX27" fmla="*/ 1001484 w 9676190"/>
+              <a:gd name="connsiteY27" fmla="*/ 4201885 h 5442857"/>
+              <a:gd name="connsiteX28" fmla="*/ 947055 w 9676190"/>
+              <a:gd name="connsiteY28" fmla="*/ 4191000 h 5442857"/>
+              <a:gd name="connsiteX29" fmla="*/ 903512 w 9676190"/>
+              <a:gd name="connsiteY29" fmla="*/ 4180114 h 5442857"/>
+              <a:gd name="connsiteX30" fmla="*/ 870855 w 9676190"/>
+              <a:gd name="connsiteY30" fmla="*/ 4158343 h 5442857"/>
+              <a:gd name="connsiteX31" fmla="*/ 805541 w 9676190"/>
+              <a:gd name="connsiteY31" fmla="*/ 4136571 h 5442857"/>
+              <a:gd name="connsiteX32" fmla="*/ 772884 w 9676190"/>
+              <a:gd name="connsiteY32" fmla="*/ 4125685 h 5442857"/>
+              <a:gd name="connsiteX33" fmla="*/ 707570 w 9676190"/>
+              <a:gd name="connsiteY33" fmla="*/ 4103914 h 5442857"/>
+              <a:gd name="connsiteX34" fmla="*/ 674912 w 9676190"/>
+              <a:gd name="connsiteY34" fmla="*/ 4093028 h 5442857"/>
+              <a:gd name="connsiteX35" fmla="*/ 631370 w 9676190"/>
+              <a:gd name="connsiteY35" fmla="*/ 4082143 h 5442857"/>
+              <a:gd name="connsiteX36" fmla="*/ 359227 w 9676190"/>
+              <a:gd name="connsiteY36" fmla="*/ 4093028 h 5442857"/>
+              <a:gd name="connsiteX37" fmla="*/ 293912 w 9676190"/>
+              <a:gd name="connsiteY37" fmla="*/ 4136571 h 5442857"/>
+              <a:gd name="connsiteX38" fmla="*/ 217712 w 9676190"/>
+              <a:gd name="connsiteY38" fmla="*/ 4158343 h 5442857"/>
+              <a:gd name="connsiteX39" fmla="*/ 185055 w 9676190"/>
+              <a:gd name="connsiteY39" fmla="*/ 4180114 h 5442857"/>
+              <a:gd name="connsiteX40" fmla="*/ 141512 w 9676190"/>
+              <a:gd name="connsiteY40" fmla="*/ 4201885 h 5442857"/>
+              <a:gd name="connsiteX41" fmla="*/ 119741 w 9676190"/>
+              <a:gd name="connsiteY41" fmla="*/ 4223657 h 5442857"/>
+              <a:gd name="connsiteX42" fmla="*/ 87084 w 9676190"/>
+              <a:gd name="connsiteY42" fmla="*/ 4234543 h 5442857"/>
+              <a:gd name="connsiteX43" fmla="*/ 10884 w 9676190"/>
+              <a:gd name="connsiteY43" fmla="*/ 4278085 h 5442857"/>
+              <a:gd name="connsiteX44" fmla="*/ 0 w 9676190"/>
+              <a:gd name="connsiteY44" fmla="*/ 4287781 h 5442857"/>
             </a:gdLst>
             <a:ahLst/>
             <a:cxnLst>
@@ -6208,253 +6197,227 @@
               <a:cxn ang="0">
                 <a:pos x="connsiteX44" y="connsiteY44"/>
               </a:cxn>
-              <a:cxn ang="0">
-                <a:pos x="connsiteX45" y="connsiteY45"/>
-              </a:cxn>
-              <a:cxn ang="0">
-                <a:pos x="connsiteX46" y="connsiteY46"/>
-              </a:cxn>
-              <a:cxn ang="0">
-                <a:pos x="connsiteX47" y="connsiteY47"/>
-              </a:cxn>
-              <a:cxn ang="0">
-                <a:pos x="connsiteX48" y="connsiteY48"/>
-              </a:cxn>
-              <a:cxn ang="0">
-                <a:pos x="connsiteX49" y="connsiteY49"/>
-              </a:cxn>
-              <a:cxn ang="0">
-                <a:pos x="connsiteX50" y="connsiteY50"/>
-              </a:cxn>
-              <a:cxn ang="0">
-                <a:pos x="connsiteX51" y="connsiteY51"/>
-              </a:cxn>
-              <a:cxn ang="0">
-                <a:pos x="connsiteX52" y="connsiteY52"/>
-              </a:cxn>
-              <a:cxn ang="0">
-                <a:pos x="connsiteX53" y="connsiteY53"/>
-              </a:cxn>
-              <a:cxn ang="0">
-                <a:pos x="connsiteX54" y="connsiteY54"/>
-              </a:cxn>
-              <a:cxn ang="0">
-                <a:pos x="connsiteX55" y="connsiteY55"/>
-              </a:cxn>
             </a:cxnLst>
             <a:rect l="l" t="t" r="r" b="b"/>
             <a:pathLst>
-              <a:path w="12192000" h="5322895">
+              <a:path w="9676190" h="5442857">
                 <a:moveTo>
                   <a:pt x="0" y="0"/>
                 </a:moveTo>
                 <a:lnTo>
-                  <a:pt x="12192000" y="0"/>
+                  <a:pt x="9676190" y="0"/>
                 </a:lnTo>
                 <a:lnTo>
-                  <a:pt x="12192000" y="213719"/>
+                  <a:pt x="9676190" y="5442857"/>
                 </a:lnTo>
                 <a:lnTo>
-                  <a:pt x="12192000" y="471948"/>
+                  <a:pt x="1890711" y="5442857"/>
                 </a:lnTo>
                 <a:lnTo>
-                  <a:pt x="12192000" y="3571886"/>
+                  <a:pt x="1883227" y="5203371"/>
+                </a:lnTo>
+                <a:cubicBezTo>
+                  <a:pt x="1882572" y="5191915"/>
+                  <a:pt x="1877473" y="5180977"/>
+                  <a:pt x="1872341" y="5170714"/>
+                </a:cubicBezTo>
+                <a:cubicBezTo>
+                  <a:pt x="1858608" y="5143249"/>
+                  <a:pt x="1849049" y="5136536"/>
+                  <a:pt x="1828798" y="5116285"/>
+                </a:cubicBezTo>
+                <a:cubicBezTo>
+                  <a:pt x="1791950" y="5005739"/>
+                  <a:pt x="1816272" y="5093911"/>
+                  <a:pt x="1796141" y="4953000"/>
+                </a:cubicBezTo>
+                <a:cubicBezTo>
+                  <a:pt x="1793524" y="4934684"/>
+                  <a:pt x="1814283" y="4916714"/>
+                  <a:pt x="1817912" y="4909457"/>
+                </a:cubicBezTo>
+                <a:cubicBezTo>
+                  <a:pt x="1792512" y="4869543"/>
+                  <a:pt x="1756672" y="4834597"/>
+                  <a:pt x="1741712" y="4789714"/>
+                </a:cubicBezTo>
+                <a:cubicBezTo>
+                  <a:pt x="1738084" y="4778828"/>
+                  <a:pt x="1735959" y="4767320"/>
+                  <a:pt x="1730827" y="4757057"/>
+                </a:cubicBezTo>
+                <a:cubicBezTo>
+                  <a:pt x="1717096" y="4729596"/>
+                  <a:pt x="1707532" y="4722877"/>
+                  <a:pt x="1687284" y="4702628"/>
+                </a:cubicBezTo>
+                <a:cubicBezTo>
+                  <a:pt x="1677462" y="4663342"/>
+                  <a:pt x="1671736" y="4619691"/>
+                  <a:pt x="1632855" y="4593771"/>
+                </a:cubicBezTo>
+                <a:cubicBezTo>
+                  <a:pt x="1621969" y="4586514"/>
+                  <a:pt x="1610414" y="4580173"/>
+                  <a:pt x="1600198" y="4572000"/>
+                </a:cubicBezTo>
+                <a:cubicBezTo>
+                  <a:pt x="1592184" y="4565589"/>
+                  <a:pt x="1584838" y="4558242"/>
+                  <a:pt x="1578427" y="4550228"/>
+                </a:cubicBezTo>
+                <a:cubicBezTo>
+                  <a:pt x="1570254" y="4540012"/>
+                  <a:pt x="1566871" y="4525744"/>
+                  <a:pt x="1556655" y="4517571"/>
+                </a:cubicBezTo>
+                <a:cubicBezTo>
+                  <a:pt x="1547695" y="4510403"/>
+                  <a:pt x="1534261" y="4511817"/>
+                  <a:pt x="1523998" y="4506685"/>
+                </a:cubicBezTo>
+                <a:cubicBezTo>
+                  <a:pt x="1512296" y="4500834"/>
+                  <a:pt x="1503043" y="4490765"/>
+                  <a:pt x="1491341" y="4484914"/>
+                </a:cubicBezTo>
+                <a:cubicBezTo>
+                  <a:pt x="1475720" y="4477104"/>
+                  <a:pt x="1429098" y="4466632"/>
+                  <a:pt x="1415141" y="4463143"/>
+                </a:cubicBezTo>
+                <a:lnTo>
+                  <a:pt x="1349827" y="4397828"/>
+                </a:lnTo>
+                <a:cubicBezTo>
+                  <a:pt x="1342570" y="4390571"/>
+                  <a:pt x="1336594" y="4381750"/>
+                  <a:pt x="1328055" y="4376057"/>
+                </a:cubicBezTo>
+                <a:cubicBezTo>
+                  <a:pt x="1317169" y="4368800"/>
+                  <a:pt x="1305449" y="4362661"/>
+                  <a:pt x="1295398" y="4354285"/>
+                </a:cubicBezTo>
+                <a:cubicBezTo>
+                  <a:pt x="1283572" y="4344430"/>
+                  <a:pt x="1276198" y="4329104"/>
+                  <a:pt x="1262741" y="4321628"/>
+                </a:cubicBezTo>
+                <a:cubicBezTo>
+                  <a:pt x="1242680" y="4310483"/>
+                  <a:pt x="1219691" y="4305423"/>
+                  <a:pt x="1197427" y="4299857"/>
+                </a:cubicBezTo>
+                <a:cubicBezTo>
+                  <a:pt x="1182913" y="4296228"/>
+                  <a:pt x="1168214" y="4293270"/>
+                  <a:pt x="1153884" y="4288971"/>
+                </a:cubicBezTo>
+                <a:cubicBezTo>
+                  <a:pt x="1131903" y="4282377"/>
+                  <a:pt x="1088570" y="4267200"/>
+                  <a:pt x="1088570" y="4267200"/>
+                </a:cubicBezTo>
+                <a:cubicBezTo>
+                  <a:pt x="1066798" y="4252686"/>
+                  <a:pt x="1041757" y="4242160"/>
+                  <a:pt x="1023255" y="4223657"/>
+                </a:cubicBezTo>
+                <a:cubicBezTo>
+                  <a:pt x="1015998" y="4216400"/>
+                  <a:pt x="1010917" y="4205928"/>
+                  <a:pt x="1001484" y="4201885"/>
+                </a:cubicBezTo>
+                <a:cubicBezTo>
+                  <a:pt x="984478" y="4194597"/>
+                  <a:pt x="965117" y="4195014"/>
+                  <a:pt x="947055" y="4191000"/>
+                </a:cubicBezTo>
+                <a:cubicBezTo>
+                  <a:pt x="932450" y="4187755"/>
+                  <a:pt x="918026" y="4183743"/>
+                  <a:pt x="903512" y="4180114"/>
+                </a:cubicBezTo>
+                <a:cubicBezTo>
+                  <a:pt x="892626" y="4172857"/>
+                  <a:pt x="882810" y="4163656"/>
+                  <a:pt x="870855" y="4158343"/>
+                </a:cubicBezTo>
+                <a:cubicBezTo>
+                  <a:pt x="849884" y="4149022"/>
+                  <a:pt x="827312" y="4143828"/>
+                  <a:pt x="805541" y="4136571"/>
+                </a:cubicBezTo>
+                <a:lnTo>
+                  <a:pt x="772884" y="4125685"/>
                 </a:lnTo>
                 <a:lnTo>
-                  <a:pt x="12192000" y="3753332"/>
+                  <a:pt x="707570" y="4103914"/>
                 </a:lnTo>
+                <a:cubicBezTo>
+                  <a:pt x="696684" y="4100285"/>
+                  <a:pt x="686044" y="4095811"/>
+                  <a:pt x="674912" y="4093028"/>
+                </a:cubicBezTo>
                 <a:lnTo>
-                  <a:pt x="12192000" y="4806077"/>
+                  <a:pt x="631370" y="4082143"/>
                 </a:lnTo>
+                <a:cubicBezTo>
+                  <a:pt x="540656" y="4085771"/>
+                  <a:pt x="448856" y="4078572"/>
+                  <a:pt x="359227" y="4093028"/>
+                </a:cubicBezTo>
+                <a:cubicBezTo>
+                  <a:pt x="333395" y="4097194"/>
+                  <a:pt x="318735" y="4128296"/>
+                  <a:pt x="293912" y="4136571"/>
+                </a:cubicBezTo>
+                <a:cubicBezTo>
+                  <a:pt x="247062" y="4152188"/>
+                  <a:pt x="272387" y="4144674"/>
+                  <a:pt x="217712" y="4158343"/>
+                </a:cubicBezTo>
+                <a:cubicBezTo>
+                  <a:pt x="206826" y="4165600"/>
+                  <a:pt x="196414" y="4173623"/>
+                  <a:pt x="185055" y="4180114"/>
+                </a:cubicBezTo>
+                <a:cubicBezTo>
+                  <a:pt x="170966" y="4188165"/>
+                  <a:pt x="155014" y="4192884"/>
+                  <a:pt x="141512" y="4201885"/>
+                </a:cubicBezTo>
+                <a:cubicBezTo>
+                  <a:pt x="132973" y="4207578"/>
+                  <a:pt x="128542" y="4218376"/>
+                  <a:pt x="119741" y="4223657"/>
+                </a:cubicBezTo>
+                <a:cubicBezTo>
+                  <a:pt x="109902" y="4229561"/>
+                  <a:pt x="97631" y="4230023"/>
+                  <a:pt x="87084" y="4234543"/>
+                </a:cubicBezTo>
+                <a:cubicBezTo>
+                  <a:pt x="63016" y="4244858"/>
+                  <a:pt x="31908" y="4261266"/>
+                  <a:pt x="10884" y="4278085"/>
+                </a:cubicBezTo>
                 <a:lnTo>
-                  <a:pt x="11957522" y="4849979"/>
-                </a:lnTo>
-                <a:lnTo>
-                  <a:pt x="11679973" y="4899723"/>
-                </a:lnTo>
-                <a:lnTo>
-                  <a:pt x="11401197" y="4948416"/>
-                </a:lnTo>
-                <a:lnTo>
-                  <a:pt x="11121192" y="4990102"/>
-                </a:lnTo>
-                <a:lnTo>
-                  <a:pt x="10842416" y="5032139"/>
-                </a:lnTo>
-                <a:lnTo>
-                  <a:pt x="10562411" y="5071374"/>
-                </a:lnTo>
-                <a:lnTo>
-                  <a:pt x="10286091" y="5105003"/>
-                </a:lnTo>
-                <a:lnTo>
-                  <a:pt x="10006086" y="5136881"/>
-                </a:lnTo>
-                <a:lnTo>
-                  <a:pt x="9727310" y="5165957"/>
-                </a:lnTo>
-                <a:lnTo>
-                  <a:pt x="9453445" y="5191179"/>
-                </a:lnTo>
-                <a:lnTo>
-                  <a:pt x="9175897" y="5216401"/>
-                </a:lnTo>
-                <a:lnTo>
-                  <a:pt x="8902033" y="5237420"/>
-                </a:lnTo>
-                <a:lnTo>
-                  <a:pt x="8628169" y="5253884"/>
-                </a:lnTo>
-                <a:lnTo>
-                  <a:pt x="8355533" y="5271050"/>
-                </a:lnTo>
-                <a:lnTo>
-                  <a:pt x="8085353" y="5285412"/>
-                </a:lnTo>
-                <a:lnTo>
-                  <a:pt x="7817629" y="5295571"/>
-                </a:lnTo>
-                <a:lnTo>
-                  <a:pt x="7549905" y="5304329"/>
-                </a:lnTo>
-                <a:lnTo>
-                  <a:pt x="7284638" y="5312736"/>
-                </a:lnTo>
-                <a:lnTo>
-                  <a:pt x="7023055" y="5316590"/>
-                </a:lnTo>
-                <a:lnTo>
-                  <a:pt x="6761472" y="5320793"/>
-                </a:lnTo>
-                <a:lnTo>
-                  <a:pt x="6503573" y="5322895"/>
-                </a:lnTo>
-                <a:lnTo>
-                  <a:pt x="6248130" y="5320793"/>
-                </a:lnTo>
-                <a:lnTo>
-                  <a:pt x="5995144" y="5320793"/>
-                </a:lnTo>
-                <a:lnTo>
-                  <a:pt x="5744613" y="5316590"/>
-                </a:lnTo>
-                <a:lnTo>
-                  <a:pt x="5498995" y="5310284"/>
-                </a:lnTo>
-                <a:lnTo>
-                  <a:pt x="5255834" y="5304329"/>
-                </a:lnTo>
-                <a:lnTo>
-                  <a:pt x="5017584" y="5297673"/>
-                </a:lnTo>
-                <a:lnTo>
-                  <a:pt x="4780562" y="5287514"/>
-                </a:lnTo>
-                <a:lnTo>
-                  <a:pt x="4547227" y="5276654"/>
-                </a:lnTo>
-                <a:lnTo>
-                  <a:pt x="4318800" y="5266846"/>
-                </a:lnTo>
-                <a:lnTo>
-                  <a:pt x="3873004" y="5239171"/>
-                </a:lnTo>
-                <a:lnTo>
-                  <a:pt x="3445628" y="5209746"/>
-                </a:lnTo>
-                <a:lnTo>
-                  <a:pt x="3035446" y="5178918"/>
-                </a:lnTo>
-                <a:lnTo>
-                  <a:pt x="2647370" y="5144939"/>
-                </a:lnTo>
-                <a:lnTo>
-                  <a:pt x="2276487" y="5109557"/>
-                </a:lnTo>
-                <a:lnTo>
-                  <a:pt x="1932621" y="5071374"/>
-                </a:lnTo>
-                <a:lnTo>
-                  <a:pt x="1609634" y="5033891"/>
-                </a:lnTo>
-                <a:lnTo>
-                  <a:pt x="1312435" y="4996408"/>
-                </a:lnTo>
-                <a:lnTo>
-                  <a:pt x="1039799" y="4961027"/>
-                </a:lnTo>
-                <a:lnTo>
-                  <a:pt x="797865" y="4927397"/>
-                </a:lnTo>
-                <a:lnTo>
-                  <a:pt x="579265" y="4895519"/>
-                </a:lnTo>
-                <a:lnTo>
-                  <a:pt x="395052" y="4868896"/>
-                </a:lnTo>
-                <a:lnTo>
-                  <a:pt x="240312" y="4843673"/>
-                </a:lnTo>
-                <a:lnTo>
-                  <a:pt x="27853" y="4807592"/>
-                </a:lnTo>
-                <a:lnTo>
-                  <a:pt x="0" y="4802879"/>
-                </a:lnTo>
-                <a:lnTo>
-                  <a:pt x="0" y="3753332"/>
-                </a:lnTo>
-                <a:lnTo>
-                  <a:pt x="0" y="3571886"/>
-                </a:lnTo>
-                <a:lnTo>
-                  <a:pt x="0" y="471948"/>
-                </a:lnTo>
-                <a:lnTo>
-                  <a:pt x="0" y="213719"/>
+                  <a:pt x="0" y="4287781"/>
                 </a:lnTo>
                 <a:close/>
               </a:path>
             </a:pathLst>
           </a:custGeom>
-          <a:ln w="44450">
-            <a:noFill/>
-          </a:ln>
-          <a:effectLst/>
         </p:spPr>
-        <p:style>
-          <a:lnRef idx="2">
-            <a:schemeClr val="accent1">
-              <a:shade val="50000"/>
-            </a:schemeClr>
-          </a:lnRef>
-          <a:fillRef idx="1003">
-            <a:schemeClr val="dk2"/>
-          </a:fillRef>
-          <a:effectRef idx="0">
-            <a:schemeClr val="accent1"/>
-          </a:effectRef>
-          <a:fontRef idx="minor">
-            <a:schemeClr val="lt1"/>
-          </a:fontRef>
-        </p:style>
-        <p:txBody>
-          <a:bodyPr wrap="square" rtlCol="0" anchor="ctr">
-            <a:noAutofit/>
-          </a:bodyPr>
-          <a:lstStyle/>
-          <a:p>
-            <a:pPr algn="ctr"/>
-            <a:endParaRPr lang="en-US"/>
-          </a:p>
-        </p:txBody>
-      </p:sp>
+      </p:pic>
       <p:pic>
         <p:nvPicPr>
-          <p:cNvPr id="25" name="Picture 24">
+          <p:cNvPr id="36" name="Picture 35">
             <a:extLst>
               <a:ext uri="{FF2B5EF4-FFF2-40B4-BE49-F238E27FC236}">
-                <a16:creationId xmlns:a16="http://schemas.microsoft.com/office/drawing/2014/main" id="{42B44E02-2041-49BE-AF61-F91454DC3AA8}"/>
+                <a16:creationId xmlns:a16="http://schemas.microsoft.com/office/drawing/2014/main" id="{94164FB2-EFB1-4531-A8F4-DD77A03E2CCB}"/>
               </a:ext>
               <a:ext uri="{C183D7F6-B498-43B3-948B-1728B52AA6E4}">
                 <adec:decorative xmlns:adec="http://schemas.microsoft.com/office/drawing/2017/decorative" val="1"/>
@@ -6480,191 +6443,127 @@
               </a:ext>
             </a:extLst>
           </a:blip>
-          <a:srcRect t="60549" r="62095"/>
+          <a:srcRect t="72342" r="78777"/>
           <a:stretch/>
         </p:blipFill>
         <p:spPr>
-          <a:xfrm flipH="1">
-            <a:off x="8948814" y="3265714"/>
-            <a:ext cx="3243185" cy="1898718"/>
+          <a:xfrm>
+            <a:off x="0" y="5352597"/>
+            <a:ext cx="2053566" cy="1505403"/>
           </a:xfrm>
           <a:custGeom>
             <a:avLst/>
             <a:gdLst>
-              <a:gd name="connsiteX0" fmla="*/ 220380 w 3243185"/>
-              <a:gd name="connsiteY0" fmla="*/ 404386 h 1898718"/>
-              <a:gd name="connsiteX1" fmla="*/ 278149 w 3243185"/>
-              <a:gd name="connsiteY1" fmla="*/ 410805 h 1898718"/>
-              <a:gd name="connsiteX2" fmla="*/ 297405 w 3243185"/>
-              <a:gd name="connsiteY2" fmla="*/ 423642 h 1898718"/>
-              <a:gd name="connsiteX3" fmla="*/ 316662 w 3243185"/>
-              <a:gd name="connsiteY3" fmla="*/ 430061 h 1898718"/>
-              <a:gd name="connsiteX4" fmla="*/ 355175 w 3243185"/>
-              <a:gd name="connsiteY4" fmla="*/ 455737 h 1898718"/>
-              <a:gd name="connsiteX5" fmla="*/ 406525 w 3243185"/>
-              <a:gd name="connsiteY5" fmla="*/ 468574 h 1898718"/>
-              <a:gd name="connsiteX6" fmla="*/ 425782 w 3243185"/>
-              <a:gd name="connsiteY6" fmla="*/ 481412 h 1898718"/>
-              <a:gd name="connsiteX7" fmla="*/ 445038 w 3243185"/>
-              <a:gd name="connsiteY7" fmla="*/ 487831 h 1898718"/>
-              <a:gd name="connsiteX8" fmla="*/ 483551 w 3243185"/>
-              <a:gd name="connsiteY8" fmla="*/ 526344 h 1898718"/>
-              <a:gd name="connsiteX9" fmla="*/ 483551 w 3243185"/>
-              <a:gd name="connsiteY9" fmla="*/ 609788 h 1898718"/>
-              <a:gd name="connsiteX10" fmla="*/ 445038 w 3243185"/>
-              <a:gd name="connsiteY10" fmla="*/ 635464 h 1898718"/>
-              <a:gd name="connsiteX11" fmla="*/ 246055 w 3243185"/>
-              <a:gd name="connsiteY11" fmla="*/ 629045 h 1898718"/>
-              <a:gd name="connsiteX12" fmla="*/ 233217 w 3243185"/>
-              <a:gd name="connsiteY12" fmla="*/ 609788 h 1898718"/>
-              <a:gd name="connsiteX13" fmla="*/ 213961 w 3243185"/>
-              <a:gd name="connsiteY13" fmla="*/ 603370 h 1898718"/>
-              <a:gd name="connsiteX14" fmla="*/ 188285 w 3243185"/>
-              <a:gd name="connsiteY14" fmla="*/ 564857 h 1898718"/>
-              <a:gd name="connsiteX15" fmla="*/ 175448 w 3243185"/>
-              <a:gd name="connsiteY15" fmla="*/ 526344 h 1898718"/>
-              <a:gd name="connsiteX16" fmla="*/ 220380 w 3243185"/>
-              <a:gd name="connsiteY16" fmla="*/ 404386 h 1898718"/>
-              <a:gd name="connsiteX17" fmla="*/ 3243185 w 3243185"/>
-              <a:gd name="connsiteY17" fmla="*/ 0 h 1898718"/>
-              <a:gd name="connsiteX18" fmla="*/ 2298567 w 3243185"/>
-              <a:gd name="connsiteY18" fmla="*/ 0 h 1898718"/>
-              <a:gd name="connsiteX19" fmla="*/ 2293659 w 3243185"/>
-              <a:gd name="connsiteY19" fmla="*/ 51351 h 1898718"/>
-              <a:gd name="connsiteX20" fmla="*/ 2274403 w 3243185"/>
-              <a:gd name="connsiteY20" fmla="*/ 83445 h 1898718"/>
-              <a:gd name="connsiteX21" fmla="*/ 2248728 w 3243185"/>
-              <a:gd name="connsiteY21" fmla="*/ 121958 h 1898718"/>
-              <a:gd name="connsiteX22" fmla="*/ 2203796 w 3243185"/>
-              <a:gd name="connsiteY22" fmla="*/ 166890 h 1898718"/>
-              <a:gd name="connsiteX23" fmla="*/ 2178121 w 3243185"/>
-              <a:gd name="connsiteY23" fmla="*/ 173308 h 1898718"/>
-              <a:gd name="connsiteX24" fmla="*/ 2126770 w 3243185"/>
-              <a:gd name="connsiteY24" fmla="*/ 211821 h 1898718"/>
-              <a:gd name="connsiteX25" fmla="*/ 2081838 w 3243185"/>
-              <a:gd name="connsiteY25" fmla="*/ 237497 h 1898718"/>
-              <a:gd name="connsiteX26" fmla="*/ 2043325 w 3243185"/>
-              <a:gd name="connsiteY26" fmla="*/ 250334 h 1898718"/>
-              <a:gd name="connsiteX27" fmla="*/ 1972718 w 3243185"/>
-              <a:gd name="connsiteY27" fmla="*/ 288847 h 1898718"/>
-              <a:gd name="connsiteX28" fmla="*/ 1940624 w 3243185"/>
-              <a:gd name="connsiteY28" fmla="*/ 295266 h 1898718"/>
-              <a:gd name="connsiteX29" fmla="*/ 1914949 w 3243185"/>
-              <a:gd name="connsiteY29" fmla="*/ 308104 h 1898718"/>
-              <a:gd name="connsiteX30" fmla="*/ 1895693 w 3243185"/>
-              <a:gd name="connsiteY30" fmla="*/ 320941 h 1898718"/>
-              <a:gd name="connsiteX31" fmla="*/ 1870017 w 3243185"/>
-              <a:gd name="connsiteY31" fmla="*/ 327360 h 1898718"/>
-              <a:gd name="connsiteX32" fmla="*/ 1831504 w 3243185"/>
-              <a:gd name="connsiteY32" fmla="*/ 340198 h 1898718"/>
-              <a:gd name="connsiteX33" fmla="*/ 1780154 w 3243185"/>
-              <a:gd name="connsiteY33" fmla="*/ 353035 h 1898718"/>
-              <a:gd name="connsiteX34" fmla="*/ 1760897 w 3243185"/>
-              <a:gd name="connsiteY34" fmla="*/ 359454 h 1898718"/>
-              <a:gd name="connsiteX35" fmla="*/ 1683871 w 3243185"/>
-              <a:gd name="connsiteY35" fmla="*/ 397967 h 1898718"/>
-              <a:gd name="connsiteX36" fmla="*/ 1632521 w 3243185"/>
-              <a:gd name="connsiteY36" fmla="*/ 410805 h 1898718"/>
-              <a:gd name="connsiteX37" fmla="*/ 1594008 w 3243185"/>
-              <a:gd name="connsiteY37" fmla="*/ 423642 h 1898718"/>
-              <a:gd name="connsiteX38" fmla="*/ 1568333 w 3243185"/>
-              <a:gd name="connsiteY38" fmla="*/ 430061 h 1898718"/>
-              <a:gd name="connsiteX39" fmla="*/ 1542657 w 3243185"/>
-              <a:gd name="connsiteY39" fmla="*/ 442899 h 1898718"/>
-              <a:gd name="connsiteX40" fmla="*/ 1516982 w 3243185"/>
-              <a:gd name="connsiteY40" fmla="*/ 449318 h 1898718"/>
-              <a:gd name="connsiteX41" fmla="*/ 1497725 w 3243185"/>
-              <a:gd name="connsiteY41" fmla="*/ 455737 h 1898718"/>
-              <a:gd name="connsiteX42" fmla="*/ 1452794 w 3243185"/>
-              <a:gd name="connsiteY42" fmla="*/ 468574 h 1898718"/>
-              <a:gd name="connsiteX43" fmla="*/ 1433537 w 3243185"/>
-              <a:gd name="connsiteY43" fmla="*/ 481412 h 1898718"/>
-              <a:gd name="connsiteX44" fmla="*/ 1369349 w 3243185"/>
-              <a:gd name="connsiteY44" fmla="*/ 494250 h 1898718"/>
-              <a:gd name="connsiteX45" fmla="*/ 1324417 w 3243185"/>
-              <a:gd name="connsiteY45" fmla="*/ 519925 h 1898718"/>
-              <a:gd name="connsiteX46" fmla="*/ 1285904 w 3243185"/>
-              <a:gd name="connsiteY46" fmla="*/ 539181 h 1898718"/>
-              <a:gd name="connsiteX47" fmla="*/ 1247391 w 3243185"/>
-              <a:gd name="connsiteY47" fmla="*/ 545600 h 1898718"/>
-              <a:gd name="connsiteX48" fmla="*/ 1176784 w 3243185"/>
-              <a:gd name="connsiteY48" fmla="*/ 564857 h 1898718"/>
-              <a:gd name="connsiteX49" fmla="*/ 907194 w 3243185"/>
-              <a:gd name="connsiteY49" fmla="*/ 577694 h 1898718"/>
-              <a:gd name="connsiteX50" fmla="*/ 881518 w 3243185"/>
-              <a:gd name="connsiteY50" fmla="*/ 584113 h 1898718"/>
-              <a:gd name="connsiteX51" fmla="*/ 656860 w 3243185"/>
-              <a:gd name="connsiteY51" fmla="*/ 577694 h 1898718"/>
-              <a:gd name="connsiteX52" fmla="*/ 637603 w 3243185"/>
-              <a:gd name="connsiteY52" fmla="*/ 558438 h 1898718"/>
-              <a:gd name="connsiteX53" fmla="*/ 618347 w 3243185"/>
-              <a:gd name="connsiteY53" fmla="*/ 519925 h 1898718"/>
-              <a:gd name="connsiteX54" fmla="*/ 599090 w 3243185"/>
-              <a:gd name="connsiteY54" fmla="*/ 500668 h 1898718"/>
-              <a:gd name="connsiteX55" fmla="*/ 566996 w 3243185"/>
-              <a:gd name="connsiteY55" fmla="*/ 474993 h 1898718"/>
-              <a:gd name="connsiteX56" fmla="*/ 560577 w 3243185"/>
-              <a:gd name="connsiteY56" fmla="*/ 455737 h 1898718"/>
-              <a:gd name="connsiteX57" fmla="*/ 522064 w 3243185"/>
-              <a:gd name="connsiteY57" fmla="*/ 436480 h 1898718"/>
-              <a:gd name="connsiteX58" fmla="*/ 502808 w 3243185"/>
-              <a:gd name="connsiteY58" fmla="*/ 423642 h 1898718"/>
-              <a:gd name="connsiteX59" fmla="*/ 464295 w 3243185"/>
-              <a:gd name="connsiteY59" fmla="*/ 410805 h 1898718"/>
-              <a:gd name="connsiteX60" fmla="*/ 445038 w 3243185"/>
-              <a:gd name="connsiteY60" fmla="*/ 397967 h 1898718"/>
-              <a:gd name="connsiteX61" fmla="*/ 374431 w 3243185"/>
-              <a:gd name="connsiteY61" fmla="*/ 391548 h 1898718"/>
-              <a:gd name="connsiteX62" fmla="*/ 329500 w 3243185"/>
-              <a:gd name="connsiteY62" fmla="*/ 372292 h 1898718"/>
-              <a:gd name="connsiteX63" fmla="*/ 310243 w 3243185"/>
-              <a:gd name="connsiteY63" fmla="*/ 365873 h 1898718"/>
-              <a:gd name="connsiteX64" fmla="*/ 271730 w 3243185"/>
-              <a:gd name="connsiteY64" fmla="*/ 340198 h 1898718"/>
-              <a:gd name="connsiteX65" fmla="*/ 239636 w 3243185"/>
-              <a:gd name="connsiteY65" fmla="*/ 301685 h 1898718"/>
-              <a:gd name="connsiteX66" fmla="*/ 201123 w 3243185"/>
-              <a:gd name="connsiteY66" fmla="*/ 269591 h 1898718"/>
-              <a:gd name="connsiteX67" fmla="*/ 149773 w 3243185"/>
-              <a:gd name="connsiteY67" fmla="*/ 224659 h 1898718"/>
-              <a:gd name="connsiteX68" fmla="*/ 111260 w 3243185"/>
-              <a:gd name="connsiteY68" fmla="*/ 211821 h 1898718"/>
-              <a:gd name="connsiteX69" fmla="*/ 92003 w 3243185"/>
-              <a:gd name="connsiteY69" fmla="*/ 205402 h 1898718"/>
-              <a:gd name="connsiteX70" fmla="*/ 72747 w 3243185"/>
-              <a:gd name="connsiteY70" fmla="*/ 192565 h 1898718"/>
-              <a:gd name="connsiteX71" fmla="*/ 34234 w 3243185"/>
-              <a:gd name="connsiteY71" fmla="*/ 160471 h 1898718"/>
-              <a:gd name="connsiteX72" fmla="*/ 8558 w 3243185"/>
-              <a:gd name="connsiteY72" fmla="*/ 121958 h 1898718"/>
-              <a:gd name="connsiteX73" fmla="*/ 11877 w 3243185"/>
-              <a:gd name="connsiteY73" fmla="*/ 15345 h 1898718"/>
-              <a:gd name="connsiteX74" fmla="*/ 16098 w 3243185"/>
-              <a:gd name="connsiteY74" fmla="*/ 0 h 1898718"/>
-              <a:gd name="connsiteX75" fmla="*/ 0 w 3243185"/>
-              <a:gd name="connsiteY75" fmla="*/ 0 h 1898718"/>
-              <a:gd name="connsiteX76" fmla="*/ 0 w 3243185"/>
-              <a:gd name="connsiteY76" fmla="*/ 1540363 h 1898718"/>
-              <a:gd name="connsiteX77" fmla="*/ 234477 w 3243185"/>
-              <a:gd name="connsiteY77" fmla="*/ 1584265 h 1898718"/>
-              <a:gd name="connsiteX78" fmla="*/ 512026 w 3243185"/>
-              <a:gd name="connsiteY78" fmla="*/ 1634009 h 1898718"/>
-              <a:gd name="connsiteX79" fmla="*/ 790802 w 3243185"/>
-              <a:gd name="connsiteY79" fmla="*/ 1682702 h 1898718"/>
-              <a:gd name="connsiteX80" fmla="*/ 1070807 w 3243185"/>
-              <a:gd name="connsiteY80" fmla="*/ 1724388 h 1898718"/>
-              <a:gd name="connsiteX81" fmla="*/ 1349583 w 3243185"/>
-              <a:gd name="connsiteY81" fmla="*/ 1766425 h 1898718"/>
-              <a:gd name="connsiteX82" fmla="*/ 1629588 w 3243185"/>
-              <a:gd name="connsiteY82" fmla="*/ 1805660 h 1898718"/>
-              <a:gd name="connsiteX83" fmla="*/ 1905908 w 3243185"/>
-              <a:gd name="connsiteY83" fmla="*/ 1839289 h 1898718"/>
-              <a:gd name="connsiteX84" fmla="*/ 2185913 w 3243185"/>
-              <a:gd name="connsiteY84" fmla="*/ 1871167 h 1898718"/>
-              <a:gd name="connsiteX85" fmla="*/ 2450068 w 3243185"/>
-              <a:gd name="connsiteY85" fmla="*/ 1898718 h 1898718"/>
-              <a:gd name="connsiteX86" fmla="*/ 3243185 w 3243185"/>
-              <a:gd name="connsiteY86" fmla="*/ 1898718 h 1898718"/>
+              <a:gd name="connsiteX0" fmla="*/ 1355645 w 2053566"/>
+              <a:gd name="connsiteY0" fmla="*/ 0 h 1505403"/>
+              <a:gd name="connsiteX1" fmla="*/ 2053566 w 2053566"/>
+              <a:gd name="connsiteY1" fmla="*/ 0 h 1505403"/>
+              <a:gd name="connsiteX2" fmla="*/ 2053566 w 2053566"/>
+              <a:gd name="connsiteY2" fmla="*/ 500084 h 1505403"/>
+              <a:gd name="connsiteX3" fmla="*/ 2046514 w 2053566"/>
+              <a:gd name="connsiteY3" fmla="*/ 493032 h 1505403"/>
+              <a:gd name="connsiteX4" fmla="*/ 2002971 w 2053566"/>
+              <a:gd name="connsiteY4" fmla="*/ 438603 h 1505403"/>
+              <a:gd name="connsiteX5" fmla="*/ 1970314 w 2053566"/>
+              <a:gd name="connsiteY5" fmla="*/ 416832 h 1505403"/>
+              <a:gd name="connsiteX6" fmla="*/ 1926771 w 2053566"/>
+              <a:gd name="connsiteY6" fmla="*/ 373289 h 1505403"/>
+              <a:gd name="connsiteX7" fmla="*/ 1905000 w 2053566"/>
+              <a:gd name="connsiteY7" fmla="*/ 351517 h 1505403"/>
+              <a:gd name="connsiteX8" fmla="*/ 1839686 w 2053566"/>
+              <a:gd name="connsiteY8" fmla="*/ 307974 h 1505403"/>
+              <a:gd name="connsiteX9" fmla="*/ 1774371 w 2053566"/>
+              <a:gd name="connsiteY9" fmla="*/ 286203 h 1505403"/>
+              <a:gd name="connsiteX10" fmla="*/ 1741714 w 2053566"/>
+              <a:gd name="connsiteY10" fmla="*/ 264432 h 1505403"/>
+              <a:gd name="connsiteX11" fmla="*/ 1676400 w 2053566"/>
+              <a:gd name="connsiteY11" fmla="*/ 242660 h 1505403"/>
+              <a:gd name="connsiteX12" fmla="*/ 1643743 w 2053566"/>
+              <a:gd name="connsiteY12" fmla="*/ 210003 h 1505403"/>
+              <a:gd name="connsiteX13" fmla="*/ 1600200 w 2053566"/>
+              <a:gd name="connsiteY13" fmla="*/ 199117 h 1505403"/>
+              <a:gd name="connsiteX14" fmla="*/ 1578429 w 2053566"/>
+              <a:gd name="connsiteY14" fmla="*/ 155574 h 1505403"/>
+              <a:gd name="connsiteX15" fmla="*/ 1502229 w 2053566"/>
+              <a:gd name="connsiteY15" fmla="*/ 90260 h 1505403"/>
+              <a:gd name="connsiteX16" fmla="*/ 1436914 w 2053566"/>
+              <a:gd name="connsiteY16" fmla="*/ 46717 h 1505403"/>
+              <a:gd name="connsiteX17" fmla="*/ 1404257 w 2053566"/>
+              <a:gd name="connsiteY17" fmla="*/ 24946 h 1505403"/>
+              <a:gd name="connsiteX18" fmla="*/ 1360714 w 2053566"/>
+              <a:gd name="connsiteY18" fmla="*/ 3174 h 1505403"/>
+              <a:gd name="connsiteX19" fmla="*/ 0 w 2053566"/>
+              <a:gd name="connsiteY19" fmla="*/ 0 h 1505403"/>
+              <a:gd name="connsiteX20" fmla="*/ 614898 w 2053566"/>
+              <a:gd name="connsiteY20" fmla="*/ 0 h 1505403"/>
+              <a:gd name="connsiteX21" fmla="*/ 620486 w 2053566"/>
+              <a:gd name="connsiteY21" fmla="*/ 35832 h 1505403"/>
+              <a:gd name="connsiteX22" fmla="*/ 685800 w 2053566"/>
+              <a:gd name="connsiteY22" fmla="*/ 101146 h 1505403"/>
+              <a:gd name="connsiteX23" fmla="*/ 718457 w 2053566"/>
+              <a:gd name="connsiteY23" fmla="*/ 122917 h 1505403"/>
+              <a:gd name="connsiteX24" fmla="*/ 762000 w 2053566"/>
+              <a:gd name="connsiteY24" fmla="*/ 133803 h 1505403"/>
+              <a:gd name="connsiteX25" fmla="*/ 794657 w 2053566"/>
+              <a:gd name="connsiteY25" fmla="*/ 144689 h 1505403"/>
+              <a:gd name="connsiteX26" fmla="*/ 838200 w 2053566"/>
+              <a:gd name="connsiteY26" fmla="*/ 155574 h 1505403"/>
+              <a:gd name="connsiteX27" fmla="*/ 903514 w 2053566"/>
+              <a:gd name="connsiteY27" fmla="*/ 177346 h 1505403"/>
+              <a:gd name="connsiteX28" fmla="*/ 968829 w 2053566"/>
+              <a:gd name="connsiteY28" fmla="*/ 210003 h 1505403"/>
+              <a:gd name="connsiteX29" fmla="*/ 1012371 w 2053566"/>
+              <a:gd name="connsiteY29" fmla="*/ 242660 h 1505403"/>
+              <a:gd name="connsiteX30" fmla="*/ 1045029 w 2053566"/>
+              <a:gd name="connsiteY30" fmla="*/ 253546 h 1505403"/>
+              <a:gd name="connsiteX31" fmla="*/ 1077686 w 2053566"/>
+              <a:gd name="connsiteY31" fmla="*/ 286203 h 1505403"/>
+              <a:gd name="connsiteX32" fmla="*/ 1110343 w 2053566"/>
+              <a:gd name="connsiteY32" fmla="*/ 297089 h 1505403"/>
+              <a:gd name="connsiteX33" fmla="*/ 1175657 w 2053566"/>
+              <a:gd name="connsiteY33" fmla="*/ 340632 h 1505403"/>
+              <a:gd name="connsiteX34" fmla="*/ 1208314 w 2053566"/>
+              <a:gd name="connsiteY34" fmla="*/ 362403 h 1505403"/>
+              <a:gd name="connsiteX35" fmla="*/ 1284514 w 2053566"/>
+              <a:gd name="connsiteY35" fmla="*/ 384174 h 1505403"/>
+              <a:gd name="connsiteX36" fmla="*/ 1317171 w 2053566"/>
+              <a:gd name="connsiteY36" fmla="*/ 405946 h 1505403"/>
+              <a:gd name="connsiteX37" fmla="*/ 1382486 w 2053566"/>
+              <a:gd name="connsiteY37" fmla="*/ 427717 h 1505403"/>
+              <a:gd name="connsiteX38" fmla="*/ 1436914 w 2053566"/>
+              <a:gd name="connsiteY38" fmla="*/ 471260 h 1505403"/>
+              <a:gd name="connsiteX39" fmla="*/ 1458686 w 2053566"/>
+              <a:gd name="connsiteY39" fmla="*/ 493032 h 1505403"/>
+              <a:gd name="connsiteX40" fmla="*/ 1524000 w 2053566"/>
+              <a:gd name="connsiteY40" fmla="*/ 514803 h 1505403"/>
+              <a:gd name="connsiteX41" fmla="*/ 1578429 w 2053566"/>
+              <a:gd name="connsiteY41" fmla="*/ 569232 h 1505403"/>
+              <a:gd name="connsiteX42" fmla="*/ 1611086 w 2053566"/>
+              <a:gd name="connsiteY42" fmla="*/ 601889 h 1505403"/>
+              <a:gd name="connsiteX43" fmla="*/ 1687286 w 2053566"/>
+              <a:gd name="connsiteY43" fmla="*/ 667203 h 1505403"/>
+              <a:gd name="connsiteX44" fmla="*/ 1763486 w 2053566"/>
+              <a:gd name="connsiteY44" fmla="*/ 743403 h 1505403"/>
+              <a:gd name="connsiteX45" fmla="*/ 1796143 w 2053566"/>
+              <a:gd name="connsiteY45" fmla="*/ 776060 h 1505403"/>
+              <a:gd name="connsiteX46" fmla="*/ 1817914 w 2053566"/>
+              <a:gd name="connsiteY46" fmla="*/ 797832 h 1505403"/>
+              <a:gd name="connsiteX47" fmla="*/ 1883229 w 2053566"/>
+              <a:gd name="connsiteY47" fmla="*/ 841374 h 1505403"/>
+              <a:gd name="connsiteX48" fmla="*/ 1915886 w 2053566"/>
+              <a:gd name="connsiteY48" fmla="*/ 863146 h 1505403"/>
+              <a:gd name="connsiteX49" fmla="*/ 1948543 w 2053566"/>
+              <a:gd name="connsiteY49" fmla="*/ 895803 h 1505403"/>
+              <a:gd name="connsiteX50" fmla="*/ 1992086 w 2053566"/>
+              <a:gd name="connsiteY50" fmla="*/ 906689 h 1505403"/>
+              <a:gd name="connsiteX51" fmla="*/ 2024743 w 2053566"/>
+              <a:gd name="connsiteY51" fmla="*/ 917574 h 1505403"/>
+              <a:gd name="connsiteX52" fmla="*/ 2053566 w 2053566"/>
+              <a:gd name="connsiteY52" fmla="*/ 925251 h 1505403"/>
+              <a:gd name="connsiteX53" fmla="*/ 2053566 w 2053566"/>
+              <a:gd name="connsiteY53" fmla="*/ 1505403 h 1505403"/>
+              <a:gd name="connsiteX54" fmla="*/ 0 w 2053566"/>
+              <a:gd name="connsiteY54" fmla="*/ 1505403 h 1505403"/>
             </a:gdLst>
             <a:ahLst/>
             <a:cxnLst>
@@ -6833,499 +6732,257 @@
               <a:cxn ang="0">
                 <a:pos x="connsiteX54" y="connsiteY54"/>
               </a:cxn>
-              <a:cxn ang="0">
-                <a:pos x="connsiteX55" y="connsiteY55"/>
-              </a:cxn>
-              <a:cxn ang="0">
-                <a:pos x="connsiteX56" y="connsiteY56"/>
-              </a:cxn>
-              <a:cxn ang="0">
-                <a:pos x="connsiteX57" y="connsiteY57"/>
-              </a:cxn>
-              <a:cxn ang="0">
-                <a:pos x="connsiteX58" y="connsiteY58"/>
-              </a:cxn>
-              <a:cxn ang="0">
-                <a:pos x="connsiteX59" y="connsiteY59"/>
-              </a:cxn>
-              <a:cxn ang="0">
-                <a:pos x="connsiteX60" y="connsiteY60"/>
-              </a:cxn>
-              <a:cxn ang="0">
-                <a:pos x="connsiteX61" y="connsiteY61"/>
-              </a:cxn>
-              <a:cxn ang="0">
-                <a:pos x="connsiteX62" y="connsiteY62"/>
-              </a:cxn>
-              <a:cxn ang="0">
-                <a:pos x="connsiteX63" y="connsiteY63"/>
-              </a:cxn>
-              <a:cxn ang="0">
-                <a:pos x="connsiteX64" y="connsiteY64"/>
-              </a:cxn>
-              <a:cxn ang="0">
-                <a:pos x="connsiteX65" y="connsiteY65"/>
-              </a:cxn>
-              <a:cxn ang="0">
-                <a:pos x="connsiteX66" y="connsiteY66"/>
-              </a:cxn>
-              <a:cxn ang="0">
-                <a:pos x="connsiteX67" y="connsiteY67"/>
-              </a:cxn>
-              <a:cxn ang="0">
-                <a:pos x="connsiteX68" y="connsiteY68"/>
-              </a:cxn>
-              <a:cxn ang="0">
-                <a:pos x="connsiteX69" y="connsiteY69"/>
-              </a:cxn>
-              <a:cxn ang="0">
-                <a:pos x="connsiteX70" y="connsiteY70"/>
-              </a:cxn>
-              <a:cxn ang="0">
-                <a:pos x="connsiteX71" y="connsiteY71"/>
-              </a:cxn>
-              <a:cxn ang="0">
-                <a:pos x="connsiteX72" y="connsiteY72"/>
-              </a:cxn>
-              <a:cxn ang="0">
-                <a:pos x="connsiteX73" y="connsiteY73"/>
-              </a:cxn>
-              <a:cxn ang="0">
-                <a:pos x="connsiteX74" y="connsiteY74"/>
-              </a:cxn>
-              <a:cxn ang="0">
-                <a:pos x="connsiteX75" y="connsiteY75"/>
-              </a:cxn>
-              <a:cxn ang="0">
-                <a:pos x="connsiteX76" y="connsiteY76"/>
-              </a:cxn>
-              <a:cxn ang="0">
-                <a:pos x="connsiteX77" y="connsiteY77"/>
-              </a:cxn>
-              <a:cxn ang="0">
-                <a:pos x="connsiteX78" y="connsiteY78"/>
-              </a:cxn>
-              <a:cxn ang="0">
-                <a:pos x="connsiteX79" y="connsiteY79"/>
-              </a:cxn>
-              <a:cxn ang="0">
-                <a:pos x="connsiteX80" y="connsiteY80"/>
-              </a:cxn>
-              <a:cxn ang="0">
-                <a:pos x="connsiteX81" y="connsiteY81"/>
-              </a:cxn>
-              <a:cxn ang="0">
-                <a:pos x="connsiteX82" y="connsiteY82"/>
-              </a:cxn>
-              <a:cxn ang="0">
-                <a:pos x="connsiteX83" y="connsiteY83"/>
-              </a:cxn>
-              <a:cxn ang="0">
-                <a:pos x="connsiteX84" y="connsiteY84"/>
-              </a:cxn>
-              <a:cxn ang="0">
-                <a:pos x="connsiteX85" y="connsiteY85"/>
-              </a:cxn>
-              <a:cxn ang="0">
-                <a:pos x="connsiteX86" y="connsiteY86"/>
-              </a:cxn>
             </a:cxnLst>
             <a:rect l="l" t="t" r="r" b="b"/>
             <a:pathLst>
-              <a:path w="3243185" h="1898718">
+              <a:path w="2053566" h="1505403">
                 <a:moveTo>
-                  <a:pt x="220380" y="404386"/>
+                  <a:pt x="1355645" y="0"/>
                 </a:moveTo>
+                <a:lnTo>
+                  <a:pt x="2053566" y="0"/>
+                </a:lnTo>
+                <a:lnTo>
+                  <a:pt x="2053566" y="500084"/>
+                </a:lnTo>
+                <a:lnTo>
+                  <a:pt x="2046514" y="493032"/>
+                </a:lnTo>
                 <a:cubicBezTo>
-                  <a:pt x="239636" y="406526"/>
-                  <a:pt x="259352" y="406106"/>
-                  <a:pt x="278149" y="410805"/>
+                  <a:pt x="2021363" y="461593"/>
+                  <a:pt x="2032180" y="461970"/>
+                  <a:pt x="2002971" y="438603"/>
                 </a:cubicBezTo>
                 <a:cubicBezTo>
-                  <a:pt x="285633" y="412676"/>
-                  <a:pt x="290505" y="420192"/>
-                  <a:pt x="297405" y="423642"/>
+                  <a:pt x="1992755" y="430430"/>
+                  <a:pt x="1980247" y="425346"/>
+                  <a:pt x="1970314" y="416832"/>
                 </a:cubicBezTo>
                 <a:cubicBezTo>
-                  <a:pt x="303457" y="426669"/>
-                  <a:pt x="310747" y="426775"/>
-                  <a:pt x="316662" y="430061"/>
+                  <a:pt x="1954729" y="403474"/>
+                  <a:pt x="1941285" y="387803"/>
+                  <a:pt x="1926771" y="373289"/>
                 </a:cubicBezTo>
                 <a:cubicBezTo>
-                  <a:pt x="330149" y="437554"/>
-                  <a:pt x="340537" y="450857"/>
-                  <a:pt x="355175" y="455737"/>
+                  <a:pt x="1919514" y="366032"/>
+                  <a:pt x="1913539" y="357210"/>
+                  <a:pt x="1905000" y="351517"/>
                 </a:cubicBezTo>
                 <a:cubicBezTo>
-                  <a:pt x="384781" y="465606"/>
-                  <a:pt x="367797" y="460829"/>
-                  <a:pt x="406525" y="468574"/>
+                  <a:pt x="1883229" y="337003"/>
+                  <a:pt x="1864509" y="316248"/>
+                  <a:pt x="1839686" y="307974"/>
                 </a:cubicBezTo>
                 <a:cubicBezTo>
-                  <a:pt x="412944" y="472853"/>
-                  <a:pt x="418882" y="477962"/>
-                  <a:pt x="425782" y="481412"/>
+                  <a:pt x="1817914" y="300717"/>
+                  <a:pt x="1793466" y="298933"/>
+                  <a:pt x="1774371" y="286203"/>
                 </a:cubicBezTo>
                 <a:cubicBezTo>
-                  <a:pt x="431834" y="484438"/>
-                  <a:pt x="439698" y="483676"/>
-                  <a:pt x="445038" y="487831"/>
+                  <a:pt x="1763485" y="278946"/>
+                  <a:pt x="1753669" y="269745"/>
+                  <a:pt x="1741714" y="264432"/>
                 </a:cubicBezTo>
                 <a:cubicBezTo>
-                  <a:pt x="459369" y="498977"/>
-                  <a:pt x="483551" y="526344"/>
-                  <a:pt x="483551" y="526344"/>
+                  <a:pt x="1720743" y="255111"/>
+                  <a:pt x="1676400" y="242660"/>
+                  <a:pt x="1676400" y="242660"/>
                 </a:cubicBezTo>
                 <a:cubicBezTo>
-                  <a:pt x="493199" y="555288"/>
-                  <a:pt x="501991" y="572910"/>
-                  <a:pt x="483551" y="609788"/>
+                  <a:pt x="1665514" y="231774"/>
+                  <a:pt x="1657109" y="217641"/>
+                  <a:pt x="1643743" y="210003"/>
                 </a:cubicBezTo>
                 <a:cubicBezTo>
-                  <a:pt x="476651" y="623588"/>
-                  <a:pt x="445038" y="635464"/>
-                  <a:pt x="445038" y="635464"/>
+                  <a:pt x="1630753" y="202580"/>
+                  <a:pt x="1614393" y="203848"/>
+                  <a:pt x="1600200" y="199117"/>
                 </a:cubicBezTo>
                 <a:cubicBezTo>
-                  <a:pt x="378711" y="633324"/>
-                  <a:pt x="311935" y="637030"/>
-                  <a:pt x="246055" y="629045"/>
+                  <a:pt x="1592503" y="196551"/>
+                  <a:pt x="1582058" y="162831"/>
+                  <a:pt x="1578429" y="155574"/>
                 </a:cubicBezTo>
                 <a:cubicBezTo>
-                  <a:pt x="238396" y="628117"/>
-                  <a:pt x="239242" y="614607"/>
-                  <a:pt x="233217" y="609788"/>
+                  <a:pt x="1553029" y="133803"/>
+                  <a:pt x="1528745" y="110657"/>
+                  <a:pt x="1502229" y="90260"/>
                 </a:cubicBezTo>
                 <a:cubicBezTo>
-                  <a:pt x="227934" y="605562"/>
-                  <a:pt x="220380" y="605509"/>
-                  <a:pt x="213961" y="603370"/>
+                  <a:pt x="1481489" y="74306"/>
+                  <a:pt x="1458686" y="61231"/>
+                  <a:pt x="1436914" y="46717"/>
                 </a:cubicBezTo>
                 <a:cubicBezTo>
-                  <a:pt x="205402" y="590532"/>
-                  <a:pt x="193165" y="579494"/>
-                  <a:pt x="188285" y="564857"/>
+                  <a:pt x="1426028" y="39460"/>
+                  <a:pt x="1415959" y="30797"/>
+                  <a:pt x="1404257" y="24946"/>
                 </a:cubicBezTo>
-                <a:lnTo>
-                  <a:pt x="175448" y="526344"/>
-                </a:lnTo>
                 <a:cubicBezTo>
-                  <a:pt x="182293" y="423657"/>
-                  <a:pt x="212891" y="424712"/>
-                  <a:pt x="220380" y="404386"/>
+                  <a:pt x="1389743" y="17689"/>
+                  <a:pt x="1374803" y="11225"/>
+                  <a:pt x="1360714" y="3174"/>
                 </a:cubicBezTo>
                 <a:close/>
                 <a:moveTo>
-                  <a:pt x="3243185" y="0"/>
+                  <a:pt x="0" y="0"/>
                 </a:moveTo>
                 <a:lnTo>
-                  <a:pt x="2298567" y="0"/>
+                  <a:pt x="614898" y="0"/>
                 </a:lnTo>
                 <a:lnTo>
-                  <a:pt x="2293659" y="51351"/>
+                  <a:pt x="620486" y="35832"/>
                 </a:lnTo>
                 <a:cubicBezTo>
-                  <a:pt x="2291895" y="63701"/>
-                  <a:pt x="2281101" y="72919"/>
-                  <a:pt x="2274403" y="83445"/>
+                  <a:pt x="631645" y="64528"/>
+                  <a:pt x="660182" y="84067"/>
+                  <a:pt x="685800" y="101146"/>
                 </a:cubicBezTo>
                 <a:cubicBezTo>
-                  <a:pt x="2266120" y="96461"/>
-                  <a:pt x="2257985" y="109614"/>
-                  <a:pt x="2248728" y="121958"/>
+                  <a:pt x="696686" y="108403"/>
+                  <a:pt x="706432" y="117763"/>
+                  <a:pt x="718457" y="122917"/>
                 </a:cubicBezTo>
                 <a:cubicBezTo>
-                  <a:pt x="2233323" y="142498"/>
-                  <a:pt x="2227760" y="154908"/>
-                  <a:pt x="2203796" y="166890"/>
+                  <a:pt x="732208" y="128810"/>
+                  <a:pt x="747615" y="129693"/>
+                  <a:pt x="762000" y="133803"/>
                 </a:cubicBezTo>
                 <a:cubicBezTo>
-                  <a:pt x="2195906" y="170835"/>
-                  <a:pt x="2186679" y="171169"/>
-                  <a:pt x="2178121" y="173308"/>
+                  <a:pt x="773033" y="136955"/>
+                  <a:pt x="783624" y="141537"/>
+                  <a:pt x="794657" y="144689"/>
                 </a:cubicBezTo>
                 <a:cubicBezTo>
-                  <a:pt x="2148108" y="203321"/>
-                  <a:pt x="2169307" y="185236"/>
-                  <a:pt x="2126770" y="211821"/>
+                  <a:pt x="809042" y="148799"/>
+                  <a:pt x="823870" y="151275"/>
+                  <a:pt x="838200" y="155574"/>
                 </a:cubicBezTo>
                 <a:cubicBezTo>
-                  <a:pt x="2106184" y="224688"/>
-                  <a:pt x="2106188" y="227757"/>
-                  <a:pt x="2081838" y="237497"/>
+                  <a:pt x="860181" y="162168"/>
+                  <a:pt x="884419" y="164616"/>
+                  <a:pt x="903514" y="177346"/>
                 </a:cubicBezTo>
                 <a:cubicBezTo>
-                  <a:pt x="2069275" y="242522"/>
-                  <a:pt x="2054585" y="242828"/>
-                  <a:pt x="2043325" y="250334"/>
+                  <a:pt x="945719" y="205482"/>
+                  <a:pt x="923759" y="194980"/>
+                  <a:pt x="968829" y="210003"/>
                 </a:cubicBezTo>
                 <a:cubicBezTo>
-                  <a:pt x="2023241" y="263724"/>
-                  <a:pt x="1993522" y="284687"/>
-                  <a:pt x="1972718" y="288847"/>
+                  <a:pt x="983343" y="220889"/>
+                  <a:pt x="996619" y="233659"/>
+                  <a:pt x="1012371" y="242660"/>
+                </a:cubicBezTo>
+                <a:cubicBezTo>
+                  <a:pt x="1022334" y="248353"/>
+                  <a:pt x="1035481" y="247181"/>
+                  <a:pt x="1045029" y="253546"/>
+                </a:cubicBezTo>
+                <a:cubicBezTo>
+                  <a:pt x="1057838" y="262085"/>
+                  <a:pt x="1064877" y="277664"/>
+                  <a:pt x="1077686" y="286203"/>
+                </a:cubicBezTo>
+                <a:cubicBezTo>
+                  <a:pt x="1087233" y="292568"/>
+                  <a:pt x="1100312" y="291516"/>
+                  <a:pt x="1110343" y="297089"/>
+                </a:cubicBezTo>
+                <a:cubicBezTo>
+                  <a:pt x="1133216" y="309796"/>
+                  <a:pt x="1153886" y="326118"/>
+                  <a:pt x="1175657" y="340632"/>
+                </a:cubicBezTo>
+                <a:cubicBezTo>
+                  <a:pt x="1186543" y="347889"/>
+                  <a:pt x="1195622" y="359230"/>
+                  <a:pt x="1208314" y="362403"/>
+                </a:cubicBezTo>
+                <a:cubicBezTo>
+                  <a:pt x="1262989" y="376072"/>
+                  <a:pt x="1237664" y="368558"/>
+                  <a:pt x="1284514" y="384174"/>
+                </a:cubicBezTo>
+                <a:cubicBezTo>
+                  <a:pt x="1295400" y="391431"/>
+                  <a:pt x="1305216" y="400632"/>
+                  <a:pt x="1317171" y="405946"/>
+                </a:cubicBezTo>
+                <a:cubicBezTo>
+                  <a:pt x="1338142" y="415267"/>
+                  <a:pt x="1382486" y="427717"/>
+                  <a:pt x="1382486" y="427717"/>
+                </a:cubicBezTo>
+                <a:cubicBezTo>
+                  <a:pt x="1435049" y="480282"/>
+                  <a:pt x="1368259" y="416336"/>
+                  <a:pt x="1436914" y="471260"/>
+                </a:cubicBezTo>
+                <a:cubicBezTo>
+                  <a:pt x="1444928" y="477671"/>
+                  <a:pt x="1449506" y="488442"/>
+                  <a:pt x="1458686" y="493032"/>
+                </a:cubicBezTo>
+                <a:cubicBezTo>
+                  <a:pt x="1479212" y="503295"/>
+                  <a:pt x="1524000" y="514803"/>
+                  <a:pt x="1524000" y="514803"/>
                 </a:cubicBezTo>
                 <a:lnTo>
-                  <a:pt x="1940624" y="295266"/>
+                  <a:pt x="1578429" y="569232"/>
                 </a:lnTo>
                 <a:cubicBezTo>
-                  <a:pt x="1932066" y="299545"/>
-                  <a:pt x="1923257" y="303356"/>
-                  <a:pt x="1914949" y="308104"/>
+                  <a:pt x="1589315" y="580118"/>
+                  <a:pt x="1598277" y="593350"/>
+                  <a:pt x="1611086" y="601889"/>
                 </a:cubicBezTo>
                 <a:cubicBezTo>
-                  <a:pt x="1908251" y="311931"/>
-                  <a:pt x="1902783" y="317902"/>
-                  <a:pt x="1895693" y="320941"/>
+                  <a:pt x="1660822" y="635046"/>
+                  <a:pt x="1634492" y="614409"/>
+                  <a:pt x="1687286" y="667203"/>
+                </a:cubicBezTo>
+                <a:lnTo>
+                  <a:pt x="1763486" y="743403"/>
+                </a:lnTo>
+                <a:lnTo>
+                  <a:pt x="1796143" y="776060"/>
+                </a:lnTo>
+                <a:cubicBezTo>
+                  <a:pt x="1803400" y="783317"/>
+                  <a:pt x="1809374" y="792139"/>
+                  <a:pt x="1817914" y="797832"/>
+                </a:cubicBezTo>
+                <a:lnTo>
+                  <a:pt x="1883229" y="841374"/>
+                </a:lnTo>
+                <a:cubicBezTo>
+                  <a:pt x="1894115" y="848631"/>
+                  <a:pt x="1906635" y="853895"/>
+                  <a:pt x="1915886" y="863146"/>
                 </a:cubicBezTo>
                 <a:cubicBezTo>
-                  <a:pt x="1887584" y="324416"/>
-                  <a:pt x="1878467" y="324825"/>
-                  <a:pt x="1870017" y="327360"/>
+                  <a:pt x="1926772" y="874032"/>
+                  <a:pt x="1935177" y="888165"/>
+                  <a:pt x="1948543" y="895803"/>
                 </a:cubicBezTo>
                 <a:cubicBezTo>
-                  <a:pt x="1857056" y="331248"/>
-                  <a:pt x="1844633" y="336916"/>
-                  <a:pt x="1831504" y="340198"/>
+                  <a:pt x="1961533" y="903226"/>
+                  <a:pt x="1977701" y="902579"/>
+                  <a:pt x="1992086" y="906689"/>
                 </a:cubicBezTo>
                 <a:cubicBezTo>
-                  <a:pt x="1814387" y="344477"/>
-                  <a:pt x="1796892" y="347456"/>
-                  <a:pt x="1780154" y="353035"/>
-                </a:cubicBezTo>
-                <a:cubicBezTo>
-                  <a:pt x="1773735" y="355175"/>
-                  <a:pt x="1766812" y="356168"/>
-                  <a:pt x="1760897" y="359454"/>
-                </a:cubicBezTo>
-                <a:cubicBezTo>
-                  <a:pt x="1709553" y="387979"/>
-                  <a:pt x="1738400" y="384335"/>
-                  <a:pt x="1683871" y="397967"/>
-                </a:cubicBezTo>
-                <a:cubicBezTo>
-                  <a:pt x="1666755" y="402246"/>
-                  <a:pt x="1649259" y="405226"/>
-                  <a:pt x="1632521" y="410805"/>
-                </a:cubicBezTo>
-                <a:cubicBezTo>
-                  <a:pt x="1619683" y="415084"/>
-                  <a:pt x="1607136" y="420361"/>
-                  <a:pt x="1594008" y="423642"/>
-                </a:cubicBezTo>
-                <a:cubicBezTo>
-                  <a:pt x="1585449" y="425782"/>
-                  <a:pt x="1576593" y="426964"/>
-                  <a:pt x="1568333" y="430061"/>
-                </a:cubicBezTo>
-                <a:cubicBezTo>
-                  <a:pt x="1559373" y="433421"/>
-                  <a:pt x="1551617" y="439539"/>
-                  <a:pt x="1542657" y="442899"/>
-                </a:cubicBezTo>
-                <a:cubicBezTo>
-                  <a:pt x="1534397" y="445997"/>
-                  <a:pt x="1525465" y="446895"/>
-                  <a:pt x="1516982" y="449318"/>
-                </a:cubicBezTo>
-                <a:cubicBezTo>
-                  <a:pt x="1510476" y="451177"/>
-                  <a:pt x="1504231" y="453878"/>
-                  <a:pt x="1497725" y="455737"/>
-                </a:cubicBezTo>
-                <a:cubicBezTo>
-                  <a:pt x="1488128" y="458478"/>
-                  <a:pt x="1463054" y="463444"/>
-                  <a:pt x="1452794" y="468574"/>
-                </a:cubicBezTo>
-                <a:cubicBezTo>
-                  <a:pt x="1445893" y="472024"/>
-                  <a:pt x="1440911" y="479143"/>
-                  <a:pt x="1433537" y="481412"/>
-                </a:cubicBezTo>
-                <a:cubicBezTo>
-                  <a:pt x="1412682" y="487829"/>
-                  <a:pt x="1369349" y="494250"/>
-                  <a:pt x="1369349" y="494250"/>
-                </a:cubicBezTo>
-                <a:cubicBezTo>
-                  <a:pt x="1307265" y="540813"/>
-                  <a:pt x="1373427" y="495420"/>
-                  <a:pt x="1324417" y="519925"/>
-                </a:cubicBezTo>
-                <a:cubicBezTo>
-                  <a:pt x="1296720" y="533774"/>
-                  <a:pt x="1314945" y="532728"/>
-                  <a:pt x="1285904" y="539181"/>
-                </a:cubicBezTo>
-                <a:cubicBezTo>
-                  <a:pt x="1273199" y="542005"/>
-                  <a:pt x="1260096" y="542777"/>
-                  <a:pt x="1247391" y="545600"/>
-                </a:cubicBezTo>
-                <a:cubicBezTo>
-                  <a:pt x="1214234" y="552969"/>
-                  <a:pt x="1227302" y="562451"/>
-                  <a:pt x="1176784" y="564857"/>
+                  <a:pt x="2003119" y="909841"/>
+                  <a:pt x="2013673" y="914555"/>
+                  <a:pt x="2024743" y="917574"/>
                 </a:cubicBezTo>
                 <a:lnTo>
-                  <a:pt x="907194" y="577694"/>
-                </a:lnTo>
-                <a:cubicBezTo>
-                  <a:pt x="898635" y="579834"/>
-                  <a:pt x="890340" y="584113"/>
-                  <a:pt x="881518" y="584113"/>
-                </a:cubicBezTo>
-                <a:cubicBezTo>
-                  <a:pt x="806601" y="584113"/>
-                  <a:pt x="731365" y="585537"/>
-                  <a:pt x="656860" y="577694"/>
-                </a:cubicBezTo>
-                <a:cubicBezTo>
-                  <a:pt x="647832" y="576744"/>
-                  <a:pt x="643415" y="565411"/>
-                  <a:pt x="637603" y="558438"/>
-                </a:cubicBezTo>
-                <a:cubicBezTo>
-                  <a:pt x="587103" y="497837"/>
-                  <a:pt x="656946" y="577823"/>
-                  <a:pt x="618347" y="519925"/>
-                </a:cubicBezTo>
-                <a:cubicBezTo>
-                  <a:pt x="613311" y="512372"/>
-                  <a:pt x="604902" y="507642"/>
-                  <a:pt x="599090" y="500668"/>
-                </a:cubicBezTo>
-                <a:cubicBezTo>
-                  <a:pt x="576756" y="473868"/>
-                  <a:pt x="598608" y="485530"/>
-                  <a:pt x="566996" y="474993"/>
-                </a:cubicBezTo>
-                <a:cubicBezTo>
-                  <a:pt x="564857" y="468574"/>
-                  <a:pt x="564804" y="461020"/>
-                  <a:pt x="560577" y="455737"/>
-                </a:cubicBezTo>
-                <a:cubicBezTo>
-                  <a:pt x="548314" y="440407"/>
-                  <a:pt x="537569" y="444232"/>
-                  <a:pt x="522064" y="436480"/>
-                </a:cubicBezTo>
-                <a:cubicBezTo>
-                  <a:pt x="515164" y="433030"/>
-                  <a:pt x="509858" y="426775"/>
-                  <a:pt x="502808" y="423642"/>
-                </a:cubicBezTo>
-                <a:cubicBezTo>
-                  <a:pt x="490442" y="418147"/>
-                  <a:pt x="475555" y="418311"/>
-                  <a:pt x="464295" y="410805"/>
-                </a:cubicBezTo>
-                <a:cubicBezTo>
-                  <a:pt x="457876" y="406526"/>
-                  <a:pt x="452582" y="399584"/>
-                  <a:pt x="445038" y="397967"/>
-                </a:cubicBezTo>
-                <a:cubicBezTo>
-                  <a:pt x="421930" y="393015"/>
-                  <a:pt x="397967" y="393688"/>
-                  <a:pt x="374431" y="391548"/>
-                </a:cubicBezTo>
-                <a:cubicBezTo>
-                  <a:pt x="320996" y="378189"/>
-                  <a:pt x="373828" y="394456"/>
-                  <a:pt x="329500" y="372292"/>
-                </a:cubicBezTo>
-                <a:cubicBezTo>
-                  <a:pt x="323448" y="369266"/>
-                  <a:pt x="316158" y="369159"/>
-                  <a:pt x="310243" y="365873"/>
-                </a:cubicBezTo>
-                <a:cubicBezTo>
-                  <a:pt x="296756" y="358380"/>
-                  <a:pt x="271730" y="340198"/>
-                  <a:pt x="271730" y="340198"/>
-                </a:cubicBezTo>
-                <a:cubicBezTo>
-                  <a:pt x="259107" y="321264"/>
-                  <a:pt x="258170" y="317130"/>
-                  <a:pt x="239636" y="301685"/>
-                </a:cubicBezTo>
-                <a:cubicBezTo>
-                  <a:pt x="212096" y="278735"/>
-                  <a:pt x="226695" y="300277"/>
-                  <a:pt x="201123" y="269591"/>
-                </a:cubicBezTo>
-                <a:cubicBezTo>
-                  <a:pt x="180961" y="245397"/>
-                  <a:pt x="192235" y="238813"/>
-                  <a:pt x="149773" y="224659"/>
-                </a:cubicBezTo>
-                <a:lnTo>
-                  <a:pt x="111260" y="211821"/>
-                </a:lnTo>
-                <a:cubicBezTo>
-                  <a:pt x="104841" y="209682"/>
-                  <a:pt x="97633" y="209156"/>
-                  <a:pt x="92003" y="205402"/>
-                </a:cubicBezTo>
-                <a:cubicBezTo>
-                  <a:pt x="85584" y="201123"/>
-                  <a:pt x="78673" y="197503"/>
-                  <a:pt x="72747" y="192565"/>
-                </a:cubicBezTo>
-                <a:cubicBezTo>
-                  <a:pt x="23324" y="151379"/>
-                  <a:pt x="82044" y="192344"/>
-                  <a:pt x="34234" y="160471"/>
-                </a:cubicBezTo>
-                <a:cubicBezTo>
-                  <a:pt x="25675" y="147633"/>
-                  <a:pt x="7748" y="137365"/>
-                  <a:pt x="8558" y="121958"/>
-                </a:cubicBezTo>
-                <a:cubicBezTo>
-                  <a:pt x="10157" y="91584"/>
-                  <a:pt x="6161" y="51646"/>
-                  <a:pt x="11877" y="15345"/>
-                </a:cubicBezTo>
-                <a:lnTo>
-                  <a:pt x="16098" y="0"/>
+                  <a:pt x="2053566" y="925251"/>
                 </a:lnTo>
                 <a:lnTo>
-                  <a:pt x="0" y="0"/>
+                  <a:pt x="2053566" y="1505403"/>
                 </a:lnTo>
                 <a:lnTo>
-                  <a:pt x="0" y="1540363"/>
-                </a:lnTo>
-                <a:lnTo>
-                  <a:pt x="234477" y="1584265"/>
-                </a:lnTo>
-                <a:lnTo>
-                  <a:pt x="512026" y="1634009"/>
-                </a:lnTo>
-                <a:lnTo>
-                  <a:pt x="790802" y="1682702"/>
-                </a:lnTo>
-                <a:lnTo>
-                  <a:pt x="1070807" y="1724388"/>
-                </a:lnTo>
-                <a:lnTo>
-                  <a:pt x="1349583" y="1766425"/>
-                </a:lnTo>
-                <a:lnTo>
-                  <a:pt x="1629588" y="1805660"/>
-                </a:lnTo>
-                <a:lnTo>
-                  <a:pt x="1905908" y="1839289"/>
-                </a:lnTo>
-                <a:lnTo>
-                  <a:pt x="2185913" y="1871167"/>
-                </a:lnTo>
-                <a:lnTo>
-                  <a:pt x="2450068" y="1898718"/>
-                </a:lnTo>
-                <a:lnTo>
-                  <a:pt x="3243185" y="1898718"/>
+                  <a:pt x="0" y="1505403"/>
                 </a:lnTo>
                 <a:close/>
               </a:path>
@@ -7335,10 +6992,10 @@
       </p:pic>
       <p:pic>
         <p:nvPicPr>
-          <p:cNvPr id="27" name="Picture 26">
+          <p:cNvPr id="38" name="Picture 37">
             <a:extLst>
               <a:ext uri="{FF2B5EF4-FFF2-40B4-BE49-F238E27FC236}">
-                <a16:creationId xmlns:a16="http://schemas.microsoft.com/office/drawing/2014/main" id="{08625290-97B7-41E9-9685-D438F86FC9EA}"/>
+                <a16:creationId xmlns:a16="http://schemas.microsoft.com/office/drawing/2014/main" id="{0E6BC652-4BE1-478A-BFA7-47149E82F2F1}"/>
               </a:ext>
               <a:ext uri="{C183D7F6-B498-43B3-948B-1728B52AA6E4}">
                 <adec:decorative xmlns:adec="http://schemas.microsoft.com/office/drawing/2017/decorative" val="1"/>
@@ -7356,7 +7013,7 @@
             </p:extLst>
           </p:nvPr>
         </p:nvPicPr>
-        <p:blipFill>
+        <p:blipFill rotWithShape="1">
           <a:blip r:embed="rId3">
             <a:extLst>
               <a:ext uri="{28A0092B-C50C-407E-A947-70E740481C1C}">
@@ -7364,205 +7021,83 @@
               </a:ext>
             </a:extLst>
           </a:blip>
-          <a:srcRect b="18503"/>
-          <a:stretch>
-            <a:fillRect/>
-          </a:stretch>
+          <a:srcRect l="34623" r="26442" b="66400"/>
+          <a:stretch/>
         </p:blipFill>
         <p:spPr>
-          <a:xfrm>
-            <a:off x="0" y="0"/>
-            <a:ext cx="11611430" cy="5322895"/>
+          <a:xfrm rot="1800000" flipH="1">
+            <a:off x="489857" y="4860000"/>
+            <a:ext cx="1806209" cy="876778"/>
           </a:xfrm>
           <a:custGeom>
             <a:avLst/>
             <a:gdLst>
-              <a:gd name="connsiteX0" fmla="*/ 0 w 11611430"/>
-              <a:gd name="connsiteY0" fmla="*/ 0 h 5322895"/>
-              <a:gd name="connsiteX1" fmla="*/ 11611430 w 11611430"/>
-              <a:gd name="connsiteY1" fmla="*/ 0 h 5322895"/>
-              <a:gd name="connsiteX2" fmla="*/ 11611430 w 11611430"/>
-              <a:gd name="connsiteY2" fmla="*/ 4911695 h 5322895"/>
-              <a:gd name="connsiteX3" fmla="*/ 11401197 w 11611430"/>
-              <a:gd name="connsiteY3" fmla="*/ 4948416 h 5322895"/>
-              <a:gd name="connsiteX4" fmla="*/ 11121192 w 11611430"/>
-              <a:gd name="connsiteY4" fmla="*/ 4990102 h 5322895"/>
-              <a:gd name="connsiteX5" fmla="*/ 10842416 w 11611430"/>
-              <a:gd name="connsiteY5" fmla="*/ 5032139 h 5322895"/>
-              <a:gd name="connsiteX6" fmla="*/ 10562411 w 11611430"/>
-              <a:gd name="connsiteY6" fmla="*/ 5071374 h 5322895"/>
-              <a:gd name="connsiteX7" fmla="*/ 10286091 w 11611430"/>
-              <a:gd name="connsiteY7" fmla="*/ 5105003 h 5322895"/>
-              <a:gd name="connsiteX8" fmla="*/ 10006086 w 11611430"/>
-              <a:gd name="connsiteY8" fmla="*/ 5136881 h 5322895"/>
-              <a:gd name="connsiteX9" fmla="*/ 9727310 w 11611430"/>
-              <a:gd name="connsiteY9" fmla="*/ 5165957 h 5322895"/>
-              <a:gd name="connsiteX10" fmla="*/ 9453445 w 11611430"/>
-              <a:gd name="connsiteY10" fmla="*/ 5191179 h 5322895"/>
-              <a:gd name="connsiteX11" fmla="*/ 9175897 w 11611430"/>
-              <a:gd name="connsiteY11" fmla="*/ 5216401 h 5322895"/>
-              <a:gd name="connsiteX12" fmla="*/ 8902033 w 11611430"/>
-              <a:gd name="connsiteY12" fmla="*/ 5237420 h 5322895"/>
-              <a:gd name="connsiteX13" fmla="*/ 8628169 w 11611430"/>
-              <a:gd name="connsiteY13" fmla="*/ 5253884 h 5322895"/>
-              <a:gd name="connsiteX14" fmla="*/ 8355533 w 11611430"/>
-              <a:gd name="connsiteY14" fmla="*/ 5271050 h 5322895"/>
-              <a:gd name="connsiteX15" fmla="*/ 8085353 w 11611430"/>
-              <a:gd name="connsiteY15" fmla="*/ 5285412 h 5322895"/>
-              <a:gd name="connsiteX16" fmla="*/ 7817629 w 11611430"/>
-              <a:gd name="connsiteY16" fmla="*/ 5295571 h 5322895"/>
-              <a:gd name="connsiteX17" fmla="*/ 7549905 w 11611430"/>
-              <a:gd name="connsiteY17" fmla="*/ 5304329 h 5322895"/>
-              <a:gd name="connsiteX18" fmla="*/ 7284638 w 11611430"/>
-              <a:gd name="connsiteY18" fmla="*/ 5312736 h 5322895"/>
-              <a:gd name="connsiteX19" fmla="*/ 7023055 w 11611430"/>
-              <a:gd name="connsiteY19" fmla="*/ 5316590 h 5322895"/>
-              <a:gd name="connsiteX20" fmla="*/ 6761472 w 11611430"/>
-              <a:gd name="connsiteY20" fmla="*/ 5320793 h 5322895"/>
-              <a:gd name="connsiteX21" fmla="*/ 6503573 w 11611430"/>
-              <a:gd name="connsiteY21" fmla="*/ 5322895 h 5322895"/>
-              <a:gd name="connsiteX22" fmla="*/ 6248130 w 11611430"/>
-              <a:gd name="connsiteY22" fmla="*/ 5320793 h 5322895"/>
-              <a:gd name="connsiteX23" fmla="*/ 5995144 w 11611430"/>
-              <a:gd name="connsiteY23" fmla="*/ 5320793 h 5322895"/>
-              <a:gd name="connsiteX24" fmla="*/ 5744613 w 11611430"/>
-              <a:gd name="connsiteY24" fmla="*/ 5316590 h 5322895"/>
-              <a:gd name="connsiteX25" fmla="*/ 5498995 w 11611430"/>
-              <a:gd name="connsiteY25" fmla="*/ 5310284 h 5322895"/>
-              <a:gd name="connsiteX26" fmla="*/ 5255834 w 11611430"/>
-              <a:gd name="connsiteY26" fmla="*/ 5304329 h 5322895"/>
-              <a:gd name="connsiteX27" fmla="*/ 5017584 w 11611430"/>
-              <a:gd name="connsiteY27" fmla="*/ 5297673 h 5322895"/>
-              <a:gd name="connsiteX28" fmla="*/ 4785514 w 11611430"/>
-              <a:gd name="connsiteY28" fmla="*/ 5287726 h 5322895"/>
-              <a:gd name="connsiteX29" fmla="*/ 4601441 w 11611430"/>
-              <a:gd name="connsiteY29" fmla="*/ 4972173 h 5322895"/>
-              <a:gd name="connsiteX30" fmla="*/ 4514210 w 11611430"/>
-              <a:gd name="connsiteY30" fmla="*/ 4830422 h 5322895"/>
-              <a:gd name="connsiteX31" fmla="*/ 4416075 w 11611430"/>
-              <a:gd name="connsiteY31" fmla="*/ 4732288 h 5322895"/>
-              <a:gd name="connsiteX32" fmla="*/ 4274324 w 11611430"/>
-              <a:gd name="connsiteY32" fmla="*/ 4557826 h 5322895"/>
-              <a:gd name="connsiteX33" fmla="*/ 4241613 w 11611430"/>
-              <a:gd name="connsiteY33" fmla="*/ 4525113 h 5322895"/>
-              <a:gd name="connsiteX34" fmla="*/ 4208901 w 11611430"/>
-              <a:gd name="connsiteY34" fmla="*/ 4481499 h 5322895"/>
-              <a:gd name="connsiteX35" fmla="*/ 4154382 w 11611430"/>
-              <a:gd name="connsiteY35" fmla="*/ 4437883 h 5322895"/>
-              <a:gd name="connsiteX36" fmla="*/ 4110766 w 11611430"/>
-              <a:gd name="connsiteY36" fmla="*/ 4416075 h 5322895"/>
-              <a:gd name="connsiteX37" fmla="*/ 4078054 w 11611430"/>
-              <a:gd name="connsiteY37" fmla="*/ 4394267 h 5322895"/>
-              <a:gd name="connsiteX38" fmla="*/ 4034439 w 11611430"/>
-              <a:gd name="connsiteY38" fmla="*/ 4361556 h 5322895"/>
-              <a:gd name="connsiteX39" fmla="*/ 3958111 w 11611430"/>
-              <a:gd name="connsiteY39" fmla="*/ 4339747 h 5322895"/>
-              <a:gd name="connsiteX40" fmla="*/ 3892688 w 11611430"/>
-              <a:gd name="connsiteY40" fmla="*/ 4328844 h 5322895"/>
-              <a:gd name="connsiteX41" fmla="*/ 3718226 w 11611430"/>
-              <a:gd name="connsiteY41" fmla="*/ 4307036 h 5322895"/>
-              <a:gd name="connsiteX42" fmla="*/ 3641899 w 11611430"/>
-              <a:gd name="connsiteY42" fmla="*/ 4274324 h 5322895"/>
-              <a:gd name="connsiteX43" fmla="*/ 3620091 w 11611430"/>
-              <a:gd name="connsiteY43" fmla="*/ 4252517 h 5322895"/>
-              <a:gd name="connsiteX44" fmla="*/ 3565572 w 11611430"/>
-              <a:gd name="connsiteY44" fmla="*/ 4230709 h 5322895"/>
-              <a:gd name="connsiteX45" fmla="*/ 3500148 w 11611430"/>
-              <a:gd name="connsiteY45" fmla="*/ 4208901 h 5322895"/>
-              <a:gd name="connsiteX46" fmla="*/ 3478341 w 11611430"/>
-              <a:gd name="connsiteY46" fmla="*/ 4176190 h 5322895"/>
-              <a:gd name="connsiteX47" fmla="*/ 3543764 w 11611430"/>
-              <a:gd name="connsiteY47" fmla="*/ 4132574 h 5322895"/>
-              <a:gd name="connsiteX48" fmla="*/ 3445629 w 11611430"/>
-              <a:gd name="connsiteY48" fmla="*/ 4121670 h 5322895"/>
-              <a:gd name="connsiteX49" fmla="*/ 3391109 w 11611430"/>
-              <a:gd name="connsiteY49" fmla="*/ 4132574 h 5322895"/>
-              <a:gd name="connsiteX50" fmla="*/ 3303878 w 11611430"/>
-              <a:gd name="connsiteY50" fmla="*/ 4154381 h 5322895"/>
-              <a:gd name="connsiteX51" fmla="*/ 3260263 w 11611430"/>
-              <a:gd name="connsiteY51" fmla="*/ 4165285 h 5322895"/>
-              <a:gd name="connsiteX52" fmla="*/ 3194839 w 11611430"/>
-              <a:gd name="connsiteY52" fmla="*/ 4187093 h 5322895"/>
-              <a:gd name="connsiteX53" fmla="*/ 3162128 w 11611430"/>
-              <a:gd name="connsiteY53" fmla="*/ 4197997 h 5322895"/>
-              <a:gd name="connsiteX54" fmla="*/ 3053089 w 11611430"/>
-              <a:gd name="connsiteY54" fmla="*/ 4230709 h 5322895"/>
-              <a:gd name="connsiteX55" fmla="*/ 2987666 w 11611430"/>
-              <a:gd name="connsiteY55" fmla="*/ 4252517 h 5322895"/>
-              <a:gd name="connsiteX56" fmla="*/ 2954954 w 11611430"/>
-              <a:gd name="connsiteY56" fmla="*/ 4263420 h 5322895"/>
-              <a:gd name="connsiteX57" fmla="*/ 2867723 w 11611430"/>
-              <a:gd name="connsiteY57" fmla="*/ 4285228 h 5322895"/>
-              <a:gd name="connsiteX58" fmla="*/ 2802300 w 11611430"/>
-              <a:gd name="connsiteY58" fmla="*/ 4307036 h 5322895"/>
-              <a:gd name="connsiteX59" fmla="*/ 2780492 w 11611430"/>
-              <a:gd name="connsiteY59" fmla="*/ 4328844 h 5322895"/>
-              <a:gd name="connsiteX60" fmla="*/ 2715069 w 11611430"/>
-              <a:gd name="connsiteY60" fmla="*/ 4350652 h 5322895"/>
-              <a:gd name="connsiteX61" fmla="*/ 2682357 w 11611430"/>
-              <a:gd name="connsiteY61" fmla="*/ 4361556 h 5322895"/>
-              <a:gd name="connsiteX62" fmla="*/ 2649646 w 11611430"/>
-              <a:gd name="connsiteY62" fmla="*/ 4372459 h 5322895"/>
-              <a:gd name="connsiteX63" fmla="*/ 2616933 w 11611430"/>
-              <a:gd name="connsiteY63" fmla="*/ 4383363 h 5322895"/>
-              <a:gd name="connsiteX64" fmla="*/ 2595126 w 11611430"/>
-              <a:gd name="connsiteY64" fmla="*/ 4405171 h 5322895"/>
-              <a:gd name="connsiteX65" fmla="*/ 2529703 w 11611430"/>
-              <a:gd name="connsiteY65" fmla="*/ 4437883 h 5322895"/>
-              <a:gd name="connsiteX66" fmla="*/ 2486087 w 11611430"/>
-              <a:gd name="connsiteY66" fmla="*/ 4481499 h 5322895"/>
-              <a:gd name="connsiteX67" fmla="*/ 2453375 w 11611430"/>
-              <a:gd name="connsiteY67" fmla="*/ 4514210 h 5322895"/>
-              <a:gd name="connsiteX68" fmla="*/ 2420664 w 11611430"/>
-              <a:gd name="connsiteY68" fmla="*/ 4536017 h 5322895"/>
-              <a:gd name="connsiteX69" fmla="*/ 2398856 w 11611430"/>
-              <a:gd name="connsiteY69" fmla="*/ 4568729 h 5322895"/>
-              <a:gd name="connsiteX70" fmla="*/ 2377048 w 11611430"/>
-              <a:gd name="connsiteY70" fmla="*/ 4590537 h 5322895"/>
-              <a:gd name="connsiteX71" fmla="*/ 2366144 w 11611430"/>
-              <a:gd name="connsiteY71" fmla="*/ 4623249 h 5322895"/>
-              <a:gd name="connsiteX72" fmla="*/ 2344336 w 11611430"/>
-              <a:gd name="connsiteY72" fmla="*/ 4666865 h 5322895"/>
-              <a:gd name="connsiteX73" fmla="*/ 2322528 w 11611430"/>
-              <a:gd name="connsiteY73" fmla="*/ 4732288 h 5322895"/>
-              <a:gd name="connsiteX74" fmla="*/ 2300721 w 11611430"/>
-              <a:gd name="connsiteY74" fmla="*/ 4764999 h 5322895"/>
-              <a:gd name="connsiteX75" fmla="*/ 2268010 w 11611430"/>
-              <a:gd name="connsiteY75" fmla="*/ 4852231 h 5322895"/>
-              <a:gd name="connsiteX76" fmla="*/ 2235297 w 11611430"/>
-              <a:gd name="connsiteY76" fmla="*/ 4993981 h 5322895"/>
-              <a:gd name="connsiteX77" fmla="*/ 2230567 w 11611430"/>
-              <a:gd name="connsiteY77" fmla="*/ 5079209 h 5322895"/>
-              <a:gd name="connsiteX78" fmla="*/ 2229538 w 11611430"/>
-              <a:gd name="connsiteY78" fmla="*/ 5104344 h 5322895"/>
-              <a:gd name="connsiteX79" fmla="*/ 1932621 w 11611430"/>
-              <a:gd name="connsiteY79" fmla="*/ 5071374 h 5322895"/>
-              <a:gd name="connsiteX80" fmla="*/ 1609634 w 11611430"/>
-              <a:gd name="connsiteY80" fmla="*/ 5033891 h 5322895"/>
-              <a:gd name="connsiteX81" fmla="*/ 1312435 w 11611430"/>
-              <a:gd name="connsiteY81" fmla="*/ 4996408 h 5322895"/>
-              <a:gd name="connsiteX82" fmla="*/ 1039799 w 11611430"/>
-              <a:gd name="connsiteY82" fmla="*/ 4961027 h 5322895"/>
-              <a:gd name="connsiteX83" fmla="*/ 797865 w 11611430"/>
-              <a:gd name="connsiteY83" fmla="*/ 4927397 h 5322895"/>
-              <a:gd name="connsiteX84" fmla="*/ 579265 w 11611430"/>
-              <a:gd name="connsiteY84" fmla="*/ 4895519 h 5322895"/>
-              <a:gd name="connsiteX85" fmla="*/ 395052 w 11611430"/>
-              <a:gd name="connsiteY85" fmla="*/ 4868896 h 5322895"/>
-              <a:gd name="connsiteX86" fmla="*/ 240312 w 11611430"/>
-              <a:gd name="connsiteY86" fmla="*/ 4843673 h 5322895"/>
-              <a:gd name="connsiteX87" fmla="*/ 27853 w 11611430"/>
-              <a:gd name="connsiteY87" fmla="*/ 4807592 h 5322895"/>
-              <a:gd name="connsiteX88" fmla="*/ 0 w 11611430"/>
-              <a:gd name="connsiteY88" fmla="*/ 4802879 h 5322895"/>
-              <a:gd name="connsiteX89" fmla="*/ 0 w 11611430"/>
-              <a:gd name="connsiteY89" fmla="*/ 3753332 h 5322895"/>
-              <a:gd name="connsiteX90" fmla="*/ 0 w 11611430"/>
-              <a:gd name="connsiteY90" fmla="*/ 3571886 h 5322895"/>
-              <a:gd name="connsiteX91" fmla="*/ 0 w 11611430"/>
-              <a:gd name="connsiteY91" fmla="*/ 471948 h 5322895"/>
-              <a:gd name="connsiteX92" fmla="*/ 0 w 11611430"/>
-              <a:gd name="connsiteY92" fmla="*/ 213719 h 5322895"/>
+              <a:gd name="connsiteX0" fmla="*/ 527412 w 1806209"/>
+              <a:gd name="connsiteY0" fmla="*/ 0 h 876778"/>
+              <a:gd name="connsiteX1" fmla="*/ 0 w 1806209"/>
+              <a:gd name="connsiteY1" fmla="*/ 0 h 876778"/>
+              <a:gd name="connsiteX2" fmla="*/ 0 w 1806209"/>
+              <a:gd name="connsiteY2" fmla="*/ 255471 h 876778"/>
+              <a:gd name="connsiteX3" fmla="*/ 10065 w 1806209"/>
+              <a:gd name="connsiteY3" fmla="*/ 245407 h 876778"/>
+              <a:gd name="connsiteX4" fmla="*/ 20951 w 1806209"/>
+              <a:gd name="connsiteY4" fmla="*/ 234521 h 876778"/>
+              <a:gd name="connsiteX5" fmla="*/ 53608 w 1806209"/>
+              <a:gd name="connsiteY5" fmla="*/ 223635 h 876778"/>
+              <a:gd name="connsiteX6" fmla="*/ 118922 w 1806209"/>
+              <a:gd name="connsiteY6" fmla="*/ 190978 h 876778"/>
+              <a:gd name="connsiteX7" fmla="*/ 206008 w 1806209"/>
+              <a:gd name="connsiteY7" fmla="*/ 147435 h 876778"/>
+              <a:gd name="connsiteX8" fmla="*/ 238665 w 1806209"/>
+              <a:gd name="connsiteY8" fmla="*/ 125664 h 876778"/>
+              <a:gd name="connsiteX9" fmla="*/ 260436 w 1806209"/>
+              <a:gd name="connsiteY9" fmla="*/ 103892 h 876778"/>
+              <a:gd name="connsiteX10" fmla="*/ 303979 w 1806209"/>
+              <a:gd name="connsiteY10" fmla="*/ 93007 h 876778"/>
+              <a:gd name="connsiteX11" fmla="*/ 336636 w 1806209"/>
+              <a:gd name="connsiteY11" fmla="*/ 82121 h 876778"/>
+              <a:gd name="connsiteX12" fmla="*/ 358408 w 1806209"/>
+              <a:gd name="connsiteY12" fmla="*/ 60350 h 876778"/>
+              <a:gd name="connsiteX13" fmla="*/ 412836 w 1806209"/>
+              <a:gd name="connsiteY13" fmla="*/ 49464 h 876778"/>
+              <a:gd name="connsiteX14" fmla="*/ 478151 w 1806209"/>
+              <a:gd name="connsiteY14" fmla="*/ 27692 h 876778"/>
+              <a:gd name="connsiteX15" fmla="*/ 510808 w 1806209"/>
+              <a:gd name="connsiteY15" fmla="*/ 16807 h 876778"/>
+              <a:gd name="connsiteX16" fmla="*/ 1806209 w 1806209"/>
+              <a:gd name="connsiteY16" fmla="*/ 0 h 876778"/>
+              <a:gd name="connsiteX17" fmla="*/ 708134 w 1806209"/>
+              <a:gd name="connsiteY17" fmla="*/ 0 h 876778"/>
+              <a:gd name="connsiteX18" fmla="*/ 709028 w 1806209"/>
+              <a:gd name="connsiteY18" fmla="*/ 1950 h 876778"/>
+              <a:gd name="connsiteX19" fmla="*/ 641436 w 1806209"/>
+              <a:gd name="connsiteY19" fmla="*/ 71235 h 876778"/>
+              <a:gd name="connsiteX20" fmla="*/ 576122 w 1806209"/>
+              <a:gd name="connsiteY20" fmla="*/ 114778 h 876778"/>
+              <a:gd name="connsiteX21" fmla="*/ 543465 w 1806209"/>
+              <a:gd name="connsiteY21" fmla="*/ 125664 h 876778"/>
+              <a:gd name="connsiteX22" fmla="*/ 510808 w 1806209"/>
+              <a:gd name="connsiteY22" fmla="*/ 147435 h 876778"/>
+              <a:gd name="connsiteX23" fmla="*/ 314865 w 1806209"/>
+              <a:gd name="connsiteY23" fmla="*/ 169207 h 876778"/>
+              <a:gd name="connsiteX24" fmla="*/ 260436 w 1806209"/>
+              <a:gd name="connsiteY24" fmla="*/ 212750 h 876778"/>
+              <a:gd name="connsiteX25" fmla="*/ 195122 w 1806209"/>
+              <a:gd name="connsiteY25" fmla="*/ 256292 h 876778"/>
+              <a:gd name="connsiteX26" fmla="*/ 140694 w 1806209"/>
+              <a:gd name="connsiteY26" fmla="*/ 321607 h 876778"/>
+              <a:gd name="connsiteX27" fmla="*/ 86265 w 1806209"/>
+              <a:gd name="connsiteY27" fmla="*/ 376035 h 876778"/>
+              <a:gd name="connsiteX28" fmla="*/ 42722 w 1806209"/>
+              <a:gd name="connsiteY28" fmla="*/ 430464 h 876778"/>
+              <a:gd name="connsiteX29" fmla="*/ 2368 w 1806209"/>
+              <a:gd name="connsiteY29" fmla="*/ 445198 h 876778"/>
+              <a:gd name="connsiteX30" fmla="*/ 0 w 1806209"/>
+              <a:gd name="connsiteY30" fmla="*/ 445880 h 876778"/>
+              <a:gd name="connsiteX31" fmla="*/ 0 w 1806209"/>
+              <a:gd name="connsiteY31" fmla="*/ 876778 h 876778"/>
+              <a:gd name="connsiteX32" fmla="*/ 1806209 w 1806209"/>
+              <a:gd name="connsiteY32" fmla="*/ 876778 h 876778"/>
             </a:gdLst>
             <a:ahLst/>
             <a:cxnLst>
@@ -7665,548 +7200,153 @@
               <a:cxn ang="0">
                 <a:pos x="connsiteX32" y="connsiteY32"/>
               </a:cxn>
-              <a:cxn ang="0">
-                <a:pos x="connsiteX33" y="connsiteY33"/>
-              </a:cxn>
-              <a:cxn ang="0">
-                <a:pos x="connsiteX34" y="connsiteY34"/>
-              </a:cxn>
-              <a:cxn ang="0">
-                <a:pos x="connsiteX35" y="connsiteY35"/>
-              </a:cxn>
-              <a:cxn ang="0">
-                <a:pos x="connsiteX36" y="connsiteY36"/>
-              </a:cxn>
-              <a:cxn ang="0">
-                <a:pos x="connsiteX37" y="connsiteY37"/>
-              </a:cxn>
-              <a:cxn ang="0">
-                <a:pos x="connsiteX38" y="connsiteY38"/>
-              </a:cxn>
-              <a:cxn ang="0">
-                <a:pos x="connsiteX39" y="connsiteY39"/>
-              </a:cxn>
-              <a:cxn ang="0">
-                <a:pos x="connsiteX40" y="connsiteY40"/>
-              </a:cxn>
-              <a:cxn ang="0">
-                <a:pos x="connsiteX41" y="connsiteY41"/>
-              </a:cxn>
-              <a:cxn ang="0">
-                <a:pos x="connsiteX42" y="connsiteY42"/>
-              </a:cxn>
-              <a:cxn ang="0">
-                <a:pos x="connsiteX43" y="connsiteY43"/>
-              </a:cxn>
-              <a:cxn ang="0">
-                <a:pos x="connsiteX44" y="connsiteY44"/>
-              </a:cxn>
-              <a:cxn ang="0">
-                <a:pos x="connsiteX45" y="connsiteY45"/>
-              </a:cxn>
-              <a:cxn ang="0">
-                <a:pos x="connsiteX46" y="connsiteY46"/>
-              </a:cxn>
-              <a:cxn ang="0">
-                <a:pos x="connsiteX47" y="connsiteY47"/>
-              </a:cxn>
-              <a:cxn ang="0">
-                <a:pos x="connsiteX48" y="connsiteY48"/>
-              </a:cxn>
-              <a:cxn ang="0">
-                <a:pos x="connsiteX49" y="connsiteY49"/>
-              </a:cxn>
-              <a:cxn ang="0">
-                <a:pos x="connsiteX50" y="connsiteY50"/>
-              </a:cxn>
-              <a:cxn ang="0">
-                <a:pos x="connsiteX51" y="connsiteY51"/>
-              </a:cxn>
-              <a:cxn ang="0">
-                <a:pos x="connsiteX52" y="connsiteY52"/>
-              </a:cxn>
-              <a:cxn ang="0">
-                <a:pos x="connsiteX53" y="connsiteY53"/>
-              </a:cxn>
-              <a:cxn ang="0">
-                <a:pos x="connsiteX54" y="connsiteY54"/>
-              </a:cxn>
-              <a:cxn ang="0">
-                <a:pos x="connsiteX55" y="connsiteY55"/>
-              </a:cxn>
-              <a:cxn ang="0">
-                <a:pos x="connsiteX56" y="connsiteY56"/>
-              </a:cxn>
-              <a:cxn ang="0">
-                <a:pos x="connsiteX57" y="connsiteY57"/>
-              </a:cxn>
-              <a:cxn ang="0">
-                <a:pos x="connsiteX58" y="connsiteY58"/>
-              </a:cxn>
-              <a:cxn ang="0">
-                <a:pos x="connsiteX59" y="connsiteY59"/>
-              </a:cxn>
-              <a:cxn ang="0">
-                <a:pos x="connsiteX60" y="connsiteY60"/>
-              </a:cxn>
-              <a:cxn ang="0">
-                <a:pos x="connsiteX61" y="connsiteY61"/>
-              </a:cxn>
-              <a:cxn ang="0">
-                <a:pos x="connsiteX62" y="connsiteY62"/>
-              </a:cxn>
-              <a:cxn ang="0">
-                <a:pos x="connsiteX63" y="connsiteY63"/>
-              </a:cxn>
-              <a:cxn ang="0">
-                <a:pos x="connsiteX64" y="connsiteY64"/>
-              </a:cxn>
-              <a:cxn ang="0">
-                <a:pos x="connsiteX65" y="connsiteY65"/>
-              </a:cxn>
-              <a:cxn ang="0">
-                <a:pos x="connsiteX66" y="connsiteY66"/>
-              </a:cxn>
-              <a:cxn ang="0">
-                <a:pos x="connsiteX67" y="connsiteY67"/>
-              </a:cxn>
-              <a:cxn ang="0">
-                <a:pos x="connsiteX68" y="connsiteY68"/>
-              </a:cxn>
-              <a:cxn ang="0">
-                <a:pos x="connsiteX69" y="connsiteY69"/>
-              </a:cxn>
-              <a:cxn ang="0">
-                <a:pos x="connsiteX70" y="connsiteY70"/>
-              </a:cxn>
-              <a:cxn ang="0">
-                <a:pos x="connsiteX71" y="connsiteY71"/>
-              </a:cxn>
-              <a:cxn ang="0">
-                <a:pos x="connsiteX72" y="connsiteY72"/>
-              </a:cxn>
-              <a:cxn ang="0">
-                <a:pos x="connsiteX73" y="connsiteY73"/>
-              </a:cxn>
-              <a:cxn ang="0">
-                <a:pos x="connsiteX74" y="connsiteY74"/>
-              </a:cxn>
-              <a:cxn ang="0">
-                <a:pos x="connsiteX75" y="connsiteY75"/>
-              </a:cxn>
-              <a:cxn ang="0">
-                <a:pos x="connsiteX76" y="connsiteY76"/>
-              </a:cxn>
-              <a:cxn ang="0">
-                <a:pos x="connsiteX77" y="connsiteY77"/>
-              </a:cxn>
-              <a:cxn ang="0">
-                <a:pos x="connsiteX78" y="connsiteY78"/>
-              </a:cxn>
-              <a:cxn ang="0">
-                <a:pos x="connsiteX79" y="connsiteY79"/>
-              </a:cxn>
-              <a:cxn ang="0">
-                <a:pos x="connsiteX80" y="connsiteY80"/>
-              </a:cxn>
-              <a:cxn ang="0">
-                <a:pos x="connsiteX81" y="connsiteY81"/>
-              </a:cxn>
-              <a:cxn ang="0">
-                <a:pos x="connsiteX82" y="connsiteY82"/>
-              </a:cxn>
-              <a:cxn ang="0">
-                <a:pos x="connsiteX83" y="connsiteY83"/>
-              </a:cxn>
-              <a:cxn ang="0">
-                <a:pos x="connsiteX84" y="connsiteY84"/>
-              </a:cxn>
-              <a:cxn ang="0">
-                <a:pos x="connsiteX85" y="connsiteY85"/>
-              </a:cxn>
-              <a:cxn ang="0">
-                <a:pos x="connsiteX86" y="connsiteY86"/>
-              </a:cxn>
-              <a:cxn ang="0">
-                <a:pos x="connsiteX87" y="connsiteY87"/>
-              </a:cxn>
-              <a:cxn ang="0">
-                <a:pos x="connsiteX88" y="connsiteY88"/>
-              </a:cxn>
-              <a:cxn ang="0">
-                <a:pos x="connsiteX89" y="connsiteY89"/>
-              </a:cxn>
-              <a:cxn ang="0">
-                <a:pos x="connsiteX90" y="connsiteY90"/>
-              </a:cxn>
-              <a:cxn ang="0">
-                <a:pos x="connsiteX91" y="connsiteY91"/>
-              </a:cxn>
-              <a:cxn ang="0">
-                <a:pos x="connsiteX92" y="connsiteY92"/>
-              </a:cxn>
             </a:cxnLst>
             <a:rect l="l" t="t" r="r" b="b"/>
             <a:pathLst>
-              <a:path w="11611430" h="5322895">
+              <a:path w="1806209" h="876778">
                 <a:moveTo>
-                  <a:pt x="0" y="0"/>
+                  <a:pt x="527412" y="0"/>
                 </a:moveTo>
                 <a:lnTo>
-                  <a:pt x="11611430" y="0"/>
+                  <a:pt x="0" y="0"/>
                 </a:lnTo>
                 <a:lnTo>
-                  <a:pt x="11611430" y="4911695"/>
+                  <a:pt x="0" y="255471"/>
                 </a:lnTo>
                 <a:lnTo>
-                  <a:pt x="11401197" y="4948416"/>
+                  <a:pt x="10065" y="245407"/>
+                </a:lnTo>
+                <a:cubicBezTo>
+                  <a:pt x="13308" y="241284"/>
+                  <a:pt x="16551" y="237161"/>
+                  <a:pt x="20951" y="234521"/>
+                </a:cubicBezTo>
+                <a:cubicBezTo>
+                  <a:pt x="30790" y="228617"/>
+                  <a:pt x="43345" y="228767"/>
+                  <a:pt x="53608" y="223635"/>
+                </a:cubicBezTo>
+                <a:cubicBezTo>
+                  <a:pt x="138017" y="181431"/>
+                  <a:pt x="36838" y="218340"/>
+                  <a:pt x="118922" y="190978"/>
+                </a:cubicBezTo>
+                <a:cubicBezTo>
+                  <a:pt x="156922" y="152980"/>
+                  <a:pt x="130958" y="172453"/>
+                  <a:pt x="206008" y="147435"/>
+                </a:cubicBezTo>
+                <a:cubicBezTo>
+                  <a:pt x="216894" y="140178"/>
+                  <a:pt x="228449" y="133837"/>
+                  <a:pt x="238665" y="125664"/>
+                </a:cubicBezTo>
+                <a:cubicBezTo>
+                  <a:pt x="246679" y="119253"/>
+                  <a:pt x="251256" y="108482"/>
+                  <a:pt x="260436" y="103892"/>
+                </a:cubicBezTo>
+                <a:cubicBezTo>
+                  <a:pt x="273817" y="97201"/>
+                  <a:pt x="289594" y="97117"/>
+                  <a:pt x="303979" y="93007"/>
+                </a:cubicBezTo>
+                <a:cubicBezTo>
+                  <a:pt x="315012" y="89855"/>
+                  <a:pt x="325750" y="85750"/>
+                  <a:pt x="336636" y="82121"/>
+                </a:cubicBezTo>
+                <a:cubicBezTo>
+                  <a:pt x="343893" y="74864"/>
+                  <a:pt x="348975" y="64393"/>
+                  <a:pt x="358408" y="60350"/>
+                </a:cubicBezTo>
+                <a:cubicBezTo>
+                  <a:pt x="375414" y="53062"/>
+                  <a:pt x="394986" y="54332"/>
+                  <a:pt x="412836" y="49464"/>
+                </a:cubicBezTo>
+                <a:cubicBezTo>
+                  <a:pt x="434977" y="43425"/>
+                  <a:pt x="456379" y="34949"/>
+                  <a:pt x="478151" y="27692"/>
+                </a:cubicBezTo>
+                <a:lnTo>
+                  <a:pt x="510808" y="16807"/>
+                </a:lnTo>
+                <a:close/>
+                <a:moveTo>
+                  <a:pt x="1806209" y="0"/>
+                </a:moveTo>
+                <a:lnTo>
+                  <a:pt x="708134" y="0"/>
                 </a:lnTo>
                 <a:lnTo>
-                  <a:pt x="11121192" y="4990102"/>
+                  <a:pt x="709028" y="1950"/>
+                </a:lnTo>
+                <a:cubicBezTo>
+                  <a:pt x="728907" y="60380"/>
+                  <a:pt x="677113" y="62316"/>
+                  <a:pt x="641436" y="71235"/>
+                </a:cubicBezTo>
+                <a:cubicBezTo>
+                  <a:pt x="619665" y="85749"/>
+                  <a:pt x="600945" y="106503"/>
+                  <a:pt x="576122" y="114778"/>
+                </a:cubicBezTo>
+                <a:cubicBezTo>
+                  <a:pt x="565236" y="118407"/>
+                  <a:pt x="553728" y="120532"/>
+                  <a:pt x="543465" y="125664"/>
+                </a:cubicBezTo>
+                <a:cubicBezTo>
+                  <a:pt x="531763" y="131515"/>
+                  <a:pt x="523220" y="143298"/>
+                  <a:pt x="510808" y="147435"/>
+                </a:cubicBezTo>
+                <a:cubicBezTo>
+                  <a:pt x="474669" y="159481"/>
+                  <a:pt x="324413" y="168411"/>
+                  <a:pt x="314865" y="169207"/>
+                </a:cubicBezTo>
+                <a:cubicBezTo>
+                  <a:pt x="241324" y="193719"/>
+                  <a:pt x="321038" y="159724"/>
+                  <a:pt x="260436" y="212750"/>
+                </a:cubicBezTo>
+                <a:cubicBezTo>
+                  <a:pt x="240744" y="229980"/>
+                  <a:pt x="195122" y="256292"/>
+                  <a:pt x="195122" y="256292"/>
+                </a:cubicBezTo>
+                <a:cubicBezTo>
+                  <a:pt x="141076" y="337364"/>
+                  <a:pt x="210531" y="237803"/>
+                  <a:pt x="140694" y="321607"/>
+                </a:cubicBezTo>
+                <a:cubicBezTo>
+                  <a:pt x="95337" y="376034"/>
+                  <a:pt x="146135" y="336122"/>
+                  <a:pt x="86265" y="376035"/>
+                </a:cubicBezTo>
+                <a:cubicBezTo>
+                  <a:pt x="78573" y="387573"/>
+                  <a:pt x="58234" y="422708"/>
+                  <a:pt x="42722" y="430464"/>
+                </a:cubicBezTo>
+                <a:cubicBezTo>
+                  <a:pt x="32459" y="435596"/>
+                  <a:pt x="16131" y="441039"/>
+                  <a:pt x="2368" y="445198"/>
+                </a:cubicBezTo>
+                <a:lnTo>
+                  <a:pt x="0" y="445880"/>
                 </a:lnTo>
                 <a:lnTo>
-                  <a:pt x="10842416" y="5032139"/>
+                  <a:pt x="0" y="876778"/>
                 </a:lnTo>
                 <a:lnTo>
-                  <a:pt x="10562411" y="5071374"/>
-                </a:lnTo>
-                <a:lnTo>
-                  <a:pt x="10286091" y="5105003"/>
-                </a:lnTo>
-                <a:lnTo>
-                  <a:pt x="10006086" y="5136881"/>
-                </a:lnTo>
-                <a:lnTo>
-                  <a:pt x="9727310" y="5165957"/>
-                </a:lnTo>
-                <a:lnTo>
-                  <a:pt x="9453445" y="5191179"/>
-                </a:lnTo>
-                <a:lnTo>
-                  <a:pt x="9175897" y="5216401"/>
-                </a:lnTo>
-                <a:lnTo>
-                  <a:pt x="8902033" y="5237420"/>
-                </a:lnTo>
-                <a:lnTo>
-                  <a:pt x="8628169" y="5253884"/>
-                </a:lnTo>
-                <a:lnTo>
-                  <a:pt x="8355533" y="5271050"/>
-                </a:lnTo>
-                <a:lnTo>
-                  <a:pt x="8085353" y="5285412"/>
-                </a:lnTo>
-                <a:lnTo>
-                  <a:pt x="7817629" y="5295571"/>
-                </a:lnTo>
-                <a:lnTo>
-                  <a:pt x="7549905" y="5304329"/>
-                </a:lnTo>
-                <a:lnTo>
-                  <a:pt x="7284638" y="5312736"/>
-                </a:lnTo>
-                <a:lnTo>
-                  <a:pt x="7023055" y="5316590"/>
-                </a:lnTo>
-                <a:lnTo>
-                  <a:pt x="6761472" y="5320793"/>
-                </a:lnTo>
-                <a:lnTo>
-                  <a:pt x="6503573" y="5322895"/>
-                </a:lnTo>
-                <a:lnTo>
-                  <a:pt x="6248130" y="5320793"/>
-                </a:lnTo>
-                <a:lnTo>
-                  <a:pt x="5995144" y="5320793"/>
-                </a:lnTo>
-                <a:lnTo>
-                  <a:pt x="5744613" y="5316590"/>
-                </a:lnTo>
-                <a:lnTo>
-                  <a:pt x="5498995" y="5310284"/>
-                </a:lnTo>
-                <a:lnTo>
-                  <a:pt x="5255834" y="5304329"/>
-                </a:lnTo>
-                <a:lnTo>
-                  <a:pt x="5017584" y="5297673"/>
-                </a:lnTo>
-                <a:lnTo>
-                  <a:pt x="4785514" y="5287726"/>
-                </a:lnTo>
-                <a:lnTo>
-                  <a:pt x="4601441" y="4972173"/>
-                </a:lnTo>
-                <a:cubicBezTo>
-                  <a:pt x="4573183" y="4924429"/>
-                  <a:pt x="4553441" y="4869653"/>
-                  <a:pt x="4514210" y="4830422"/>
-                </a:cubicBezTo>
-                <a:cubicBezTo>
-                  <a:pt x="4481500" y="4797711"/>
-                  <a:pt x="4446637" y="4767016"/>
-                  <a:pt x="4416075" y="4732288"/>
-                </a:cubicBezTo>
-                <a:cubicBezTo>
-                  <a:pt x="4366574" y="4676037"/>
-                  <a:pt x="4327307" y="4610810"/>
-                  <a:pt x="4274324" y="4557826"/>
-                </a:cubicBezTo>
-                <a:cubicBezTo>
-                  <a:pt x="4263420" y="4546922"/>
-                  <a:pt x="4251649" y="4536822"/>
-                  <a:pt x="4241613" y="4525113"/>
-                </a:cubicBezTo>
-                <a:cubicBezTo>
-                  <a:pt x="4229786" y="4511315"/>
-                  <a:pt x="4220536" y="4495459"/>
-                  <a:pt x="4208901" y="4481499"/>
-                </a:cubicBezTo>
-                <a:cubicBezTo>
-                  <a:pt x="4192618" y="4461959"/>
-                  <a:pt x="4176792" y="4450689"/>
-                  <a:pt x="4154382" y="4437883"/>
-                </a:cubicBezTo>
-                <a:cubicBezTo>
-                  <a:pt x="4140269" y="4429818"/>
-                  <a:pt x="4124878" y="4424139"/>
-                  <a:pt x="4110766" y="4416075"/>
-                </a:cubicBezTo>
-                <a:cubicBezTo>
-                  <a:pt x="4099388" y="4409573"/>
-                  <a:pt x="4088718" y="4401884"/>
-                  <a:pt x="4078054" y="4394267"/>
-                </a:cubicBezTo>
-                <a:cubicBezTo>
-                  <a:pt x="4063266" y="4383705"/>
-                  <a:pt x="4050217" y="4370572"/>
-                  <a:pt x="4034439" y="4361556"/>
-                </a:cubicBezTo>
-                <a:cubicBezTo>
-                  <a:pt x="4023246" y="4355160"/>
-                  <a:pt x="3966283" y="4341382"/>
-                  <a:pt x="3958111" y="4339747"/>
-                </a:cubicBezTo>
-                <a:cubicBezTo>
-                  <a:pt x="3936432" y="4335411"/>
-                  <a:pt x="3914626" y="4331587"/>
-                  <a:pt x="3892688" y="4328844"/>
-                </a:cubicBezTo>
-                <a:cubicBezTo>
-                  <a:pt x="3823740" y="4320226"/>
-                  <a:pt x="3782100" y="4321230"/>
-                  <a:pt x="3718226" y="4307036"/>
-                </a:cubicBezTo>
-                <a:cubicBezTo>
-                  <a:pt x="3696418" y="4302190"/>
-                  <a:pt x="3658568" y="4285437"/>
-                  <a:pt x="3641899" y="4274324"/>
-                </a:cubicBezTo>
-                <a:cubicBezTo>
-                  <a:pt x="3633345" y="4268622"/>
-                  <a:pt x="3629017" y="4257617"/>
-                  <a:pt x="3620091" y="4252517"/>
-                </a:cubicBezTo>
-                <a:cubicBezTo>
-                  <a:pt x="3603097" y="4242806"/>
-                  <a:pt x="3583967" y="4237398"/>
-                  <a:pt x="3565572" y="4230709"/>
-                </a:cubicBezTo>
-                <a:cubicBezTo>
-                  <a:pt x="3543968" y="4222853"/>
-                  <a:pt x="3500148" y="4208901"/>
-                  <a:pt x="3500148" y="4208901"/>
-                </a:cubicBezTo>
-                <a:cubicBezTo>
-                  <a:pt x="3475771" y="4184523"/>
-                  <a:pt x="3478341" y="4197373"/>
-                  <a:pt x="3478341" y="4176190"/>
-                </a:cubicBezTo>
-                <a:lnTo>
-                  <a:pt x="3543764" y="4132574"/>
-                </a:lnTo>
-                <a:cubicBezTo>
-                  <a:pt x="3511052" y="4128939"/>
-                  <a:pt x="3478542" y="4121670"/>
-                  <a:pt x="3445629" y="4121670"/>
-                </a:cubicBezTo>
-                <a:cubicBezTo>
-                  <a:pt x="3427096" y="4121670"/>
-                  <a:pt x="3409168" y="4128407"/>
-                  <a:pt x="3391109" y="4132574"/>
-                </a:cubicBezTo>
-                <a:cubicBezTo>
-                  <a:pt x="3361904" y="4139313"/>
-                  <a:pt x="3332955" y="4147112"/>
-                  <a:pt x="3303878" y="4154381"/>
-                </a:cubicBezTo>
-                <a:cubicBezTo>
-                  <a:pt x="3289340" y="4158016"/>
-                  <a:pt x="3274480" y="4160547"/>
-                  <a:pt x="3260263" y="4165285"/>
-                </a:cubicBezTo>
-                <a:lnTo>
-                  <a:pt x="3194839" y="4187093"/>
-                </a:lnTo>
-                <a:cubicBezTo>
-                  <a:pt x="3183935" y="4190728"/>
-                  <a:pt x="3173278" y="4195209"/>
-                  <a:pt x="3162128" y="4197997"/>
-                </a:cubicBezTo>
-                <a:cubicBezTo>
-                  <a:pt x="3096214" y="4214476"/>
-                  <a:pt x="3132724" y="4204163"/>
-                  <a:pt x="3053089" y="4230709"/>
-                </a:cubicBezTo>
-                <a:lnTo>
-                  <a:pt x="2987666" y="4252517"/>
-                </a:lnTo>
-                <a:cubicBezTo>
-                  <a:pt x="2976762" y="4256151"/>
-                  <a:pt x="2966105" y="4260632"/>
-                  <a:pt x="2954954" y="4263420"/>
-                </a:cubicBezTo>
-                <a:cubicBezTo>
-                  <a:pt x="2925877" y="4270689"/>
-                  <a:pt x="2896157" y="4275751"/>
-                  <a:pt x="2867723" y="4285228"/>
-                </a:cubicBezTo>
-                <a:lnTo>
-                  <a:pt x="2802300" y="4307036"/>
-                </a:lnTo>
-                <a:cubicBezTo>
-                  <a:pt x="2795031" y="4314305"/>
-                  <a:pt x="2789687" y="4324247"/>
-                  <a:pt x="2780492" y="4328844"/>
-                </a:cubicBezTo>
-                <a:cubicBezTo>
-                  <a:pt x="2759931" y="4339124"/>
-                  <a:pt x="2736876" y="4343382"/>
-                  <a:pt x="2715069" y="4350652"/>
-                </a:cubicBezTo>
-                <a:lnTo>
-                  <a:pt x="2682357" y="4361556"/>
-                </a:lnTo>
-                <a:lnTo>
-                  <a:pt x="2649646" y="4372459"/>
-                </a:lnTo>
-                <a:lnTo>
-                  <a:pt x="2616933" y="4383363"/>
-                </a:lnTo>
-                <a:cubicBezTo>
-                  <a:pt x="2609664" y="4390632"/>
-                  <a:pt x="2603941" y="4399883"/>
-                  <a:pt x="2595126" y="4405171"/>
-                </a:cubicBezTo>
-                <a:cubicBezTo>
-                  <a:pt x="2530624" y="4443872"/>
-                  <a:pt x="2594048" y="4382729"/>
-                  <a:pt x="2529703" y="4437883"/>
-                </a:cubicBezTo>
-                <a:cubicBezTo>
-                  <a:pt x="2514092" y="4451263"/>
-                  <a:pt x="2500625" y="4466960"/>
-                  <a:pt x="2486087" y="4481499"/>
-                </a:cubicBezTo>
-                <a:cubicBezTo>
-                  <a:pt x="2475183" y="4492403"/>
-                  <a:pt x="2466206" y="4505657"/>
-                  <a:pt x="2453375" y="4514210"/>
-                </a:cubicBezTo>
-                <a:lnTo>
-                  <a:pt x="2420664" y="4536017"/>
-                </a:lnTo>
-                <a:cubicBezTo>
-                  <a:pt x="2413395" y="4546922"/>
-                  <a:pt x="2407042" y="4558496"/>
-                  <a:pt x="2398856" y="4568729"/>
-                </a:cubicBezTo>
-                <a:cubicBezTo>
-                  <a:pt x="2392434" y="4576756"/>
-                  <a:pt x="2382337" y="4581722"/>
-                  <a:pt x="2377048" y="4590537"/>
-                </a:cubicBezTo>
-                <a:cubicBezTo>
-                  <a:pt x="2371134" y="4600393"/>
-                  <a:pt x="2370672" y="4612684"/>
-                  <a:pt x="2366144" y="4623249"/>
-                </a:cubicBezTo>
-                <a:cubicBezTo>
-                  <a:pt x="2359741" y="4638189"/>
-                  <a:pt x="2350374" y="4651772"/>
-                  <a:pt x="2344336" y="4666865"/>
-                </a:cubicBezTo>
-                <a:cubicBezTo>
-                  <a:pt x="2335799" y="4688208"/>
-                  <a:pt x="2335280" y="4713161"/>
-                  <a:pt x="2322528" y="4732288"/>
-                </a:cubicBezTo>
-                <a:cubicBezTo>
-                  <a:pt x="2315259" y="4743192"/>
-                  <a:pt x="2306582" y="4753278"/>
-                  <a:pt x="2300721" y="4764999"/>
-                </a:cubicBezTo>
-                <a:cubicBezTo>
-                  <a:pt x="2296862" y="4772717"/>
-                  <a:pt x="2272055" y="4834699"/>
-                  <a:pt x="2268010" y="4852231"/>
-                </a:cubicBezTo>
-                <a:cubicBezTo>
-                  <a:pt x="2231919" y="5008621"/>
-                  <a:pt x="2261653" y="4914917"/>
-                  <a:pt x="2235297" y="4993981"/>
-                </a:cubicBezTo>
-                <a:cubicBezTo>
-                  <a:pt x="2233101" y="5029118"/>
-                  <a:pt x="2231590" y="5057039"/>
-                  <a:pt x="2230567" y="5079209"/>
-                </a:cubicBezTo>
-                <a:lnTo>
-                  <a:pt x="2229538" y="5104344"/>
-                </a:lnTo>
-                <a:lnTo>
-                  <a:pt x="1932621" y="5071374"/>
-                </a:lnTo>
-                <a:lnTo>
-                  <a:pt x="1609634" y="5033891"/>
-                </a:lnTo>
-                <a:lnTo>
-                  <a:pt x="1312435" y="4996408"/>
-                </a:lnTo>
-                <a:lnTo>
-                  <a:pt x="1039799" y="4961027"/>
-                </a:lnTo>
-                <a:lnTo>
-                  <a:pt x="797865" y="4927397"/>
-                </a:lnTo>
-                <a:lnTo>
-                  <a:pt x="579265" y="4895519"/>
-                </a:lnTo>
-                <a:lnTo>
-                  <a:pt x="395052" y="4868896"/>
-                </a:lnTo>
-                <a:lnTo>
-                  <a:pt x="240312" y="4843673"/>
-                </a:lnTo>
-                <a:lnTo>
-                  <a:pt x="27853" y="4807592"/>
-                </a:lnTo>
-                <a:lnTo>
-                  <a:pt x="0" y="4802879"/>
-                </a:lnTo>
-                <a:lnTo>
-                  <a:pt x="0" y="3753332"/>
-                </a:lnTo>
-                <a:lnTo>
-                  <a:pt x="0" y="3571886"/>
-                </a:lnTo>
-                <a:lnTo>
-                  <a:pt x="0" y="471948"/>
-                </a:lnTo>
-                <a:lnTo>
-                  <a:pt x="0" y="213719"/>
+                  <a:pt x="1806209" y="876778"/>
                 </a:lnTo>
                 <a:close/>
               </a:path>
@@ -8216,304 +7356,10 @@
       </p:pic>
       <p:sp>
         <p:nvSpPr>
-          <p:cNvPr id="2" name="Title 1">
+          <p:cNvPr id="40" name="Freeform: Shape 39">
             <a:extLst>
               <a:ext uri="{FF2B5EF4-FFF2-40B4-BE49-F238E27FC236}">
-                <a16:creationId xmlns:a16="http://schemas.microsoft.com/office/drawing/2014/main" id="{3B64EE72-C54F-40D3-97A0-860C529B155F}"/>
-              </a:ext>
-            </a:extLst>
-          </p:cNvPr>
-          <p:cNvSpPr>
-            <a:spLocks noGrp="1"/>
-          </p:cNvSpPr>
-          <p:nvPr>
-            <p:ph type="ctrTitle"/>
-          </p:nvPr>
-        </p:nvSpPr>
-        <p:spPr>
-          <a:xfrm>
-            <a:off x="1871209" y="792337"/>
-            <a:ext cx="8449582" cy="2421464"/>
-          </a:xfrm>
-        </p:spPr>
-        <p:txBody>
-          <a:bodyPr>
-            <a:normAutofit/>
-          </a:bodyPr>
-          <a:lstStyle/>
-          <a:p>
-            <a:pPr algn="ctr"/>
-            <a:r>
-              <a:rPr lang="en-US" dirty="0">
-                <a:latin typeface="Times New Roman" panose="02020603050405020304" pitchFamily="18" charset="0"/>
-                <a:cs typeface="Times New Roman" panose="02020603050405020304" pitchFamily="18" charset="0"/>
-              </a:rPr>
-              <a:t>Verilog HDL Final Project</a:t>
-            </a:r>
-          </a:p>
-        </p:txBody>
-      </p:sp>
-      <p:sp>
-        <p:nvSpPr>
-          <p:cNvPr id="3" name="Subtitle 2">
-            <a:extLst>
-              <a:ext uri="{FF2B5EF4-FFF2-40B4-BE49-F238E27FC236}">
-                <a16:creationId xmlns:a16="http://schemas.microsoft.com/office/drawing/2014/main" id="{FAEB4EA1-E99A-415B-95CA-70BF2CBCF428}"/>
-              </a:ext>
-            </a:extLst>
-          </p:cNvPr>
-          <p:cNvSpPr>
-            <a:spLocks noGrp="1"/>
-          </p:cNvSpPr>
-          <p:nvPr>
-            <p:ph type="subTitle" idx="1"/>
-          </p:nvPr>
-        </p:nvSpPr>
-        <p:spPr>
-          <a:xfrm>
-            <a:off x="2497137" y="3538174"/>
-            <a:ext cx="7197726" cy="1405467"/>
-          </a:xfrm>
-        </p:spPr>
-        <p:txBody>
-          <a:bodyPr>
-            <a:normAutofit/>
-          </a:bodyPr>
-          <a:lstStyle/>
-          <a:p>
-            <a:pPr algn="ctr"/>
-            <a:r>
-              <a:rPr lang="en-US" dirty="0">
-                <a:latin typeface="Times New Roman" panose="02020603050405020304" pitchFamily="18" charset="0"/>
-                <a:cs typeface="Times New Roman" panose="02020603050405020304" pitchFamily="18" charset="0"/>
-              </a:rPr>
-              <a:t>Levi Stalsworth</a:t>
-            </a:r>
-          </a:p>
-        </p:txBody>
-      </p:sp>
-    </p:spTree>
-    <p:extLst>
-      <p:ext uri="{BB962C8B-B14F-4D97-AF65-F5344CB8AC3E}">
-        <p14:creationId xmlns:p14="http://schemas.microsoft.com/office/powerpoint/2010/main" val="3796219045"/>
-      </p:ext>
-    </p:extLst>
-  </p:cSld>
-  <p:clrMapOvr>
-    <a:masterClrMapping/>
-  </p:clrMapOvr>
-</p:sld>
-</file>
-
-<file path=ppt/slides/slide2.xml><?xml version="1.0" encoding="utf-8"?>
-<p:sld xmlns:a="http://schemas.openxmlformats.org/drawingml/2006/main" xmlns:r="http://schemas.openxmlformats.org/officeDocument/2006/relationships" xmlns:p="http://schemas.openxmlformats.org/presentationml/2006/main">
-  <p:cSld>
-    <p:bg>
-      <p:bgPr>
-        <a:blipFill>
-          <a:blip r:embed="rId2">
-            <a:extLst/>
-          </a:blip>
-          <a:stretch/>
-        </a:blipFill>
-        <a:effectLst/>
-      </p:bgPr>
-    </p:bg>
-    <p:spTree>
-      <p:nvGrpSpPr>
-        <p:cNvPr id="1" name=""/>
-        <p:cNvGrpSpPr/>
-        <p:nvPr/>
-      </p:nvGrpSpPr>
-      <p:grpSpPr>
-        <a:xfrm>
-          <a:off x="0" y="0"/>
-          <a:ext cx="0" cy="0"/>
-          <a:chOff x="0" y="0"/>
-          <a:chExt cx="0" cy="0"/>
-        </a:xfrm>
-      </p:grpSpPr>
-      <p:sp>
-        <p:nvSpPr>
-          <p:cNvPr id="2" name="Title 1">
-            <a:extLst>
-              <a:ext uri="{FF2B5EF4-FFF2-40B4-BE49-F238E27FC236}">
-                <a16:creationId xmlns:a16="http://schemas.microsoft.com/office/drawing/2014/main" id="{9C125CBD-E31F-46C9-B936-27563C72BABB}"/>
-              </a:ext>
-            </a:extLst>
-          </p:cNvPr>
-          <p:cNvSpPr>
-            <a:spLocks noGrp="1"/>
-          </p:cNvSpPr>
-          <p:nvPr>
-            <p:ph type="title"/>
-          </p:nvPr>
-        </p:nvSpPr>
-        <p:spPr>
-          <a:xfrm>
-            <a:off x="7865806" y="643463"/>
-            <a:ext cx="3706762" cy="1608124"/>
-          </a:xfrm>
-        </p:spPr>
-        <p:txBody>
-          <a:bodyPr>
-            <a:normAutofit/>
-          </a:bodyPr>
-          <a:lstStyle/>
-          <a:p>
-            <a:r>
-              <a:rPr lang="en-US" dirty="0">
-                <a:latin typeface="Times New Roman" panose="02020603050405020304" pitchFamily="18" charset="0"/>
-                <a:cs typeface="Times New Roman" panose="02020603050405020304" pitchFamily="18" charset="0"/>
-              </a:rPr>
-              <a:t>Top level diagram</a:t>
-            </a:r>
-          </a:p>
-        </p:txBody>
-      </p:sp>
-      <p:pic>
-        <p:nvPicPr>
-          <p:cNvPr id="8" name="Content Placeholder 4">
-            <a:extLst>
-              <a:ext uri="{FF2B5EF4-FFF2-40B4-BE49-F238E27FC236}">
-                <a16:creationId xmlns:a16="http://schemas.microsoft.com/office/drawing/2014/main" id="{D353A0B1-31F4-4EB5-9ADE-C360B981463C}"/>
-              </a:ext>
-            </a:extLst>
-          </p:cNvPr>
-          <p:cNvPicPr>
-            <a:picLocks noChangeAspect="1"/>
-          </p:cNvPicPr>
-          <p:nvPr/>
-        </p:nvPicPr>
-        <p:blipFill>
-          <a:blip r:embed="rId3">
-            <a:extLst>
-              <a:ext uri="{28A0092B-C50C-407E-A947-70E740481C1C}">
-                <a14:useLocalDpi xmlns:a14="http://schemas.microsoft.com/office/drawing/2010/main" val="0"/>
-              </a:ext>
-            </a:extLst>
-          </a:blip>
-          <a:stretch>
-            <a:fillRect/>
-          </a:stretch>
-        </p:blipFill>
-        <p:spPr>
-          <a:xfrm>
-            <a:off x="1170751" y="643463"/>
-            <a:ext cx="5843304" cy="5580356"/>
-          </a:xfrm>
-          <a:prstGeom prst="roundRect">
-            <a:avLst>
-              <a:gd name="adj" fmla="val 4380"/>
-            </a:avLst>
-          </a:prstGeom>
-          <a:ln w="50800" cap="sq" cmpd="dbl">
-            <a:gradFill flip="none" rotWithShape="1">
-              <a:gsLst>
-                <a:gs pos="0">
-                  <a:srgbClr val="FFFFFF"/>
-                </a:gs>
-                <a:gs pos="100000">
-                  <a:schemeClr val="tx1">
-                    <a:alpha val="0"/>
-                  </a:schemeClr>
-                </a:gs>
-              </a:gsLst>
-              <a:path path="circle">
-                <a:fillToRect l="50000" t="50000" r="50000" b="50000"/>
-              </a:path>
-              <a:tileRect/>
-            </a:gradFill>
-            <a:miter lim="800000"/>
-          </a:ln>
-          <a:effectLst>
-            <a:outerShdw blurRad="254000" algn="tl" rotWithShape="0">
-              <a:srgbClr val="000000">
-                <a:alpha val="43000"/>
-              </a:srgbClr>
-            </a:outerShdw>
-          </a:effectLst>
-        </p:spPr>
-      </p:pic>
-      <p:sp>
-        <p:nvSpPr>
-          <p:cNvPr id="10" name="Content Placeholder 9">
-            <a:extLst>
-              <a:ext uri="{FF2B5EF4-FFF2-40B4-BE49-F238E27FC236}">
-                <a16:creationId xmlns:a16="http://schemas.microsoft.com/office/drawing/2014/main" id="{C59FDC54-49CB-4180-A353-7A54EB7B3E7F}"/>
-              </a:ext>
-            </a:extLst>
-          </p:cNvPr>
-          <p:cNvSpPr>
-            <a:spLocks noGrp="1"/>
-          </p:cNvSpPr>
-          <p:nvPr>
-            <p:ph idx="1"/>
-          </p:nvPr>
-        </p:nvSpPr>
-        <p:spPr>
-          <a:xfrm>
-            <a:off x="7865806" y="2251587"/>
-            <a:ext cx="3706762" cy="3972232"/>
-          </a:xfrm>
-        </p:spPr>
-        <p:txBody>
-          <a:bodyPr>
-            <a:normAutofit/>
-          </a:bodyPr>
-          <a:lstStyle/>
-          <a:p>
-            <a:endParaRPr lang="en-US"/>
-          </a:p>
-        </p:txBody>
-      </p:sp>
-    </p:spTree>
-    <p:extLst>
-      <p:ext uri="{BB962C8B-B14F-4D97-AF65-F5344CB8AC3E}">
-        <p14:creationId xmlns:p14="http://schemas.microsoft.com/office/powerpoint/2010/main" val="2066843800"/>
-      </p:ext>
-    </p:extLst>
-  </p:cSld>
-  <p:clrMapOvr>
-    <a:masterClrMapping/>
-  </p:clrMapOvr>
-</p:sld>
-</file>
-
-<file path=ppt/slides/slide3.xml><?xml version="1.0" encoding="utf-8"?>
-<p:sld xmlns:a="http://schemas.openxmlformats.org/drawingml/2006/main" xmlns:r="http://schemas.openxmlformats.org/officeDocument/2006/relationships" xmlns:p="http://schemas.openxmlformats.org/presentationml/2006/main">
-  <p:cSld>
-    <p:bg>
-      <p:bgPr>
-        <a:blipFill>
-          <a:blip r:embed="rId2">
-            <a:extLst/>
-          </a:blip>
-          <a:stretch/>
-        </a:blipFill>
-        <a:effectLst/>
-      </p:bgPr>
-    </p:bg>
-    <p:spTree>
-      <p:nvGrpSpPr>
-        <p:cNvPr id="1" name=""/>
-        <p:cNvGrpSpPr/>
-        <p:nvPr/>
-      </p:nvGrpSpPr>
-      <p:grpSpPr>
-        <a:xfrm>
-          <a:off x="0" y="0"/>
-          <a:ext cx="0" cy="0"/>
-          <a:chOff x="0" y="0"/>
-          <a:chExt cx="0" cy="0"/>
-        </a:xfrm>
-      </p:grpSpPr>
-      <p:sp>
-        <p:nvSpPr>
-          <p:cNvPr id="8" name="Freeform: Shape 7">
-            <a:extLst>
-              <a:ext uri="{FF2B5EF4-FFF2-40B4-BE49-F238E27FC236}">
-                <a16:creationId xmlns:a16="http://schemas.microsoft.com/office/drawing/2014/main" id="{54309F57-B331-41A7-9154-15EC2AF45A60}"/>
+                <a16:creationId xmlns:a16="http://schemas.microsoft.com/office/drawing/2014/main" id="{57E6F9A8-1B4B-4FEF-942A-15CA97ECE0BA}"/>
               </a:ext>
               <a:ext uri="{C183D7F6-B498-43B3-948B-1728B52AA6E4}">
                 <adec:decorative xmlns:adec="http://schemas.microsoft.com/office/drawing/2017/decorative" val="1"/>
@@ -8532,8 +7378,8 @@
           </p:nvPr>
         </p:nvSpPr>
         <p:spPr>
-          <a:xfrm rot="10800000">
-            <a:off x="0" y="0"/>
+          <a:xfrm>
+            <a:off x="3346837" y="0"/>
             <a:ext cx="8845162" cy="6858000"/>
           </a:xfrm>
           <a:custGeom>
@@ -9035,7 +7881,312 @@
           <p:cNvPr id="2" name="Title 1">
             <a:extLst>
               <a:ext uri="{FF2B5EF4-FFF2-40B4-BE49-F238E27FC236}">
-                <a16:creationId xmlns:a16="http://schemas.microsoft.com/office/drawing/2014/main" id="{D78E10A0-5EEE-43FC-B0BA-FA976B55E0AD}"/>
+                <a16:creationId xmlns:a16="http://schemas.microsoft.com/office/drawing/2014/main" id="{3B64EE72-C54F-40D3-97A0-860C529B155F}"/>
+              </a:ext>
+            </a:extLst>
+          </p:cNvPr>
+          <p:cNvSpPr>
+            <a:spLocks noGrp="1"/>
+          </p:cNvSpPr>
+          <p:nvPr>
+            <p:ph type="ctrTitle"/>
+          </p:nvPr>
+        </p:nvSpPr>
+        <p:spPr>
+          <a:xfrm>
+            <a:off x="4392900" y="2688336"/>
+            <a:ext cx="6767224" cy="3182239"/>
+          </a:xfrm>
+        </p:spPr>
+        <p:txBody>
+          <a:bodyPr anchor="t">
+            <a:normAutofit/>
+          </a:bodyPr>
+          <a:lstStyle/>
+          <a:p>
+            <a:r>
+              <a:rPr lang="en-US" sz="6600">
+                <a:latin typeface="Times New Roman" panose="02020603050405020304" pitchFamily="18" charset="0"/>
+                <a:cs typeface="Times New Roman" panose="02020603050405020304" pitchFamily="18" charset="0"/>
+              </a:rPr>
+              <a:t>Verilog HDL Final Project</a:t>
+            </a:r>
+          </a:p>
+        </p:txBody>
+      </p:sp>
+      <p:sp>
+        <p:nvSpPr>
+          <p:cNvPr id="3" name="Subtitle 2">
+            <a:extLst>
+              <a:ext uri="{FF2B5EF4-FFF2-40B4-BE49-F238E27FC236}">
+                <a16:creationId xmlns:a16="http://schemas.microsoft.com/office/drawing/2014/main" id="{FAEB4EA1-E99A-415B-95CA-70BF2CBCF428}"/>
+              </a:ext>
+            </a:extLst>
+          </p:cNvPr>
+          <p:cNvSpPr>
+            <a:spLocks noGrp="1"/>
+          </p:cNvSpPr>
+          <p:nvPr>
+            <p:ph type="subTitle" idx="1"/>
+          </p:nvPr>
+        </p:nvSpPr>
+        <p:spPr>
+          <a:xfrm>
+            <a:off x="4392899" y="1578992"/>
+            <a:ext cx="6767225" cy="889888"/>
+          </a:xfrm>
+        </p:spPr>
+        <p:txBody>
+          <a:bodyPr anchor="b">
+            <a:normAutofit/>
+          </a:bodyPr>
+          <a:lstStyle/>
+          <a:p>
+            <a:r>
+              <a:rPr lang="en-US" sz="2000">
+                <a:solidFill>
+                  <a:schemeClr val="accent2"/>
+                </a:solidFill>
+                <a:latin typeface="Times New Roman" panose="02020603050405020304" pitchFamily="18" charset="0"/>
+                <a:cs typeface="Times New Roman" panose="02020603050405020304" pitchFamily="18" charset="0"/>
+              </a:rPr>
+              <a:t>Levi Stalsworth</a:t>
+            </a:r>
+          </a:p>
+        </p:txBody>
+      </p:sp>
+      <p:pic>
+        <p:nvPicPr>
+          <p:cNvPr id="14" name="Content Placeholder 4">
+            <a:extLst>
+              <a:ext uri="{FF2B5EF4-FFF2-40B4-BE49-F238E27FC236}">
+                <a16:creationId xmlns:a16="http://schemas.microsoft.com/office/drawing/2014/main" id="{3E2DC5DB-AE27-42CC-BD43-7BC2D24E2862}"/>
+              </a:ext>
+            </a:extLst>
+          </p:cNvPr>
+          <p:cNvPicPr>
+            <a:picLocks noChangeAspect="1"/>
+          </p:cNvPicPr>
+          <p:nvPr/>
+        </p:nvPicPr>
+        <p:blipFill>
+          <a:blip r:embed="rId4">
+            <a:extLst>
+              <a:ext uri="{28A0092B-C50C-407E-A947-70E740481C1C}">
+                <a14:useLocalDpi xmlns:a14="http://schemas.microsoft.com/office/drawing/2010/main" val="0"/>
+              </a:ext>
+            </a:extLst>
+          </a:blip>
+          <a:stretch>
+            <a:fillRect/>
+          </a:stretch>
+        </p:blipFill>
+        <p:spPr>
+          <a:xfrm>
+            <a:off x="-2" y="4073082"/>
+            <a:ext cx="3346838" cy="2739549"/>
+          </a:xfrm>
+          <a:prstGeom prst="rect">
+            <a:avLst/>
+          </a:prstGeom>
+          <a:effectLst>
+            <a:softEdge rad="127000"/>
+          </a:effectLst>
+        </p:spPr>
+      </p:pic>
+    </p:spTree>
+    <p:extLst>
+      <p:ext uri="{BB962C8B-B14F-4D97-AF65-F5344CB8AC3E}">
+        <p14:creationId xmlns:p14="http://schemas.microsoft.com/office/powerpoint/2010/main" val="3796219045"/>
+      </p:ext>
+    </p:extLst>
+  </p:cSld>
+  <p:clrMapOvr>
+    <a:overrideClrMapping bg1="lt1" tx1="dk1" bg2="lt2" tx2="dk2" accent1="accent1" accent2="accent2" accent3="accent3" accent4="accent4" accent5="accent5" accent6="accent6" hlink="hlink" folHlink="folHlink"/>
+  </p:clrMapOvr>
+</p:sld>
+</file>
+
+<file path=ppt/slides/slide2.xml><?xml version="1.0" encoding="utf-8"?>
+<p:sld xmlns:a="http://schemas.openxmlformats.org/drawingml/2006/main" xmlns:r="http://schemas.openxmlformats.org/officeDocument/2006/relationships" xmlns:p="http://schemas.openxmlformats.org/presentationml/2006/main">
+  <p:cSld>
+    <p:bg>
+      <p:bgPr>
+        <a:solidFill>
+          <a:schemeClr val="bg1"/>
+        </a:solidFill>
+        <a:effectLst/>
+      </p:bgPr>
+    </p:bg>
+    <p:spTree>
+      <p:nvGrpSpPr>
+        <p:cNvPr id="1" name=""/>
+        <p:cNvGrpSpPr/>
+        <p:nvPr/>
+      </p:nvGrpSpPr>
+      <p:grpSpPr>
+        <a:xfrm>
+          <a:off x="0" y="0"/>
+          <a:ext cx="0" cy="0"/>
+          <a:chOff x="0" y="0"/>
+          <a:chExt cx="0" cy="0"/>
+        </a:xfrm>
+      </p:grpSpPr>
+      <p:pic>
+        <p:nvPicPr>
+          <p:cNvPr id="23" name="Picture 22">
+            <a:extLst>
+              <a:ext uri="{FF2B5EF4-FFF2-40B4-BE49-F238E27FC236}">
+                <a16:creationId xmlns:a16="http://schemas.microsoft.com/office/drawing/2014/main" id="{6AF6706C-CF07-43A1-BCC4-CBA5D33820DA}"/>
+              </a:ext>
+              <a:ext uri="{C183D7F6-B498-43B3-948B-1728B52AA6E4}">
+                <adec:decorative xmlns:adec="http://schemas.microsoft.com/office/drawing/2017/decorative" val="1"/>
+              </a:ext>
+            </a:extLst>
+          </p:cNvPr>
+          <p:cNvPicPr>
+            <a:picLocks noGrp="1" noRot="1" noChangeAspect="1" noMove="1" noResize="1" noEditPoints="1" noAdjustHandles="1" noChangeArrowheads="1" noChangeShapeType="1" noCrop="1"/>
+          </p:cNvPicPr>
+          <p:nvPr>
+            <p:extLst>
+              <p:ext uri="{386F3935-93C4-4BCD-93E2-E3B085C9AB24}">
+                <p16:designElem xmlns:p16="http://schemas.microsoft.com/office/powerpoint/2015/main" val="1"/>
+              </p:ext>
+            </p:extLst>
+          </p:nvPr>
+        </p:nvPicPr>
+        <p:blipFill>
+          <a:blip r:embed="rId2">
+            <a:extLst>
+              <a:ext uri="{28A0092B-C50C-407E-A947-70E740481C1C}">
+                <a14:useLocalDpi xmlns:a14="http://schemas.microsoft.com/office/drawing/2010/main" val="0"/>
+              </a:ext>
+            </a:extLst>
+          </a:blip>
+          <a:stretch>
+            <a:fillRect/>
+          </a:stretch>
+        </p:blipFill>
+        <p:spPr>
+          <a:xfrm>
+            <a:off x="0" y="0"/>
+            <a:ext cx="12188825" cy="6856214"/>
+          </a:xfrm>
+          <a:prstGeom prst="rect">
+            <a:avLst/>
+          </a:prstGeom>
+        </p:spPr>
+      </p:pic>
+      <p:sp>
+        <p:nvSpPr>
+          <p:cNvPr id="25" name="Rectangle 24">
+            <a:extLst>
+              <a:ext uri="{FF2B5EF4-FFF2-40B4-BE49-F238E27FC236}">
+                <a16:creationId xmlns:a16="http://schemas.microsoft.com/office/drawing/2014/main" id="{09C946AC-2072-4946-A2B8-39F09D0944EE}"/>
+              </a:ext>
+              <a:ext uri="{C183D7F6-B498-43B3-948B-1728B52AA6E4}">
+                <adec:decorative xmlns:adec="http://schemas.microsoft.com/office/drawing/2017/decorative" val="1"/>
+              </a:ext>
+            </a:extLst>
+          </p:cNvPr>
+          <p:cNvSpPr>
+            <a:spLocks noGrp="1" noRot="1" noChangeAspect="1" noMove="1" noResize="1" noEditPoints="1" noAdjustHandles="1" noChangeArrowheads="1" noChangeShapeType="1" noTextEdit="1"/>
+          </p:cNvSpPr>
+          <p:nvPr>
+            <p:extLst>
+              <p:ext uri="{386F3935-93C4-4BCD-93E2-E3B085C9AB24}">
+                <p16:designElem xmlns:p16="http://schemas.microsoft.com/office/powerpoint/2015/main" val="1"/>
+              </p:ext>
+            </p:extLst>
+          </p:nvPr>
+        </p:nvSpPr>
+        <p:spPr>
+          <a:xfrm>
+            <a:off x="0" y="0"/>
+            <a:ext cx="12188952" cy="6858000"/>
+          </a:xfrm>
+          <a:prstGeom prst="rect">
+            <a:avLst/>
+          </a:prstGeom>
+          <a:ln>
+            <a:noFill/>
+          </a:ln>
+        </p:spPr>
+        <p:style>
+          <a:lnRef idx="2">
+            <a:schemeClr val="accent1">
+              <a:shade val="50000"/>
+            </a:schemeClr>
+          </a:lnRef>
+          <a:fillRef idx="1003">
+            <a:schemeClr val="lt1"/>
+          </a:fillRef>
+          <a:effectRef idx="0">
+            <a:schemeClr val="accent1"/>
+          </a:effectRef>
+          <a:fontRef idx="minor">
+            <a:schemeClr val="lt1"/>
+          </a:fontRef>
+        </p:style>
+        <p:txBody>
+          <a:bodyPr rtlCol="0" anchor="ctr"/>
+          <a:lstStyle/>
+          <a:p>
+            <a:pPr algn="ctr"/>
+            <a:endParaRPr lang="en-US"/>
+          </a:p>
+        </p:txBody>
+      </p:sp>
+      <p:pic>
+        <p:nvPicPr>
+          <p:cNvPr id="27" name="Picture 26">
+            <a:extLst>
+              <a:ext uri="{FF2B5EF4-FFF2-40B4-BE49-F238E27FC236}">
+                <a16:creationId xmlns:a16="http://schemas.microsoft.com/office/drawing/2014/main" id="{A748C8C8-F348-4D00-852A-26DD9EBCC24C}"/>
+              </a:ext>
+              <a:ext uri="{C183D7F6-B498-43B3-948B-1728B52AA6E4}">
+                <adec:decorative xmlns:adec="http://schemas.microsoft.com/office/drawing/2017/decorative" val="1"/>
+              </a:ext>
+            </a:extLst>
+          </p:cNvPr>
+          <p:cNvPicPr>
+            <a:picLocks noGrp="1" noRot="1" noChangeAspect="1" noMove="1" noResize="1" noEditPoints="1" noAdjustHandles="1" noChangeArrowheads="1" noChangeShapeType="1" noCrop="1"/>
+          </p:cNvPicPr>
+          <p:nvPr>
+            <p:extLst>
+              <p:ext uri="{386F3935-93C4-4BCD-93E2-E3B085C9AB24}">
+                <p16:designElem xmlns:p16="http://schemas.microsoft.com/office/powerpoint/2015/main" val="1"/>
+              </p:ext>
+            </p:extLst>
+          </p:nvPr>
+        </p:nvPicPr>
+        <p:blipFill rotWithShape="1">
+          <a:blip r:embed="rId2">
+            <a:extLst>
+              <a:ext uri="{28A0092B-C50C-407E-A947-70E740481C1C}">
+                <a14:useLocalDpi xmlns:a14="http://schemas.microsoft.com/office/drawing/2010/main" val="0"/>
+              </a:ext>
+            </a:extLst>
+          </a:blip>
+          <a:srcRect r="50555"/>
+          <a:stretch/>
+        </p:blipFill>
+        <p:spPr>
+          <a:xfrm>
+            <a:off x="0" y="0"/>
+            <a:ext cx="6026763" cy="6856214"/>
+          </a:xfrm>
+          <a:prstGeom prst="rect">
+            <a:avLst/>
+          </a:prstGeom>
+        </p:spPr>
+      </p:pic>
+      <p:sp>
+        <p:nvSpPr>
+          <p:cNvPr id="2" name="Title 1">
+            <a:extLst>
+              <a:ext uri="{FF2B5EF4-FFF2-40B4-BE49-F238E27FC236}">
+                <a16:creationId xmlns:a16="http://schemas.microsoft.com/office/drawing/2014/main" id="{9C125CBD-E31F-46C9-B936-27563C72BABB}"/>
               </a:ext>
             </a:extLst>
           </p:cNvPr>
@@ -9048,41 +8199,4479 @@
         </p:nvSpPr>
         <p:spPr>
           <a:xfrm>
-            <a:off x="685801" y="500743"/>
-            <a:ext cx="7402285" cy="1360714"/>
+            <a:off x="486876" y="2032000"/>
+            <a:ext cx="4513792" cy="2819398"/>
           </a:xfrm>
         </p:spPr>
         <p:txBody>
-          <a:bodyPr>
+          <a:bodyPr vert="horz" lIns="91440" tIns="45720" rIns="91440" bIns="45720" rtlCol="0" anchor="b">
             <a:normAutofit/>
           </a:bodyPr>
           <a:lstStyle/>
           <a:p>
+            <a:pPr algn="r"/>
             <a:r>
-              <a:rPr lang="en-US" dirty="0">
-                <a:latin typeface="Times New Roman" panose="02020603050405020304" pitchFamily="18" charset="0"/>
-                <a:cs typeface="Times New Roman" panose="02020603050405020304" pitchFamily="18" charset="0"/>
+              <a:rPr lang="en-US" sz="4800">
+                <a:solidFill>
+                  <a:srgbClr val="FFFFFF"/>
+                </a:solidFill>
               </a:rPr>
-              <a:t>Execution engine</a:t>
+              <a:t>Top level diagram</a:t>
             </a:r>
           </a:p>
         </p:txBody>
       </p:sp>
+      <p:sp useBgFill="1">
+        <p:nvSpPr>
+          <p:cNvPr id="29" name="Freeform 5">
+            <a:extLst>
+              <a:ext uri="{FF2B5EF4-FFF2-40B4-BE49-F238E27FC236}">
+                <a16:creationId xmlns:a16="http://schemas.microsoft.com/office/drawing/2014/main" id="{559FD8B5-8CC4-4CFE-BD2A-1216B1F2C3DB}"/>
+              </a:ext>
+              <a:ext uri="{C183D7F6-B498-43B3-948B-1728B52AA6E4}">
+                <adec:decorative xmlns:adec="http://schemas.microsoft.com/office/drawing/2017/decorative" val="1"/>
+              </a:ext>
+            </a:extLst>
+          </p:cNvPr>
+          <p:cNvSpPr>
+            <a:spLocks noGrp="1" noRot="1" noChangeAspect="1" noMove="1" noResize="1" noEditPoints="1" noAdjustHandles="1" noChangeArrowheads="1" noChangeShapeType="1" noTextEdit="1"/>
+          </p:cNvSpPr>
+          <p:nvPr>
+            <p:extLst>
+              <p:ext uri="{386F3935-93C4-4BCD-93E2-E3B085C9AB24}">
+                <p16:designElem xmlns:p16="http://schemas.microsoft.com/office/powerpoint/2015/main" val="1"/>
+              </p:ext>
+            </p:extLst>
+          </p:nvPr>
+        </p:nvSpPr>
+        <p:spPr bwMode="grayWhite">
+          <a:xfrm>
+            <a:off x="5827529" y="660400"/>
+            <a:ext cx="6381405" cy="6214533"/>
+          </a:xfrm>
+          <a:custGeom>
+            <a:avLst/>
+            <a:gdLst>
+              <a:gd name="T0" fmla="*/ 1333 w 1333"/>
+              <a:gd name="T1" fmla="*/ 1031 h 1298"/>
+              <a:gd name="T2" fmla="*/ 1333 w 1333"/>
+              <a:gd name="T3" fmla="*/ 380 h 1298"/>
+              <a:gd name="T4" fmla="*/ 706 w 1333"/>
+              <a:gd name="T5" fmla="*/ 0 h 1298"/>
+              <a:gd name="T6" fmla="*/ 0 w 1333"/>
+              <a:gd name="T7" fmla="*/ 706 h 1298"/>
+              <a:gd name="T8" fmla="*/ 323 w 1333"/>
+              <a:gd name="T9" fmla="*/ 1298 h 1298"/>
+              <a:gd name="T10" fmla="*/ 1090 w 1333"/>
+              <a:gd name="T11" fmla="*/ 1298 h 1298"/>
+              <a:gd name="T12" fmla="*/ 1333 w 1333"/>
+              <a:gd name="T13" fmla="*/ 1031 h 1298"/>
+            </a:gdLst>
+            <a:ahLst/>
+            <a:cxnLst>
+              <a:cxn ang="0">
+                <a:pos x="T0" y="T1"/>
+              </a:cxn>
+              <a:cxn ang="0">
+                <a:pos x="T2" y="T3"/>
+              </a:cxn>
+              <a:cxn ang="0">
+                <a:pos x="T4" y="T5"/>
+              </a:cxn>
+              <a:cxn ang="0">
+                <a:pos x="T6" y="T7"/>
+              </a:cxn>
+              <a:cxn ang="0">
+                <a:pos x="T8" y="T9"/>
+              </a:cxn>
+              <a:cxn ang="0">
+                <a:pos x="T10" y="T11"/>
+              </a:cxn>
+              <a:cxn ang="0">
+                <a:pos x="T12" y="T13"/>
+              </a:cxn>
+            </a:cxnLst>
+            <a:rect l="0" t="0" r="r" b="b"/>
+            <a:pathLst>
+              <a:path w="1333" h="1298">
+                <a:moveTo>
+                  <a:pt x="1333" y="1031"/>
+                </a:moveTo>
+                <a:cubicBezTo>
+                  <a:pt x="1333" y="380"/>
+                  <a:pt x="1333" y="380"/>
+                  <a:pt x="1333" y="380"/>
+                </a:cubicBezTo>
+                <a:cubicBezTo>
+                  <a:pt x="1215" y="154"/>
+                  <a:pt x="979" y="0"/>
+                  <a:pt x="706" y="0"/>
+                </a:cubicBezTo>
+                <a:cubicBezTo>
+                  <a:pt x="317" y="0"/>
+                  <a:pt x="0" y="316"/>
+                  <a:pt x="0" y="706"/>
+                </a:cubicBezTo>
+                <a:cubicBezTo>
+                  <a:pt x="0" y="954"/>
+                  <a:pt x="129" y="1172"/>
+                  <a:pt x="323" y="1298"/>
+                </a:cubicBezTo>
+                <a:cubicBezTo>
+                  <a:pt x="1090" y="1298"/>
+                  <a:pt x="1090" y="1298"/>
+                  <a:pt x="1090" y="1298"/>
+                </a:cubicBezTo>
+                <a:cubicBezTo>
+                  <a:pt x="1193" y="1232"/>
+                  <a:pt x="1276" y="1140"/>
+                  <a:pt x="1333" y="1031"/>
+                </a:cubicBezTo>
+                <a:close/>
+              </a:path>
+            </a:pathLst>
+          </a:custGeom>
+          <a:ln w="50800" cap="sq" cmpd="dbl">
+            <a:gradFill flip="none" rotWithShape="1">
+              <a:gsLst>
+                <a:gs pos="0">
+                  <a:srgbClr val="FFFFFF"/>
+                </a:gs>
+                <a:gs pos="100000">
+                  <a:schemeClr val="tx1">
+                    <a:alpha val="0"/>
+                  </a:schemeClr>
+                </a:gs>
+              </a:gsLst>
+              <a:path path="circle">
+                <a:fillToRect l="50000" t="50000" r="50000" b="50000"/>
+              </a:path>
+              <a:tileRect/>
+            </a:gradFill>
+            <a:miter lim="800000"/>
+          </a:ln>
+          <a:effectLst>
+            <a:outerShdw blurRad="254000" algn="tl" rotWithShape="0">
+              <a:srgbClr val="000000">
+                <a:alpha val="43000"/>
+              </a:srgbClr>
+            </a:outerShdw>
+          </a:effectLst>
+        </p:spPr>
+        <p:txBody>
+          <a:bodyPr vert="horz" lIns="91440" tIns="45720" rIns="91440" bIns="45720" rtlCol="0" anchor="t">
+            <a:normAutofit/>
+          </a:bodyPr>
+          <a:lstStyle/>
+          <a:p>
+            <a:pPr algn="ctr">
+              <a:spcAft>
+                <a:spcPts val="1000"/>
+              </a:spcAft>
+              <a:buClr>
+                <a:schemeClr val="tx1"/>
+              </a:buClr>
+              <a:buSzPct val="100000"/>
+              <a:buFont typeface="Arial"/>
+              <a:buNone/>
+            </a:pPr>
+            <a:endParaRPr lang="en-US" sz="1600" cap="all"/>
+          </a:p>
+        </p:txBody>
+      </p:sp>
+      <p:sp>
+        <p:nvSpPr>
+          <p:cNvPr id="31" name="Freeform 14">
+            <a:extLst>
+              <a:ext uri="{FF2B5EF4-FFF2-40B4-BE49-F238E27FC236}">
+                <a16:creationId xmlns:a16="http://schemas.microsoft.com/office/drawing/2014/main" id="{9ECF13F4-3D2A-4F2E-9BBD-3038670D21ED}"/>
+              </a:ext>
+              <a:ext uri="{C183D7F6-B498-43B3-948B-1728B52AA6E4}">
+                <adec:decorative xmlns:adec="http://schemas.microsoft.com/office/drawing/2017/decorative" val="1"/>
+              </a:ext>
+            </a:extLst>
+          </p:cNvPr>
+          <p:cNvSpPr>
+            <a:spLocks noGrp="1" noRot="1" noChangeAspect="1" noMove="1" noResize="1" noEditPoints="1" noAdjustHandles="1" noChangeArrowheads="1" noChangeShapeType="1" noTextEdit="1"/>
+          </p:cNvSpPr>
+          <p:nvPr>
+            <p:extLst>
+              <p:ext uri="{386F3935-93C4-4BCD-93E2-E3B085C9AB24}">
+                <p16:designElem xmlns:p16="http://schemas.microsoft.com/office/powerpoint/2015/main" val="1"/>
+              </p:ext>
+            </p:extLst>
+          </p:nvPr>
+        </p:nvSpPr>
+        <p:spPr>
+          <a:xfrm>
+            <a:off x="5281603" y="104899"/>
+            <a:ext cx="6896713" cy="6005491"/>
+          </a:xfrm>
+          <a:custGeom>
+            <a:avLst/>
+            <a:gdLst>
+              <a:gd name="connsiteX0" fmla="*/ 3912717 w 6896713"/>
+              <a:gd name="connsiteY0" fmla="*/ 0 h 6005491"/>
+              <a:gd name="connsiteX1" fmla="*/ 6679426 w 6896713"/>
+              <a:gd name="connsiteY1" fmla="*/ 1146008 h 6005491"/>
+              <a:gd name="connsiteX2" fmla="*/ 6896713 w 6896713"/>
+              <a:gd name="connsiteY2" fmla="*/ 1385085 h 6005491"/>
+              <a:gd name="connsiteX3" fmla="*/ 6896713 w 6896713"/>
+              <a:gd name="connsiteY3" fmla="*/ 1431256 h 6005491"/>
+              <a:gd name="connsiteX4" fmla="*/ 6657442 w 6896713"/>
+              <a:gd name="connsiteY4" fmla="*/ 1167992 h 6005491"/>
+              <a:gd name="connsiteX5" fmla="*/ 3912717 w 6896713"/>
+              <a:gd name="connsiteY5" fmla="*/ 31089 h 6005491"/>
+              <a:gd name="connsiteX6" fmla="*/ 31089 w 6896713"/>
+              <a:gd name="connsiteY6" fmla="*/ 3912717 h 6005491"/>
+              <a:gd name="connsiteX7" fmla="*/ 593046 w 6896713"/>
+              <a:gd name="connsiteY7" fmla="*/ 5925483 h 6005491"/>
+              <a:gd name="connsiteX8" fmla="*/ 633874 w 6896713"/>
+              <a:gd name="connsiteY8" fmla="*/ 5989169 h 6005491"/>
+              <a:gd name="connsiteX9" fmla="*/ 607415 w 6896713"/>
+              <a:gd name="connsiteY9" fmla="*/ 6005491 h 6005491"/>
+              <a:gd name="connsiteX10" fmla="*/ 566458 w 6896713"/>
+              <a:gd name="connsiteY10" fmla="*/ 5941603 h 6005491"/>
+              <a:gd name="connsiteX11" fmla="*/ 0 w 6896713"/>
+              <a:gd name="connsiteY11" fmla="*/ 3912717 h 6005491"/>
+              <a:gd name="connsiteX12" fmla="*/ 3912717 w 6896713"/>
+              <a:gd name="connsiteY12" fmla="*/ 0 h 6005491"/>
+            </a:gdLst>
+            <a:ahLst/>
+            <a:cxnLst>
+              <a:cxn ang="0">
+                <a:pos x="connsiteX0" y="connsiteY0"/>
+              </a:cxn>
+              <a:cxn ang="0">
+                <a:pos x="connsiteX1" y="connsiteY1"/>
+              </a:cxn>
+              <a:cxn ang="0">
+                <a:pos x="connsiteX2" y="connsiteY2"/>
+              </a:cxn>
+              <a:cxn ang="0">
+                <a:pos x="connsiteX3" y="connsiteY3"/>
+              </a:cxn>
+              <a:cxn ang="0">
+                <a:pos x="connsiteX4" y="connsiteY4"/>
+              </a:cxn>
+              <a:cxn ang="0">
+                <a:pos x="connsiteX5" y="connsiteY5"/>
+              </a:cxn>
+              <a:cxn ang="0">
+                <a:pos x="connsiteX6" y="connsiteY6"/>
+              </a:cxn>
+              <a:cxn ang="0">
+                <a:pos x="connsiteX7" y="connsiteY7"/>
+              </a:cxn>
+              <a:cxn ang="0">
+                <a:pos x="connsiteX8" y="connsiteY8"/>
+              </a:cxn>
+              <a:cxn ang="0">
+                <a:pos x="connsiteX9" y="connsiteY9"/>
+              </a:cxn>
+              <a:cxn ang="0">
+                <a:pos x="connsiteX10" y="connsiteY10"/>
+              </a:cxn>
+              <a:cxn ang="0">
+                <a:pos x="connsiteX11" y="connsiteY11"/>
+              </a:cxn>
+              <a:cxn ang="0">
+                <a:pos x="connsiteX12" y="connsiteY12"/>
+              </a:cxn>
+            </a:cxnLst>
+            <a:rect l="l" t="t" r="r" b="b"/>
+            <a:pathLst>
+              <a:path w="6896713" h="6005491">
+                <a:moveTo>
+                  <a:pt x="3912717" y="0"/>
+                </a:moveTo>
+                <a:cubicBezTo>
+                  <a:pt x="4993184" y="0"/>
+                  <a:pt x="5971363" y="437946"/>
+                  <a:pt x="6679426" y="1146008"/>
+                </a:cubicBezTo>
+                <a:lnTo>
+                  <a:pt x="6896713" y="1385085"/>
+                </a:lnTo>
+                <a:lnTo>
+                  <a:pt x="6896713" y="1431256"/>
+                </a:lnTo>
+                <a:lnTo>
+                  <a:pt x="6657442" y="1167992"/>
+                </a:lnTo>
+                <a:cubicBezTo>
+                  <a:pt x="5955006" y="465555"/>
+                  <a:pt x="4984599" y="31089"/>
+                  <a:pt x="3912717" y="31089"/>
+                </a:cubicBezTo>
+                <a:cubicBezTo>
+                  <a:pt x="1768953" y="31089"/>
+                  <a:pt x="31089" y="1768953"/>
+                  <a:pt x="31089" y="3912717"/>
+                </a:cubicBezTo>
+                <a:cubicBezTo>
+                  <a:pt x="31089" y="4649636"/>
+                  <a:pt x="236442" y="5338592"/>
+                  <a:pt x="593046" y="5925483"/>
+                </a:cubicBezTo>
+                <a:lnTo>
+                  <a:pt x="633874" y="5989169"/>
+                </a:lnTo>
+                <a:lnTo>
+                  <a:pt x="607415" y="6005491"/>
+                </a:lnTo>
+                <a:lnTo>
+                  <a:pt x="566458" y="5941603"/>
+                </a:lnTo>
+                <a:cubicBezTo>
+                  <a:pt x="206998" y="5350013"/>
+                  <a:pt x="0" y="4655538"/>
+                  <a:pt x="0" y="3912717"/>
+                </a:cubicBezTo>
+                <a:cubicBezTo>
+                  <a:pt x="0" y="1751783"/>
+                  <a:pt x="1751783" y="0"/>
+                  <a:pt x="3912717" y="0"/>
+                </a:cubicBezTo>
+                <a:close/>
+              </a:path>
+            </a:pathLst>
+          </a:custGeom>
+          <a:solidFill>
+            <a:srgbClr val="FFFFFF">
+              <a:alpha val="41961"/>
+            </a:srgbClr>
+          </a:solidFill>
+          <a:ln>
+            <a:noFill/>
+          </a:ln>
+        </p:spPr>
+        <p:style>
+          <a:lnRef idx="2">
+            <a:schemeClr val="accent1">
+              <a:shade val="50000"/>
+            </a:schemeClr>
+          </a:lnRef>
+          <a:fillRef idx="1">
+            <a:schemeClr val="accent1"/>
+          </a:fillRef>
+          <a:effectRef idx="0">
+            <a:schemeClr val="accent1"/>
+          </a:effectRef>
+          <a:fontRef idx="minor">
+            <a:schemeClr val="lt1"/>
+          </a:fontRef>
+        </p:style>
+        <p:txBody>
+          <a:bodyPr rtlCol="0" anchor="ctr"/>
+          <a:lstStyle/>
+          <a:p>
+            <a:pPr algn="ctr"/>
+            <a:endParaRPr lang="en-US"/>
+          </a:p>
+        </p:txBody>
+      </p:sp>
+      <p:grpSp>
+        <p:nvGrpSpPr>
+          <p:cNvPr id="33" name="Group 32">
+            <a:extLst>
+              <a:ext uri="{FF2B5EF4-FFF2-40B4-BE49-F238E27FC236}">
+                <a16:creationId xmlns:a16="http://schemas.microsoft.com/office/drawing/2014/main" id="{19660E16-DCC0-4B6C-8E84-4C292580059F}"/>
+              </a:ext>
+              <a:ext uri="{C183D7F6-B498-43B3-948B-1728B52AA6E4}">
+                <adec:decorative xmlns:adec="http://schemas.microsoft.com/office/drawing/2017/decorative" val="1"/>
+              </a:ext>
+            </a:extLst>
+          </p:cNvPr>
+          <p:cNvGrpSpPr>
+            <a:grpSpLocks noGrp="1" noUngrp="1" noRot="1" noChangeAspect="1" noMove="1" noResize="1"/>
+          </p:cNvGrpSpPr>
+          <p:nvPr>
+            <p:extLst>
+              <p:ext uri="{386F3935-93C4-4BCD-93E2-E3B085C9AB24}">
+                <p16:designElem xmlns:p16="http://schemas.microsoft.com/office/powerpoint/2015/main" val="1"/>
+              </p:ext>
+            </p:extLst>
+          </p:nvPr>
+        </p:nvGrpSpPr>
+        <p:grpSpPr>
+          <a:xfrm>
+            <a:off x="5516018" y="331504"/>
+            <a:ext cx="6675982" cy="5235326"/>
+            <a:chOff x="5516018" y="331504"/>
+            <a:chExt cx="6675982" cy="5235326"/>
+          </a:xfrm>
+        </p:grpSpPr>
+        <p:cxnSp>
+          <p:nvCxnSpPr>
+            <p:cNvPr id="34" name="Straight Connector 33">
+              <a:extLst>
+                <a:ext uri="{FF2B5EF4-FFF2-40B4-BE49-F238E27FC236}">
+                  <a16:creationId xmlns:a16="http://schemas.microsoft.com/office/drawing/2014/main" id="{29130F79-611E-4458-B53E-36A2572171A9}"/>
+                </a:ext>
+                <a:ext uri="{C183D7F6-B498-43B3-948B-1728B52AA6E4}">
+                  <adec:decorative xmlns:adec="http://schemas.microsoft.com/office/drawing/2017/decorative" val="1"/>
+                </a:ext>
+              </a:extLst>
+            </p:cNvPr>
+            <p:cNvCxnSpPr/>
+            <p:nvPr>
+              <p:extLst>
+                <p:ext uri="{386F3935-93C4-4BCD-93E2-E3B085C9AB24}">
+                  <p16:designElem xmlns:p16="http://schemas.microsoft.com/office/powerpoint/2015/main" val="1"/>
+                </p:ext>
+              </p:extLst>
+            </p:nvPr>
+          </p:nvCxnSpPr>
+          <p:spPr>
+            <a:xfrm flipH="1">
+              <a:off x="9266830" y="331504"/>
+              <a:ext cx="3394" cy="182880"/>
+            </a:xfrm>
+            <a:prstGeom prst="line">
+              <a:avLst/>
+            </a:prstGeom>
+            <a:ln>
+              <a:solidFill>
+                <a:srgbClr val="FFFFFF">
+                  <a:alpha val="30196"/>
+                </a:srgbClr>
+              </a:solidFill>
+            </a:ln>
+          </p:spPr>
+          <p:style>
+            <a:lnRef idx="1">
+              <a:schemeClr val="accent1"/>
+            </a:lnRef>
+            <a:fillRef idx="0">
+              <a:schemeClr val="accent1"/>
+            </a:fillRef>
+            <a:effectRef idx="0">
+              <a:schemeClr val="accent1"/>
+            </a:effectRef>
+            <a:fontRef idx="minor">
+              <a:schemeClr val="tx1"/>
+            </a:fontRef>
+          </p:style>
+        </p:cxnSp>
+        <p:cxnSp>
+          <p:nvCxnSpPr>
+            <p:cNvPr id="35" name="Straight Connector 34">
+              <a:extLst>
+                <a:ext uri="{FF2B5EF4-FFF2-40B4-BE49-F238E27FC236}">
+                  <a16:creationId xmlns:a16="http://schemas.microsoft.com/office/drawing/2014/main" id="{2EA78691-46E9-469A-921B-9D16933EE19E}"/>
+                </a:ext>
+                <a:ext uri="{C183D7F6-B498-43B3-948B-1728B52AA6E4}">
+                  <adec:decorative xmlns:adec="http://schemas.microsoft.com/office/drawing/2017/decorative" val="1"/>
+                </a:ext>
+              </a:extLst>
+            </p:cNvPr>
+            <p:cNvCxnSpPr/>
+            <p:nvPr>
+              <p:extLst>
+                <p:ext uri="{386F3935-93C4-4BCD-93E2-E3B085C9AB24}">
+                  <p16:designElem xmlns:p16="http://schemas.microsoft.com/office/powerpoint/2015/main" val="1"/>
+                </p:ext>
+              </p:extLst>
+            </p:nvPr>
+          </p:nvCxnSpPr>
+          <p:spPr>
+            <a:xfrm rot="120000" flipH="1">
+              <a:off x="9408861" y="338328"/>
+              <a:ext cx="3394" cy="182880"/>
+            </a:xfrm>
+            <a:prstGeom prst="line">
+              <a:avLst/>
+            </a:prstGeom>
+            <a:ln>
+              <a:solidFill>
+                <a:srgbClr val="FFFFFF">
+                  <a:alpha val="30196"/>
+                </a:srgbClr>
+              </a:solidFill>
+            </a:ln>
+          </p:spPr>
+          <p:style>
+            <a:lnRef idx="1">
+              <a:schemeClr val="accent1"/>
+            </a:lnRef>
+            <a:fillRef idx="0">
+              <a:schemeClr val="accent1"/>
+            </a:fillRef>
+            <a:effectRef idx="0">
+              <a:schemeClr val="accent1"/>
+            </a:effectRef>
+            <a:fontRef idx="minor">
+              <a:schemeClr val="tx1"/>
+            </a:fontRef>
+          </p:style>
+        </p:cxnSp>
+        <p:cxnSp>
+          <p:nvCxnSpPr>
+            <p:cNvPr id="36" name="Straight Connector 35">
+              <a:extLst>
+                <a:ext uri="{FF2B5EF4-FFF2-40B4-BE49-F238E27FC236}">
+                  <a16:creationId xmlns:a16="http://schemas.microsoft.com/office/drawing/2014/main" id="{CA4AA196-3090-4283-ADF0-893F81085861}"/>
+                </a:ext>
+                <a:ext uri="{C183D7F6-B498-43B3-948B-1728B52AA6E4}">
+                  <adec:decorative xmlns:adec="http://schemas.microsoft.com/office/drawing/2017/decorative" val="1"/>
+                </a:ext>
+              </a:extLst>
+            </p:cNvPr>
+            <p:cNvCxnSpPr/>
+            <p:nvPr>
+              <p:extLst>
+                <p:ext uri="{386F3935-93C4-4BCD-93E2-E3B085C9AB24}">
+                  <p16:designElem xmlns:p16="http://schemas.microsoft.com/office/powerpoint/2015/main" val="1"/>
+                </p:ext>
+              </p:extLst>
+            </p:nvPr>
+          </p:nvCxnSpPr>
+          <p:spPr>
+            <a:xfrm rot="240000" flipH="1">
+              <a:off x="9551700" y="347636"/>
+              <a:ext cx="3394" cy="182880"/>
+            </a:xfrm>
+            <a:prstGeom prst="line">
+              <a:avLst/>
+            </a:prstGeom>
+            <a:ln>
+              <a:solidFill>
+                <a:srgbClr val="FFFFFF">
+                  <a:alpha val="30196"/>
+                </a:srgbClr>
+              </a:solidFill>
+            </a:ln>
+          </p:spPr>
+          <p:style>
+            <a:lnRef idx="1">
+              <a:schemeClr val="accent1"/>
+            </a:lnRef>
+            <a:fillRef idx="0">
+              <a:schemeClr val="accent1"/>
+            </a:fillRef>
+            <a:effectRef idx="0">
+              <a:schemeClr val="accent1"/>
+            </a:effectRef>
+            <a:fontRef idx="minor">
+              <a:schemeClr val="tx1"/>
+            </a:fontRef>
+          </p:style>
+        </p:cxnSp>
+        <p:cxnSp>
+          <p:nvCxnSpPr>
+            <p:cNvPr id="37" name="Straight Connector 36">
+              <a:extLst>
+                <a:ext uri="{FF2B5EF4-FFF2-40B4-BE49-F238E27FC236}">
+                  <a16:creationId xmlns:a16="http://schemas.microsoft.com/office/drawing/2014/main" id="{1FD33794-9D71-4B08-AE11-8B589EFBA250}"/>
+                </a:ext>
+                <a:ext uri="{C183D7F6-B498-43B3-948B-1728B52AA6E4}">
+                  <adec:decorative xmlns:adec="http://schemas.microsoft.com/office/drawing/2017/decorative" val="1"/>
+                </a:ext>
+              </a:extLst>
+            </p:cNvPr>
+            <p:cNvCxnSpPr/>
+            <p:nvPr>
+              <p:extLst>
+                <p:ext uri="{386F3935-93C4-4BCD-93E2-E3B085C9AB24}">
+                  <p16:designElem xmlns:p16="http://schemas.microsoft.com/office/powerpoint/2015/main" val="1"/>
+                </p:ext>
+              </p:extLst>
+            </p:nvPr>
+          </p:nvCxnSpPr>
+          <p:spPr>
+            <a:xfrm rot="360000" flipH="1">
+              <a:off x="9688748" y="368088"/>
+              <a:ext cx="3394" cy="182880"/>
+            </a:xfrm>
+            <a:prstGeom prst="line">
+              <a:avLst/>
+            </a:prstGeom>
+            <a:ln>
+              <a:solidFill>
+                <a:srgbClr val="FFFFFF">
+                  <a:alpha val="30196"/>
+                </a:srgbClr>
+              </a:solidFill>
+            </a:ln>
+          </p:spPr>
+          <p:style>
+            <a:lnRef idx="1">
+              <a:schemeClr val="accent1"/>
+            </a:lnRef>
+            <a:fillRef idx="0">
+              <a:schemeClr val="accent1"/>
+            </a:fillRef>
+            <a:effectRef idx="0">
+              <a:schemeClr val="accent1"/>
+            </a:effectRef>
+            <a:fontRef idx="minor">
+              <a:schemeClr val="tx1"/>
+            </a:fontRef>
+          </p:style>
+        </p:cxnSp>
+        <p:cxnSp>
+          <p:nvCxnSpPr>
+            <p:cNvPr id="38" name="Straight Connector 37">
+              <a:extLst>
+                <a:ext uri="{FF2B5EF4-FFF2-40B4-BE49-F238E27FC236}">
+                  <a16:creationId xmlns:a16="http://schemas.microsoft.com/office/drawing/2014/main" id="{38AFBF0E-867E-4181-93DF-9A13F334B016}"/>
+                </a:ext>
+                <a:ext uri="{C183D7F6-B498-43B3-948B-1728B52AA6E4}">
+                  <adec:decorative xmlns:adec="http://schemas.microsoft.com/office/drawing/2017/decorative" val="1"/>
+                </a:ext>
+              </a:extLst>
+            </p:cNvPr>
+            <p:cNvCxnSpPr/>
+            <p:nvPr>
+              <p:extLst>
+                <p:ext uri="{386F3935-93C4-4BCD-93E2-E3B085C9AB24}">
+                  <p16:designElem xmlns:p16="http://schemas.microsoft.com/office/powerpoint/2015/main" val="1"/>
+                </p:ext>
+              </p:extLst>
+            </p:nvPr>
+          </p:nvCxnSpPr>
+          <p:spPr>
+            <a:xfrm rot="540000" flipH="1">
+              <a:off x="9824866" y="389224"/>
+              <a:ext cx="3394" cy="182880"/>
+            </a:xfrm>
+            <a:prstGeom prst="line">
+              <a:avLst/>
+            </a:prstGeom>
+            <a:ln>
+              <a:solidFill>
+                <a:srgbClr val="FFFFFF">
+                  <a:alpha val="30196"/>
+                </a:srgbClr>
+              </a:solidFill>
+            </a:ln>
+          </p:spPr>
+          <p:style>
+            <a:lnRef idx="1">
+              <a:schemeClr val="accent1"/>
+            </a:lnRef>
+            <a:fillRef idx="0">
+              <a:schemeClr val="accent1"/>
+            </a:fillRef>
+            <a:effectRef idx="0">
+              <a:schemeClr val="accent1"/>
+            </a:effectRef>
+            <a:fontRef idx="minor">
+              <a:schemeClr val="tx1"/>
+            </a:fontRef>
+          </p:style>
+        </p:cxnSp>
+        <p:cxnSp>
+          <p:nvCxnSpPr>
+            <p:cNvPr id="39" name="Straight Connector 38">
+              <a:extLst>
+                <a:ext uri="{FF2B5EF4-FFF2-40B4-BE49-F238E27FC236}">
+                  <a16:creationId xmlns:a16="http://schemas.microsoft.com/office/drawing/2014/main" id="{C7EA8258-0459-4037-BABC-B1A0A5D7055C}"/>
+                </a:ext>
+                <a:ext uri="{C183D7F6-B498-43B3-948B-1728B52AA6E4}">
+                  <adec:decorative xmlns:adec="http://schemas.microsoft.com/office/drawing/2017/decorative" val="1"/>
+                </a:ext>
+              </a:extLst>
+            </p:cNvPr>
+            <p:cNvCxnSpPr/>
+            <p:nvPr>
+              <p:extLst>
+                <p:ext uri="{386F3935-93C4-4BCD-93E2-E3B085C9AB24}">
+                  <p16:designElem xmlns:p16="http://schemas.microsoft.com/office/powerpoint/2015/main" val="1"/>
+                </p:ext>
+              </p:extLst>
+            </p:nvPr>
+          </p:nvCxnSpPr>
+          <p:spPr>
+            <a:xfrm rot="660000" flipH="1">
+              <a:off x="9966867" y="417549"/>
+              <a:ext cx="3394" cy="182880"/>
+            </a:xfrm>
+            <a:prstGeom prst="line">
+              <a:avLst/>
+            </a:prstGeom>
+            <a:ln>
+              <a:solidFill>
+                <a:srgbClr val="FFFFFF">
+                  <a:alpha val="30196"/>
+                </a:srgbClr>
+              </a:solidFill>
+            </a:ln>
+          </p:spPr>
+          <p:style>
+            <a:lnRef idx="1">
+              <a:schemeClr val="accent1"/>
+            </a:lnRef>
+            <a:fillRef idx="0">
+              <a:schemeClr val="accent1"/>
+            </a:fillRef>
+            <a:effectRef idx="0">
+              <a:schemeClr val="accent1"/>
+            </a:effectRef>
+            <a:fontRef idx="minor">
+              <a:schemeClr val="tx1"/>
+            </a:fontRef>
+          </p:style>
+        </p:cxnSp>
+        <p:cxnSp>
+          <p:nvCxnSpPr>
+            <p:cNvPr id="40" name="Straight Connector 39">
+              <a:extLst>
+                <a:ext uri="{FF2B5EF4-FFF2-40B4-BE49-F238E27FC236}">
+                  <a16:creationId xmlns:a16="http://schemas.microsoft.com/office/drawing/2014/main" id="{E8BB355F-363A-4046-90AF-3DDB7AA18459}"/>
+                </a:ext>
+                <a:ext uri="{C183D7F6-B498-43B3-948B-1728B52AA6E4}">
+                  <adec:decorative xmlns:adec="http://schemas.microsoft.com/office/drawing/2017/decorative" val="1"/>
+                </a:ext>
+              </a:extLst>
+            </p:cNvPr>
+            <p:cNvCxnSpPr/>
+            <p:nvPr>
+              <p:extLst>
+                <p:ext uri="{386F3935-93C4-4BCD-93E2-E3B085C9AB24}">
+                  <p16:designElem xmlns:p16="http://schemas.microsoft.com/office/powerpoint/2015/main" val="1"/>
+                </p:ext>
+              </p:extLst>
+            </p:nvPr>
+          </p:nvCxnSpPr>
+          <p:spPr>
+            <a:xfrm rot="780000" flipH="1">
+              <a:off x="10104425" y="445874"/>
+              <a:ext cx="3394" cy="182880"/>
+            </a:xfrm>
+            <a:prstGeom prst="line">
+              <a:avLst/>
+            </a:prstGeom>
+            <a:ln>
+              <a:solidFill>
+                <a:srgbClr val="FFFFFF">
+                  <a:alpha val="30196"/>
+                </a:srgbClr>
+              </a:solidFill>
+            </a:ln>
+          </p:spPr>
+          <p:style>
+            <a:lnRef idx="1">
+              <a:schemeClr val="accent1"/>
+            </a:lnRef>
+            <a:fillRef idx="0">
+              <a:schemeClr val="accent1"/>
+            </a:fillRef>
+            <a:effectRef idx="0">
+              <a:schemeClr val="accent1"/>
+            </a:effectRef>
+            <a:fontRef idx="minor">
+              <a:schemeClr val="tx1"/>
+            </a:fontRef>
+          </p:style>
+        </p:cxnSp>
+        <p:cxnSp>
+          <p:nvCxnSpPr>
+            <p:cNvPr id="41" name="Straight Connector 40">
+              <a:extLst>
+                <a:ext uri="{FF2B5EF4-FFF2-40B4-BE49-F238E27FC236}">
+                  <a16:creationId xmlns:a16="http://schemas.microsoft.com/office/drawing/2014/main" id="{A9334308-B9EC-41CF-8B6C-23FB134BA582}"/>
+                </a:ext>
+                <a:ext uri="{C183D7F6-B498-43B3-948B-1728B52AA6E4}">
+                  <adec:decorative xmlns:adec="http://schemas.microsoft.com/office/drawing/2017/decorative" val="1"/>
+                </a:ext>
+              </a:extLst>
+            </p:cNvPr>
+            <p:cNvCxnSpPr/>
+            <p:nvPr>
+              <p:extLst>
+                <p:ext uri="{386F3935-93C4-4BCD-93E2-E3B085C9AB24}">
+                  <p16:designElem xmlns:p16="http://schemas.microsoft.com/office/powerpoint/2015/main" val="1"/>
+                </p:ext>
+              </p:extLst>
+            </p:nvPr>
+          </p:nvCxnSpPr>
+          <p:spPr>
+            <a:xfrm rot="900000" flipH="1">
+              <a:off x="10240513" y="479483"/>
+              <a:ext cx="3394" cy="182880"/>
+            </a:xfrm>
+            <a:prstGeom prst="line">
+              <a:avLst/>
+            </a:prstGeom>
+            <a:ln>
+              <a:solidFill>
+                <a:srgbClr val="FFFFFF">
+                  <a:alpha val="30196"/>
+                </a:srgbClr>
+              </a:solidFill>
+            </a:ln>
+          </p:spPr>
+          <p:style>
+            <a:lnRef idx="1">
+              <a:schemeClr val="accent1"/>
+            </a:lnRef>
+            <a:fillRef idx="0">
+              <a:schemeClr val="accent1"/>
+            </a:fillRef>
+            <a:effectRef idx="0">
+              <a:schemeClr val="accent1"/>
+            </a:effectRef>
+            <a:fontRef idx="minor">
+              <a:schemeClr val="tx1"/>
+            </a:fontRef>
+          </p:style>
+        </p:cxnSp>
+        <p:cxnSp>
+          <p:nvCxnSpPr>
+            <p:cNvPr id="42" name="Straight Connector 41">
+              <a:extLst>
+                <a:ext uri="{FF2B5EF4-FFF2-40B4-BE49-F238E27FC236}">
+                  <a16:creationId xmlns:a16="http://schemas.microsoft.com/office/drawing/2014/main" id="{30781133-0656-4918-BE6A-703C148ED9DD}"/>
+                </a:ext>
+                <a:ext uri="{C183D7F6-B498-43B3-948B-1728B52AA6E4}">
+                  <adec:decorative xmlns:adec="http://schemas.microsoft.com/office/drawing/2017/decorative" val="1"/>
+                </a:ext>
+              </a:extLst>
+            </p:cNvPr>
+            <p:cNvCxnSpPr/>
+            <p:nvPr>
+              <p:extLst>
+                <p:ext uri="{386F3935-93C4-4BCD-93E2-E3B085C9AB24}">
+                  <p16:designElem xmlns:p16="http://schemas.microsoft.com/office/powerpoint/2015/main" val="1"/>
+                </p:ext>
+              </p:extLst>
+            </p:nvPr>
+          </p:nvCxnSpPr>
+          <p:spPr>
+            <a:xfrm rot="1080000" flipH="1">
+              <a:off x="10373882" y="524355"/>
+              <a:ext cx="3394" cy="182880"/>
+            </a:xfrm>
+            <a:prstGeom prst="line">
+              <a:avLst/>
+            </a:prstGeom>
+            <a:ln>
+              <a:solidFill>
+                <a:srgbClr val="FFFFFF">
+                  <a:alpha val="30196"/>
+                </a:srgbClr>
+              </a:solidFill>
+            </a:ln>
+          </p:spPr>
+          <p:style>
+            <a:lnRef idx="1">
+              <a:schemeClr val="accent1"/>
+            </a:lnRef>
+            <a:fillRef idx="0">
+              <a:schemeClr val="accent1"/>
+            </a:fillRef>
+            <a:effectRef idx="0">
+              <a:schemeClr val="accent1"/>
+            </a:effectRef>
+            <a:fontRef idx="minor">
+              <a:schemeClr val="tx1"/>
+            </a:fontRef>
+          </p:style>
+        </p:cxnSp>
+        <p:cxnSp>
+          <p:nvCxnSpPr>
+            <p:cNvPr id="43" name="Straight Connector 42">
+              <a:extLst>
+                <a:ext uri="{FF2B5EF4-FFF2-40B4-BE49-F238E27FC236}">
+                  <a16:creationId xmlns:a16="http://schemas.microsoft.com/office/drawing/2014/main" id="{6B4F93AD-8044-447B-8CAC-8A0697160346}"/>
+                </a:ext>
+                <a:ext uri="{C183D7F6-B498-43B3-948B-1728B52AA6E4}">
+                  <adec:decorative xmlns:adec="http://schemas.microsoft.com/office/drawing/2017/decorative" val="1"/>
+                </a:ext>
+              </a:extLst>
+            </p:cNvPr>
+            <p:cNvCxnSpPr/>
+            <p:nvPr>
+              <p:extLst>
+                <p:ext uri="{386F3935-93C4-4BCD-93E2-E3B085C9AB24}">
+                  <p16:designElem xmlns:p16="http://schemas.microsoft.com/office/powerpoint/2015/main" val="1"/>
+                </p:ext>
+              </p:extLst>
+            </p:nvPr>
+          </p:nvCxnSpPr>
+          <p:spPr>
+            <a:xfrm rot="1200000" flipH="1">
+              <a:off x="10505632" y="570628"/>
+              <a:ext cx="3394" cy="182880"/>
+            </a:xfrm>
+            <a:prstGeom prst="line">
+              <a:avLst/>
+            </a:prstGeom>
+            <a:ln>
+              <a:solidFill>
+                <a:srgbClr val="FFFFFF">
+                  <a:alpha val="30196"/>
+                </a:srgbClr>
+              </a:solidFill>
+            </a:ln>
+          </p:spPr>
+          <p:style>
+            <a:lnRef idx="1">
+              <a:schemeClr val="accent1"/>
+            </a:lnRef>
+            <a:fillRef idx="0">
+              <a:schemeClr val="accent1"/>
+            </a:fillRef>
+            <a:effectRef idx="0">
+              <a:schemeClr val="accent1"/>
+            </a:effectRef>
+            <a:fontRef idx="minor">
+              <a:schemeClr val="tx1"/>
+            </a:fontRef>
+          </p:style>
+        </p:cxnSp>
+        <p:cxnSp>
+          <p:nvCxnSpPr>
+            <p:cNvPr id="44" name="Straight Connector 43">
+              <a:extLst>
+                <a:ext uri="{FF2B5EF4-FFF2-40B4-BE49-F238E27FC236}">
+                  <a16:creationId xmlns:a16="http://schemas.microsoft.com/office/drawing/2014/main" id="{EAA78689-5B7A-4420-A3DC-0EA081583534}"/>
+                </a:ext>
+                <a:ext uri="{C183D7F6-B498-43B3-948B-1728B52AA6E4}">
+                  <adec:decorative xmlns:adec="http://schemas.microsoft.com/office/drawing/2017/decorative" val="1"/>
+                </a:ext>
+              </a:extLst>
+            </p:cNvPr>
+            <p:cNvCxnSpPr/>
+            <p:nvPr>
+              <p:extLst>
+                <p:ext uri="{386F3935-93C4-4BCD-93E2-E3B085C9AB24}">
+                  <p16:designElem xmlns:p16="http://schemas.microsoft.com/office/powerpoint/2015/main" val="1"/>
+                </p:ext>
+              </p:extLst>
+            </p:nvPr>
+          </p:nvCxnSpPr>
+          <p:spPr>
+            <a:xfrm rot="1320000" flipH="1">
+              <a:off x="10637382" y="621344"/>
+              <a:ext cx="3394" cy="182880"/>
+            </a:xfrm>
+            <a:prstGeom prst="line">
+              <a:avLst/>
+            </a:prstGeom>
+            <a:ln>
+              <a:solidFill>
+                <a:srgbClr val="FFFFFF">
+                  <a:alpha val="30196"/>
+                </a:srgbClr>
+              </a:solidFill>
+            </a:ln>
+          </p:spPr>
+          <p:style>
+            <a:lnRef idx="1">
+              <a:schemeClr val="accent1"/>
+            </a:lnRef>
+            <a:fillRef idx="0">
+              <a:schemeClr val="accent1"/>
+            </a:fillRef>
+            <a:effectRef idx="0">
+              <a:schemeClr val="accent1"/>
+            </a:effectRef>
+            <a:fontRef idx="minor">
+              <a:schemeClr val="tx1"/>
+            </a:fontRef>
+          </p:style>
+        </p:cxnSp>
+        <p:cxnSp>
+          <p:nvCxnSpPr>
+            <p:cNvPr id="45" name="Straight Connector 44">
+              <a:extLst>
+                <a:ext uri="{FF2B5EF4-FFF2-40B4-BE49-F238E27FC236}">
+                  <a16:creationId xmlns:a16="http://schemas.microsoft.com/office/drawing/2014/main" id="{F09CC934-4D78-4334-8B7F-4D0C13D6C91B}"/>
+                </a:ext>
+                <a:ext uri="{C183D7F6-B498-43B3-948B-1728B52AA6E4}">
+                  <adec:decorative xmlns:adec="http://schemas.microsoft.com/office/drawing/2017/decorative" val="1"/>
+                </a:ext>
+              </a:extLst>
+            </p:cNvPr>
+            <p:cNvCxnSpPr/>
+            <p:nvPr>
+              <p:extLst>
+                <p:ext uri="{386F3935-93C4-4BCD-93E2-E3B085C9AB24}">
+                  <p16:designElem xmlns:p16="http://schemas.microsoft.com/office/powerpoint/2015/main" val="1"/>
+                </p:ext>
+              </p:extLst>
+            </p:nvPr>
+          </p:nvCxnSpPr>
+          <p:spPr>
+            <a:xfrm rot="1440000" flipH="1">
+              <a:off x="10760965" y="690439"/>
+              <a:ext cx="3394" cy="182880"/>
+            </a:xfrm>
+            <a:prstGeom prst="line">
+              <a:avLst/>
+            </a:prstGeom>
+            <a:ln>
+              <a:solidFill>
+                <a:srgbClr val="FFFFFF">
+                  <a:alpha val="30196"/>
+                </a:srgbClr>
+              </a:solidFill>
+            </a:ln>
+          </p:spPr>
+          <p:style>
+            <a:lnRef idx="1">
+              <a:schemeClr val="accent1"/>
+            </a:lnRef>
+            <a:fillRef idx="0">
+              <a:schemeClr val="accent1"/>
+            </a:fillRef>
+            <a:effectRef idx="0">
+              <a:schemeClr val="accent1"/>
+            </a:effectRef>
+            <a:fontRef idx="minor">
+              <a:schemeClr val="tx1"/>
+            </a:fontRef>
+          </p:style>
+        </p:cxnSp>
+        <p:cxnSp>
+          <p:nvCxnSpPr>
+            <p:cNvPr id="46" name="Straight Connector 45">
+              <a:extLst>
+                <a:ext uri="{FF2B5EF4-FFF2-40B4-BE49-F238E27FC236}">
+                  <a16:creationId xmlns:a16="http://schemas.microsoft.com/office/drawing/2014/main" id="{068DA411-6F43-42CF-8A08-B2871E382251}"/>
+                </a:ext>
+                <a:ext uri="{C183D7F6-B498-43B3-948B-1728B52AA6E4}">
+                  <adec:decorative xmlns:adec="http://schemas.microsoft.com/office/drawing/2017/decorative" val="1"/>
+                </a:ext>
+              </a:extLst>
+            </p:cNvPr>
+            <p:cNvCxnSpPr/>
+            <p:nvPr>
+              <p:extLst>
+                <p:ext uri="{386F3935-93C4-4BCD-93E2-E3B085C9AB24}">
+                  <p16:designElem xmlns:p16="http://schemas.microsoft.com/office/powerpoint/2015/main" val="1"/>
+                </p:ext>
+              </p:extLst>
+            </p:nvPr>
+          </p:nvCxnSpPr>
+          <p:spPr>
+            <a:xfrm rot="1620000" flipH="1">
+              <a:off x="10888991" y="755091"/>
+              <a:ext cx="3394" cy="182880"/>
+            </a:xfrm>
+            <a:prstGeom prst="line">
+              <a:avLst/>
+            </a:prstGeom>
+            <a:ln>
+              <a:solidFill>
+                <a:srgbClr val="FFFFFF">
+                  <a:alpha val="30196"/>
+                </a:srgbClr>
+              </a:solidFill>
+            </a:ln>
+          </p:spPr>
+          <p:style>
+            <a:lnRef idx="1">
+              <a:schemeClr val="accent1"/>
+            </a:lnRef>
+            <a:fillRef idx="0">
+              <a:schemeClr val="accent1"/>
+            </a:fillRef>
+            <a:effectRef idx="0">
+              <a:schemeClr val="accent1"/>
+            </a:effectRef>
+            <a:fontRef idx="minor">
+              <a:schemeClr val="tx1"/>
+            </a:fontRef>
+          </p:style>
+        </p:cxnSp>
+        <p:cxnSp>
+          <p:nvCxnSpPr>
+            <p:cNvPr id="47" name="Straight Connector 46">
+              <a:extLst>
+                <a:ext uri="{FF2B5EF4-FFF2-40B4-BE49-F238E27FC236}">
+                  <a16:creationId xmlns:a16="http://schemas.microsoft.com/office/drawing/2014/main" id="{3417563A-04A5-4952-AA6D-E503558C5438}"/>
+                </a:ext>
+                <a:ext uri="{C183D7F6-B498-43B3-948B-1728B52AA6E4}">
+                  <adec:decorative xmlns:adec="http://schemas.microsoft.com/office/drawing/2017/decorative" val="1"/>
+                </a:ext>
+              </a:extLst>
+            </p:cNvPr>
+            <p:cNvCxnSpPr/>
+            <p:nvPr>
+              <p:extLst>
+                <p:ext uri="{386F3935-93C4-4BCD-93E2-E3B085C9AB24}">
+                  <p16:designElem xmlns:p16="http://schemas.microsoft.com/office/powerpoint/2015/main" val="1"/>
+                </p:ext>
+              </p:extLst>
+            </p:nvPr>
+          </p:nvCxnSpPr>
+          <p:spPr>
+            <a:xfrm rot="1740000" flipH="1">
+              <a:off x="11010193" y="819743"/>
+              <a:ext cx="3394" cy="182880"/>
+            </a:xfrm>
+            <a:prstGeom prst="line">
+              <a:avLst/>
+            </a:prstGeom>
+            <a:ln>
+              <a:solidFill>
+                <a:srgbClr val="FFFFFF">
+                  <a:alpha val="30196"/>
+                </a:srgbClr>
+              </a:solidFill>
+            </a:ln>
+          </p:spPr>
+          <p:style>
+            <a:lnRef idx="1">
+              <a:schemeClr val="accent1"/>
+            </a:lnRef>
+            <a:fillRef idx="0">
+              <a:schemeClr val="accent1"/>
+            </a:fillRef>
+            <a:effectRef idx="0">
+              <a:schemeClr val="accent1"/>
+            </a:effectRef>
+            <a:fontRef idx="minor">
+              <a:schemeClr val="tx1"/>
+            </a:fontRef>
+          </p:style>
+        </p:cxnSp>
+        <p:cxnSp>
+          <p:nvCxnSpPr>
+            <p:cNvPr id="48" name="Straight Connector 47">
+              <a:extLst>
+                <a:ext uri="{FF2B5EF4-FFF2-40B4-BE49-F238E27FC236}">
+                  <a16:creationId xmlns:a16="http://schemas.microsoft.com/office/drawing/2014/main" id="{4A41B232-E630-4AC7-9A97-763529D70518}"/>
+                </a:ext>
+                <a:ext uri="{C183D7F6-B498-43B3-948B-1728B52AA6E4}">
+                  <adec:decorative xmlns:adec="http://schemas.microsoft.com/office/drawing/2017/decorative" val="1"/>
+                </a:ext>
+              </a:extLst>
+            </p:cNvPr>
+            <p:cNvCxnSpPr/>
+            <p:nvPr>
+              <p:extLst>
+                <p:ext uri="{386F3935-93C4-4BCD-93E2-E3B085C9AB24}">
+                  <p16:designElem xmlns:p16="http://schemas.microsoft.com/office/powerpoint/2015/main" val="1"/>
+                </p:ext>
+              </p:extLst>
+            </p:nvPr>
+          </p:nvCxnSpPr>
+          <p:spPr>
+            <a:xfrm rot="1860000" flipH="1">
+              <a:off x="11129014" y="895662"/>
+              <a:ext cx="3394" cy="182880"/>
+            </a:xfrm>
+            <a:prstGeom prst="line">
+              <a:avLst/>
+            </a:prstGeom>
+            <a:ln>
+              <a:solidFill>
+                <a:srgbClr val="FFFFFF">
+                  <a:alpha val="30196"/>
+                </a:srgbClr>
+              </a:solidFill>
+            </a:ln>
+          </p:spPr>
+          <p:style>
+            <a:lnRef idx="1">
+              <a:schemeClr val="accent1"/>
+            </a:lnRef>
+            <a:fillRef idx="0">
+              <a:schemeClr val="accent1"/>
+            </a:fillRef>
+            <a:effectRef idx="0">
+              <a:schemeClr val="accent1"/>
+            </a:effectRef>
+            <a:fontRef idx="minor">
+              <a:schemeClr val="tx1"/>
+            </a:fontRef>
+          </p:style>
+        </p:cxnSp>
+        <p:cxnSp>
+          <p:nvCxnSpPr>
+            <p:cNvPr id="49" name="Straight Connector 48">
+              <a:extLst>
+                <a:ext uri="{FF2B5EF4-FFF2-40B4-BE49-F238E27FC236}">
+                  <a16:creationId xmlns:a16="http://schemas.microsoft.com/office/drawing/2014/main" id="{7EABA1A2-F7BA-4FB5-AD0A-A4DBBCF6F7D8}"/>
+                </a:ext>
+                <a:ext uri="{C183D7F6-B498-43B3-948B-1728B52AA6E4}">
+                  <adec:decorative xmlns:adec="http://schemas.microsoft.com/office/drawing/2017/decorative" val="1"/>
+                </a:ext>
+              </a:extLst>
+            </p:cNvPr>
+            <p:cNvCxnSpPr/>
+            <p:nvPr>
+              <p:extLst>
+                <p:ext uri="{386F3935-93C4-4BCD-93E2-E3B085C9AB24}">
+                  <p16:designElem xmlns:p16="http://schemas.microsoft.com/office/powerpoint/2015/main" val="1"/>
+                </p:ext>
+              </p:extLst>
+            </p:nvPr>
+          </p:nvCxnSpPr>
+          <p:spPr>
+            <a:xfrm rot="1980000" flipH="1">
+              <a:off x="11249872" y="968091"/>
+              <a:ext cx="3394" cy="182880"/>
+            </a:xfrm>
+            <a:prstGeom prst="line">
+              <a:avLst/>
+            </a:prstGeom>
+            <a:ln>
+              <a:solidFill>
+                <a:srgbClr val="FFFFFF">
+                  <a:alpha val="30196"/>
+                </a:srgbClr>
+              </a:solidFill>
+            </a:ln>
+          </p:spPr>
+          <p:style>
+            <a:lnRef idx="1">
+              <a:schemeClr val="accent1"/>
+            </a:lnRef>
+            <a:fillRef idx="0">
+              <a:schemeClr val="accent1"/>
+            </a:fillRef>
+            <a:effectRef idx="0">
+              <a:schemeClr val="accent1"/>
+            </a:effectRef>
+            <a:fontRef idx="minor">
+              <a:schemeClr val="tx1"/>
+            </a:fontRef>
+          </p:style>
+        </p:cxnSp>
+        <p:cxnSp>
+          <p:nvCxnSpPr>
+            <p:cNvPr id="50" name="Straight Connector 49">
+              <a:extLst>
+                <a:ext uri="{FF2B5EF4-FFF2-40B4-BE49-F238E27FC236}">
+                  <a16:creationId xmlns:a16="http://schemas.microsoft.com/office/drawing/2014/main" id="{7EA99E51-908F-4D65-AC2B-A8E75A1FE4A4}"/>
+                </a:ext>
+                <a:ext uri="{C183D7F6-B498-43B3-948B-1728B52AA6E4}">
+                  <adec:decorative xmlns:adec="http://schemas.microsoft.com/office/drawing/2017/decorative" val="1"/>
+                </a:ext>
+              </a:extLst>
+            </p:cNvPr>
+            <p:cNvCxnSpPr/>
+            <p:nvPr>
+              <p:extLst>
+                <p:ext uri="{386F3935-93C4-4BCD-93E2-E3B085C9AB24}">
+                  <p16:designElem xmlns:p16="http://schemas.microsoft.com/office/powerpoint/2015/main" val="1"/>
+                </p:ext>
+              </p:extLst>
+            </p:nvPr>
+          </p:nvCxnSpPr>
+          <p:spPr>
+            <a:xfrm rot="2160000" flipH="1">
+              <a:off x="11366875" y="1048084"/>
+              <a:ext cx="3394" cy="182880"/>
+            </a:xfrm>
+            <a:prstGeom prst="line">
+              <a:avLst/>
+            </a:prstGeom>
+            <a:ln>
+              <a:solidFill>
+                <a:srgbClr val="FFFFFF">
+                  <a:alpha val="30196"/>
+                </a:srgbClr>
+              </a:solidFill>
+            </a:ln>
+          </p:spPr>
+          <p:style>
+            <a:lnRef idx="1">
+              <a:schemeClr val="accent1"/>
+            </a:lnRef>
+            <a:fillRef idx="0">
+              <a:schemeClr val="accent1"/>
+            </a:fillRef>
+            <a:effectRef idx="0">
+              <a:schemeClr val="accent1"/>
+            </a:effectRef>
+            <a:fontRef idx="minor">
+              <a:schemeClr val="tx1"/>
+            </a:fontRef>
+          </p:style>
+        </p:cxnSp>
+        <p:cxnSp>
+          <p:nvCxnSpPr>
+            <p:cNvPr id="51" name="Straight Connector 50">
+              <a:extLst>
+                <a:ext uri="{FF2B5EF4-FFF2-40B4-BE49-F238E27FC236}">
+                  <a16:creationId xmlns:a16="http://schemas.microsoft.com/office/drawing/2014/main" id="{5F2D126B-7D1C-4D2C-97D5-2D8C686B782F}"/>
+                </a:ext>
+                <a:ext uri="{C183D7F6-B498-43B3-948B-1728B52AA6E4}">
+                  <adec:decorative xmlns:adec="http://schemas.microsoft.com/office/drawing/2017/decorative" val="1"/>
+                </a:ext>
+              </a:extLst>
+            </p:cNvPr>
+            <p:cNvCxnSpPr/>
+            <p:nvPr>
+              <p:extLst>
+                <p:ext uri="{386F3935-93C4-4BCD-93E2-E3B085C9AB24}">
+                  <p16:designElem xmlns:p16="http://schemas.microsoft.com/office/powerpoint/2015/main" val="1"/>
+                </p:ext>
+              </p:extLst>
+            </p:nvPr>
+          </p:nvCxnSpPr>
+          <p:spPr>
+            <a:xfrm rot="2280000" flipH="1">
+              <a:off x="11474058" y="1131525"/>
+              <a:ext cx="3394" cy="182880"/>
+            </a:xfrm>
+            <a:prstGeom prst="line">
+              <a:avLst/>
+            </a:prstGeom>
+            <a:ln>
+              <a:solidFill>
+                <a:srgbClr val="FFFFFF">
+                  <a:alpha val="30196"/>
+                </a:srgbClr>
+              </a:solidFill>
+            </a:ln>
+          </p:spPr>
+          <p:style>
+            <a:lnRef idx="1">
+              <a:schemeClr val="accent1"/>
+            </a:lnRef>
+            <a:fillRef idx="0">
+              <a:schemeClr val="accent1"/>
+            </a:fillRef>
+            <a:effectRef idx="0">
+              <a:schemeClr val="accent1"/>
+            </a:effectRef>
+            <a:fontRef idx="minor">
+              <a:schemeClr val="tx1"/>
+            </a:fontRef>
+          </p:style>
+        </p:cxnSp>
+        <p:cxnSp>
+          <p:nvCxnSpPr>
+            <p:cNvPr id="52" name="Straight Connector 51">
+              <a:extLst>
+                <a:ext uri="{FF2B5EF4-FFF2-40B4-BE49-F238E27FC236}">
+                  <a16:creationId xmlns:a16="http://schemas.microsoft.com/office/drawing/2014/main" id="{74B20164-1C4E-4FA3-A2E5-389E74077301}"/>
+                </a:ext>
+                <a:ext uri="{C183D7F6-B498-43B3-948B-1728B52AA6E4}">
+                  <adec:decorative xmlns:adec="http://schemas.microsoft.com/office/drawing/2017/decorative" val="1"/>
+                </a:ext>
+              </a:extLst>
+            </p:cNvPr>
+            <p:cNvCxnSpPr/>
+            <p:nvPr>
+              <p:extLst>
+                <p:ext uri="{386F3935-93C4-4BCD-93E2-E3B085C9AB24}">
+                  <p16:designElem xmlns:p16="http://schemas.microsoft.com/office/powerpoint/2015/main" val="1"/>
+                </p:ext>
+              </p:extLst>
+            </p:nvPr>
+          </p:nvCxnSpPr>
+          <p:spPr>
+            <a:xfrm rot="2400000" flipH="1">
+              <a:off x="11583303" y="1221790"/>
+              <a:ext cx="3394" cy="182880"/>
+            </a:xfrm>
+            <a:prstGeom prst="line">
+              <a:avLst/>
+            </a:prstGeom>
+            <a:ln>
+              <a:solidFill>
+                <a:srgbClr val="FFFFFF">
+                  <a:alpha val="30196"/>
+                </a:srgbClr>
+              </a:solidFill>
+            </a:ln>
+          </p:spPr>
+          <p:style>
+            <a:lnRef idx="1">
+              <a:schemeClr val="accent1"/>
+            </a:lnRef>
+            <a:fillRef idx="0">
+              <a:schemeClr val="accent1"/>
+            </a:fillRef>
+            <a:effectRef idx="0">
+              <a:schemeClr val="accent1"/>
+            </a:effectRef>
+            <a:fontRef idx="minor">
+              <a:schemeClr val="tx1"/>
+            </a:fontRef>
+          </p:style>
+        </p:cxnSp>
+        <p:cxnSp>
+          <p:nvCxnSpPr>
+            <p:cNvPr id="53" name="Straight Connector 52">
+              <a:extLst>
+                <a:ext uri="{FF2B5EF4-FFF2-40B4-BE49-F238E27FC236}">
+                  <a16:creationId xmlns:a16="http://schemas.microsoft.com/office/drawing/2014/main" id="{C54E7AD9-228F-47CD-A598-CB579B489AF3}"/>
+                </a:ext>
+                <a:ext uri="{C183D7F6-B498-43B3-948B-1728B52AA6E4}">
+                  <adec:decorative xmlns:adec="http://schemas.microsoft.com/office/drawing/2017/decorative" val="1"/>
+                </a:ext>
+              </a:extLst>
+            </p:cNvPr>
+            <p:cNvCxnSpPr/>
+            <p:nvPr>
+              <p:extLst>
+                <p:ext uri="{386F3935-93C4-4BCD-93E2-E3B085C9AB24}">
+                  <p16:designElem xmlns:p16="http://schemas.microsoft.com/office/powerpoint/2015/main" val="1"/>
+                </p:ext>
+              </p:extLst>
+            </p:nvPr>
+          </p:nvCxnSpPr>
+          <p:spPr>
+            <a:xfrm rot="2520000" flipH="1">
+              <a:off x="11685344" y="1321772"/>
+              <a:ext cx="3394" cy="182880"/>
+            </a:xfrm>
+            <a:prstGeom prst="line">
+              <a:avLst/>
+            </a:prstGeom>
+            <a:ln>
+              <a:solidFill>
+                <a:srgbClr val="FFFFFF">
+                  <a:alpha val="30196"/>
+                </a:srgbClr>
+              </a:solidFill>
+            </a:ln>
+          </p:spPr>
+          <p:style>
+            <a:lnRef idx="1">
+              <a:schemeClr val="accent1"/>
+            </a:lnRef>
+            <a:fillRef idx="0">
+              <a:schemeClr val="accent1"/>
+            </a:fillRef>
+            <a:effectRef idx="0">
+              <a:schemeClr val="accent1"/>
+            </a:effectRef>
+            <a:fontRef idx="minor">
+              <a:schemeClr val="tx1"/>
+            </a:fontRef>
+          </p:style>
+        </p:cxnSp>
+        <p:cxnSp>
+          <p:nvCxnSpPr>
+            <p:cNvPr id="54" name="Straight Connector 53">
+              <a:extLst>
+                <a:ext uri="{FF2B5EF4-FFF2-40B4-BE49-F238E27FC236}">
+                  <a16:creationId xmlns:a16="http://schemas.microsoft.com/office/drawing/2014/main" id="{D7D2B81A-6082-4668-8AA7-F2757C8EC204}"/>
+                </a:ext>
+                <a:ext uri="{C183D7F6-B498-43B3-948B-1728B52AA6E4}">
+                  <adec:decorative xmlns:adec="http://schemas.microsoft.com/office/drawing/2017/decorative" val="1"/>
+                </a:ext>
+              </a:extLst>
+            </p:cNvPr>
+            <p:cNvCxnSpPr/>
+            <p:nvPr>
+              <p:extLst>
+                <p:ext uri="{386F3935-93C4-4BCD-93E2-E3B085C9AB24}">
+                  <p16:designElem xmlns:p16="http://schemas.microsoft.com/office/powerpoint/2015/main" val="1"/>
+                </p:ext>
+              </p:extLst>
+            </p:nvPr>
+          </p:nvCxnSpPr>
+          <p:spPr>
+            <a:xfrm rot="2700000" flipH="1">
+              <a:off x="11787704" y="1417630"/>
+              <a:ext cx="3394" cy="182880"/>
+            </a:xfrm>
+            <a:prstGeom prst="line">
+              <a:avLst/>
+            </a:prstGeom>
+            <a:ln>
+              <a:solidFill>
+                <a:srgbClr val="FFFFFF">
+                  <a:alpha val="30196"/>
+                </a:srgbClr>
+              </a:solidFill>
+            </a:ln>
+          </p:spPr>
+          <p:style>
+            <a:lnRef idx="1">
+              <a:schemeClr val="accent1"/>
+            </a:lnRef>
+            <a:fillRef idx="0">
+              <a:schemeClr val="accent1"/>
+            </a:fillRef>
+            <a:effectRef idx="0">
+              <a:schemeClr val="accent1"/>
+            </a:effectRef>
+            <a:fontRef idx="minor">
+              <a:schemeClr val="tx1"/>
+            </a:fontRef>
+          </p:style>
+        </p:cxnSp>
+        <p:cxnSp>
+          <p:nvCxnSpPr>
+            <p:cNvPr id="55" name="Straight Connector 54">
+              <a:extLst>
+                <a:ext uri="{FF2B5EF4-FFF2-40B4-BE49-F238E27FC236}">
+                  <a16:creationId xmlns:a16="http://schemas.microsoft.com/office/drawing/2014/main" id="{1469BD5F-3BFE-4BA0-A24F-7F80A73B823D}"/>
+                </a:ext>
+                <a:ext uri="{C183D7F6-B498-43B3-948B-1728B52AA6E4}">
+                  <adec:decorative xmlns:adec="http://schemas.microsoft.com/office/drawing/2017/decorative" val="1"/>
+                </a:ext>
+              </a:extLst>
+            </p:cNvPr>
+            <p:cNvCxnSpPr/>
+            <p:nvPr>
+              <p:extLst>
+                <p:ext uri="{386F3935-93C4-4BCD-93E2-E3B085C9AB24}">
+                  <p16:designElem xmlns:p16="http://schemas.microsoft.com/office/powerpoint/2015/main" val="1"/>
+                </p:ext>
+              </p:extLst>
+            </p:nvPr>
+          </p:nvCxnSpPr>
+          <p:spPr>
+            <a:xfrm rot="2820000" flipH="1">
+              <a:off x="11880859" y="1517931"/>
+              <a:ext cx="3394" cy="182880"/>
+            </a:xfrm>
+            <a:prstGeom prst="line">
+              <a:avLst/>
+            </a:prstGeom>
+            <a:ln>
+              <a:solidFill>
+                <a:srgbClr val="FFFFFF">
+                  <a:alpha val="30196"/>
+                </a:srgbClr>
+              </a:solidFill>
+            </a:ln>
+          </p:spPr>
+          <p:style>
+            <a:lnRef idx="1">
+              <a:schemeClr val="accent1"/>
+            </a:lnRef>
+            <a:fillRef idx="0">
+              <a:schemeClr val="accent1"/>
+            </a:fillRef>
+            <a:effectRef idx="0">
+              <a:schemeClr val="accent1"/>
+            </a:effectRef>
+            <a:fontRef idx="minor">
+              <a:schemeClr val="tx1"/>
+            </a:fontRef>
+          </p:style>
+        </p:cxnSp>
+        <p:cxnSp>
+          <p:nvCxnSpPr>
+            <p:cNvPr id="56" name="Straight Connector 55">
+              <a:extLst>
+                <a:ext uri="{FF2B5EF4-FFF2-40B4-BE49-F238E27FC236}">
+                  <a16:creationId xmlns:a16="http://schemas.microsoft.com/office/drawing/2014/main" id="{224D532A-F49F-4BB9-AAA6-8B2B89CB6F15}"/>
+                </a:ext>
+                <a:ext uri="{C183D7F6-B498-43B3-948B-1728B52AA6E4}">
+                  <adec:decorative xmlns:adec="http://schemas.microsoft.com/office/drawing/2017/decorative" val="1"/>
+                </a:ext>
+              </a:extLst>
+            </p:cNvPr>
+            <p:cNvCxnSpPr/>
+            <p:nvPr>
+              <p:extLst>
+                <p:ext uri="{386F3935-93C4-4BCD-93E2-E3B085C9AB24}">
+                  <p16:designElem xmlns:p16="http://schemas.microsoft.com/office/powerpoint/2015/main" val="1"/>
+                </p:ext>
+              </p:extLst>
+            </p:nvPr>
+          </p:nvCxnSpPr>
+          <p:spPr>
+            <a:xfrm rot="2940000" flipH="1">
+              <a:off x="11969252" y="1627437"/>
+              <a:ext cx="3394" cy="182880"/>
+            </a:xfrm>
+            <a:prstGeom prst="line">
+              <a:avLst/>
+            </a:prstGeom>
+            <a:ln>
+              <a:solidFill>
+                <a:srgbClr val="FFFFFF">
+                  <a:alpha val="30196"/>
+                </a:srgbClr>
+              </a:solidFill>
+            </a:ln>
+          </p:spPr>
+          <p:style>
+            <a:lnRef idx="1">
+              <a:schemeClr val="accent1"/>
+            </a:lnRef>
+            <a:fillRef idx="0">
+              <a:schemeClr val="accent1"/>
+            </a:fillRef>
+            <a:effectRef idx="0">
+              <a:schemeClr val="accent1"/>
+            </a:effectRef>
+            <a:fontRef idx="minor">
+              <a:schemeClr val="tx1"/>
+            </a:fontRef>
+          </p:style>
+        </p:cxnSp>
+        <p:cxnSp>
+          <p:nvCxnSpPr>
+            <p:cNvPr id="57" name="Straight Connector 56">
+              <a:extLst>
+                <a:ext uri="{FF2B5EF4-FFF2-40B4-BE49-F238E27FC236}">
+                  <a16:creationId xmlns:a16="http://schemas.microsoft.com/office/drawing/2014/main" id="{EB2224AE-40A4-483D-991E-9490A01B7617}"/>
+                </a:ext>
+                <a:ext uri="{C183D7F6-B498-43B3-948B-1728B52AA6E4}">
+                  <adec:decorative xmlns:adec="http://schemas.microsoft.com/office/drawing/2017/decorative" val="1"/>
+                </a:ext>
+              </a:extLst>
+            </p:cNvPr>
+            <p:cNvCxnSpPr/>
+            <p:nvPr>
+              <p:extLst>
+                <p:ext uri="{386F3935-93C4-4BCD-93E2-E3B085C9AB24}">
+                  <p16:designElem xmlns:p16="http://schemas.microsoft.com/office/powerpoint/2015/main" val="1"/>
+                </p:ext>
+              </p:extLst>
+            </p:nvPr>
+          </p:nvCxnSpPr>
+          <p:spPr>
+            <a:xfrm rot="3060000" flipH="1">
+              <a:off x="12062016" y="1736011"/>
+              <a:ext cx="3394" cy="182880"/>
+            </a:xfrm>
+            <a:prstGeom prst="line">
+              <a:avLst/>
+            </a:prstGeom>
+            <a:ln>
+              <a:solidFill>
+                <a:srgbClr val="FFFFFF">
+                  <a:alpha val="30196"/>
+                </a:srgbClr>
+              </a:solidFill>
+            </a:ln>
+          </p:spPr>
+          <p:style>
+            <a:lnRef idx="1">
+              <a:schemeClr val="accent1"/>
+            </a:lnRef>
+            <a:fillRef idx="0">
+              <a:schemeClr val="accent1"/>
+            </a:fillRef>
+            <a:effectRef idx="0">
+              <a:schemeClr val="accent1"/>
+            </a:effectRef>
+            <a:fontRef idx="minor">
+              <a:schemeClr val="tx1"/>
+            </a:fontRef>
+          </p:style>
+        </p:cxnSp>
+        <p:cxnSp>
+          <p:nvCxnSpPr>
+            <p:cNvPr id="58" name="Straight Connector 57">
+              <a:extLst>
+                <a:ext uri="{FF2B5EF4-FFF2-40B4-BE49-F238E27FC236}">
+                  <a16:creationId xmlns:a16="http://schemas.microsoft.com/office/drawing/2014/main" id="{DD3DE117-F3FA-4657-B4A7-40DE41238FAB}"/>
+                </a:ext>
+                <a:ext uri="{C183D7F6-B498-43B3-948B-1728B52AA6E4}">
+                  <adec:decorative xmlns:adec="http://schemas.microsoft.com/office/drawing/2017/decorative" val="1"/>
+                </a:ext>
+              </a:extLst>
+            </p:cNvPr>
+            <p:cNvCxnSpPr/>
+            <p:nvPr>
+              <p:extLst>
+                <p:ext uri="{386F3935-93C4-4BCD-93E2-E3B085C9AB24}">
+                  <p16:designElem xmlns:p16="http://schemas.microsoft.com/office/powerpoint/2015/main" val="1"/>
+                </p:ext>
+              </p:extLst>
+            </p:nvPr>
+          </p:nvCxnSpPr>
+          <p:spPr>
+            <a:xfrm flipH="1">
+              <a:off x="12074680" y="1910249"/>
+              <a:ext cx="117320" cy="82912"/>
+            </a:xfrm>
+            <a:prstGeom prst="line">
+              <a:avLst/>
+            </a:prstGeom>
+            <a:ln>
+              <a:solidFill>
+                <a:srgbClr val="FFFFFF">
+                  <a:alpha val="30196"/>
+                </a:srgbClr>
+              </a:solidFill>
+            </a:ln>
+          </p:spPr>
+          <p:style>
+            <a:lnRef idx="1">
+              <a:schemeClr val="accent1"/>
+            </a:lnRef>
+            <a:fillRef idx="0">
+              <a:schemeClr val="accent1"/>
+            </a:fillRef>
+            <a:effectRef idx="0">
+              <a:schemeClr val="accent1"/>
+            </a:effectRef>
+            <a:fontRef idx="minor">
+              <a:schemeClr val="tx1"/>
+            </a:fontRef>
+          </p:style>
+        </p:cxnSp>
+        <p:cxnSp>
+          <p:nvCxnSpPr>
+            <p:cNvPr id="59" name="Straight Connector 58">
+              <a:extLst>
+                <a:ext uri="{FF2B5EF4-FFF2-40B4-BE49-F238E27FC236}">
+                  <a16:creationId xmlns:a16="http://schemas.microsoft.com/office/drawing/2014/main" id="{D85EA1EB-1126-463C-AD87-4FB126C6FF4A}"/>
+                </a:ext>
+                <a:ext uri="{C183D7F6-B498-43B3-948B-1728B52AA6E4}">
+                  <adec:decorative xmlns:adec="http://schemas.microsoft.com/office/drawing/2017/decorative" val="1"/>
+                </a:ext>
+              </a:extLst>
+            </p:cNvPr>
+            <p:cNvCxnSpPr/>
+            <p:nvPr>
+              <p:extLst>
+                <p:ext uri="{386F3935-93C4-4BCD-93E2-E3B085C9AB24}">
+                  <p16:designElem xmlns:p16="http://schemas.microsoft.com/office/powerpoint/2015/main" val="1"/>
+                </p:ext>
+              </p:extLst>
+            </p:nvPr>
+          </p:nvCxnSpPr>
+          <p:spPr>
+            <a:xfrm flipH="1">
+              <a:off x="12149943" y="2083594"/>
+              <a:ext cx="39676" cy="21436"/>
+            </a:xfrm>
+            <a:prstGeom prst="line">
+              <a:avLst/>
+            </a:prstGeom>
+            <a:ln>
+              <a:solidFill>
+                <a:srgbClr val="FFFFFF">
+                  <a:alpha val="30196"/>
+                </a:srgbClr>
+              </a:solidFill>
+            </a:ln>
+          </p:spPr>
+          <p:style>
+            <a:lnRef idx="1">
+              <a:schemeClr val="accent1"/>
+            </a:lnRef>
+            <a:fillRef idx="0">
+              <a:schemeClr val="accent1"/>
+            </a:fillRef>
+            <a:effectRef idx="0">
+              <a:schemeClr val="accent1"/>
+            </a:effectRef>
+            <a:fontRef idx="minor">
+              <a:schemeClr val="tx1"/>
+            </a:fontRef>
+          </p:style>
+        </p:cxnSp>
+        <p:cxnSp>
+          <p:nvCxnSpPr>
+            <p:cNvPr id="60" name="Straight Connector 59">
+              <a:extLst>
+                <a:ext uri="{FF2B5EF4-FFF2-40B4-BE49-F238E27FC236}">
+                  <a16:creationId xmlns:a16="http://schemas.microsoft.com/office/drawing/2014/main" id="{90336723-7646-4B25-9EE9-519CC8334227}"/>
+                </a:ext>
+                <a:ext uri="{C183D7F6-B498-43B3-948B-1728B52AA6E4}">
+                  <adec:decorative xmlns:adec="http://schemas.microsoft.com/office/drawing/2017/decorative" val="1"/>
+                </a:ext>
+              </a:extLst>
+            </p:cNvPr>
+            <p:cNvCxnSpPr/>
+            <p:nvPr>
+              <p:extLst>
+                <p:ext uri="{386F3935-93C4-4BCD-93E2-E3B085C9AB24}">
+                  <p16:designElem xmlns:p16="http://schemas.microsoft.com/office/powerpoint/2015/main" val="1"/>
+                </p:ext>
+              </p:extLst>
+            </p:nvPr>
+          </p:nvCxnSpPr>
+          <p:spPr>
+            <a:xfrm rot="-180000" flipH="1">
+              <a:off x="9127990" y="334251"/>
+              <a:ext cx="3394" cy="182880"/>
+            </a:xfrm>
+            <a:prstGeom prst="line">
+              <a:avLst/>
+            </a:prstGeom>
+            <a:ln>
+              <a:solidFill>
+                <a:srgbClr val="FFFFFF">
+                  <a:alpha val="30196"/>
+                </a:srgbClr>
+              </a:solidFill>
+            </a:ln>
+          </p:spPr>
+          <p:style>
+            <a:lnRef idx="1">
+              <a:schemeClr val="accent1"/>
+            </a:lnRef>
+            <a:fillRef idx="0">
+              <a:schemeClr val="accent1"/>
+            </a:fillRef>
+            <a:effectRef idx="0">
+              <a:schemeClr val="accent1"/>
+            </a:effectRef>
+            <a:fontRef idx="minor">
+              <a:schemeClr val="tx1"/>
+            </a:fontRef>
+          </p:style>
+        </p:cxnSp>
+        <p:cxnSp>
+          <p:nvCxnSpPr>
+            <p:cNvPr id="61" name="Straight Connector 60">
+              <a:extLst>
+                <a:ext uri="{FF2B5EF4-FFF2-40B4-BE49-F238E27FC236}">
+                  <a16:creationId xmlns:a16="http://schemas.microsoft.com/office/drawing/2014/main" id="{652B6D8B-5579-4262-9376-B702382B0E29}"/>
+                </a:ext>
+                <a:ext uri="{C183D7F6-B498-43B3-948B-1728B52AA6E4}">
+                  <adec:decorative xmlns:adec="http://schemas.microsoft.com/office/drawing/2017/decorative" val="1"/>
+                </a:ext>
+              </a:extLst>
+            </p:cNvPr>
+            <p:cNvCxnSpPr/>
+            <p:nvPr>
+              <p:extLst>
+                <p:ext uri="{386F3935-93C4-4BCD-93E2-E3B085C9AB24}">
+                  <p16:designElem xmlns:p16="http://schemas.microsoft.com/office/powerpoint/2015/main" val="1"/>
+                </p:ext>
+              </p:extLst>
+            </p:nvPr>
+          </p:nvCxnSpPr>
+          <p:spPr>
+            <a:xfrm rot="-300000" flipH="1">
+              <a:off x="8987576" y="336633"/>
+              <a:ext cx="3394" cy="182880"/>
+            </a:xfrm>
+            <a:prstGeom prst="line">
+              <a:avLst/>
+            </a:prstGeom>
+            <a:ln>
+              <a:solidFill>
+                <a:srgbClr val="FFFFFF">
+                  <a:alpha val="30196"/>
+                </a:srgbClr>
+              </a:solidFill>
+            </a:ln>
+          </p:spPr>
+          <p:style>
+            <a:lnRef idx="1">
+              <a:schemeClr val="accent1"/>
+            </a:lnRef>
+            <a:fillRef idx="0">
+              <a:schemeClr val="accent1"/>
+            </a:fillRef>
+            <a:effectRef idx="0">
+              <a:schemeClr val="accent1"/>
+            </a:effectRef>
+            <a:fontRef idx="minor">
+              <a:schemeClr val="tx1"/>
+            </a:fontRef>
+          </p:style>
+        </p:cxnSp>
+        <p:cxnSp>
+          <p:nvCxnSpPr>
+            <p:cNvPr id="62" name="Straight Connector 61">
+              <a:extLst>
+                <a:ext uri="{FF2B5EF4-FFF2-40B4-BE49-F238E27FC236}">
+                  <a16:creationId xmlns:a16="http://schemas.microsoft.com/office/drawing/2014/main" id="{B07893BD-D1AE-48C1-91A9-D47879376282}"/>
+                </a:ext>
+                <a:ext uri="{C183D7F6-B498-43B3-948B-1728B52AA6E4}">
+                  <adec:decorative xmlns:adec="http://schemas.microsoft.com/office/drawing/2017/decorative" val="1"/>
+                </a:ext>
+              </a:extLst>
+            </p:cNvPr>
+            <p:cNvCxnSpPr/>
+            <p:nvPr>
+              <p:extLst>
+                <p:ext uri="{386F3935-93C4-4BCD-93E2-E3B085C9AB24}">
+                  <p16:designElem xmlns:p16="http://schemas.microsoft.com/office/powerpoint/2015/main" val="1"/>
+                </p:ext>
+              </p:extLst>
+            </p:nvPr>
+          </p:nvCxnSpPr>
+          <p:spPr>
+            <a:xfrm rot="-420000" flipH="1">
+              <a:off x="8844859" y="351176"/>
+              <a:ext cx="3394" cy="182880"/>
+            </a:xfrm>
+            <a:prstGeom prst="line">
+              <a:avLst/>
+            </a:prstGeom>
+            <a:ln>
+              <a:solidFill>
+                <a:srgbClr val="FFFFFF">
+                  <a:alpha val="30196"/>
+                </a:srgbClr>
+              </a:solidFill>
+            </a:ln>
+          </p:spPr>
+          <p:style>
+            <a:lnRef idx="1">
+              <a:schemeClr val="accent1"/>
+            </a:lnRef>
+            <a:fillRef idx="0">
+              <a:schemeClr val="accent1"/>
+            </a:fillRef>
+            <a:effectRef idx="0">
+              <a:schemeClr val="accent1"/>
+            </a:effectRef>
+            <a:fontRef idx="minor">
+              <a:schemeClr val="tx1"/>
+            </a:fontRef>
+          </p:style>
+        </p:cxnSp>
+        <p:cxnSp>
+          <p:nvCxnSpPr>
+            <p:cNvPr id="63" name="Straight Connector 62">
+              <a:extLst>
+                <a:ext uri="{FF2B5EF4-FFF2-40B4-BE49-F238E27FC236}">
+                  <a16:creationId xmlns:a16="http://schemas.microsoft.com/office/drawing/2014/main" id="{0C6FEEA5-8E66-4C31-92AD-01305FF48877}"/>
+                </a:ext>
+                <a:ext uri="{C183D7F6-B498-43B3-948B-1728B52AA6E4}">
+                  <adec:decorative xmlns:adec="http://schemas.microsoft.com/office/drawing/2017/decorative" val="1"/>
+                </a:ext>
+              </a:extLst>
+            </p:cNvPr>
+            <p:cNvCxnSpPr/>
+            <p:nvPr>
+              <p:extLst>
+                <p:ext uri="{386F3935-93C4-4BCD-93E2-E3B085C9AB24}">
+                  <p16:designElem xmlns:p16="http://schemas.microsoft.com/office/powerpoint/2015/main" val="1"/>
+                </p:ext>
+              </p:extLst>
+            </p:nvPr>
+          </p:nvCxnSpPr>
+          <p:spPr>
+            <a:xfrm rot="-540000" flipH="1">
+              <a:off x="8706904" y="365719"/>
+              <a:ext cx="3394" cy="182880"/>
+            </a:xfrm>
+            <a:prstGeom prst="line">
+              <a:avLst/>
+            </a:prstGeom>
+            <a:ln>
+              <a:solidFill>
+                <a:srgbClr val="FFFFFF">
+                  <a:alpha val="30196"/>
+                </a:srgbClr>
+              </a:solidFill>
+            </a:ln>
+          </p:spPr>
+          <p:style>
+            <a:lnRef idx="1">
+              <a:schemeClr val="accent1"/>
+            </a:lnRef>
+            <a:fillRef idx="0">
+              <a:schemeClr val="accent1"/>
+            </a:fillRef>
+            <a:effectRef idx="0">
+              <a:schemeClr val="accent1"/>
+            </a:effectRef>
+            <a:fontRef idx="minor">
+              <a:schemeClr val="tx1"/>
+            </a:fontRef>
+          </p:style>
+        </p:cxnSp>
+        <p:cxnSp>
+          <p:nvCxnSpPr>
+            <p:cNvPr id="64" name="Straight Connector 63">
+              <a:extLst>
+                <a:ext uri="{FF2B5EF4-FFF2-40B4-BE49-F238E27FC236}">
+                  <a16:creationId xmlns:a16="http://schemas.microsoft.com/office/drawing/2014/main" id="{D3E18335-591C-4354-9390-DD371BB3F92A}"/>
+                </a:ext>
+                <a:ext uri="{C183D7F6-B498-43B3-948B-1728B52AA6E4}">
+                  <adec:decorative xmlns:adec="http://schemas.microsoft.com/office/drawing/2017/decorative" val="1"/>
+                </a:ext>
+              </a:extLst>
+            </p:cNvPr>
+            <p:cNvCxnSpPr/>
+            <p:nvPr>
+              <p:extLst>
+                <p:ext uri="{386F3935-93C4-4BCD-93E2-E3B085C9AB24}">
+                  <p16:designElem xmlns:p16="http://schemas.microsoft.com/office/powerpoint/2015/main" val="1"/>
+                </p:ext>
+              </p:extLst>
+            </p:nvPr>
+          </p:nvCxnSpPr>
+          <p:spPr>
+            <a:xfrm rot="-720000" flipH="1">
+              <a:off x="8568008" y="387891"/>
+              <a:ext cx="3394" cy="182880"/>
+            </a:xfrm>
+            <a:prstGeom prst="line">
+              <a:avLst/>
+            </a:prstGeom>
+            <a:ln>
+              <a:solidFill>
+                <a:srgbClr val="FFFFFF">
+                  <a:alpha val="30196"/>
+                </a:srgbClr>
+              </a:solidFill>
+            </a:ln>
+          </p:spPr>
+          <p:style>
+            <a:lnRef idx="1">
+              <a:schemeClr val="accent1"/>
+            </a:lnRef>
+            <a:fillRef idx="0">
+              <a:schemeClr val="accent1"/>
+            </a:fillRef>
+            <a:effectRef idx="0">
+              <a:schemeClr val="accent1"/>
+            </a:effectRef>
+            <a:fontRef idx="minor">
+              <a:schemeClr val="tx1"/>
+            </a:fontRef>
+          </p:style>
+        </p:cxnSp>
+        <p:cxnSp>
+          <p:nvCxnSpPr>
+            <p:cNvPr id="65" name="Straight Connector 64">
+              <a:extLst>
+                <a:ext uri="{FF2B5EF4-FFF2-40B4-BE49-F238E27FC236}">
+                  <a16:creationId xmlns:a16="http://schemas.microsoft.com/office/drawing/2014/main" id="{151098D0-C2B4-4D61-92D5-C81DDBDA22DF}"/>
+                </a:ext>
+                <a:ext uri="{C183D7F6-B498-43B3-948B-1728B52AA6E4}">
+                  <adec:decorative xmlns:adec="http://schemas.microsoft.com/office/drawing/2017/decorative" val="1"/>
+                </a:ext>
+              </a:extLst>
+            </p:cNvPr>
+            <p:cNvCxnSpPr/>
+            <p:nvPr>
+              <p:extLst>
+                <p:ext uri="{386F3935-93C4-4BCD-93E2-E3B085C9AB24}">
+                  <p16:designElem xmlns:p16="http://schemas.microsoft.com/office/powerpoint/2015/main" val="1"/>
+                </p:ext>
+              </p:extLst>
+            </p:nvPr>
+          </p:nvCxnSpPr>
+          <p:spPr>
+            <a:xfrm rot="-840000" flipH="1">
+              <a:off x="8429112" y="410063"/>
+              <a:ext cx="3394" cy="182880"/>
+            </a:xfrm>
+            <a:prstGeom prst="line">
+              <a:avLst/>
+            </a:prstGeom>
+            <a:ln>
+              <a:solidFill>
+                <a:srgbClr val="FFFFFF">
+                  <a:alpha val="30196"/>
+                </a:srgbClr>
+              </a:solidFill>
+            </a:ln>
+          </p:spPr>
+          <p:style>
+            <a:lnRef idx="1">
+              <a:schemeClr val="accent1"/>
+            </a:lnRef>
+            <a:fillRef idx="0">
+              <a:schemeClr val="accent1"/>
+            </a:fillRef>
+            <a:effectRef idx="0">
+              <a:schemeClr val="accent1"/>
+            </a:effectRef>
+            <a:fontRef idx="minor">
+              <a:schemeClr val="tx1"/>
+            </a:fontRef>
+          </p:style>
+        </p:cxnSp>
+        <p:cxnSp>
+          <p:nvCxnSpPr>
+            <p:cNvPr id="66" name="Straight Connector 65">
+              <a:extLst>
+                <a:ext uri="{FF2B5EF4-FFF2-40B4-BE49-F238E27FC236}">
+                  <a16:creationId xmlns:a16="http://schemas.microsoft.com/office/drawing/2014/main" id="{3EACD9C3-3E01-47CF-BC68-BDAE22E30B48}"/>
+                </a:ext>
+                <a:ext uri="{C183D7F6-B498-43B3-948B-1728B52AA6E4}">
+                  <adec:decorative xmlns:adec="http://schemas.microsoft.com/office/drawing/2017/decorative" val="1"/>
+                </a:ext>
+              </a:extLst>
+            </p:cNvPr>
+            <p:cNvCxnSpPr/>
+            <p:nvPr>
+              <p:extLst>
+                <p:ext uri="{386F3935-93C4-4BCD-93E2-E3B085C9AB24}">
+                  <p16:designElem xmlns:p16="http://schemas.microsoft.com/office/powerpoint/2015/main" val="1"/>
+                </p:ext>
+              </p:extLst>
+            </p:nvPr>
+          </p:nvCxnSpPr>
+          <p:spPr>
+            <a:xfrm rot="-960000" flipH="1">
+              <a:off x="8294968" y="446219"/>
+              <a:ext cx="3394" cy="182880"/>
+            </a:xfrm>
+            <a:prstGeom prst="line">
+              <a:avLst/>
+            </a:prstGeom>
+            <a:ln>
+              <a:solidFill>
+                <a:srgbClr val="FFFFFF">
+                  <a:alpha val="30196"/>
+                </a:srgbClr>
+              </a:solidFill>
+            </a:ln>
+          </p:spPr>
+          <p:style>
+            <a:lnRef idx="1">
+              <a:schemeClr val="accent1"/>
+            </a:lnRef>
+            <a:fillRef idx="0">
+              <a:schemeClr val="accent1"/>
+            </a:fillRef>
+            <a:effectRef idx="0">
+              <a:schemeClr val="accent1"/>
+            </a:effectRef>
+            <a:fontRef idx="minor">
+              <a:schemeClr val="tx1"/>
+            </a:fontRef>
+          </p:style>
+        </p:cxnSp>
+        <p:cxnSp>
+          <p:nvCxnSpPr>
+            <p:cNvPr id="67" name="Straight Connector 66">
+              <a:extLst>
+                <a:ext uri="{FF2B5EF4-FFF2-40B4-BE49-F238E27FC236}">
+                  <a16:creationId xmlns:a16="http://schemas.microsoft.com/office/drawing/2014/main" id="{80A5C950-6480-44E0-9D50-F193147D556C}"/>
+                </a:ext>
+                <a:ext uri="{C183D7F6-B498-43B3-948B-1728B52AA6E4}">
+                  <adec:decorative xmlns:adec="http://schemas.microsoft.com/office/drawing/2017/decorative" val="1"/>
+                </a:ext>
+              </a:extLst>
+            </p:cNvPr>
+            <p:cNvCxnSpPr/>
+            <p:nvPr>
+              <p:extLst>
+                <p:ext uri="{386F3935-93C4-4BCD-93E2-E3B085C9AB24}">
+                  <p16:designElem xmlns:p16="http://schemas.microsoft.com/office/powerpoint/2015/main" val="1"/>
+                </p:ext>
+              </p:extLst>
+            </p:nvPr>
+          </p:nvCxnSpPr>
+          <p:spPr>
+            <a:xfrm rot="-1080000" flipH="1">
+              <a:off x="8160824" y="482375"/>
+              <a:ext cx="3394" cy="182880"/>
+            </a:xfrm>
+            <a:prstGeom prst="line">
+              <a:avLst/>
+            </a:prstGeom>
+            <a:ln>
+              <a:solidFill>
+                <a:srgbClr val="FFFFFF">
+                  <a:alpha val="30196"/>
+                </a:srgbClr>
+              </a:solidFill>
+            </a:ln>
+          </p:spPr>
+          <p:style>
+            <a:lnRef idx="1">
+              <a:schemeClr val="accent1"/>
+            </a:lnRef>
+            <a:fillRef idx="0">
+              <a:schemeClr val="accent1"/>
+            </a:fillRef>
+            <a:effectRef idx="0">
+              <a:schemeClr val="accent1"/>
+            </a:effectRef>
+            <a:fontRef idx="minor">
+              <a:schemeClr val="tx1"/>
+            </a:fontRef>
+          </p:style>
+        </p:cxnSp>
+        <p:cxnSp>
+          <p:nvCxnSpPr>
+            <p:cNvPr id="68" name="Straight Connector 67">
+              <a:extLst>
+                <a:ext uri="{FF2B5EF4-FFF2-40B4-BE49-F238E27FC236}">
+                  <a16:creationId xmlns:a16="http://schemas.microsoft.com/office/drawing/2014/main" id="{C68F1BDE-24EB-4308-AB69-F353C8598B47}"/>
+                </a:ext>
+                <a:ext uri="{C183D7F6-B498-43B3-948B-1728B52AA6E4}">
+                  <adec:decorative xmlns:adec="http://schemas.microsoft.com/office/drawing/2017/decorative" val="1"/>
+                </a:ext>
+              </a:extLst>
+            </p:cNvPr>
+            <p:cNvCxnSpPr/>
+            <p:nvPr>
+              <p:extLst>
+                <p:ext uri="{386F3935-93C4-4BCD-93E2-E3B085C9AB24}">
+                  <p16:designElem xmlns:p16="http://schemas.microsoft.com/office/powerpoint/2015/main" val="1"/>
+                </p:ext>
+              </p:extLst>
+            </p:nvPr>
+          </p:nvCxnSpPr>
+          <p:spPr>
+            <a:xfrm rot="-1260000" flipH="1">
+              <a:off x="8027689" y="531848"/>
+              <a:ext cx="3394" cy="182880"/>
+            </a:xfrm>
+            <a:prstGeom prst="line">
+              <a:avLst/>
+            </a:prstGeom>
+            <a:ln>
+              <a:solidFill>
+                <a:srgbClr val="FFFFFF">
+                  <a:alpha val="30196"/>
+                </a:srgbClr>
+              </a:solidFill>
+            </a:ln>
+          </p:spPr>
+          <p:style>
+            <a:lnRef idx="1">
+              <a:schemeClr val="accent1"/>
+            </a:lnRef>
+            <a:fillRef idx="0">
+              <a:schemeClr val="accent1"/>
+            </a:fillRef>
+            <a:effectRef idx="0">
+              <a:schemeClr val="accent1"/>
+            </a:effectRef>
+            <a:fontRef idx="minor">
+              <a:schemeClr val="tx1"/>
+            </a:fontRef>
+          </p:style>
+        </p:cxnSp>
+        <p:cxnSp>
+          <p:nvCxnSpPr>
+            <p:cNvPr id="69" name="Straight Connector 68">
+              <a:extLst>
+                <a:ext uri="{FF2B5EF4-FFF2-40B4-BE49-F238E27FC236}">
+                  <a16:creationId xmlns:a16="http://schemas.microsoft.com/office/drawing/2014/main" id="{D83E12EF-845B-41E6-BA82-F6CD46C0FEAE}"/>
+                </a:ext>
+                <a:ext uri="{C183D7F6-B498-43B3-948B-1728B52AA6E4}">
+                  <adec:decorative xmlns:adec="http://schemas.microsoft.com/office/drawing/2017/decorative" val="1"/>
+                </a:ext>
+              </a:extLst>
+            </p:cNvPr>
+            <p:cNvCxnSpPr/>
+            <p:nvPr>
+              <p:extLst>
+                <p:ext uri="{386F3935-93C4-4BCD-93E2-E3B085C9AB24}">
+                  <p16:designElem xmlns:p16="http://schemas.microsoft.com/office/powerpoint/2015/main" val="1"/>
+                </p:ext>
+              </p:extLst>
+            </p:nvPr>
+          </p:nvCxnSpPr>
+          <p:spPr>
+            <a:xfrm rot="-1380000" flipH="1">
+              <a:off x="7894554" y="581321"/>
+              <a:ext cx="3394" cy="182880"/>
+            </a:xfrm>
+            <a:prstGeom prst="line">
+              <a:avLst/>
+            </a:prstGeom>
+            <a:ln>
+              <a:solidFill>
+                <a:srgbClr val="FFFFFF">
+                  <a:alpha val="30196"/>
+                </a:srgbClr>
+              </a:solidFill>
+            </a:ln>
+          </p:spPr>
+          <p:style>
+            <a:lnRef idx="1">
+              <a:schemeClr val="accent1"/>
+            </a:lnRef>
+            <a:fillRef idx="0">
+              <a:schemeClr val="accent1"/>
+            </a:fillRef>
+            <a:effectRef idx="0">
+              <a:schemeClr val="accent1"/>
+            </a:effectRef>
+            <a:fontRef idx="minor">
+              <a:schemeClr val="tx1"/>
+            </a:fontRef>
+          </p:style>
+        </p:cxnSp>
+        <p:cxnSp>
+          <p:nvCxnSpPr>
+            <p:cNvPr id="70" name="Straight Connector 69">
+              <a:extLst>
+                <a:ext uri="{FF2B5EF4-FFF2-40B4-BE49-F238E27FC236}">
+                  <a16:creationId xmlns:a16="http://schemas.microsoft.com/office/drawing/2014/main" id="{E646EE72-4D70-46B4-B655-74722AAC2ADB}"/>
+                </a:ext>
+                <a:ext uri="{C183D7F6-B498-43B3-948B-1728B52AA6E4}">
+                  <adec:decorative xmlns:adec="http://schemas.microsoft.com/office/drawing/2017/decorative" val="1"/>
+                </a:ext>
+              </a:extLst>
+            </p:cNvPr>
+            <p:cNvCxnSpPr/>
+            <p:nvPr>
+              <p:extLst>
+                <p:ext uri="{386F3935-93C4-4BCD-93E2-E3B085C9AB24}">
+                  <p16:designElem xmlns:p16="http://schemas.microsoft.com/office/powerpoint/2015/main" val="1"/>
+                </p:ext>
+              </p:extLst>
+            </p:nvPr>
+          </p:nvCxnSpPr>
+          <p:spPr>
+            <a:xfrm rot="-1500000" flipH="1">
+              <a:off x="7761419" y="630794"/>
+              <a:ext cx="3394" cy="182880"/>
+            </a:xfrm>
+            <a:prstGeom prst="line">
+              <a:avLst/>
+            </a:prstGeom>
+            <a:ln>
+              <a:solidFill>
+                <a:srgbClr val="FFFFFF">
+                  <a:alpha val="30196"/>
+                </a:srgbClr>
+              </a:solidFill>
+            </a:ln>
+          </p:spPr>
+          <p:style>
+            <a:lnRef idx="1">
+              <a:schemeClr val="accent1"/>
+            </a:lnRef>
+            <a:fillRef idx="0">
+              <a:schemeClr val="accent1"/>
+            </a:fillRef>
+            <a:effectRef idx="0">
+              <a:schemeClr val="accent1"/>
+            </a:effectRef>
+            <a:fontRef idx="minor">
+              <a:schemeClr val="tx1"/>
+            </a:fontRef>
+          </p:style>
+        </p:cxnSp>
+        <p:cxnSp>
+          <p:nvCxnSpPr>
+            <p:cNvPr id="71" name="Straight Connector 70">
+              <a:extLst>
+                <a:ext uri="{FF2B5EF4-FFF2-40B4-BE49-F238E27FC236}">
+                  <a16:creationId xmlns:a16="http://schemas.microsoft.com/office/drawing/2014/main" id="{72BB073B-89FD-4B47-814B-A8EE7A1EE18D}"/>
+                </a:ext>
+                <a:ext uri="{C183D7F6-B498-43B3-948B-1728B52AA6E4}">
+                  <adec:decorative xmlns:adec="http://schemas.microsoft.com/office/drawing/2017/decorative" val="1"/>
+                </a:ext>
+              </a:extLst>
+            </p:cNvPr>
+            <p:cNvCxnSpPr/>
+            <p:nvPr>
+              <p:extLst>
+                <p:ext uri="{386F3935-93C4-4BCD-93E2-E3B085C9AB24}">
+                  <p16:designElem xmlns:p16="http://schemas.microsoft.com/office/powerpoint/2015/main" val="1"/>
+                </p:ext>
+              </p:extLst>
+            </p:nvPr>
+          </p:nvCxnSpPr>
+          <p:spPr>
+            <a:xfrm rot="-1620000" flipH="1">
+              <a:off x="7636645" y="689804"/>
+              <a:ext cx="3394" cy="182880"/>
+            </a:xfrm>
+            <a:prstGeom prst="line">
+              <a:avLst/>
+            </a:prstGeom>
+            <a:ln>
+              <a:solidFill>
+                <a:srgbClr val="FFFFFF">
+                  <a:alpha val="30196"/>
+                </a:srgbClr>
+              </a:solidFill>
+            </a:ln>
+          </p:spPr>
+          <p:style>
+            <a:lnRef idx="1">
+              <a:schemeClr val="accent1"/>
+            </a:lnRef>
+            <a:fillRef idx="0">
+              <a:schemeClr val="accent1"/>
+            </a:fillRef>
+            <a:effectRef idx="0">
+              <a:schemeClr val="accent1"/>
+            </a:effectRef>
+            <a:fontRef idx="minor">
+              <a:schemeClr val="tx1"/>
+            </a:fontRef>
+          </p:style>
+        </p:cxnSp>
+        <p:cxnSp>
+          <p:nvCxnSpPr>
+            <p:cNvPr id="72" name="Straight Connector 71">
+              <a:extLst>
+                <a:ext uri="{FF2B5EF4-FFF2-40B4-BE49-F238E27FC236}">
+                  <a16:creationId xmlns:a16="http://schemas.microsoft.com/office/drawing/2014/main" id="{EEE25488-63A9-43E5-A03F-2E628C3B2115}"/>
+                </a:ext>
+                <a:ext uri="{C183D7F6-B498-43B3-948B-1728B52AA6E4}">
+                  <adec:decorative xmlns:adec="http://schemas.microsoft.com/office/drawing/2017/decorative" val="1"/>
+                </a:ext>
+              </a:extLst>
+            </p:cNvPr>
+            <p:cNvCxnSpPr/>
+            <p:nvPr>
+              <p:extLst>
+                <p:ext uri="{386F3935-93C4-4BCD-93E2-E3B085C9AB24}">
+                  <p16:designElem xmlns:p16="http://schemas.microsoft.com/office/powerpoint/2015/main" val="1"/>
+                </p:ext>
+              </p:extLst>
+            </p:nvPr>
+          </p:nvCxnSpPr>
+          <p:spPr>
+            <a:xfrm rot="-1800000" flipH="1">
+              <a:off x="7511871" y="751195"/>
+              <a:ext cx="3394" cy="182880"/>
+            </a:xfrm>
+            <a:prstGeom prst="line">
+              <a:avLst/>
+            </a:prstGeom>
+            <a:ln>
+              <a:solidFill>
+                <a:srgbClr val="FFFFFF">
+                  <a:alpha val="30196"/>
+                </a:srgbClr>
+              </a:solidFill>
+            </a:ln>
+          </p:spPr>
+          <p:style>
+            <a:lnRef idx="1">
+              <a:schemeClr val="accent1"/>
+            </a:lnRef>
+            <a:fillRef idx="0">
+              <a:schemeClr val="accent1"/>
+            </a:fillRef>
+            <a:effectRef idx="0">
+              <a:schemeClr val="accent1"/>
+            </a:effectRef>
+            <a:fontRef idx="minor">
+              <a:schemeClr val="tx1"/>
+            </a:fontRef>
+          </p:style>
+        </p:cxnSp>
+        <p:cxnSp>
+          <p:nvCxnSpPr>
+            <p:cNvPr id="73" name="Straight Connector 72">
+              <a:extLst>
+                <a:ext uri="{FF2B5EF4-FFF2-40B4-BE49-F238E27FC236}">
+                  <a16:creationId xmlns:a16="http://schemas.microsoft.com/office/drawing/2014/main" id="{2BE7FDEE-BD70-4D8F-B5CE-4D03F1D00E67}"/>
+                </a:ext>
+                <a:ext uri="{C183D7F6-B498-43B3-948B-1728B52AA6E4}">
+                  <adec:decorative xmlns:adec="http://schemas.microsoft.com/office/drawing/2017/decorative" val="1"/>
+                </a:ext>
+              </a:extLst>
+            </p:cNvPr>
+            <p:cNvCxnSpPr/>
+            <p:nvPr>
+              <p:extLst>
+                <p:ext uri="{386F3935-93C4-4BCD-93E2-E3B085C9AB24}">
+                  <p16:designElem xmlns:p16="http://schemas.microsoft.com/office/powerpoint/2015/main" val="1"/>
+                </p:ext>
+              </p:extLst>
+            </p:nvPr>
+          </p:nvCxnSpPr>
+          <p:spPr>
+            <a:xfrm rot="-1920000" flipH="1">
+              <a:off x="7387899" y="819771"/>
+              <a:ext cx="3394" cy="182880"/>
+            </a:xfrm>
+            <a:prstGeom prst="line">
+              <a:avLst/>
+            </a:prstGeom>
+            <a:ln>
+              <a:solidFill>
+                <a:srgbClr val="FFFFFF">
+                  <a:alpha val="30196"/>
+                </a:srgbClr>
+              </a:solidFill>
+            </a:ln>
+          </p:spPr>
+          <p:style>
+            <a:lnRef idx="1">
+              <a:schemeClr val="accent1"/>
+            </a:lnRef>
+            <a:fillRef idx="0">
+              <a:schemeClr val="accent1"/>
+            </a:fillRef>
+            <a:effectRef idx="0">
+              <a:schemeClr val="accent1"/>
+            </a:effectRef>
+            <a:fontRef idx="minor">
+              <a:schemeClr val="tx1"/>
+            </a:fontRef>
+          </p:style>
+        </p:cxnSp>
+        <p:cxnSp>
+          <p:nvCxnSpPr>
+            <p:cNvPr id="74" name="Straight Connector 73">
+              <a:extLst>
+                <a:ext uri="{FF2B5EF4-FFF2-40B4-BE49-F238E27FC236}">
+                  <a16:creationId xmlns:a16="http://schemas.microsoft.com/office/drawing/2014/main" id="{3039673A-8522-4BFC-B8B2-7F2FEAED418D}"/>
+                </a:ext>
+                <a:ext uri="{C183D7F6-B498-43B3-948B-1728B52AA6E4}">
+                  <adec:decorative xmlns:adec="http://schemas.microsoft.com/office/drawing/2017/decorative" val="1"/>
+                </a:ext>
+              </a:extLst>
+            </p:cNvPr>
+            <p:cNvCxnSpPr/>
+            <p:nvPr>
+              <p:extLst>
+                <p:ext uri="{386F3935-93C4-4BCD-93E2-E3B085C9AB24}">
+                  <p16:designElem xmlns:p16="http://schemas.microsoft.com/office/powerpoint/2015/main" val="1"/>
+                </p:ext>
+              </p:extLst>
+            </p:nvPr>
+          </p:nvCxnSpPr>
+          <p:spPr>
+            <a:xfrm rot="-2040000" flipH="1">
+              <a:off x="7268530" y="893163"/>
+              <a:ext cx="3394" cy="182880"/>
+            </a:xfrm>
+            <a:prstGeom prst="line">
+              <a:avLst/>
+            </a:prstGeom>
+            <a:ln>
+              <a:solidFill>
+                <a:srgbClr val="FFFFFF">
+                  <a:alpha val="30196"/>
+                </a:srgbClr>
+              </a:solidFill>
+            </a:ln>
+          </p:spPr>
+          <p:style>
+            <a:lnRef idx="1">
+              <a:schemeClr val="accent1"/>
+            </a:lnRef>
+            <a:fillRef idx="0">
+              <a:schemeClr val="accent1"/>
+            </a:fillRef>
+            <a:effectRef idx="0">
+              <a:schemeClr val="accent1"/>
+            </a:effectRef>
+            <a:fontRef idx="minor">
+              <a:schemeClr val="tx1"/>
+            </a:fontRef>
+          </p:style>
+        </p:cxnSp>
+        <p:cxnSp>
+          <p:nvCxnSpPr>
+            <p:cNvPr id="75" name="Straight Connector 74">
+              <a:extLst>
+                <a:ext uri="{FF2B5EF4-FFF2-40B4-BE49-F238E27FC236}">
+                  <a16:creationId xmlns:a16="http://schemas.microsoft.com/office/drawing/2014/main" id="{47AB08C4-AF01-4D1D-90EA-A4113CFF994C}"/>
+                </a:ext>
+                <a:ext uri="{C183D7F6-B498-43B3-948B-1728B52AA6E4}">
+                  <adec:decorative xmlns:adec="http://schemas.microsoft.com/office/drawing/2017/decorative" val="1"/>
+                </a:ext>
+              </a:extLst>
+            </p:cNvPr>
+            <p:cNvCxnSpPr/>
+            <p:nvPr>
+              <p:extLst>
+                <p:ext uri="{386F3935-93C4-4BCD-93E2-E3B085C9AB24}">
+                  <p16:designElem xmlns:p16="http://schemas.microsoft.com/office/powerpoint/2015/main" val="1"/>
+                </p:ext>
+              </p:extLst>
+            </p:nvPr>
+          </p:nvCxnSpPr>
+          <p:spPr>
+            <a:xfrm rot="-2160000" flipH="1">
+              <a:off x="7152030" y="976584"/>
+              <a:ext cx="3394" cy="182880"/>
+            </a:xfrm>
+            <a:prstGeom prst="line">
+              <a:avLst/>
+            </a:prstGeom>
+            <a:ln>
+              <a:solidFill>
+                <a:srgbClr val="FFFFFF">
+                  <a:alpha val="30196"/>
+                </a:srgbClr>
+              </a:solidFill>
+            </a:ln>
+          </p:spPr>
+          <p:style>
+            <a:lnRef idx="1">
+              <a:schemeClr val="accent1"/>
+            </a:lnRef>
+            <a:fillRef idx="0">
+              <a:schemeClr val="accent1"/>
+            </a:fillRef>
+            <a:effectRef idx="0">
+              <a:schemeClr val="accent1"/>
+            </a:effectRef>
+            <a:fontRef idx="minor">
+              <a:schemeClr val="tx1"/>
+            </a:fontRef>
+          </p:style>
+        </p:cxnSp>
+        <p:cxnSp>
+          <p:nvCxnSpPr>
+            <p:cNvPr id="76" name="Straight Connector 75">
+              <a:extLst>
+                <a:ext uri="{FF2B5EF4-FFF2-40B4-BE49-F238E27FC236}">
+                  <a16:creationId xmlns:a16="http://schemas.microsoft.com/office/drawing/2014/main" id="{FC8E7B06-FF45-4365-9DF4-E8E315A5B34F}"/>
+                </a:ext>
+                <a:ext uri="{C183D7F6-B498-43B3-948B-1728B52AA6E4}">
+                  <adec:decorative xmlns:adec="http://schemas.microsoft.com/office/drawing/2017/decorative" val="1"/>
+                </a:ext>
+              </a:extLst>
+            </p:cNvPr>
+            <p:cNvCxnSpPr/>
+            <p:nvPr>
+              <p:extLst>
+                <p:ext uri="{386F3935-93C4-4BCD-93E2-E3B085C9AB24}">
+                  <p16:designElem xmlns:p16="http://schemas.microsoft.com/office/powerpoint/2015/main" val="1"/>
+                </p:ext>
+              </p:extLst>
+            </p:nvPr>
+          </p:nvCxnSpPr>
+          <p:spPr>
+            <a:xfrm rot="-2340000" flipH="1">
+              <a:off x="7041695" y="1060025"/>
+              <a:ext cx="3394" cy="182880"/>
+            </a:xfrm>
+            <a:prstGeom prst="line">
+              <a:avLst/>
+            </a:prstGeom>
+            <a:ln>
+              <a:solidFill>
+                <a:srgbClr val="FFFFFF">
+                  <a:alpha val="30196"/>
+                </a:srgbClr>
+              </a:solidFill>
+            </a:ln>
+          </p:spPr>
+          <p:style>
+            <a:lnRef idx="1">
+              <a:schemeClr val="accent1"/>
+            </a:lnRef>
+            <a:fillRef idx="0">
+              <a:schemeClr val="accent1"/>
+            </a:fillRef>
+            <a:effectRef idx="0">
+              <a:schemeClr val="accent1"/>
+            </a:effectRef>
+            <a:fontRef idx="minor">
+              <a:schemeClr val="tx1"/>
+            </a:fontRef>
+          </p:style>
+        </p:cxnSp>
+        <p:cxnSp>
+          <p:nvCxnSpPr>
+            <p:cNvPr id="77" name="Straight Connector 76">
+              <a:extLst>
+                <a:ext uri="{FF2B5EF4-FFF2-40B4-BE49-F238E27FC236}">
+                  <a16:creationId xmlns:a16="http://schemas.microsoft.com/office/drawing/2014/main" id="{08F00765-F5EC-427C-A7A1-CDFA0406F2AE}"/>
+                </a:ext>
+                <a:ext uri="{C183D7F6-B498-43B3-948B-1728B52AA6E4}">
+                  <adec:decorative xmlns:adec="http://schemas.microsoft.com/office/drawing/2017/decorative" val="1"/>
+                </a:ext>
+              </a:extLst>
+            </p:cNvPr>
+            <p:cNvCxnSpPr/>
+            <p:nvPr>
+              <p:extLst>
+                <p:ext uri="{386F3935-93C4-4BCD-93E2-E3B085C9AB24}">
+                  <p16:designElem xmlns:p16="http://schemas.microsoft.com/office/powerpoint/2015/main" val="1"/>
+                </p:ext>
+              </p:extLst>
+            </p:nvPr>
+          </p:nvCxnSpPr>
+          <p:spPr>
+            <a:xfrm rot="-2460000" flipH="1">
+              <a:off x="6931360" y="1143466"/>
+              <a:ext cx="3394" cy="182880"/>
+            </a:xfrm>
+            <a:prstGeom prst="line">
+              <a:avLst/>
+            </a:prstGeom>
+            <a:ln>
+              <a:solidFill>
+                <a:srgbClr val="FFFFFF">
+                  <a:alpha val="30196"/>
+                </a:srgbClr>
+              </a:solidFill>
+            </a:ln>
+          </p:spPr>
+          <p:style>
+            <a:lnRef idx="1">
+              <a:schemeClr val="accent1"/>
+            </a:lnRef>
+            <a:fillRef idx="0">
+              <a:schemeClr val="accent1"/>
+            </a:fillRef>
+            <a:effectRef idx="0">
+              <a:schemeClr val="accent1"/>
+            </a:effectRef>
+            <a:fontRef idx="minor">
+              <a:schemeClr val="tx1"/>
+            </a:fontRef>
+          </p:style>
+        </p:cxnSp>
+        <p:cxnSp>
+          <p:nvCxnSpPr>
+            <p:cNvPr id="78" name="Straight Connector 77">
+              <a:extLst>
+                <a:ext uri="{FF2B5EF4-FFF2-40B4-BE49-F238E27FC236}">
+                  <a16:creationId xmlns:a16="http://schemas.microsoft.com/office/drawing/2014/main" id="{2FE1EF8A-C81D-4879-9142-3697CA0BCBD9}"/>
+                </a:ext>
+                <a:ext uri="{C183D7F6-B498-43B3-948B-1728B52AA6E4}">
+                  <adec:decorative xmlns:adec="http://schemas.microsoft.com/office/drawing/2017/decorative" val="1"/>
+                </a:ext>
+              </a:extLst>
+            </p:cNvPr>
+            <p:cNvCxnSpPr/>
+            <p:nvPr>
+              <p:extLst>
+                <p:ext uri="{386F3935-93C4-4BCD-93E2-E3B085C9AB24}">
+                  <p16:designElem xmlns:p16="http://schemas.microsoft.com/office/powerpoint/2015/main" val="1"/>
+                </p:ext>
+              </p:extLst>
+            </p:nvPr>
+          </p:nvCxnSpPr>
+          <p:spPr>
+            <a:xfrm rot="-2580000" flipH="1">
+              <a:off x="6819070" y="1235864"/>
+              <a:ext cx="3394" cy="182880"/>
+            </a:xfrm>
+            <a:prstGeom prst="line">
+              <a:avLst/>
+            </a:prstGeom>
+            <a:ln>
+              <a:solidFill>
+                <a:srgbClr val="FFFFFF">
+                  <a:alpha val="30196"/>
+                </a:srgbClr>
+              </a:solidFill>
+            </a:ln>
+          </p:spPr>
+          <p:style>
+            <a:lnRef idx="1">
+              <a:schemeClr val="accent1"/>
+            </a:lnRef>
+            <a:fillRef idx="0">
+              <a:schemeClr val="accent1"/>
+            </a:fillRef>
+            <a:effectRef idx="0">
+              <a:schemeClr val="accent1"/>
+            </a:effectRef>
+            <a:fontRef idx="minor">
+              <a:schemeClr val="tx1"/>
+            </a:fontRef>
+          </p:style>
+        </p:cxnSp>
+        <p:cxnSp>
+          <p:nvCxnSpPr>
+            <p:cNvPr id="79" name="Straight Connector 78">
+              <a:extLst>
+                <a:ext uri="{FF2B5EF4-FFF2-40B4-BE49-F238E27FC236}">
+                  <a16:creationId xmlns:a16="http://schemas.microsoft.com/office/drawing/2014/main" id="{D80C0B62-6F07-4DD2-B308-F3C29F294438}"/>
+                </a:ext>
+                <a:ext uri="{C183D7F6-B498-43B3-948B-1728B52AA6E4}">
+                  <adec:decorative xmlns:adec="http://schemas.microsoft.com/office/drawing/2017/decorative" val="1"/>
+                </a:ext>
+              </a:extLst>
+            </p:cNvPr>
+            <p:cNvCxnSpPr/>
+            <p:nvPr>
+              <p:extLst>
+                <p:ext uri="{386F3935-93C4-4BCD-93E2-E3B085C9AB24}">
+                  <p16:designElem xmlns:p16="http://schemas.microsoft.com/office/powerpoint/2015/main" val="1"/>
+                </p:ext>
+              </p:extLst>
+            </p:nvPr>
+          </p:nvCxnSpPr>
+          <p:spPr>
+            <a:xfrm rot="-2700000" flipH="1">
+              <a:off x="6721359" y="1332746"/>
+              <a:ext cx="3394" cy="182880"/>
+            </a:xfrm>
+            <a:prstGeom prst="line">
+              <a:avLst/>
+            </a:prstGeom>
+            <a:ln>
+              <a:solidFill>
+                <a:srgbClr val="FFFFFF">
+                  <a:alpha val="30196"/>
+                </a:srgbClr>
+              </a:solidFill>
+            </a:ln>
+          </p:spPr>
+          <p:style>
+            <a:lnRef idx="1">
+              <a:schemeClr val="accent1"/>
+            </a:lnRef>
+            <a:fillRef idx="0">
+              <a:schemeClr val="accent1"/>
+            </a:fillRef>
+            <a:effectRef idx="0">
+              <a:schemeClr val="accent1"/>
+            </a:effectRef>
+            <a:fontRef idx="minor">
+              <a:schemeClr val="tx1"/>
+            </a:fontRef>
+          </p:style>
+        </p:cxnSp>
+        <p:cxnSp>
+          <p:nvCxnSpPr>
+            <p:cNvPr id="80" name="Straight Connector 79">
+              <a:extLst>
+                <a:ext uri="{FF2B5EF4-FFF2-40B4-BE49-F238E27FC236}">
+                  <a16:creationId xmlns:a16="http://schemas.microsoft.com/office/drawing/2014/main" id="{E9C7C8CB-2D13-4138-B3C1-B78EC19B59D6}"/>
+                </a:ext>
+                <a:ext uri="{C183D7F6-B498-43B3-948B-1728B52AA6E4}">
+                  <adec:decorative xmlns:adec="http://schemas.microsoft.com/office/drawing/2017/decorative" val="1"/>
+                </a:ext>
+              </a:extLst>
+            </p:cNvPr>
+            <p:cNvCxnSpPr/>
+            <p:nvPr>
+              <p:extLst>
+                <p:ext uri="{386F3935-93C4-4BCD-93E2-E3B085C9AB24}">
+                  <p16:designElem xmlns:p16="http://schemas.microsoft.com/office/powerpoint/2015/main" val="1"/>
+                </p:ext>
+              </p:extLst>
+            </p:nvPr>
+          </p:nvCxnSpPr>
+          <p:spPr>
+            <a:xfrm rot="-2880000" flipH="1">
+              <a:off x="6617467" y="1429423"/>
+              <a:ext cx="3394" cy="182880"/>
+            </a:xfrm>
+            <a:prstGeom prst="line">
+              <a:avLst/>
+            </a:prstGeom>
+            <a:ln>
+              <a:solidFill>
+                <a:srgbClr val="FFFFFF">
+                  <a:alpha val="30196"/>
+                </a:srgbClr>
+              </a:solidFill>
+            </a:ln>
+          </p:spPr>
+          <p:style>
+            <a:lnRef idx="1">
+              <a:schemeClr val="accent1"/>
+            </a:lnRef>
+            <a:fillRef idx="0">
+              <a:schemeClr val="accent1"/>
+            </a:fillRef>
+            <a:effectRef idx="0">
+              <a:schemeClr val="accent1"/>
+            </a:effectRef>
+            <a:fontRef idx="minor">
+              <a:schemeClr val="tx1"/>
+            </a:fontRef>
+          </p:style>
+        </p:cxnSp>
+        <p:cxnSp>
+          <p:nvCxnSpPr>
+            <p:cNvPr id="81" name="Straight Connector 80">
+              <a:extLst>
+                <a:ext uri="{FF2B5EF4-FFF2-40B4-BE49-F238E27FC236}">
+                  <a16:creationId xmlns:a16="http://schemas.microsoft.com/office/drawing/2014/main" id="{8EB1BC7E-04BC-423C-843D-7C149C25A1A8}"/>
+                </a:ext>
+                <a:ext uri="{C183D7F6-B498-43B3-948B-1728B52AA6E4}">
+                  <adec:decorative xmlns:adec="http://schemas.microsoft.com/office/drawing/2017/decorative" val="1"/>
+                </a:ext>
+              </a:extLst>
+            </p:cNvPr>
+            <p:cNvCxnSpPr/>
+            <p:nvPr>
+              <p:extLst>
+                <p:ext uri="{386F3935-93C4-4BCD-93E2-E3B085C9AB24}">
+                  <p16:designElem xmlns:p16="http://schemas.microsoft.com/office/powerpoint/2015/main" val="1"/>
+                </p:ext>
+              </p:extLst>
+            </p:nvPr>
+          </p:nvCxnSpPr>
+          <p:spPr>
+            <a:xfrm rot="-3000000" flipH="1">
+              <a:off x="6520032" y="1527285"/>
+              <a:ext cx="3394" cy="182880"/>
+            </a:xfrm>
+            <a:prstGeom prst="line">
+              <a:avLst/>
+            </a:prstGeom>
+            <a:ln>
+              <a:solidFill>
+                <a:srgbClr val="FFFFFF">
+                  <a:alpha val="30196"/>
+                </a:srgbClr>
+              </a:solidFill>
+            </a:ln>
+          </p:spPr>
+          <p:style>
+            <a:lnRef idx="1">
+              <a:schemeClr val="accent1"/>
+            </a:lnRef>
+            <a:fillRef idx="0">
+              <a:schemeClr val="accent1"/>
+            </a:fillRef>
+            <a:effectRef idx="0">
+              <a:schemeClr val="accent1"/>
+            </a:effectRef>
+            <a:fontRef idx="minor">
+              <a:schemeClr val="tx1"/>
+            </a:fontRef>
+          </p:style>
+        </p:cxnSp>
+        <p:cxnSp>
+          <p:nvCxnSpPr>
+            <p:cNvPr id="82" name="Straight Connector 81">
+              <a:extLst>
+                <a:ext uri="{FF2B5EF4-FFF2-40B4-BE49-F238E27FC236}">
+                  <a16:creationId xmlns:a16="http://schemas.microsoft.com/office/drawing/2014/main" id="{A8BA62C3-B17C-4AD0-B585-1C42ED74560C}"/>
+                </a:ext>
+                <a:ext uri="{C183D7F6-B498-43B3-948B-1728B52AA6E4}">
+                  <adec:decorative xmlns:adec="http://schemas.microsoft.com/office/drawing/2017/decorative" val="1"/>
+                </a:ext>
+              </a:extLst>
+            </p:cNvPr>
+            <p:cNvCxnSpPr/>
+            <p:nvPr>
+              <p:extLst>
+                <p:ext uri="{386F3935-93C4-4BCD-93E2-E3B085C9AB24}">
+                  <p16:designElem xmlns:p16="http://schemas.microsoft.com/office/powerpoint/2015/main" val="1"/>
+                </p:ext>
+              </p:extLst>
+            </p:nvPr>
+          </p:nvCxnSpPr>
+          <p:spPr>
+            <a:xfrm rot="-3120000" flipH="1">
+              <a:off x="6429579" y="1641610"/>
+              <a:ext cx="3394" cy="182880"/>
+            </a:xfrm>
+            <a:prstGeom prst="line">
+              <a:avLst/>
+            </a:prstGeom>
+            <a:ln>
+              <a:solidFill>
+                <a:srgbClr val="FFFFFF">
+                  <a:alpha val="30196"/>
+                </a:srgbClr>
+              </a:solidFill>
+            </a:ln>
+          </p:spPr>
+          <p:style>
+            <a:lnRef idx="1">
+              <a:schemeClr val="accent1"/>
+            </a:lnRef>
+            <a:fillRef idx="0">
+              <a:schemeClr val="accent1"/>
+            </a:fillRef>
+            <a:effectRef idx="0">
+              <a:schemeClr val="accent1"/>
+            </a:effectRef>
+            <a:fontRef idx="minor">
+              <a:schemeClr val="tx1"/>
+            </a:fontRef>
+          </p:style>
+        </p:cxnSp>
+        <p:cxnSp>
+          <p:nvCxnSpPr>
+            <p:cNvPr id="83" name="Straight Connector 82">
+              <a:extLst>
+                <a:ext uri="{FF2B5EF4-FFF2-40B4-BE49-F238E27FC236}">
+                  <a16:creationId xmlns:a16="http://schemas.microsoft.com/office/drawing/2014/main" id="{1B6F8BD1-22F9-4EE2-93C7-F859F3B9908D}"/>
+                </a:ext>
+                <a:ext uri="{C183D7F6-B498-43B3-948B-1728B52AA6E4}">
+                  <adec:decorative xmlns:adec="http://schemas.microsoft.com/office/drawing/2017/decorative" val="1"/>
+                </a:ext>
+              </a:extLst>
+            </p:cNvPr>
+            <p:cNvCxnSpPr/>
+            <p:nvPr>
+              <p:extLst>
+                <p:ext uri="{386F3935-93C4-4BCD-93E2-E3B085C9AB24}">
+                  <p16:designElem xmlns:p16="http://schemas.microsoft.com/office/powerpoint/2015/main" val="1"/>
+                </p:ext>
+              </p:extLst>
+            </p:nvPr>
+          </p:nvCxnSpPr>
+          <p:spPr>
+            <a:xfrm rot="-3240000" flipH="1">
+              <a:off x="6340532" y="1750423"/>
+              <a:ext cx="3394" cy="182880"/>
+            </a:xfrm>
+            <a:prstGeom prst="line">
+              <a:avLst/>
+            </a:prstGeom>
+            <a:ln>
+              <a:solidFill>
+                <a:srgbClr val="FFFFFF">
+                  <a:alpha val="30196"/>
+                </a:srgbClr>
+              </a:solidFill>
+            </a:ln>
+          </p:spPr>
+          <p:style>
+            <a:lnRef idx="1">
+              <a:schemeClr val="accent1"/>
+            </a:lnRef>
+            <a:fillRef idx="0">
+              <a:schemeClr val="accent1"/>
+            </a:fillRef>
+            <a:effectRef idx="0">
+              <a:schemeClr val="accent1"/>
+            </a:effectRef>
+            <a:fontRef idx="minor">
+              <a:schemeClr val="tx1"/>
+            </a:fontRef>
+          </p:style>
+        </p:cxnSp>
+        <p:cxnSp>
+          <p:nvCxnSpPr>
+            <p:cNvPr id="84" name="Straight Connector 83">
+              <a:extLst>
+                <a:ext uri="{FF2B5EF4-FFF2-40B4-BE49-F238E27FC236}">
+                  <a16:creationId xmlns:a16="http://schemas.microsoft.com/office/drawing/2014/main" id="{B173F2AA-33AE-4A43-AFA9-50C60D6F689E}"/>
+                </a:ext>
+                <a:ext uri="{C183D7F6-B498-43B3-948B-1728B52AA6E4}">
+                  <adec:decorative xmlns:adec="http://schemas.microsoft.com/office/drawing/2017/decorative" val="1"/>
+                </a:ext>
+              </a:extLst>
+            </p:cNvPr>
+            <p:cNvCxnSpPr/>
+            <p:nvPr>
+              <p:extLst>
+                <p:ext uri="{386F3935-93C4-4BCD-93E2-E3B085C9AB24}">
+                  <p16:designElem xmlns:p16="http://schemas.microsoft.com/office/powerpoint/2015/main" val="1"/>
+                </p:ext>
+              </p:extLst>
+            </p:nvPr>
+          </p:nvCxnSpPr>
+          <p:spPr>
+            <a:xfrm rot="-3420000" flipH="1">
+              <a:off x="6261757" y="1860178"/>
+              <a:ext cx="3394" cy="182880"/>
+            </a:xfrm>
+            <a:prstGeom prst="line">
+              <a:avLst/>
+            </a:prstGeom>
+            <a:ln>
+              <a:solidFill>
+                <a:srgbClr val="FFFFFF">
+                  <a:alpha val="30196"/>
+                </a:srgbClr>
+              </a:solidFill>
+            </a:ln>
+          </p:spPr>
+          <p:style>
+            <a:lnRef idx="1">
+              <a:schemeClr val="accent1"/>
+            </a:lnRef>
+            <a:fillRef idx="0">
+              <a:schemeClr val="accent1"/>
+            </a:fillRef>
+            <a:effectRef idx="0">
+              <a:schemeClr val="accent1"/>
+            </a:effectRef>
+            <a:fontRef idx="minor">
+              <a:schemeClr val="tx1"/>
+            </a:fontRef>
+          </p:style>
+        </p:cxnSp>
+        <p:cxnSp>
+          <p:nvCxnSpPr>
+            <p:cNvPr id="85" name="Straight Connector 84">
+              <a:extLst>
+                <a:ext uri="{FF2B5EF4-FFF2-40B4-BE49-F238E27FC236}">
+                  <a16:creationId xmlns:a16="http://schemas.microsoft.com/office/drawing/2014/main" id="{16339DB1-5BB0-42C5-B12D-7555AD403DAA}"/>
+                </a:ext>
+                <a:ext uri="{C183D7F6-B498-43B3-948B-1728B52AA6E4}">
+                  <adec:decorative xmlns:adec="http://schemas.microsoft.com/office/drawing/2017/decorative" val="1"/>
+                </a:ext>
+              </a:extLst>
+            </p:cNvPr>
+            <p:cNvCxnSpPr/>
+            <p:nvPr>
+              <p:extLst>
+                <p:ext uri="{386F3935-93C4-4BCD-93E2-E3B085C9AB24}">
+                  <p16:designElem xmlns:p16="http://schemas.microsoft.com/office/powerpoint/2015/main" val="1"/>
+                </p:ext>
+              </p:extLst>
+            </p:nvPr>
+          </p:nvCxnSpPr>
+          <p:spPr>
+            <a:xfrm rot="-3540000" flipH="1">
+              <a:off x="6184144" y="1979619"/>
+              <a:ext cx="3394" cy="182880"/>
+            </a:xfrm>
+            <a:prstGeom prst="line">
+              <a:avLst/>
+            </a:prstGeom>
+            <a:ln>
+              <a:solidFill>
+                <a:srgbClr val="FFFFFF">
+                  <a:alpha val="30196"/>
+                </a:srgbClr>
+              </a:solidFill>
+            </a:ln>
+          </p:spPr>
+          <p:style>
+            <a:lnRef idx="1">
+              <a:schemeClr val="accent1"/>
+            </a:lnRef>
+            <a:fillRef idx="0">
+              <a:schemeClr val="accent1"/>
+            </a:fillRef>
+            <a:effectRef idx="0">
+              <a:schemeClr val="accent1"/>
+            </a:effectRef>
+            <a:fontRef idx="minor">
+              <a:schemeClr val="tx1"/>
+            </a:fontRef>
+          </p:style>
+        </p:cxnSp>
+        <p:cxnSp>
+          <p:nvCxnSpPr>
+            <p:cNvPr id="86" name="Straight Connector 85">
+              <a:extLst>
+                <a:ext uri="{FF2B5EF4-FFF2-40B4-BE49-F238E27FC236}">
+                  <a16:creationId xmlns:a16="http://schemas.microsoft.com/office/drawing/2014/main" id="{1413BF1A-CE02-41EB-8977-EBE39AE0DAB1}"/>
+                </a:ext>
+                <a:ext uri="{C183D7F6-B498-43B3-948B-1728B52AA6E4}">
+                  <adec:decorative xmlns:adec="http://schemas.microsoft.com/office/drawing/2017/decorative" val="1"/>
+                </a:ext>
+              </a:extLst>
+            </p:cNvPr>
+            <p:cNvCxnSpPr/>
+            <p:nvPr>
+              <p:extLst>
+                <p:ext uri="{386F3935-93C4-4BCD-93E2-E3B085C9AB24}">
+                  <p16:designElem xmlns:p16="http://schemas.microsoft.com/office/powerpoint/2015/main" val="1"/>
+                </p:ext>
+              </p:extLst>
+            </p:nvPr>
+          </p:nvCxnSpPr>
+          <p:spPr>
+            <a:xfrm rot="-3660000" flipH="1">
+              <a:off x="6106531" y="2099060"/>
+              <a:ext cx="3394" cy="182880"/>
+            </a:xfrm>
+            <a:prstGeom prst="line">
+              <a:avLst/>
+            </a:prstGeom>
+            <a:ln>
+              <a:solidFill>
+                <a:srgbClr val="FFFFFF">
+                  <a:alpha val="30196"/>
+                </a:srgbClr>
+              </a:solidFill>
+            </a:ln>
+          </p:spPr>
+          <p:style>
+            <a:lnRef idx="1">
+              <a:schemeClr val="accent1"/>
+            </a:lnRef>
+            <a:fillRef idx="0">
+              <a:schemeClr val="accent1"/>
+            </a:fillRef>
+            <a:effectRef idx="0">
+              <a:schemeClr val="accent1"/>
+            </a:effectRef>
+            <a:fontRef idx="minor">
+              <a:schemeClr val="tx1"/>
+            </a:fontRef>
+          </p:style>
+        </p:cxnSp>
+        <p:cxnSp>
+          <p:nvCxnSpPr>
+            <p:cNvPr id="87" name="Straight Connector 86">
+              <a:extLst>
+                <a:ext uri="{FF2B5EF4-FFF2-40B4-BE49-F238E27FC236}">
+                  <a16:creationId xmlns:a16="http://schemas.microsoft.com/office/drawing/2014/main" id="{7899680C-3DC7-4B71-8D34-7EE8306FEC20}"/>
+                </a:ext>
+                <a:ext uri="{C183D7F6-B498-43B3-948B-1728B52AA6E4}">
+                  <adec:decorative xmlns:adec="http://schemas.microsoft.com/office/drawing/2017/decorative" val="1"/>
+                </a:ext>
+              </a:extLst>
+            </p:cNvPr>
+            <p:cNvCxnSpPr/>
+            <p:nvPr>
+              <p:extLst>
+                <p:ext uri="{386F3935-93C4-4BCD-93E2-E3B085C9AB24}">
+                  <p16:designElem xmlns:p16="http://schemas.microsoft.com/office/powerpoint/2015/main" val="1"/>
+                </p:ext>
+              </p:extLst>
+            </p:nvPr>
+          </p:nvCxnSpPr>
+          <p:spPr>
+            <a:xfrm rot="-3780000" flipH="1">
+              <a:off x="6043206" y="2222556"/>
+              <a:ext cx="3394" cy="182880"/>
+            </a:xfrm>
+            <a:prstGeom prst="line">
+              <a:avLst/>
+            </a:prstGeom>
+            <a:ln>
+              <a:solidFill>
+                <a:srgbClr val="FFFFFF">
+                  <a:alpha val="30196"/>
+                </a:srgbClr>
+              </a:solidFill>
+            </a:ln>
+          </p:spPr>
+          <p:style>
+            <a:lnRef idx="1">
+              <a:schemeClr val="accent1"/>
+            </a:lnRef>
+            <a:fillRef idx="0">
+              <a:schemeClr val="accent1"/>
+            </a:fillRef>
+            <a:effectRef idx="0">
+              <a:schemeClr val="accent1"/>
+            </a:effectRef>
+            <a:fontRef idx="minor">
+              <a:schemeClr val="tx1"/>
+            </a:fontRef>
+          </p:style>
+        </p:cxnSp>
+        <p:cxnSp>
+          <p:nvCxnSpPr>
+            <p:cNvPr id="88" name="Straight Connector 87">
+              <a:extLst>
+                <a:ext uri="{FF2B5EF4-FFF2-40B4-BE49-F238E27FC236}">
+                  <a16:creationId xmlns:a16="http://schemas.microsoft.com/office/drawing/2014/main" id="{13B57EA5-419A-4EE0-BB93-356B12F6D030}"/>
+                </a:ext>
+                <a:ext uri="{C183D7F6-B498-43B3-948B-1728B52AA6E4}">
+                  <adec:decorative xmlns:adec="http://schemas.microsoft.com/office/drawing/2017/decorative" val="1"/>
+                </a:ext>
+              </a:extLst>
+            </p:cNvPr>
+            <p:cNvCxnSpPr/>
+            <p:nvPr>
+              <p:extLst>
+                <p:ext uri="{386F3935-93C4-4BCD-93E2-E3B085C9AB24}">
+                  <p16:designElem xmlns:p16="http://schemas.microsoft.com/office/powerpoint/2015/main" val="1"/>
+                </p:ext>
+              </p:extLst>
+            </p:nvPr>
+          </p:nvCxnSpPr>
+          <p:spPr>
+            <a:xfrm rot="-3960000" flipH="1">
+              <a:off x="5978913" y="2344301"/>
+              <a:ext cx="3394" cy="182880"/>
+            </a:xfrm>
+            <a:prstGeom prst="line">
+              <a:avLst/>
+            </a:prstGeom>
+            <a:ln>
+              <a:solidFill>
+                <a:srgbClr val="FFFFFF">
+                  <a:alpha val="30196"/>
+                </a:srgbClr>
+              </a:solidFill>
+            </a:ln>
+          </p:spPr>
+          <p:style>
+            <a:lnRef idx="1">
+              <a:schemeClr val="accent1"/>
+            </a:lnRef>
+            <a:fillRef idx="0">
+              <a:schemeClr val="accent1"/>
+            </a:fillRef>
+            <a:effectRef idx="0">
+              <a:schemeClr val="accent1"/>
+            </a:effectRef>
+            <a:fontRef idx="minor">
+              <a:schemeClr val="tx1"/>
+            </a:fontRef>
+          </p:style>
+        </p:cxnSp>
+        <p:cxnSp>
+          <p:nvCxnSpPr>
+            <p:cNvPr id="89" name="Straight Connector 88">
+              <a:extLst>
+                <a:ext uri="{FF2B5EF4-FFF2-40B4-BE49-F238E27FC236}">
+                  <a16:creationId xmlns:a16="http://schemas.microsoft.com/office/drawing/2014/main" id="{37A79B15-73B1-417F-A985-25FBC893F731}"/>
+                </a:ext>
+                <a:ext uri="{C183D7F6-B498-43B3-948B-1728B52AA6E4}">
+                  <adec:decorative xmlns:adec="http://schemas.microsoft.com/office/drawing/2017/decorative" val="1"/>
+                </a:ext>
+              </a:extLst>
+            </p:cNvPr>
+            <p:cNvCxnSpPr/>
+            <p:nvPr>
+              <p:extLst>
+                <p:ext uri="{386F3935-93C4-4BCD-93E2-E3B085C9AB24}">
+                  <p16:designElem xmlns:p16="http://schemas.microsoft.com/office/powerpoint/2015/main" val="1"/>
+                </p:ext>
+              </p:extLst>
+            </p:nvPr>
+          </p:nvCxnSpPr>
+          <p:spPr>
+            <a:xfrm rot="-4080000" flipH="1">
+              <a:off x="5912438" y="2470678"/>
+              <a:ext cx="3394" cy="182880"/>
+            </a:xfrm>
+            <a:prstGeom prst="line">
+              <a:avLst/>
+            </a:prstGeom>
+            <a:ln>
+              <a:solidFill>
+                <a:srgbClr val="FFFFFF">
+                  <a:alpha val="30196"/>
+                </a:srgbClr>
+              </a:solidFill>
+            </a:ln>
+          </p:spPr>
+          <p:style>
+            <a:lnRef idx="1">
+              <a:schemeClr val="accent1"/>
+            </a:lnRef>
+            <a:fillRef idx="0">
+              <a:schemeClr val="accent1"/>
+            </a:fillRef>
+            <a:effectRef idx="0">
+              <a:schemeClr val="accent1"/>
+            </a:effectRef>
+            <a:fontRef idx="minor">
+              <a:schemeClr val="tx1"/>
+            </a:fontRef>
+          </p:style>
+        </p:cxnSp>
+        <p:cxnSp>
+          <p:nvCxnSpPr>
+            <p:cNvPr id="90" name="Straight Connector 89">
+              <a:extLst>
+                <a:ext uri="{FF2B5EF4-FFF2-40B4-BE49-F238E27FC236}">
+                  <a16:creationId xmlns:a16="http://schemas.microsoft.com/office/drawing/2014/main" id="{566DE9DC-92E2-44D8-B7D0-D1295DD8F034}"/>
+                </a:ext>
+                <a:ext uri="{C183D7F6-B498-43B3-948B-1728B52AA6E4}">
+                  <adec:decorative xmlns:adec="http://schemas.microsoft.com/office/drawing/2017/decorative" val="1"/>
+                </a:ext>
+              </a:extLst>
+            </p:cNvPr>
+            <p:cNvCxnSpPr/>
+            <p:nvPr>
+              <p:extLst>
+                <p:ext uri="{386F3935-93C4-4BCD-93E2-E3B085C9AB24}">
+                  <p16:designElem xmlns:p16="http://schemas.microsoft.com/office/powerpoint/2015/main" val="1"/>
+                </p:ext>
+              </p:extLst>
+            </p:nvPr>
+          </p:nvCxnSpPr>
+          <p:spPr>
+            <a:xfrm rot="-4200000" flipH="1">
+              <a:off x="5858875" y="2600922"/>
+              <a:ext cx="3394" cy="182880"/>
+            </a:xfrm>
+            <a:prstGeom prst="line">
+              <a:avLst/>
+            </a:prstGeom>
+            <a:ln>
+              <a:solidFill>
+                <a:srgbClr val="FFFFFF">
+                  <a:alpha val="30196"/>
+                </a:srgbClr>
+              </a:solidFill>
+            </a:ln>
+          </p:spPr>
+          <p:style>
+            <a:lnRef idx="1">
+              <a:schemeClr val="accent1"/>
+            </a:lnRef>
+            <a:fillRef idx="0">
+              <a:schemeClr val="accent1"/>
+            </a:fillRef>
+            <a:effectRef idx="0">
+              <a:schemeClr val="accent1"/>
+            </a:effectRef>
+            <a:fontRef idx="minor">
+              <a:schemeClr val="tx1"/>
+            </a:fontRef>
+          </p:style>
+        </p:cxnSp>
+        <p:cxnSp>
+          <p:nvCxnSpPr>
+            <p:cNvPr id="91" name="Straight Connector 90">
+              <a:extLst>
+                <a:ext uri="{FF2B5EF4-FFF2-40B4-BE49-F238E27FC236}">
+                  <a16:creationId xmlns:a16="http://schemas.microsoft.com/office/drawing/2014/main" id="{A9A1F3CD-685D-4541-8715-91E39B1E2302}"/>
+                </a:ext>
+                <a:ext uri="{C183D7F6-B498-43B3-948B-1728B52AA6E4}">
+                  <adec:decorative xmlns:adec="http://schemas.microsoft.com/office/drawing/2017/decorative" val="1"/>
+                </a:ext>
+              </a:extLst>
+            </p:cNvPr>
+            <p:cNvCxnSpPr/>
+            <p:nvPr>
+              <p:extLst>
+                <p:ext uri="{386F3935-93C4-4BCD-93E2-E3B085C9AB24}">
+                  <p16:designElem xmlns:p16="http://schemas.microsoft.com/office/powerpoint/2015/main" val="1"/>
+                </p:ext>
+              </p:extLst>
+            </p:nvPr>
+          </p:nvCxnSpPr>
+          <p:spPr>
+            <a:xfrm rot="-4320000" flipH="1">
+              <a:off x="5808182" y="2734040"/>
+              <a:ext cx="3394" cy="182880"/>
+            </a:xfrm>
+            <a:prstGeom prst="line">
+              <a:avLst/>
+            </a:prstGeom>
+            <a:ln>
+              <a:solidFill>
+                <a:srgbClr val="FFFFFF">
+                  <a:alpha val="30196"/>
+                </a:srgbClr>
+              </a:solidFill>
+            </a:ln>
+          </p:spPr>
+          <p:style>
+            <a:lnRef idx="1">
+              <a:schemeClr val="accent1"/>
+            </a:lnRef>
+            <a:fillRef idx="0">
+              <a:schemeClr val="accent1"/>
+            </a:fillRef>
+            <a:effectRef idx="0">
+              <a:schemeClr val="accent1"/>
+            </a:effectRef>
+            <a:fontRef idx="minor">
+              <a:schemeClr val="tx1"/>
+            </a:fontRef>
+          </p:style>
+        </p:cxnSp>
+        <p:cxnSp>
+          <p:nvCxnSpPr>
+            <p:cNvPr id="92" name="Straight Connector 91">
+              <a:extLst>
+                <a:ext uri="{FF2B5EF4-FFF2-40B4-BE49-F238E27FC236}">
+                  <a16:creationId xmlns:a16="http://schemas.microsoft.com/office/drawing/2014/main" id="{C63E90F9-BD80-4805-A68E-CA56D5249618}"/>
+                </a:ext>
+                <a:ext uri="{C183D7F6-B498-43B3-948B-1728B52AA6E4}">
+                  <adec:decorative xmlns:adec="http://schemas.microsoft.com/office/drawing/2017/decorative" val="1"/>
+                </a:ext>
+              </a:extLst>
+            </p:cNvPr>
+            <p:cNvCxnSpPr/>
+            <p:nvPr>
+              <p:extLst>
+                <p:ext uri="{386F3935-93C4-4BCD-93E2-E3B085C9AB24}">
+                  <p16:designElem xmlns:p16="http://schemas.microsoft.com/office/powerpoint/2015/main" val="1"/>
+                </p:ext>
+              </p:extLst>
+            </p:nvPr>
+          </p:nvCxnSpPr>
+          <p:spPr>
+            <a:xfrm rot="-4500000" flipH="1">
+              <a:off x="5773263" y="2866860"/>
+              <a:ext cx="3394" cy="182880"/>
+            </a:xfrm>
+            <a:prstGeom prst="line">
+              <a:avLst/>
+            </a:prstGeom>
+            <a:ln>
+              <a:solidFill>
+                <a:srgbClr val="FFFFFF">
+                  <a:alpha val="30196"/>
+                </a:srgbClr>
+              </a:solidFill>
+            </a:ln>
+          </p:spPr>
+          <p:style>
+            <a:lnRef idx="1">
+              <a:schemeClr val="accent1"/>
+            </a:lnRef>
+            <a:fillRef idx="0">
+              <a:schemeClr val="accent1"/>
+            </a:fillRef>
+            <a:effectRef idx="0">
+              <a:schemeClr val="accent1"/>
+            </a:effectRef>
+            <a:fontRef idx="minor">
+              <a:schemeClr val="tx1"/>
+            </a:fontRef>
+          </p:style>
+        </p:cxnSp>
+        <p:cxnSp>
+          <p:nvCxnSpPr>
+            <p:cNvPr id="93" name="Straight Connector 92">
+              <a:extLst>
+                <a:ext uri="{FF2B5EF4-FFF2-40B4-BE49-F238E27FC236}">
+                  <a16:creationId xmlns:a16="http://schemas.microsoft.com/office/drawing/2014/main" id="{1014402D-979B-4D18-9E85-4D8F6C986F44}"/>
+                </a:ext>
+                <a:ext uri="{C183D7F6-B498-43B3-948B-1728B52AA6E4}">
+                  <adec:decorative xmlns:adec="http://schemas.microsoft.com/office/drawing/2017/decorative" val="1"/>
+                </a:ext>
+              </a:extLst>
+            </p:cNvPr>
+            <p:cNvCxnSpPr/>
+            <p:nvPr>
+              <p:extLst>
+                <p:ext uri="{386F3935-93C4-4BCD-93E2-E3B085C9AB24}">
+                  <p16:designElem xmlns:p16="http://schemas.microsoft.com/office/powerpoint/2015/main" val="1"/>
+                </p:ext>
+              </p:extLst>
+            </p:nvPr>
+          </p:nvCxnSpPr>
+          <p:spPr>
+            <a:xfrm rot="-4620000" flipH="1">
+              <a:off x="5735963" y="3002061"/>
+              <a:ext cx="3394" cy="182880"/>
+            </a:xfrm>
+            <a:prstGeom prst="line">
+              <a:avLst/>
+            </a:prstGeom>
+            <a:ln>
+              <a:solidFill>
+                <a:srgbClr val="FFFFFF">
+                  <a:alpha val="30196"/>
+                </a:srgbClr>
+              </a:solidFill>
+            </a:ln>
+          </p:spPr>
+          <p:style>
+            <a:lnRef idx="1">
+              <a:schemeClr val="accent1"/>
+            </a:lnRef>
+            <a:fillRef idx="0">
+              <a:schemeClr val="accent1"/>
+            </a:fillRef>
+            <a:effectRef idx="0">
+              <a:schemeClr val="accent1"/>
+            </a:effectRef>
+            <a:fontRef idx="minor">
+              <a:schemeClr val="tx1"/>
+            </a:fontRef>
+          </p:style>
+        </p:cxnSp>
+        <p:cxnSp>
+          <p:nvCxnSpPr>
+            <p:cNvPr id="94" name="Straight Connector 93">
+              <a:extLst>
+                <a:ext uri="{FF2B5EF4-FFF2-40B4-BE49-F238E27FC236}">
+                  <a16:creationId xmlns:a16="http://schemas.microsoft.com/office/drawing/2014/main" id="{2A04AE49-4B0B-4908-B1DB-480F568D2845}"/>
+                </a:ext>
+                <a:ext uri="{C183D7F6-B498-43B3-948B-1728B52AA6E4}">
+                  <adec:decorative xmlns:adec="http://schemas.microsoft.com/office/drawing/2017/decorative" val="1"/>
+                </a:ext>
+              </a:extLst>
+            </p:cNvPr>
+            <p:cNvCxnSpPr/>
+            <p:nvPr>
+              <p:extLst>
+                <p:ext uri="{386F3935-93C4-4BCD-93E2-E3B085C9AB24}">
+                  <p16:designElem xmlns:p16="http://schemas.microsoft.com/office/powerpoint/2015/main" val="1"/>
+                </p:ext>
+              </p:extLst>
+            </p:nvPr>
+          </p:nvCxnSpPr>
+          <p:spPr>
+            <a:xfrm rot="-4740000" flipH="1">
+              <a:off x="5700105" y="3138910"/>
+              <a:ext cx="3394" cy="182880"/>
+            </a:xfrm>
+            <a:prstGeom prst="line">
+              <a:avLst/>
+            </a:prstGeom>
+            <a:ln>
+              <a:solidFill>
+                <a:srgbClr val="FFFFFF">
+                  <a:alpha val="30196"/>
+                </a:srgbClr>
+              </a:solidFill>
+            </a:ln>
+          </p:spPr>
+          <p:style>
+            <a:lnRef idx="1">
+              <a:schemeClr val="accent1"/>
+            </a:lnRef>
+            <a:fillRef idx="0">
+              <a:schemeClr val="accent1"/>
+            </a:fillRef>
+            <a:effectRef idx="0">
+              <a:schemeClr val="accent1"/>
+            </a:effectRef>
+            <a:fontRef idx="minor">
+              <a:schemeClr val="tx1"/>
+            </a:fontRef>
+          </p:style>
+        </p:cxnSp>
+        <p:cxnSp>
+          <p:nvCxnSpPr>
+            <p:cNvPr id="95" name="Straight Connector 94">
+              <a:extLst>
+                <a:ext uri="{FF2B5EF4-FFF2-40B4-BE49-F238E27FC236}">
+                  <a16:creationId xmlns:a16="http://schemas.microsoft.com/office/drawing/2014/main" id="{3293E6AC-4EF0-4B88-AC7E-BCB112010B64}"/>
+                </a:ext>
+                <a:ext uri="{C183D7F6-B498-43B3-948B-1728B52AA6E4}">
+                  <adec:decorative xmlns:adec="http://schemas.microsoft.com/office/drawing/2017/decorative" val="1"/>
+                </a:ext>
+              </a:extLst>
+            </p:cNvPr>
+            <p:cNvCxnSpPr/>
+            <p:nvPr>
+              <p:extLst>
+                <p:ext uri="{386F3935-93C4-4BCD-93E2-E3B085C9AB24}">
+                  <p16:designElem xmlns:p16="http://schemas.microsoft.com/office/powerpoint/2015/main" val="1"/>
+                </p:ext>
+              </p:extLst>
+            </p:nvPr>
+          </p:nvCxnSpPr>
+          <p:spPr>
+            <a:xfrm rot="-4860000" flipH="1">
+              <a:off x="5665939" y="3275489"/>
+              <a:ext cx="3394" cy="182880"/>
+            </a:xfrm>
+            <a:prstGeom prst="line">
+              <a:avLst/>
+            </a:prstGeom>
+            <a:ln>
+              <a:solidFill>
+                <a:srgbClr val="FFFFFF">
+                  <a:alpha val="30196"/>
+                </a:srgbClr>
+              </a:solidFill>
+            </a:ln>
+          </p:spPr>
+          <p:style>
+            <a:lnRef idx="1">
+              <a:schemeClr val="accent1"/>
+            </a:lnRef>
+            <a:fillRef idx="0">
+              <a:schemeClr val="accent1"/>
+            </a:fillRef>
+            <a:effectRef idx="0">
+              <a:schemeClr val="accent1"/>
+            </a:effectRef>
+            <a:fontRef idx="minor">
+              <a:schemeClr val="tx1"/>
+            </a:fontRef>
+          </p:style>
+        </p:cxnSp>
+        <p:cxnSp>
+          <p:nvCxnSpPr>
+            <p:cNvPr id="96" name="Straight Connector 95">
+              <a:extLst>
+                <a:ext uri="{FF2B5EF4-FFF2-40B4-BE49-F238E27FC236}">
+                  <a16:creationId xmlns:a16="http://schemas.microsoft.com/office/drawing/2014/main" id="{6344B49D-AFCD-4426-AC08-F3128282C344}"/>
+                </a:ext>
+                <a:ext uri="{C183D7F6-B498-43B3-948B-1728B52AA6E4}">
+                  <adec:decorative xmlns:adec="http://schemas.microsoft.com/office/drawing/2017/decorative" val="1"/>
+                </a:ext>
+              </a:extLst>
+            </p:cNvPr>
+            <p:cNvCxnSpPr/>
+            <p:nvPr>
+              <p:extLst>
+                <p:ext uri="{386F3935-93C4-4BCD-93E2-E3B085C9AB24}">
+                  <p16:designElem xmlns:p16="http://schemas.microsoft.com/office/powerpoint/2015/main" val="1"/>
+                </p:ext>
+              </p:extLst>
+            </p:nvPr>
+          </p:nvCxnSpPr>
+          <p:spPr>
+            <a:xfrm rot="-5040000" flipH="1">
+              <a:off x="5644476" y="3414251"/>
+              <a:ext cx="3394" cy="182880"/>
+            </a:xfrm>
+            <a:prstGeom prst="line">
+              <a:avLst/>
+            </a:prstGeom>
+            <a:ln>
+              <a:solidFill>
+                <a:srgbClr val="FFFFFF">
+                  <a:alpha val="30196"/>
+                </a:srgbClr>
+              </a:solidFill>
+            </a:ln>
+          </p:spPr>
+          <p:style>
+            <a:lnRef idx="1">
+              <a:schemeClr val="accent1"/>
+            </a:lnRef>
+            <a:fillRef idx="0">
+              <a:schemeClr val="accent1"/>
+            </a:fillRef>
+            <a:effectRef idx="0">
+              <a:schemeClr val="accent1"/>
+            </a:effectRef>
+            <a:fontRef idx="minor">
+              <a:schemeClr val="tx1"/>
+            </a:fontRef>
+          </p:style>
+        </p:cxnSp>
+        <p:cxnSp>
+          <p:nvCxnSpPr>
+            <p:cNvPr id="97" name="Straight Connector 96">
+              <a:extLst>
+                <a:ext uri="{FF2B5EF4-FFF2-40B4-BE49-F238E27FC236}">
+                  <a16:creationId xmlns:a16="http://schemas.microsoft.com/office/drawing/2014/main" id="{83B776AB-0884-47E4-AC8D-69A19A6103DD}"/>
+                </a:ext>
+                <a:ext uri="{C183D7F6-B498-43B3-948B-1728B52AA6E4}">
+                  <adec:decorative xmlns:adec="http://schemas.microsoft.com/office/drawing/2017/decorative" val="1"/>
+                </a:ext>
+              </a:extLst>
+            </p:cNvPr>
+            <p:cNvCxnSpPr/>
+            <p:nvPr>
+              <p:extLst>
+                <p:ext uri="{386F3935-93C4-4BCD-93E2-E3B085C9AB24}">
+                  <p16:designElem xmlns:p16="http://schemas.microsoft.com/office/powerpoint/2015/main" val="1"/>
+                </p:ext>
+              </p:extLst>
+            </p:nvPr>
+          </p:nvCxnSpPr>
+          <p:spPr>
+            <a:xfrm rot="-5160000" flipH="1">
+              <a:off x="5626530" y="3554628"/>
+              <a:ext cx="3394" cy="182880"/>
+            </a:xfrm>
+            <a:prstGeom prst="line">
+              <a:avLst/>
+            </a:prstGeom>
+            <a:ln>
+              <a:solidFill>
+                <a:srgbClr val="FFFFFF">
+                  <a:alpha val="30196"/>
+                </a:srgbClr>
+              </a:solidFill>
+            </a:ln>
+          </p:spPr>
+          <p:style>
+            <a:lnRef idx="1">
+              <a:schemeClr val="accent1"/>
+            </a:lnRef>
+            <a:fillRef idx="0">
+              <a:schemeClr val="accent1"/>
+            </a:fillRef>
+            <a:effectRef idx="0">
+              <a:schemeClr val="accent1"/>
+            </a:effectRef>
+            <a:fontRef idx="minor">
+              <a:schemeClr val="tx1"/>
+            </a:fontRef>
+          </p:style>
+        </p:cxnSp>
+        <p:cxnSp>
+          <p:nvCxnSpPr>
+            <p:cNvPr id="98" name="Straight Connector 97">
+              <a:extLst>
+                <a:ext uri="{FF2B5EF4-FFF2-40B4-BE49-F238E27FC236}">
+                  <a16:creationId xmlns:a16="http://schemas.microsoft.com/office/drawing/2014/main" id="{01EC5397-87DB-4803-855B-44DFE9BBB81D}"/>
+                </a:ext>
+                <a:ext uri="{C183D7F6-B498-43B3-948B-1728B52AA6E4}">
+                  <adec:decorative xmlns:adec="http://schemas.microsoft.com/office/drawing/2017/decorative" val="1"/>
+                </a:ext>
+              </a:extLst>
+            </p:cNvPr>
+            <p:cNvCxnSpPr/>
+            <p:nvPr>
+              <p:extLst>
+                <p:ext uri="{386F3935-93C4-4BCD-93E2-E3B085C9AB24}">
+                  <p16:designElem xmlns:p16="http://schemas.microsoft.com/office/powerpoint/2015/main" val="1"/>
+                </p:ext>
+              </p:extLst>
+            </p:nvPr>
+          </p:nvCxnSpPr>
+          <p:spPr>
+            <a:xfrm rot="-5280000" flipH="1">
+              <a:off x="5616429" y="3691831"/>
+              <a:ext cx="3394" cy="182880"/>
+            </a:xfrm>
+            <a:prstGeom prst="line">
+              <a:avLst/>
+            </a:prstGeom>
+            <a:ln>
+              <a:solidFill>
+                <a:srgbClr val="FFFFFF">
+                  <a:alpha val="30196"/>
+                </a:srgbClr>
+              </a:solidFill>
+            </a:ln>
+          </p:spPr>
+          <p:style>
+            <a:lnRef idx="1">
+              <a:schemeClr val="accent1"/>
+            </a:lnRef>
+            <a:fillRef idx="0">
+              <a:schemeClr val="accent1"/>
+            </a:fillRef>
+            <a:effectRef idx="0">
+              <a:schemeClr val="accent1"/>
+            </a:effectRef>
+            <a:fontRef idx="minor">
+              <a:schemeClr val="tx1"/>
+            </a:fontRef>
+          </p:style>
+        </p:cxnSp>
+        <p:cxnSp>
+          <p:nvCxnSpPr>
+            <p:cNvPr id="99" name="Straight Connector 98">
+              <a:extLst>
+                <a:ext uri="{FF2B5EF4-FFF2-40B4-BE49-F238E27FC236}">
+                  <a16:creationId xmlns:a16="http://schemas.microsoft.com/office/drawing/2014/main" id="{18EF0075-59DA-4C16-BF01-C65EE2DDD80A}"/>
+                </a:ext>
+                <a:ext uri="{C183D7F6-B498-43B3-948B-1728B52AA6E4}">
+                  <adec:decorative xmlns:adec="http://schemas.microsoft.com/office/drawing/2017/decorative" val="1"/>
+                </a:ext>
+              </a:extLst>
+            </p:cNvPr>
+            <p:cNvCxnSpPr/>
+            <p:nvPr>
+              <p:extLst>
+                <p:ext uri="{386F3935-93C4-4BCD-93E2-E3B085C9AB24}">
+                  <p16:designElem xmlns:p16="http://schemas.microsoft.com/office/powerpoint/2015/main" val="1"/>
+                </p:ext>
+              </p:extLst>
+            </p:nvPr>
+          </p:nvCxnSpPr>
+          <p:spPr>
+            <a:xfrm rot="-5400000" flipH="1">
+              <a:off x="5611319" y="3835374"/>
+              <a:ext cx="3394" cy="182880"/>
+            </a:xfrm>
+            <a:prstGeom prst="line">
+              <a:avLst/>
+            </a:prstGeom>
+            <a:ln>
+              <a:solidFill>
+                <a:srgbClr val="FFFFFF">
+                  <a:alpha val="30196"/>
+                </a:srgbClr>
+              </a:solidFill>
+            </a:ln>
+          </p:spPr>
+          <p:style>
+            <a:lnRef idx="1">
+              <a:schemeClr val="accent1"/>
+            </a:lnRef>
+            <a:fillRef idx="0">
+              <a:schemeClr val="accent1"/>
+            </a:fillRef>
+            <a:effectRef idx="0">
+              <a:schemeClr val="accent1"/>
+            </a:effectRef>
+            <a:fontRef idx="minor">
+              <a:schemeClr val="tx1"/>
+            </a:fontRef>
+          </p:style>
+        </p:cxnSp>
+        <p:cxnSp>
+          <p:nvCxnSpPr>
+            <p:cNvPr id="100" name="Straight Connector 99">
+              <a:extLst>
+                <a:ext uri="{FF2B5EF4-FFF2-40B4-BE49-F238E27FC236}">
+                  <a16:creationId xmlns:a16="http://schemas.microsoft.com/office/drawing/2014/main" id="{9ABF3642-CC62-4EA5-8A59-1AFF97A5608A}"/>
+                </a:ext>
+                <a:ext uri="{C183D7F6-B498-43B3-948B-1728B52AA6E4}">
+                  <adec:decorative xmlns:adec="http://schemas.microsoft.com/office/drawing/2017/decorative" val="1"/>
+                </a:ext>
+              </a:extLst>
+            </p:cNvPr>
+            <p:cNvCxnSpPr/>
+            <p:nvPr>
+              <p:extLst>
+                <p:ext uri="{386F3935-93C4-4BCD-93E2-E3B085C9AB24}">
+                  <p16:designElem xmlns:p16="http://schemas.microsoft.com/office/powerpoint/2015/main" val="1"/>
+                </p:ext>
+              </p:extLst>
+            </p:nvPr>
+          </p:nvCxnSpPr>
+          <p:spPr>
+            <a:xfrm rot="-5580000" flipH="1">
+              <a:off x="5608540" y="3975726"/>
+              <a:ext cx="3394" cy="182880"/>
+            </a:xfrm>
+            <a:prstGeom prst="line">
+              <a:avLst/>
+            </a:prstGeom>
+            <a:ln>
+              <a:solidFill>
+                <a:srgbClr val="FFFFFF">
+                  <a:alpha val="30196"/>
+                </a:srgbClr>
+              </a:solidFill>
+            </a:ln>
+          </p:spPr>
+          <p:style>
+            <a:lnRef idx="1">
+              <a:schemeClr val="accent1"/>
+            </a:lnRef>
+            <a:fillRef idx="0">
+              <a:schemeClr val="accent1"/>
+            </a:fillRef>
+            <a:effectRef idx="0">
+              <a:schemeClr val="accent1"/>
+            </a:effectRef>
+            <a:fontRef idx="minor">
+              <a:schemeClr val="tx1"/>
+            </a:fontRef>
+          </p:style>
+        </p:cxnSp>
+        <p:cxnSp>
+          <p:nvCxnSpPr>
+            <p:cNvPr id="101" name="Straight Connector 100">
+              <a:extLst>
+                <a:ext uri="{FF2B5EF4-FFF2-40B4-BE49-F238E27FC236}">
+                  <a16:creationId xmlns:a16="http://schemas.microsoft.com/office/drawing/2014/main" id="{F7715913-AE6D-4FFC-A6EC-E7EE027D2718}"/>
+                </a:ext>
+                <a:ext uri="{C183D7F6-B498-43B3-948B-1728B52AA6E4}">
+                  <adec:decorative xmlns:adec="http://schemas.microsoft.com/office/drawing/2017/decorative" val="1"/>
+                </a:ext>
+              </a:extLst>
+            </p:cNvPr>
+            <p:cNvCxnSpPr/>
+            <p:nvPr>
+              <p:extLst>
+                <p:ext uri="{386F3935-93C4-4BCD-93E2-E3B085C9AB24}">
+                  <p16:designElem xmlns:p16="http://schemas.microsoft.com/office/powerpoint/2015/main" val="1"/>
+                </p:ext>
+              </p:extLst>
+            </p:nvPr>
+          </p:nvCxnSpPr>
+          <p:spPr>
+            <a:xfrm rot="-5700000" flipH="1">
+              <a:off x="5605761" y="4116078"/>
+              <a:ext cx="3394" cy="182880"/>
+            </a:xfrm>
+            <a:prstGeom prst="line">
+              <a:avLst/>
+            </a:prstGeom>
+            <a:ln>
+              <a:solidFill>
+                <a:srgbClr val="FFFFFF">
+                  <a:alpha val="30196"/>
+                </a:srgbClr>
+              </a:solidFill>
+            </a:ln>
+          </p:spPr>
+          <p:style>
+            <a:lnRef idx="1">
+              <a:schemeClr val="accent1"/>
+            </a:lnRef>
+            <a:fillRef idx="0">
+              <a:schemeClr val="accent1"/>
+            </a:fillRef>
+            <a:effectRef idx="0">
+              <a:schemeClr val="accent1"/>
+            </a:effectRef>
+            <a:fontRef idx="minor">
+              <a:schemeClr val="tx1"/>
+            </a:fontRef>
+          </p:style>
+        </p:cxnSp>
+        <p:cxnSp>
+          <p:nvCxnSpPr>
+            <p:cNvPr id="102" name="Straight Connector 101">
+              <a:extLst>
+                <a:ext uri="{FF2B5EF4-FFF2-40B4-BE49-F238E27FC236}">
+                  <a16:creationId xmlns:a16="http://schemas.microsoft.com/office/drawing/2014/main" id="{46B78CB6-17D0-445E-A523-FD18D3BE29D4}"/>
+                </a:ext>
+                <a:ext uri="{C183D7F6-B498-43B3-948B-1728B52AA6E4}">
+                  <adec:decorative xmlns:adec="http://schemas.microsoft.com/office/drawing/2017/decorative" val="1"/>
+                </a:ext>
+              </a:extLst>
+            </p:cNvPr>
+            <p:cNvCxnSpPr/>
+            <p:nvPr>
+              <p:extLst>
+                <p:ext uri="{386F3935-93C4-4BCD-93E2-E3B085C9AB24}">
+                  <p16:designElem xmlns:p16="http://schemas.microsoft.com/office/powerpoint/2015/main" val="1"/>
+                </p:ext>
+              </p:extLst>
+            </p:nvPr>
+          </p:nvCxnSpPr>
+          <p:spPr>
+            <a:xfrm rot="-5820000" flipH="1">
+              <a:off x="5624195" y="4254218"/>
+              <a:ext cx="3394" cy="182880"/>
+            </a:xfrm>
+            <a:prstGeom prst="line">
+              <a:avLst/>
+            </a:prstGeom>
+            <a:ln>
+              <a:solidFill>
+                <a:srgbClr val="FFFFFF">
+                  <a:alpha val="30196"/>
+                </a:srgbClr>
+              </a:solidFill>
+            </a:ln>
+          </p:spPr>
+          <p:style>
+            <a:lnRef idx="1">
+              <a:schemeClr val="accent1"/>
+            </a:lnRef>
+            <a:fillRef idx="0">
+              <a:schemeClr val="accent1"/>
+            </a:fillRef>
+            <a:effectRef idx="0">
+              <a:schemeClr val="accent1"/>
+            </a:effectRef>
+            <a:fontRef idx="minor">
+              <a:schemeClr val="tx1"/>
+            </a:fontRef>
+          </p:style>
+        </p:cxnSp>
+        <p:cxnSp>
+          <p:nvCxnSpPr>
+            <p:cNvPr id="103" name="Straight Connector 102">
+              <a:extLst>
+                <a:ext uri="{FF2B5EF4-FFF2-40B4-BE49-F238E27FC236}">
+                  <a16:creationId xmlns:a16="http://schemas.microsoft.com/office/drawing/2014/main" id="{783E7655-41DA-4DFA-9DEC-FD37064F0AB2}"/>
+                </a:ext>
+                <a:ext uri="{C183D7F6-B498-43B3-948B-1728B52AA6E4}">
+                  <adec:decorative xmlns:adec="http://schemas.microsoft.com/office/drawing/2017/decorative" val="1"/>
+                </a:ext>
+              </a:extLst>
+            </p:cNvPr>
+            <p:cNvCxnSpPr/>
+            <p:nvPr>
+              <p:extLst>
+                <p:ext uri="{386F3935-93C4-4BCD-93E2-E3B085C9AB24}">
+                  <p16:designElem xmlns:p16="http://schemas.microsoft.com/office/powerpoint/2015/main" val="1"/>
+                </p:ext>
+              </p:extLst>
+            </p:nvPr>
+          </p:nvCxnSpPr>
+          <p:spPr>
+            <a:xfrm rot="-5940000" flipH="1">
+              <a:off x="5642629" y="4392358"/>
+              <a:ext cx="3394" cy="182880"/>
+            </a:xfrm>
+            <a:prstGeom prst="line">
+              <a:avLst/>
+            </a:prstGeom>
+            <a:ln>
+              <a:solidFill>
+                <a:srgbClr val="FFFFFF">
+                  <a:alpha val="30196"/>
+                </a:srgbClr>
+              </a:solidFill>
+            </a:ln>
+          </p:spPr>
+          <p:style>
+            <a:lnRef idx="1">
+              <a:schemeClr val="accent1"/>
+            </a:lnRef>
+            <a:fillRef idx="0">
+              <a:schemeClr val="accent1"/>
+            </a:fillRef>
+            <a:effectRef idx="0">
+              <a:schemeClr val="accent1"/>
+            </a:effectRef>
+            <a:fontRef idx="minor">
+              <a:schemeClr val="tx1"/>
+            </a:fontRef>
+          </p:style>
+        </p:cxnSp>
+        <p:cxnSp>
+          <p:nvCxnSpPr>
+            <p:cNvPr id="104" name="Straight Connector 103">
+              <a:extLst>
+                <a:ext uri="{FF2B5EF4-FFF2-40B4-BE49-F238E27FC236}">
+                  <a16:creationId xmlns:a16="http://schemas.microsoft.com/office/drawing/2014/main" id="{5E953697-F897-4DE0-B735-80C721129E64}"/>
+                </a:ext>
+                <a:ext uri="{C183D7F6-B498-43B3-948B-1728B52AA6E4}">
+                  <adec:decorative xmlns:adec="http://schemas.microsoft.com/office/drawing/2017/decorative" val="1"/>
+                </a:ext>
+              </a:extLst>
+            </p:cNvPr>
+            <p:cNvCxnSpPr/>
+            <p:nvPr>
+              <p:extLst>
+                <p:ext uri="{386F3935-93C4-4BCD-93E2-E3B085C9AB24}">
+                  <p16:designElem xmlns:p16="http://schemas.microsoft.com/office/powerpoint/2015/main" val="1"/>
+                </p:ext>
+              </p:extLst>
+            </p:nvPr>
+          </p:nvCxnSpPr>
+          <p:spPr>
+            <a:xfrm rot="-6120000" flipH="1">
+              <a:off x="5654818" y="4536385"/>
+              <a:ext cx="3394" cy="182880"/>
+            </a:xfrm>
+            <a:prstGeom prst="line">
+              <a:avLst/>
+            </a:prstGeom>
+            <a:ln>
+              <a:solidFill>
+                <a:srgbClr val="FFFFFF">
+                  <a:alpha val="30196"/>
+                </a:srgbClr>
+              </a:solidFill>
+            </a:ln>
+          </p:spPr>
+          <p:style>
+            <a:lnRef idx="1">
+              <a:schemeClr val="accent1"/>
+            </a:lnRef>
+            <a:fillRef idx="0">
+              <a:schemeClr val="accent1"/>
+            </a:fillRef>
+            <a:effectRef idx="0">
+              <a:schemeClr val="accent1"/>
+            </a:effectRef>
+            <a:fontRef idx="minor">
+              <a:schemeClr val="tx1"/>
+            </a:fontRef>
+          </p:style>
+        </p:cxnSp>
+        <p:cxnSp>
+          <p:nvCxnSpPr>
+            <p:cNvPr id="105" name="Straight Connector 104">
+              <a:extLst>
+                <a:ext uri="{FF2B5EF4-FFF2-40B4-BE49-F238E27FC236}">
+                  <a16:creationId xmlns:a16="http://schemas.microsoft.com/office/drawing/2014/main" id="{7C7CED19-0566-4D81-A59A-5A3561F1B70C}"/>
+                </a:ext>
+                <a:ext uri="{C183D7F6-B498-43B3-948B-1728B52AA6E4}">
+                  <adec:decorative xmlns:adec="http://schemas.microsoft.com/office/drawing/2017/decorative" val="1"/>
+                </a:ext>
+              </a:extLst>
+            </p:cNvPr>
+            <p:cNvCxnSpPr/>
+            <p:nvPr>
+              <p:extLst>
+                <p:ext uri="{386F3935-93C4-4BCD-93E2-E3B085C9AB24}">
+                  <p16:designElem xmlns:p16="http://schemas.microsoft.com/office/powerpoint/2015/main" val="1"/>
+                </p:ext>
+              </p:extLst>
+            </p:nvPr>
+          </p:nvCxnSpPr>
+          <p:spPr>
+            <a:xfrm rot="-6240000" flipH="1">
+              <a:off x="5684446" y="4671367"/>
+              <a:ext cx="3394" cy="182880"/>
+            </a:xfrm>
+            <a:prstGeom prst="line">
+              <a:avLst/>
+            </a:prstGeom>
+            <a:ln>
+              <a:solidFill>
+                <a:srgbClr val="FFFFFF">
+                  <a:alpha val="30196"/>
+                </a:srgbClr>
+              </a:solidFill>
+            </a:ln>
+          </p:spPr>
+          <p:style>
+            <a:lnRef idx="1">
+              <a:schemeClr val="accent1"/>
+            </a:lnRef>
+            <a:fillRef idx="0">
+              <a:schemeClr val="accent1"/>
+            </a:fillRef>
+            <a:effectRef idx="0">
+              <a:schemeClr val="accent1"/>
+            </a:effectRef>
+            <a:fontRef idx="minor">
+              <a:schemeClr val="tx1"/>
+            </a:fontRef>
+          </p:style>
+        </p:cxnSp>
+        <p:cxnSp>
+          <p:nvCxnSpPr>
+            <p:cNvPr id="106" name="Straight Connector 105">
+              <a:extLst>
+                <a:ext uri="{FF2B5EF4-FFF2-40B4-BE49-F238E27FC236}">
+                  <a16:creationId xmlns:a16="http://schemas.microsoft.com/office/drawing/2014/main" id="{CE247A59-B18F-4331-BC8D-07C3DA5E8E8C}"/>
+                </a:ext>
+                <a:ext uri="{C183D7F6-B498-43B3-948B-1728B52AA6E4}">
+                  <adec:decorative xmlns:adec="http://schemas.microsoft.com/office/drawing/2017/decorative" val="1"/>
+                </a:ext>
+              </a:extLst>
+            </p:cNvPr>
+            <p:cNvCxnSpPr/>
+            <p:nvPr>
+              <p:extLst>
+                <p:ext uri="{386F3935-93C4-4BCD-93E2-E3B085C9AB24}">
+                  <p16:designElem xmlns:p16="http://schemas.microsoft.com/office/powerpoint/2015/main" val="1"/>
+                </p:ext>
+              </p:extLst>
+            </p:nvPr>
+          </p:nvCxnSpPr>
+          <p:spPr>
+            <a:xfrm rot="-6360000" flipH="1">
+              <a:off x="5714074" y="4808730"/>
+              <a:ext cx="3394" cy="182880"/>
+            </a:xfrm>
+            <a:prstGeom prst="line">
+              <a:avLst/>
+            </a:prstGeom>
+            <a:ln>
+              <a:solidFill>
+                <a:srgbClr val="FFFFFF">
+                  <a:alpha val="30196"/>
+                </a:srgbClr>
+              </a:solidFill>
+            </a:ln>
+          </p:spPr>
+          <p:style>
+            <a:lnRef idx="1">
+              <a:schemeClr val="accent1"/>
+            </a:lnRef>
+            <a:fillRef idx="0">
+              <a:schemeClr val="accent1"/>
+            </a:fillRef>
+            <a:effectRef idx="0">
+              <a:schemeClr val="accent1"/>
+            </a:effectRef>
+            <a:fontRef idx="minor">
+              <a:schemeClr val="tx1"/>
+            </a:fontRef>
+          </p:style>
+        </p:cxnSp>
+        <p:cxnSp>
+          <p:nvCxnSpPr>
+            <p:cNvPr id="107" name="Straight Connector 106">
+              <a:extLst>
+                <a:ext uri="{FF2B5EF4-FFF2-40B4-BE49-F238E27FC236}">
+                  <a16:creationId xmlns:a16="http://schemas.microsoft.com/office/drawing/2014/main" id="{F21C3132-6A07-4EB5-A00C-2176067CB118}"/>
+                </a:ext>
+                <a:ext uri="{C183D7F6-B498-43B3-948B-1728B52AA6E4}">
+                  <adec:decorative xmlns:adec="http://schemas.microsoft.com/office/drawing/2017/decorative" val="1"/>
+                </a:ext>
+              </a:extLst>
+            </p:cNvPr>
+            <p:cNvCxnSpPr/>
+            <p:nvPr>
+              <p:extLst>
+                <p:ext uri="{386F3935-93C4-4BCD-93E2-E3B085C9AB24}">
+                  <p16:designElem xmlns:p16="http://schemas.microsoft.com/office/powerpoint/2015/main" val="1"/>
+                </p:ext>
+              </p:extLst>
+            </p:nvPr>
+          </p:nvCxnSpPr>
+          <p:spPr>
+            <a:xfrm rot="-6480000" flipH="1">
+              <a:off x="5748464" y="4948474"/>
+              <a:ext cx="3394" cy="182880"/>
+            </a:xfrm>
+            <a:prstGeom prst="line">
+              <a:avLst/>
+            </a:prstGeom>
+            <a:ln>
+              <a:solidFill>
+                <a:srgbClr val="FFFFFF">
+                  <a:alpha val="30196"/>
+                </a:srgbClr>
+              </a:solidFill>
+            </a:ln>
+          </p:spPr>
+          <p:style>
+            <a:lnRef idx="1">
+              <a:schemeClr val="accent1"/>
+            </a:lnRef>
+            <a:fillRef idx="0">
+              <a:schemeClr val="accent1"/>
+            </a:fillRef>
+            <a:effectRef idx="0">
+              <a:schemeClr val="accent1"/>
+            </a:effectRef>
+            <a:fontRef idx="minor">
+              <a:schemeClr val="tx1"/>
+            </a:fontRef>
+          </p:style>
+        </p:cxnSp>
+        <p:cxnSp>
+          <p:nvCxnSpPr>
+            <p:cNvPr id="108" name="Straight Connector 107">
+              <a:extLst>
+                <a:ext uri="{FF2B5EF4-FFF2-40B4-BE49-F238E27FC236}">
+                  <a16:creationId xmlns:a16="http://schemas.microsoft.com/office/drawing/2014/main" id="{4067D677-3FA9-4187-B1CA-F6298A917C27}"/>
+                </a:ext>
+                <a:ext uri="{C183D7F6-B498-43B3-948B-1728B52AA6E4}">
+                  <adec:decorative xmlns:adec="http://schemas.microsoft.com/office/drawing/2017/decorative" val="1"/>
+                </a:ext>
+              </a:extLst>
+            </p:cNvPr>
+            <p:cNvCxnSpPr/>
+            <p:nvPr>
+              <p:extLst>
+                <p:ext uri="{386F3935-93C4-4BCD-93E2-E3B085C9AB24}">
+                  <p16:designElem xmlns:p16="http://schemas.microsoft.com/office/powerpoint/2015/main" val="1"/>
+                </p:ext>
+              </p:extLst>
+            </p:nvPr>
+          </p:nvCxnSpPr>
+          <p:spPr>
+            <a:xfrm rot="-6660000" flipH="1">
+              <a:off x="5792091" y="5077607"/>
+              <a:ext cx="3394" cy="182880"/>
+            </a:xfrm>
+            <a:prstGeom prst="line">
+              <a:avLst/>
+            </a:prstGeom>
+            <a:ln>
+              <a:solidFill>
+                <a:srgbClr val="FFFFFF">
+                  <a:alpha val="30196"/>
+                </a:srgbClr>
+              </a:solidFill>
+            </a:ln>
+          </p:spPr>
+          <p:style>
+            <a:lnRef idx="1">
+              <a:schemeClr val="accent1"/>
+            </a:lnRef>
+            <a:fillRef idx="0">
+              <a:schemeClr val="accent1"/>
+            </a:fillRef>
+            <a:effectRef idx="0">
+              <a:schemeClr val="accent1"/>
+            </a:effectRef>
+            <a:fontRef idx="minor">
+              <a:schemeClr val="tx1"/>
+            </a:fontRef>
+          </p:style>
+        </p:cxnSp>
+        <p:cxnSp>
+          <p:nvCxnSpPr>
+            <p:cNvPr id="109" name="Straight Connector 108">
+              <a:extLst>
+                <a:ext uri="{FF2B5EF4-FFF2-40B4-BE49-F238E27FC236}">
+                  <a16:creationId xmlns:a16="http://schemas.microsoft.com/office/drawing/2014/main" id="{82E9FC80-B3E8-47CE-862C-9F6E9E598A41}"/>
+                </a:ext>
+                <a:ext uri="{C183D7F6-B498-43B3-948B-1728B52AA6E4}">
+                  <adec:decorative xmlns:adec="http://schemas.microsoft.com/office/drawing/2017/decorative" val="1"/>
+                </a:ext>
+              </a:extLst>
+            </p:cNvPr>
+            <p:cNvCxnSpPr/>
+            <p:nvPr>
+              <p:extLst>
+                <p:ext uri="{386F3935-93C4-4BCD-93E2-E3B085C9AB24}">
+                  <p16:designElem xmlns:p16="http://schemas.microsoft.com/office/powerpoint/2015/main" val="1"/>
+                </p:ext>
+              </p:extLst>
+            </p:nvPr>
+          </p:nvCxnSpPr>
+          <p:spPr>
+            <a:xfrm rot="-6780000" flipH="1">
+              <a:off x="5847441" y="5211223"/>
+              <a:ext cx="3394" cy="182880"/>
+            </a:xfrm>
+            <a:prstGeom prst="line">
+              <a:avLst/>
+            </a:prstGeom>
+            <a:ln>
+              <a:solidFill>
+                <a:srgbClr val="FFFFFF">
+                  <a:alpha val="30196"/>
+                </a:srgbClr>
+              </a:solidFill>
+            </a:ln>
+          </p:spPr>
+          <p:style>
+            <a:lnRef idx="1">
+              <a:schemeClr val="accent1"/>
+            </a:lnRef>
+            <a:fillRef idx="0">
+              <a:schemeClr val="accent1"/>
+            </a:fillRef>
+            <a:effectRef idx="0">
+              <a:schemeClr val="accent1"/>
+            </a:effectRef>
+            <a:fontRef idx="minor">
+              <a:schemeClr val="tx1"/>
+            </a:fontRef>
+          </p:style>
+        </p:cxnSp>
+        <p:cxnSp>
+          <p:nvCxnSpPr>
+            <p:cNvPr id="110" name="Straight Connector 109">
+              <a:extLst>
+                <a:ext uri="{FF2B5EF4-FFF2-40B4-BE49-F238E27FC236}">
+                  <a16:creationId xmlns:a16="http://schemas.microsoft.com/office/drawing/2014/main" id="{2D383F3C-A57C-472A-9E05-CCD8A4F8E507}"/>
+                </a:ext>
+                <a:ext uri="{C183D7F6-B498-43B3-948B-1728B52AA6E4}">
+                  <adec:decorative xmlns:adec="http://schemas.microsoft.com/office/drawing/2017/decorative" val="1"/>
+                </a:ext>
+              </a:extLst>
+            </p:cNvPr>
+            <p:cNvCxnSpPr/>
+            <p:nvPr>
+              <p:extLst>
+                <p:ext uri="{386F3935-93C4-4BCD-93E2-E3B085C9AB24}">
+                  <p16:designElem xmlns:p16="http://schemas.microsoft.com/office/powerpoint/2015/main" val="1"/>
+                </p:ext>
+              </p:extLst>
+            </p:nvPr>
+          </p:nvCxnSpPr>
+          <p:spPr>
+            <a:xfrm rot="-6900000" flipH="1">
+              <a:off x="5900410" y="5342458"/>
+              <a:ext cx="3394" cy="182880"/>
+            </a:xfrm>
+            <a:prstGeom prst="line">
+              <a:avLst/>
+            </a:prstGeom>
+            <a:ln>
+              <a:solidFill>
+                <a:srgbClr val="FFFFFF">
+                  <a:alpha val="30196"/>
+                </a:srgbClr>
+              </a:solidFill>
+            </a:ln>
+          </p:spPr>
+          <p:style>
+            <a:lnRef idx="1">
+              <a:schemeClr val="accent1"/>
+            </a:lnRef>
+            <a:fillRef idx="0">
+              <a:schemeClr val="accent1"/>
+            </a:fillRef>
+            <a:effectRef idx="0">
+              <a:schemeClr val="accent1"/>
+            </a:effectRef>
+            <a:fontRef idx="minor">
+              <a:schemeClr val="tx1"/>
+            </a:fontRef>
+          </p:style>
+        </p:cxnSp>
+        <p:cxnSp>
+          <p:nvCxnSpPr>
+            <p:cNvPr id="111" name="Straight Connector 110">
+              <a:extLst>
+                <a:ext uri="{FF2B5EF4-FFF2-40B4-BE49-F238E27FC236}">
+                  <a16:creationId xmlns:a16="http://schemas.microsoft.com/office/drawing/2014/main" id="{E534D376-6ABA-4DF9-BBEA-EB5A88180432}"/>
+                </a:ext>
+                <a:ext uri="{C183D7F6-B498-43B3-948B-1728B52AA6E4}">
+                  <adec:decorative xmlns:adec="http://schemas.microsoft.com/office/drawing/2017/decorative" val="1"/>
+                </a:ext>
+              </a:extLst>
+            </p:cNvPr>
+            <p:cNvCxnSpPr/>
+            <p:nvPr>
+              <p:extLst>
+                <p:ext uri="{386F3935-93C4-4BCD-93E2-E3B085C9AB24}">
+                  <p16:designElem xmlns:p16="http://schemas.microsoft.com/office/powerpoint/2015/main" val="1"/>
+                </p:ext>
+              </p:extLst>
+            </p:nvPr>
+          </p:nvCxnSpPr>
+          <p:spPr>
+            <a:xfrm rot="-7020000" flipH="1">
+              <a:off x="5955760" y="5473693"/>
+              <a:ext cx="3394" cy="182880"/>
+            </a:xfrm>
+            <a:prstGeom prst="line">
+              <a:avLst/>
+            </a:prstGeom>
+            <a:ln>
+              <a:solidFill>
+                <a:srgbClr val="FFFFFF">
+                  <a:alpha val="30196"/>
+                </a:srgbClr>
+              </a:solidFill>
+            </a:ln>
+          </p:spPr>
+          <p:style>
+            <a:lnRef idx="1">
+              <a:schemeClr val="accent1"/>
+            </a:lnRef>
+            <a:fillRef idx="0">
+              <a:schemeClr val="accent1"/>
+            </a:fillRef>
+            <a:effectRef idx="0">
+              <a:schemeClr val="accent1"/>
+            </a:effectRef>
+            <a:fontRef idx="minor">
+              <a:schemeClr val="tx1"/>
+            </a:fontRef>
+          </p:style>
+        </p:cxnSp>
+      </p:grpSp>
       <p:pic>
         <p:nvPicPr>
-          <p:cNvPr id="5" name="Content Placeholder 4">
+          <p:cNvPr id="18" name="Picture 17">
             <a:extLst>
               <a:ext uri="{FF2B5EF4-FFF2-40B4-BE49-F238E27FC236}">
-                <a16:creationId xmlns:a16="http://schemas.microsoft.com/office/drawing/2014/main" id="{93F29949-3889-4E56-A1F5-250CD80BCB6B}"/>
+                <a16:creationId xmlns:a16="http://schemas.microsoft.com/office/drawing/2014/main" id="{F9B6C1A5-E510-4B23-BCA9-5FC7710300EE}"/>
               </a:ext>
             </a:extLst>
           </p:cNvPr>
           <p:cNvPicPr>
-            <a:picLocks noGrp="1" noChangeAspect="1"/>
+            <a:picLocks noChangeAspect="1"/>
           </p:cNvPicPr>
-          <p:nvPr>
-            <p:ph idx="1"/>
-          </p:nvPr>
+          <p:nvPr/>
         </p:nvPicPr>
         <p:blipFill>
           <a:blip r:embed="rId3">
@@ -9098,18 +12687,53 @@
         </p:blipFill>
         <p:spPr>
           <a:xfrm>
-            <a:off x="8845162" y="4114587"/>
-            <a:ext cx="3346838" cy="2739549"/>
+            <a:off x="6764895" y="1713060"/>
+            <a:ext cx="4911726" cy="4543345"/>
           </a:xfrm>
-          <a:effectLst>
-            <a:softEdge rad="127000"/>
-          </a:effectLst>
+          <a:prstGeom prst="rect">
+            <a:avLst/>
+          </a:prstGeom>
         </p:spPr>
       </p:pic>
+      <p:sp>
+        <p:nvSpPr>
+          <p:cNvPr id="16" name="TextBox 15">
+            <a:extLst>
+              <a:ext uri="{FF2B5EF4-FFF2-40B4-BE49-F238E27FC236}">
+                <a16:creationId xmlns:a16="http://schemas.microsoft.com/office/drawing/2014/main" id="{093D46A5-EABB-4E4D-83E3-B067DE71CCDB}"/>
+              </a:ext>
+            </a:extLst>
+          </p:cNvPr>
+          <p:cNvSpPr txBox="1"/>
+          <p:nvPr/>
+        </p:nvSpPr>
+        <p:spPr>
+          <a:xfrm>
+            <a:off x="7625918" y="2547891"/>
+            <a:ext cx="3781888" cy="369332"/>
+          </a:xfrm>
+          <a:prstGeom prst="rect">
+            <a:avLst/>
+          </a:prstGeom>
+          <a:noFill/>
+        </p:spPr>
+        <p:txBody>
+          <a:bodyPr wrap="square" rtlCol="0">
+            <a:spAutoFit/>
+          </a:bodyPr>
+          <a:lstStyle/>
+          <a:p>
+            <a:endParaRPr lang="en-US" dirty="0">
+              <a:latin typeface="Times New Roman" panose="02020603050405020304" pitchFamily="18" charset="0"/>
+              <a:cs typeface="Times New Roman" panose="02020603050405020304" pitchFamily="18" charset="0"/>
+            </a:endParaRPr>
+          </a:p>
+        </p:txBody>
+      </p:sp>
     </p:spTree>
     <p:extLst>
       <p:ext uri="{BB962C8B-B14F-4D97-AF65-F5344CB8AC3E}">
-        <p14:creationId xmlns:p14="http://schemas.microsoft.com/office/powerpoint/2010/main" val="1767466377"/>
+        <p14:creationId xmlns:p14="http://schemas.microsoft.com/office/powerpoint/2010/main" val="2066843800"/>
       </p:ext>
     </p:extLst>
   </p:cSld>
@@ -9119,7 +12743,7 @@
 </p:sld>
 </file>
 
-<file path=ppt/slides/slide4.xml><?xml version="1.0" encoding="utf-8"?>
+<file path=ppt/slides/slide3.xml><?xml version="1.0" encoding="utf-8"?>
 <p:sld xmlns:a="http://schemas.openxmlformats.org/drawingml/2006/main" xmlns:r="http://schemas.openxmlformats.org/officeDocument/2006/relationships" xmlns:p="http://schemas.openxmlformats.org/presentationml/2006/main">
   <p:cSld>
     <p:bg>
@@ -9322,7 +12946,7 @@
                 <a:latin typeface="Times New Roman" panose="02020603050405020304" pitchFamily="18" charset="0"/>
                 <a:cs typeface="Times New Roman" panose="02020603050405020304" pitchFamily="18" charset="0"/>
               </a:rPr>
-              <a:t>Module structure</a:t>
+              <a:t>Execution Engine</a:t>
             </a:r>
           </a:p>
         </p:txBody>
@@ -9397,8 +13021,8 @@
         </p:nvSpPr>
         <p:spPr>
           <a:xfrm>
-            <a:off x="855406" y="2315497"/>
-            <a:ext cx="9961820" cy="369332"/>
+            <a:off x="578315" y="2329804"/>
+            <a:ext cx="9961820" cy="923330"/>
           </a:xfrm>
           <a:prstGeom prst="rect">
             <a:avLst/>
@@ -9416,19 +13040,1231 @@
               <a:buChar char="•"/>
             </a:pPr>
             <a:r>
-              <a:rPr lang="en-US" dirty="0">
+              <a:rPr lang="en-US" dirty="0"/>
+              <a:t>The execution engine... </a:t>
+            </a:r>
+          </a:p>
+          <a:p>
+            <a:pPr marL="285750" indent="-285750">
+              <a:buFont typeface="Arial" panose="020B0604020202020204" pitchFamily="34" charset="0"/>
+              <a:buChar char="•"/>
+            </a:pPr>
+            <a:r>
+              <a:rPr lang="en-US" dirty="0"/>
+              <a:t>Data bus flow goes through the execution engine.</a:t>
+            </a:r>
+          </a:p>
+          <a:p>
+            <a:pPr marL="285750" indent="-285750">
+              <a:buFont typeface="Arial" panose="020B0604020202020204" pitchFamily="34" charset="0"/>
+              <a:buChar char="•"/>
+            </a:pPr>
+            <a:endParaRPr lang="en-US" dirty="0"/>
+          </a:p>
+        </p:txBody>
+      </p:sp>
+      <p:sp>
+        <p:nvSpPr>
+          <p:cNvPr id="8" name="TextBox 7">
+            <a:extLst>
+              <a:ext uri="{FF2B5EF4-FFF2-40B4-BE49-F238E27FC236}">
+                <a16:creationId xmlns:a16="http://schemas.microsoft.com/office/drawing/2014/main" id="{9A340B8B-A72C-4A77-9852-7FA5595B8201}"/>
+              </a:ext>
+            </a:extLst>
+          </p:cNvPr>
+          <p:cNvSpPr txBox="1"/>
+          <p:nvPr/>
+        </p:nvSpPr>
+        <p:spPr>
+          <a:xfrm>
+            <a:off x="2222437" y="5502073"/>
+            <a:ext cx="4776188" cy="738664"/>
+          </a:xfrm>
+          <a:prstGeom prst="rect">
+            <a:avLst/>
+          </a:prstGeom>
+          <a:noFill/>
+        </p:spPr>
+        <p:txBody>
+          <a:bodyPr wrap="square" rtlCol="0">
+            <a:spAutoFit/>
+          </a:bodyPr>
+          <a:lstStyle/>
+          <a:p>
+            <a:pPr algn="ctr"/>
+            <a:r>
+              <a:rPr lang="en-US" altLang="en-US" sz="1400" dirty="0">
+                <a:latin typeface="Times New Roman" panose="02020603050405020304" pitchFamily="18" charset="0"/>
+                <a:ea typeface="Times New Roman" panose="02020603050405020304" pitchFamily="18" charset="0"/>
+                <a:cs typeface="Times New Roman" panose="02020603050405020304" pitchFamily="18" charset="0"/>
+              </a:rPr>
+              <a:t>Exceptions:</a:t>
+            </a:r>
+            <a:br>
+              <a:rPr lang="en-US" altLang="en-US" sz="1400" dirty="0">
+                <a:latin typeface="Times New Roman" panose="02020603050405020304" pitchFamily="18" charset="0"/>
+                <a:ea typeface="Times New Roman" panose="02020603050405020304" pitchFamily="18" charset="0"/>
+                <a:cs typeface="Times New Roman" panose="02020603050405020304" pitchFamily="18" charset="0"/>
+              </a:rPr>
+            </a:br>
+            <a:r>
+              <a:rPr lang="en-US" altLang="en-US" sz="1400" dirty="0">
+                <a:latin typeface="Times New Roman" panose="02020603050405020304" pitchFamily="18" charset="0"/>
+                <a:ea typeface="Times New Roman" panose="02020603050405020304" pitchFamily="18" charset="0"/>
+                <a:cs typeface="Times New Roman" panose="02020603050405020304" pitchFamily="18" charset="0"/>
+              </a:rPr>
+              <a:t>Stop; 000000000000000000000000000000000000000</a:t>
+            </a:r>
+            <a:br>
+              <a:rPr lang="en-US" altLang="en-US" sz="1400" dirty="0">
+                <a:latin typeface="Times New Roman" panose="02020603050405020304" pitchFamily="18" charset="0"/>
+                <a:ea typeface="Times New Roman" panose="02020603050405020304" pitchFamily="18" charset="0"/>
+                <a:cs typeface="Times New Roman" panose="02020603050405020304" pitchFamily="18" charset="0"/>
+              </a:rPr>
+            </a:br>
+            <a:r>
+              <a:rPr lang="en-US" altLang="en-US" sz="1400" dirty="0">
+                <a:latin typeface="Times New Roman" panose="02020603050405020304" pitchFamily="18" charset="0"/>
+                <a:ea typeface="Times New Roman" panose="02020603050405020304" pitchFamily="18" charset="0"/>
+                <a:cs typeface="Times New Roman" panose="02020603050405020304" pitchFamily="18" charset="0"/>
+              </a:rPr>
+              <a:t> Scalar; second Reg/Mem bit not used </a:t>
+            </a:r>
+            <a:endParaRPr lang="en-US" altLang="en-US" sz="1400" dirty="0">
+              <a:latin typeface="Times New Roman" panose="02020603050405020304" pitchFamily="18" charset="0"/>
+              <a:cs typeface="Times New Roman" panose="02020603050405020304" pitchFamily="18" charset="0"/>
+            </a:endParaRPr>
+          </a:p>
+        </p:txBody>
+      </p:sp>
+      <p:graphicFrame>
+        <p:nvGraphicFramePr>
+          <p:cNvPr id="10" name="Content Placeholder 6">
+            <a:extLst>
+              <a:ext uri="{FF2B5EF4-FFF2-40B4-BE49-F238E27FC236}">
+                <a16:creationId xmlns:a16="http://schemas.microsoft.com/office/drawing/2014/main" id="{E6C71494-CF29-4584-A903-32EDFB104F98}"/>
+              </a:ext>
+            </a:extLst>
+          </p:cNvPr>
+          <p:cNvGraphicFramePr>
+            <a:graphicFrameLocks/>
+          </p:cNvGraphicFramePr>
+          <p:nvPr>
+            <p:extLst>
+              <p:ext uri="{D42A27DB-BD31-4B8C-83A1-F6EECF244321}">
+                <p14:modId xmlns:p14="http://schemas.microsoft.com/office/powerpoint/2010/main" val="3769955971"/>
+              </p:ext>
+            </p:extLst>
+          </p:nvPr>
+        </p:nvGraphicFramePr>
+        <p:xfrm>
+          <a:off x="2222437" y="4009510"/>
+          <a:ext cx="4776188" cy="1417610"/>
+        </p:xfrm>
+        <a:graphic>
+          <a:graphicData uri="http://schemas.openxmlformats.org/drawingml/2006/table">
+            <a:tbl>
+              <a:tblPr firstRow="1" firstCol="1" bandRow="1">
+                <a:tableStyleId>{125E5076-3810-47DD-B79F-674D7AD40C01}</a:tableStyleId>
+              </a:tblPr>
+              <a:tblGrid>
+                <a:gridCol w="682312">
+                  <a:extLst>
+                    <a:ext uri="{9D8B030D-6E8A-4147-A177-3AD203B41FA5}">
+                      <a16:colId xmlns:a16="http://schemas.microsoft.com/office/drawing/2014/main" val="1676149135"/>
+                    </a:ext>
+                  </a:extLst>
+                </a:gridCol>
+                <a:gridCol w="615368">
+                  <a:extLst>
+                    <a:ext uri="{9D8B030D-6E8A-4147-A177-3AD203B41FA5}">
+                      <a16:colId xmlns:a16="http://schemas.microsoft.com/office/drawing/2014/main" val="3717370993"/>
+                    </a:ext>
+                  </a:extLst>
+                </a:gridCol>
+                <a:gridCol w="793027">
+                  <a:extLst>
+                    <a:ext uri="{9D8B030D-6E8A-4147-A177-3AD203B41FA5}">
+                      <a16:colId xmlns:a16="http://schemas.microsoft.com/office/drawing/2014/main" val="992370490"/>
+                    </a:ext>
+                  </a:extLst>
+                </a:gridCol>
+                <a:gridCol w="585758">
+                  <a:extLst>
+                    <a:ext uri="{9D8B030D-6E8A-4147-A177-3AD203B41FA5}">
+                      <a16:colId xmlns:a16="http://schemas.microsoft.com/office/drawing/2014/main" val="1759614060"/>
+                    </a:ext>
+                  </a:extLst>
+                </a:gridCol>
+                <a:gridCol w="802039">
+                  <a:extLst>
+                    <a:ext uri="{9D8B030D-6E8A-4147-A177-3AD203B41FA5}">
+                      <a16:colId xmlns:a16="http://schemas.microsoft.com/office/drawing/2014/main" val="1225597487"/>
+                    </a:ext>
+                  </a:extLst>
+                </a:gridCol>
+                <a:gridCol w="603782">
+                  <a:extLst>
+                    <a:ext uri="{9D8B030D-6E8A-4147-A177-3AD203B41FA5}">
+                      <a16:colId xmlns:a16="http://schemas.microsoft.com/office/drawing/2014/main" val="4206049787"/>
+                    </a:ext>
+                  </a:extLst>
+                </a:gridCol>
+                <a:gridCol w="693902">
+                  <a:extLst>
+                    <a:ext uri="{9D8B030D-6E8A-4147-A177-3AD203B41FA5}">
+                      <a16:colId xmlns:a16="http://schemas.microsoft.com/office/drawing/2014/main" val="3526264832"/>
+                    </a:ext>
+                  </a:extLst>
+                </a:gridCol>
+              </a:tblGrid>
+              <a:tr h="413702">
+                <a:tc gridSpan="7">
+                  <a:txBody>
+                    <a:bodyPr/>
+                    <a:lstStyle/>
+                    <a:p>
+                      <a:pPr marL="0" marR="0" algn="ctr">
+                        <a:lnSpc>
+                          <a:spcPct val="107000"/>
+                        </a:lnSpc>
+                        <a:spcBef>
+                          <a:spcPts val="0"/>
+                        </a:spcBef>
+                        <a:spcAft>
+                          <a:spcPts val="0"/>
+                        </a:spcAft>
+                      </a:pPr>
+                      <a:r>
+                        <a:rPr lang="en-US" sz="1200" dirty="0">
+                          <a:effectLst/>
+                        </a:rPr>
+                        <a:t>Opcode Structure for Execution engine</a:t>
+                      </a:r>
+                      <a:endParaRPr lang="en-US" sz="1200" dirty="0">
+                        <a:effectLst/>
+                        <a:latin typeface="Calibri" panose="020F0502020204030204" pitchFamily="34" charset="0"/>
+                        <a:ea typeface="Calibri" panose="020F0502020204030204" pitchFamily="34" charset="0"/>
+                        <a:cs typeface="Times New Roman" panose="02020603050405020304" pitchFamily="18" charset="0"/>
+                      </a:endParaRPr>
+                    </a:p>
+                  </a:txBody>
+                  <a:tcPr marL="3485" marR="3485" marT="3485" marB="3485" anchor="ctr">
+                    <a:lnB w="19050" cap="flat" cmpd="sng" algn="ctr">
+                      <a:solidFill>
+                        <a:schemeClr val="tx1"/>
+                      </a:solidFill>
+                      <a:prstDash val="solid"/>
+                      <a:round/>
+                      <a:headEnd type="none" w="med" len="med"/>
+                      <a:tailEnd type="none" w="med" len="med"/>
+                    </a:lnB>
+                  </a:tcPr>
+                </a:tc>
+                <a:tc hMerge="1">
+                  <a:txBody>
+                    <a:bodyPr/>
+                    <a:lstStyle/>
+                    <a:p>
+                      <a:pPr marL="0" marR="0" algn="ctr">
+                        <a:lnSpc>
+                          <a:spcPct val="107000"/>
+                        </a:lnSpc>
+                        <a:spcBef>
+                          <a:spcPts val="0"/>
+                        </a:spcBef>
+                        <a:spcAft>
+                          <a:spcPts val="0"/>
+                        </a:spcAft>
+                      </a:pPr>
+                      <a:endParaRPr lang="en-US" sz="1200" dirty="0">
+                        <a:effectLst/>
+                        <a:latin typeface="Calibri" panose="020F0502020204030204" pitchFamily="34" charset="0"/>
+                        <a:ea typeface="Calibri" panose="020F0502020204030204" pitchFamily="34" charset="0"/>
+                        <a:cs typeface="Times New Roman" panose="02020603050405020304" pitchFamily="18" charset="0"/>
+                      </a:endParaRPr>
+                    </a:p>
+                  </a:txBody>
+                  <a:tcPr marL="3485" marR="3485" marT="3485" marB="3485" anchor="ctr"/>
+                </a:tc>
+                <a:tc hMerge="1">
+                  <a:txBody>
+                    <a:bodyPr/>
+                    <a:lstStyle/>
+                    <a:p>
+                      <a:pPr marL="0" marR="0" algn="ctr">
+                        <a:lnSpc>
+                          <a:spcPct val="107000"/>
+                        </a:lnSpc>
+                        <a:spcBef>
+                          <a:spcPts val="0"/>
+                        </a:spcBef>
+                        <a:spcAft>
+                          <a:spcPts val="0"/>
+                        </a:spcAft>
+                      </a:pPr>
+                      <a:endParaRPr lang="en-US" sz="1200" dirty="0">
+                        <a:effectLst/>
+                        <a:latin typeface="Calibri" panose="020F0502020204030204" pitchFamily="34" charset="0"/>
+                        <a:ea typeface="Calibri" panose="020F0502020204030204" pitchFamily="34" charset="0"/>
+                        <a:cs typeface="Times New Roman" panose="02020603050405020304" pitchFamily="18" charset="0"/>
+                      </a:endParaRPr>
+                    </a:p>
+                  </a:txBody>
+                  <a:tcPr marL="3485" marR="3485" marT="3485" marB="3485" anchor="ctr"/>
+                </a:tc>
+                <a:tc hMerge="1">
+                  <a:txBody>
+                    <a:bodyPr/>
+                    <a:lstStyle/>
+                    <a:p>
+                      <a:pPr marL="0" marR="0" algn="ctr">
+                        <a:lnSpc>
+                          <a:spcPct val="107000"/>
+                        </a:lnSpc>
+                        <a:spcBef>
+                          <a:spcPts val="0"/>
+                        </a:spcBef>
+                        <a:spcAft>
+                          <a:spcPts val="0"/>
+                        </a:spcAft>
+                      </a:pPr>
+                      <a:endParaRPr lang="en-US" sz="1200" dirty="0">
+                        <a:effectLst/>
+                        <a:latin typeface="Calibri" panose="020F0502020204030204" pitchFamily="34" charset="0"/>
+                        <a:ea typeface="Calibri" panose="020F0502020204030204" pitchFamily="34" charset="0"/>
+                        <a:cs typeface="Times New Roman" panose="02020603050405020304" pitchFamily="18" charset="0"/>
+                      </a:endParaRPr>
+                    </a:p>
+                  </a:txBody>
+                  <a:tcPr marL="3485" marR="3485" marT="3485" marB="3485" anchor="ctr"/>
+                </a:tc>
+                <a:tc hMerge="1">
+                  <a:txBody>
+                    <a:bodyPr/>
+                    <a:lstStyle/>
+                    <a:p>
+                      <a:pPr marL="0" marR="0" algn="ctr">
+                        <a:lnSpc>
+                          <a:spcPct val="107000"/>
+                        </a:lnSpc>
+                        <a:spcBef>
+                          <a:spcPts val="0"/>
+                        </a:spcBef>
+                        <a:spcAft>
+                          <a:spcPts val="0"/>
+                        </a:spcAft>
+                      </a:pPr>
+                      <a:endParaRPr lang="en-US" sz="1200" dirty="0">
+                        <a:effectLst/>
+                        <a:latin typeface="Calibri" panose="020F0502020204030204" pitchFamily="34" charset="0"/>
+                        <a:ea typeface="Calibri" panose="020F0502020204030204" pitchFamily="34" charset="0"/>
+                        <a:cs typeface="Times New Roman" panose="02020603050405020304" pitchFamily="18" charset="0"/>
+                      </a:endParaRPr>
+                    </a:p>
+                  </a:txBody>
+                  <a:tcPr marL="3485" marR="3485" marT="3485" marB="3485" anchor="ctr"/>
+                </a:tc>
+                <a:tc hMerge="1">
+                  <a:txBody>
+                    <a:bodyPr/>
+                    <a:lstStyle/>
+                    <a:p>
+                      <a:pPr marL="0" marR="0" algn="ctr">
+                        <a:lnSpc>
+                          <a:spcPct val="107000"/>
+                        </a:lnSpc>
+                        <a:spcBef>
+                          <a:spcPts val="0"/>
+                        </a:spcBef>
+                        <a:spcAft>
+                          <a:spcPts val="0"/>
+                        </a:spcAft>
+                      </a:pPr>
+                      <a:endParaRPr lang="en-US" sz="1200" dirty="0">
+                        <a:effectLst/>
+                        <a:latin typeface="Calibri" panose="020F0502020204030204" pitchFamily="34" charset="0"/>
+                        <a:ea typeface="Calibri" panose="020F0502020204030204" pitchFamily="34" charset="0"/>
+                        <a:cs typeface="Times New Roman" panose="02020603050405020304" pitchFamily="18" charset="0"/>
+                      </a:endParaRPr>
+                    </a:p>
+                  </a:txBody>
+                  <a:tcPr marL="3485" marR="3485" marT="3485" marB="3485" anchor="ctr"/>
+                </a:tc>
+                <a:tc hMerge="1">
+                  <a:txBody>
+                    <a:bodyPr/>
+                    <a:lstStyle/>
+                    <a:p>
+                      <a:pPr marL="0" marR="0" algn="ctr">
+                        <a:lnSpc>
+                          <a:spcPct val="107000"/>
+                        </a:lnSpc>
+                        <a:spcBef>
+                          <a:spcPts val="0"/>
+                        </a:spcBef>
+                        <a:spcAft>
+                          <a:spcPts val="0"/>
+                        </a:spcAft>
+                      </a:pPr>
+                      <a:endParaRPr lang="en-US" sz="1200" dirty="0">
+                        <a:effectLst/>
+                        <a:latin typeface="Calibri" panose="020F0502020204030204" pitchFamily="34" charset="0"/>
+                        <a:ea typeface="Calibri" panose="020F0502020204030204" pitchFamily="34" charset="0"/>
+                        <a:cs typeface="Times New Roman" panose="02020603050405020304" pitchFamily="18" charset="0"/>
+                      </a:endParaRPr>
+                    </a:p>
+                  </a:txBody>
+                  <a:tcPr marL="3485" marR="3485" marT="3485" marB="3485" anchor="ctr"/>
+                </a:tc>
+                <a:extLst>
+                  <a:ext uri="{0D108BD9-81ED-4DB2-BD59-A6C34878D82A}">
+                    <a16:rowId xmlns:a16="http://schemas.microsoft.com/office/drawing/2014/main" val="1231873303"/>
+                  </a:ext>
+                </a:extLst>
+              </a:tr>
+              <a:tr h="501954">
+                <a:tc>
+                  <a:txBody>
+                    <a:bodyPr/>
+                    <a:lstStyle/>
+                    <a:p>
+                      <a:pPr marL="0" marR="0" algn="ctr">
+                        <a:lnSpc>
+                          <a:spcPct val="107000"/>
+                        </a:lnSpc>
+                        <a:spcBef>
+                          <a:spcPts val="0"/>
+                        </a:spcBef>
+                        <a:spcAft>
+                          <a:spcPts val="0"/>
+                        </a:spcAft>
+                      </a:pPr>
+                      <a:r>
+                        <a:rPr lang="en-US" sz="1200" dirty="0">
+                          <a:effectLst/>
+                        </a:rPr>
+                        <a:t>XXXX</a:t>
+                      </a:r>
+                      <a:endParaRPr lang="en-US" sz="1200" dirty="0">
+                        <a:effectLst/>
+                        <a:latin typeface="Calibri" panose="020F0502020204030204" pitchFamily="34" charset="0"/>
+                        <a:ea typeface="Calibri" panose="020F0502020204030204" pitchFamily="34" charset="0"/>
+                        <a:cs typeface="Times New Roman" panose="02020603050405020304" pitchFamily="18" charset="0"/>
+                      </a:endParaRPr>
+                    </a:p>
+                  </a:txBody>
+                  <a:tcPr marL="3485" marR="3485" marT="3485" marB="3485" anchor="ctr">
+                    <a:lnL w="12700" cap="flat" cmpd="sng" algn="ctr">
+                      <a:solidFill>
+                        <a:schemeClr val="tx1"/>
+                      </a:solidFill>
+                      <a:prstDash val="solid"/>
+                      <a:round/>
+                      <a:headEnd type="none" w="med" len="med"/>
+                      <a:tailEnd type="none" w="med" len="med"/>
+                    </a:lnL>
+                    <a:lnR w="12700" cap="flat" cmpd="sng" algn="ctr">
+                      <a:noFill/>
+                      <a:prstDash val="solid"/>
+                      <a:round/>
+                      <a:headEnd type="none" w="med" len="med"/>
+                      <a:tailEnd type="none" w="med" len="med"/>
+                    </a:lnR>
+                    <a:lnT w="19050" cap="flat" cmpd="sng" algn="ctr">
+                      <a:solidFill>
+                        <a:schemeClr val="tx1"/>
+                      </a:solidFill>
+                      <a:prstDash val="solid"/>
+                      <a:round/>
+                      <a:headEnd type="none" w="med" len="med"/>
+                      <a:tailEnd type="none" w="med" len="med"/>
+                    </a:lnT>
+                    <a:lnB w="12700" cap="flat" cmpd="sng" algn="ctr">
+                      <a:noFill/>
+                      <a:prstDash val="solid"/>
+                      <a:round/>
+                      <a:headEnd type="none" w="med" len="med"/>
+                      <a:tailEnd type="none" w="med" len="med"/>
+                    </a:lnB>
+                    <a:lnTlToBr w="12700" cmpd="sng">
+                      <a:noFill/>
+                      <a:prstDash val="solid"/>
+                    </a:lnTlToBr>
+                    <a:lnBlToTr w="12700" cmpd="sng">
+                      <a:noFill/>
+                      <a:prstDash val="solid"/>
+                    </a:lnBlToTr>
+                  </a:tcPr>
+                </a:tc>
+                <a:tc>
+                  <a:txBody>
+                    <a:bodyPr/>
+                    <a:lstStyle/>
+                    <a:p>
+                      <a:pPr marL="0" marR="0" algn="ctr">
+                        <a:lnSpc>
+                          <a:spcPct val="107000"/>
+                        </a:lnSpc>
+                        <a:spcBef>
+                          <a:spcPts val="0"/>
+                        </a:spcBef>
+                        <a:spcAft>
+                          <a:spcPts val="0"/>
+                        </a:spcAft>
+                      </a:pPr>
+                      <a:r>
+                        <a:rPr lang="en-US" sz="1200" dirty="0">
+                          <a:effectLst/>
+                        </a:rPr>
+                        <a:t>XX</a:t>
+                      </a:r>
+                      <a:endParaRPr lang="en-US" sz="1200" dirty="0">
+                        <a:effectLst/>
+                        <a:latin typeface="Calibri" panose="020F0502020204030204" pitchFamily="34" charset="0"/>
+                        <a:ea typeface="Calibri" panose="020F0502020204030204" pitchFamily="34" charset="0"/>
+                        <a:cs typeface="Times New Roman" panose="02020603050405020304" pitchFamily="18" charset="0"/>
+                      </a:endParaRPr>
+                    </a:p>
+                  </a:txBody>
+                  <a:tcPr marL="3485" marR="3485" marT="3485" marB="3485" anchor="ctr">
+                    <a:lnL w="12700" cap="flat" cmpd="sng" algn="ctr">
+                      <a:noFill/>
+                      <a:prstDash val="solid"/>
+                      <a:round/>
+                      <a:headEnd type="none" w="med" len="med"/>
+                      <a:tailEnd type="none" w="med" len="med"/>
+                    </a:lnL>
+                    <a:lnT w="19050" cap="flat" cmpd="sng" algn="ctr">
+                      <a:solidFill>
+                        <a:schemeClr val="tx1"/>
+                      </a:solidFill>
+                      <a:prstDash val="solid"/>
+                      <a:round/>
+                      <a:headEnd type="none" w="med" len="med"/>
+                      <a:tailEnd type="none" w="med" len="med"/>
+                    </a:lnT>
+                  </a:tcPr>
+                </a:tc>
+                <a:tc>
+                  <a:txBody>
+                    <a:bodyPr/>
+                    <a:lstStyle/>
+                    <a:p>
+                      <a:pPr marL="0" marR="0" algn="ctr">
+                        <a:lnSpc>
+                          <a:spcPct val="107000"/>
+                        </a:lnSpc>
+                        <a:spcBef>
+                          <a:spcPts val="0"/>
+                        </a:spcBef>
+                        <a:spcAft>
+                          <a:spcPts val="0"/>
+                        </a:spcAft>
+                      </a:pPr>
+                      <a:r>
+                        <a:rPr lang="en-US" sz="1200" dirty="0">
+                          <a:effectLst/>
+                        </a:rPr>
+                        <a:t>XXXXXXXX</a:t>
+                      </a:r>
+                      <a:endParaRPr lang="en-US" sz="1200" dirty="0">
+                        <a:effectLst/>
+                        <a:latin typeface="Calibri" panose="020F0502020204030204" pitchFamily="34" charset="0"/>
+                        <a:ea typeface="Calibri" panose="020F0502020204030204" pitchFamily="34" charset="0"/>
+                        <a:cs typeface="Times New Roman" panose="02020603050405020304" pitchFamily="18" charset="0"/>
+                      </a:endParaRPr>
+                    </a:p>
+                  </a:txBody>
+                  <a:tcPr marL="3485" marR="3485" marT="3485" marB="3485" anchor="ctr">
+                    <a:lnT w="19050" cap="flat" cmpd="sng" algn="ctr">
+                      <a:solidFill>
+                        <a:schemeClr val="tx1"/>
+                      </a:solidFill>
+                      <a:prstDash val="solid"/>
+                      <a:round/>
+                      <a:headEnd type="none" w="med" len="med"/>
+                      <a:tailEnd type="none" w="med" len="med"/>
+                    </a:lnT>
+                  </a:tcPr>
+                </a:tc>
+                <a:tc>
+                  <a:txBody>
+                    <a:bodyPr/>
+                    <a:lstStyle/>
+                    <a:p>
+                      <a:pPr marL="0" marR="0" algn="ctr">
+                        <a:lnSpc>
+                          <a:spcPct val="107000"/>
+                        </a:lnSpc>
+                        <a:spcBef>
+                          <a:spcPts val="0"/>
+                        </a:spcBef>
+                        <a:spcAft>
+                          <a:spcPts val="0"/>
+                        </a:spcAft>
+                      </a:pPr>
+                      <a:r>
+                        <a:rPr lang="en-US" sz="1200" dirty="0">
+                          <a:effectLst/>
+                        </a:rPr>
+                        <a:t>X</a:t>
+                      </a:r>
+                      <a:endParaRPr lang="en-US" sz="1200" dirty="0">
+                        <a:effectLst/>
+                        <a:latin typeface="Calibri" panose="020F0502020204030204" pitchFamily="34" charset="0"/>
+                        <a:ea typeface="Calibri" panose="020F0502020204030204" pitchFamily="34" charset="0"/>
+                        <a:cs typeface="Times New Roman" panose="02020603050405020304" pitchFamily="18" charset="0"/>
+                      </a:endParaRPr>
+                    </a:p>
+                  </a:txBody>
+                  <a:tcPr marL="3485" marR="3485" marT="3485" marB="3485" anchor="ctr">
+                    <a:lnT w="19050" cap="flat" cmpd="sng" algn="ctr">
+                      <a:solidFill>
+                        <a:schemeClr val="tx1"/>
+                      </a:solidFill>
+                      <a:prstDash val="solid"/>
+                      <a:round/>
+                      <a:headEnd type="none" w="med" len="med"/>
+                      <a:tailEnd type="none" w="med" len="med"/>
+                    </a:lnT>
+                  </a:tcPr>
+                </a:tc>
+                <a:tc>
+                  <a:txBody>
+                    <a:bodyPr/>
+                    <a:lstStyle/>
+                    <a:p>
+                      <a:pPr marL="0" marR="0" algn="ctr">
+                        <a:lnSpc>
+                          <a:spcPct val="107000"/>
+                        </a:lnSpc>
+                        <a:spcBef>
+                          <a:spcPts val="0"/>
+                        </a:spcBef>
+                        <a:spcAft>
+                          <a:spcPts val="0"/>
+                        </a:spcAft>
+                      </a:pPr>
+                      <a:r>
+                        <a:rPr lang="en-US" sz="1200" dirty="0">
+                          <a:effectLst/>
+                        </a:rPr>
+                        <a:t>XXXXXXXX</a:t>
+                      </a:r>
+                      <a:endParaRPr lang="en-US" sz="1200" dirty="0">
+                        <a:effectLst/>
+                        <a:latin typeface="Calibri" panose="020F0502020204030204" pitchFamily="34" charset="0"/>
+                        <a:ea typeface="Calibri" panose="020F0502020204030204" pitchFamily="34" charset="0"/>
+                        <a:cs typeface="Times New Roman" panose="02020603050405020304" pitchFamily="18" charset="0"/>
+                      </a:endParaRPr>
+                    </a:p>
+                  </a:txBody>
+                  <a:tcPr marL="3485" marR="3485" marT="3485" marB="3485" anchor="ctr">
+                    <a:lnT w="19050" cap="flat" cmpd="sng" algn="ctr">
+                      <a:solidFill>
+                        <a:schemeClr val="tx1"/>
+                      </a:solidFill>
+                      <a:prstDash val="solid"/>
+                      <a:round/>
+                      <a:headEnd type="none" w="med" len="med"/>
+                      <a:tailEnd type="none" w="med" len="med"/>
+                    </a:lnT>
+                  </a:tcPr>
+                </a:tc>
+                <a:tc>
+                  <a:txBody>
+                    <a:bodyPr/>
+                    <a:lstStyle/>
+                    <a:p>
+                      <a:pPr marL="0" marR="0" algn="ctr">
+                        <a:lnSpc>
+                          <a:spcPct val="107000"/>
+                        </a:lnSpc>
+                        <a:spcBef>
+                          <a:spcPts val="0"/>
+                        </a:spcBef>
+                        <a:spcAft>
+                          <a:spcPts val="0"/>
+                        </a:spcAft>
+                      </a:pPr>
+                      <a:r>
+                        <a:rPr lang="en-US" sz="1200" dirty="0">
+                          <a:effectLst/>
+                        </a:rPr>
+                        <a:t>X</a:t>
+                      </a:r>
+                      <a:endParaRPr lang="en-US" sz="1200" dirty="0">
+                        <a:effectLst/>
+                        <a:latin typeface="Calibri" panose="020F0502020204030204" pitchFamily="34" charset="0"/>
+                        <a:ea typeface="Calibri" panose="020F0502020204030204" pitchFamily="34" charset="0"/>
+                        <a:cs typeface="Times New Roman" panose="02020603050405020304" pitchFamily="18" charset="0"/>
+                      </a:endParaRPr>
+                    </a:p>
+                  </a:txBody>
+                  <a:tcPr marL="3485" marR="3485" marT="3485" marB="3485" anchor="ctr">
+                    <a:lnT w="19050" cap="flat" cmpd="sng" algn="ctr">
+                      <a:solidFill>
+                        <a:schemeClr val="tx1"/>
+                      </a:solidFill>
+                      <a:prstDash val="solid"/>
+                      <a:round/>
+                      <a:headEnd type="none" w="med" len="med"/>
+                      <a:tailEnd type="none" w="med" len="med"/>
+                    </a:lnT>
+                  </a:tcPr>
+                </a:tc>
+                <a:tc>
+                  <a:txBody>
+                    <a:bodyPr/>
+                    <a:lstStyle/>
+                    <a:p>
+                      <a:pPr marL="0" marR="0" algn="ctr">
+                        <a:lnSpc>
+                          <a:spcPct val="107000"/>
+                        </a:lnSpc>
+                        <a:spcBef>
+                          <a:spcPts val="0"/>
+                        </a:spcBef>
+                        <a:spcAft>
+                          <a:spcPts val="0"/>
+                        </a:spcAft>
+                      </a:pPr>
+                      <a:r>
+                        <a:rPr lang="en-US" sz="1200" dirty="0">
+                          <a:effectLst/>
+                        </a:rPr>
+                        <a:t>XXXXXXXX</a:t>
+                      </a:r>
+                      <a:endParaRPr lang="en-US" sz="1200" dirty="0">
+                        <a:effectLst/>
+                        <a:latin typeface="Calibri" panose="020F0502020204030204" pitchFamily="34" charset="0"/>
+                        <a:ea typeface="Calibri" panose="020F0502020204030204" pitchFamily="34" charset="0"/>
+                        <a:cs typeface="Times New Roman" panose="02020603050405020304" pitchFamily="18" charset="0"/>
+                      </a:endParaRPr>
+                    </a:p>
+                  </a:txBody>
+                  <a:tcPr marL="3485" marR="3485" marT="3485" marB="3485" anchor="ctr">
+                    <a:lnR w="12700" cap="flat" cmpd="sng" algn="ctr">
+                      <a:solidFill>
+                        <a:schemeClr val="tx1"/>
+                      </a:solidFill>
+                      <a:prstDash val="solid"/>
+                      <a:round/>
+                      <a:headEnd type="none" w="med" len="med"/>
+                      <a:tailEnd type="none" w="med" len="med"/>
+                    </a:lnR>
+                    <a:lnT w="19050" cap="flat" cmpd="sng" algn="ctr">
+                      <a:solidFill>
+                        <a:schemeClr val="tx1"/>
+                      </a:solidFill>
+                      <a:prstDash val="solid"/>
+                      <a:round/>
+                      <a:headEnd type="none" w="med" len="med"/>
+                      <a:tailEnd type="none" w="med" len="med"/>
+                    </a:lnT>
+                  </a:tcPr>
+                </a:tc>
+                <a:extLst>
+                  <a:ext uri="{0D108BD9-81ED-4DB2-BD59-A6C34878D82A}">
+                    <a16:rowId xmlns:a16="http://schemas.microsoft.com/office/drawing/2014/main" val="2407423973"/>
+                  </a:ext>
+                </a:extLst>
+              </a:tr>
+              <a:tr h="501954">
+                <a:tc>
+                  <a:txBody>
+                    <a:bodyPr/>
+                    <a:lstStyle/>
+                    <a:p>
+                      <a:pPr marL="0" marR="0" algn="ctr">
+                        <a:lnSpc>
+                          <a:spcPct val="107000"/>
+                        </a:lnSpc>
+                        <a:spcBef>
+                          <a:spcPts val="0"/>
+                        </a:spcBef>
+                        <a:spcAft>
+                          <a:spcPts val="0"/>
+                        </a:spcAft>
+                      </a:pPr>
+                      <a:r>
+                        <a:rPr lang="en-US" sz="1100" dirty="0">
+                          <a:effectLst/>
+                        </a:rPr>
+                        <a:t>OP</a:t>
+                      </a:r>
+                      <a:endParaRPr lang="en-US" sz="1100" dirty="0">
+                        <a:effectLst/>
+                        <a:latin typeface="Calibri" panose="020F0502020204030204" pitchFamily="34" charset="0"/>
+                        <a:ea typeface="Calibri" panose="020F0502020204030204" pitchFamily="34" charset="0"/>
+                        <a:cs typeface="Times New Roman" panose="02020603050405020304" pitchFamily="18" charset="0"/>
+                      </a:endParaRPr>
+                    </a:p>
+                  </a:txBody>
+                  <a:tcPr marL="3485" marR="3485" marT="3485" marB="3485" anchor="ctr">
+                    <a:lnL w="12700" cap="flat" cmpd="sng" algn="ctr">
+                      <a:solidFill>
+                        <a:schemeClr val="tx1"/>
+                      </a:solidFill>
+                      <a:prstDash val="solid"/>
+                      <a:round/>
+                      <a:headEnd type="none" w="med" len="med"/>
+                      <a:tailEnd type="none" w="med" len="med"/>
+                    </a:lnL>
+                    <a:lnR w="12700" cap="flat" cmpd="sng" algn="ctr">
+                      <a:noFill/>
+                      <a:prstDash val="solid"/>
+                      <a:round/>
+                      <a:headEnd type="none" w="med" len="med"/>
+                      <a:tailEnd type="none" w="med" len="med"/>
+                    </a:lnR>
+                    <a:lnT w="12700" cap="flat" cmpd="sng" algn="ctr">
+                      <a:noFill/>
+                      <a:prstDash val="solid"/>
+                      <a:round/>
+                      <a:headEnd type="none" w="med" len="med"/>
+                      <a:tailEnd type="none" w="med" len="med"/>
+                    </a:lnT>
+                    <a:lnB w="12700" cap="flat" cmpd="sng" algn="ctr">
+                      <a:solidFill>
+                        <a:schemeClr val="tx1"/>
+                      </a:solidFill>
+                      <a:prstDash val="solid"/>
+                      <a:round/>
+                      <a:headEnd type="none" w="med" len="med"/>
+                      <a:tailEnd type="none" w="med" len="med"/>
+                    </a:lnB>
+                    <a:solidFill>
+                      <a:schemeClr val="accent1"/>
+                    </a:solidFill>
+                  </a:tcPr>
+                </a:tc>
+                <a:tc>
+                  <a:txBody>
+                    <a:bodyPr/>
+                    <a:lstStyle/>
+                    <a:p>
+                      <a:pPr marL="0" marR="0" algn="ctr">
+                        <a:lnSpc>
+                          <a:spcPct val="107000"/>
+                        </a:lnSpc>
+                        <a:spcBef>
+                          <a:spcPts val="0"/>
+                        </a:spcBef>
+                        <a:spcAft>
+                          <a:spcPts val="0"/>
+                        </a:spcAft>
+                      </a:pPr>
+                      <a:r>
+                        <a:rPr lang="en-US" sz="1100" dirty="0">
+                          <a:effectLst/>
+                        </a:rPr>
+                        <a:t>Reg/Mem</a:t>
+                      </a:r>
+                      <a:endParaRPr lang="en-US" sz="1100" dirty="0">
+                        <a:effectLst/>
+                        <a:latin typeface="Calibri" panose="020F0502020204030204" pitchFamily="34" charset="0"/>
+                        <a:ea typeface="Calibri" panose="020F0502020204030204" pitchFamily="34" charset="0"/>
+                        <a:cs typeface="Times New Roman" panose="02020603050405020304" pitchFamily="18" charset="0"/>
+                      </a:endParaRPr>
+                    </a:p>
+                  </a:txBody>
+                  <a:tcPr marL="3485" marR="3485" marT="3485" marB="3485" anchor="ctr">
+                    <a:lnL w="12700" cap="flat" cmpd="sng" algn="ctr">
+                      <a:noFill/>
+                      <a:prstDash val="solid"/>
+                      <a:round/>
+                      <a:headEnd type="none" w="med" len="med"/>
+                      <a:tailEnd type="none" w="med" len="med"/>
+                    </a:lnL>
+                    <a:lnB w="12700" cap="flat" cmpd="sng" algn="ctr">
+                      <a:solidFill>
+                        <a:schemeClr val="tx1"/>
+                      </a:solidFill>
+                      <a:prstDash val="solid"/>
+                      <a:round/>
+                      <a:headEnd type="none" w="med" len="med"/>
+                      <a:tailEnd type="none" w="med" len="med"/>
+                    </a:lnB>
+                    <a:solidFill>
+                      <a:schemeClr val="accent1"/>
+                    </a:solidFill>
+                  </a:tcPr>
+                </a:tc>
+                <a:tc>
+                  <a:txBody>
+                    <a:bodyPr/>
+                    <a:lstStyle/>
+                    <a:p>
+                      <a:pPr marL="0" marR="0" algn="ctr">
+                        <a:lnSpc>
+                          <a:spcPct val="107000"/>
+                        </a:lnSpc>
+                        <a:spcBef>
+                          <a:spcPts val="0"/>
+                        </a:spcBef>
+                        <a:spcAft>
+                          <a:spcPts val="0"/>
+                        </a:spcAft>
+                      </a:pPr>
+                      <a:r>
+                        <a:rPr lang="en-US" sz="1100" dirty="0" err="1">
+                          <a:effectLst/>
+                        </a:rPr>
+                        <a:t>Addr</a:t>
+                      </a:r>
+                      <a:endParaRPr lang="en-US" sz="1100" dirty="0">
+                        <a:effectLst/>
+                        <a:latin typeface="Calibri" panose="020F0502020204030204" pitchFamily="34" charset="0"/>
+                        <a:ea typeface="Calibri" panose="020F0502020204030204" pitchFamily="34" charset="0"/>
+                        <a:cs typeface="Times New Roman" panose="02020603050405020304" pitchFamily="18" charset="0"/>
+                      </a:endParaRPr>
+                    </a:p>
+                  </a:txBody>
+                  <a:tcPr marL="3485" marR="3485" marT="3485" marB="3485" anchor="ctr">
+                    <a:lnB w="12700" cap="flat" cmpd="sng" algn="ctr">
+                      <a:solidFill>
+                        <a:schemeClr val="tx1"/>
+                      </a:solidFill>
+                      <a:prstDash val="solid"/>
+                      <a:round/>
+                      <a:headEnd type="none" w="med" len="med"/>
+                      <a:tailEnd type="none" w="med" len="med"/>
+                    </a:lnB>
+                  </a:tcPr>
+                </a:tc>
+                <a:tc>
+                  <a:txBody>
+                    <a:bodyPr/>
+                    <a:lstStyle/>
+                    <a:p>
+                      <a:pPr marL="0" marR="0" algn="ctr">
+                        <a:lnSpc>
+                          <a:spcPct val="107000"/>
+                        </a:lnSpc>
+                        <a:spcBef>
+                          <a:spcPts val="0"/>
+                        </a:spcBef>
+                        <a:spcAft>
+                          <a:spcPts val="0"/>
+                        </a:spcAft>
+                      </a:pPr>
+                      <a:r>
+                        <a:rPr lang="en-US" sz="1100" dirty="0">
+                          <a:effectLst/>
+                        </a:rPr>
+                        <a:t>Reg/Mem</a:t>
+                      </a:r>
+                      <a:endParaRPr lang="en-US" sz="1100" dirty="0">
+                        <a:effectLst/>
+                        <a:latin typeface="Calibri" panose="020F0502020204030204" pitchFamily="34" charset="0"/>
+                        <a:ea typeface="Calibri" panose="020F0502020204030204" pitchFamily="34" charset="0"/>
+                        <a:cs typeface="Times New Roman" panose="02020603050405020304" pitchFamily="18" charset="0"/>
+                      </a:endParaRPr>
+                    </a:p>
+                  </a:txBody>
+                  <a:tcPr marL="3485" marR="3485" marT="3485" marB="3485" anchor="ctr">
+                    <a:lnB w="12700" cap="flat" cmpd="sng" algn="ctr">
+                      <a:solidFill>
+                        <a:schemeClr val="tx1"/>
+                      </a:solidFill>
+                      <a:prstDash val="solid"/>
+                      <a:round/>
+                      <a:headEnd type="none" w="med" len="med"/>
+                      <a:tailEnd type="none" w="med" len="med"/>
+                    </a:lnB>
+                  </a:tcPr>
+                </a:tc>
+                <a:tc>
+                  <a:txBody>
+                    <a:bodyPr/>
+                    <a:lstStyle/>
+                    <a:p>
+                      <a:pPr marL="0" marR="0" algn="ctr">
+                        <a:lnSpc>
+                          <a:spcPct val="107000"/>
+                        </a:lnSpc>
+                        <a:spcBef>
+                          <a:spcPts val="0"/>
+                        </a:spcBef>
+                        <a:spcAft>
+                          <a:spcPts val="0"/>
+                        </a:spcAft>
+                      </a:pPr>
+                      <a:r>
+                        <a:rPr lang="en-US" sz="1100" dirty="0" err="1">
+                          <a:effectLst/>
+                        </a:rPr>
+                        <a:t>Addr</a:t>
+                      </a:r>
+                      <a:endParaRPr lang="en-US" sz="1100" dirty="0">
+                        <a:effectLst/>
+                        <a:latin typeface="Calibri" panose="020F0502020204030204" pitchFamily="34" charset="0"/>
+                        <a:ea typeface="Calibri" panose="020F0502020204030204" pitchFamily="34" charset="0"/>
+                        <a:cs typeface="Times New Roman" panose="02020603050405020304" pitchFamily="18" charset="0"/>
+                      </a:endParaRPr>
+                    </a:p>
+                  </a:txBody>
+                  <a:tcPr marL="3485" marR="3485" marT="3485" marB="3485" anchor="ctr">
+                    <a:lnB w="12700" cap="flat" cmpd="sng" algn="ctr">
+                      <a:solidFill>
+                        <a:schemeClr val="tx1"/>
+                      </a:solidFill>
+                      <a:prstDash val="solid"/>
+                      <a:round/>
+                      <a:headEnd type="none" w="med" len="med"/>
+                      <a:tailEnd type="none" w="med" len="med"/>
+                    </a:lnB>
+                  </a:tcPr>
+                </a:tc>
+                <a:tc>
+                  <a:txBody>
+                    <a:bodyPr/>
+                    <a:lstStyle/>
+                    <a:p>
+                      <a:pPr marL="0" marR="0" algn="ctr">
+                        <a:lnSpc>
+                          <a:spcPct val="107000"/>
+                        </a:lnSpc>
+                        <a:spcBef>
+                          <a:spcPts val="0"/>
+                        </a:spcBef>
+                        <a:spcAft>
+                          <a:spcPts val="0"/>
+                        </a:spcAft>
+                      </a:pPr>
+                      <a:r>
+                        <a:rPr lang="en-US" sz="1100" dirty="0">
+                          <a:effectLst/>
+                        </a:rPr>
+                        <a:t>Reg/Mem</a:t>
+                      </a:r>
+                      <a:endParaRPr lang="en-US" sz="1100" dirty="0">
+                        <a:effectLst/>
+                        <a:latin typeface="Calibri" panose="020F0502020204030204" pitchFamily="34" charset="0"/>
+                        <a:ea typeface="Calibri" panose="020F0502020204030204" pitchFamily="34" charset="0"/>
+                        <a:cs typeface="Times New Roman" panose="02020603050405020304" pitchFamily="18" charset="0"/>
+                      </a:endParaRPr>
+                    </a:p>
+                  </a:txBody>
+                  <a:tcPr marL="3485" marR="3485" marT="3485" marB="3485" anchor="ctr">
+                    <a:lnB w="12700" cap="flat" cmpd="sng" algn="ctr">
+                      <a:solidFill>
+                        <a:schemeClr val="tx1"/>
+                      </a:solidFill>
+                      <a:prstDash val="solid"/>
+                      <a:round/>
+                      <a:headEnd type="none" w="med" len="med"/>
+                      <a:tailEnd type="none" w="med" len="med"/>
+                    </a:lnB>
+                  </a:tcPr>
+                </a:tc>
+                <a:tc>
+                  <a:txBody>
+                    <a:bodyPr/>
+                    <a:lstStyle/>
+                    <a:p>
+                      <a:pPr marL="0" marR="0" algn="ctr">
+                        <a:lnSpc>
+                          <a:spcPct val="107000"/>
+                        </a:lnSpc>
+                        <a:spcBef>
+                          <a:spcPts val="0"/>
+                        </a:spcBef>
+                        <a:spcAft>
+                          <a:spcPts val="0"/>
+                        </a:spcAft>
+                      </a:pPr>
+                      <a:r>
+                        <a:rPr lang="en-US" sz="1100" dirty="0" err="1">
+                          <a:effectLst/>
+                        </a:rPr>
+                        <a:t>Addr</a:t>
+                      </a:r>
+                      <a:endParaRPr lang="en-US" sz="1100" dirty="0">
+                        <a:effectLst/>
+                        <a:latin typeface="Calibri" panose="020F0502020204030204" pitchFamily="34" charset="0"/>
+                        <a:ea typeface="Calibri" panose="020F0502020204030204" pitchFamily="34" charset="0"/>
+                        <a:cs typeface="Times New Roman" panose="02020603050405020304" pitchFamily="18" charset="0"/>
+                      </a:endParaRPr>
+                    </a:p>
+                  </a:txBody>
+                  <a:tcPr marL="3485" marR="3485" marT="3485" marB="3485" anchor="ctr">
+                    <a:lnR w="12700" cap="flat" cmpd="sng" algn="ctr">
+                      <a:solidFill>
+                        <a:schemeClr val="tx1"/>
+                      </a:solidFill>
+                      <a:prstDash val="solid"/>
+                      <a:round/>
+                      <a:headEnd type="none" w="med" len="med"/>
+                      <a:tailEnd type="none" w="med" len="med"/>
+                    </a:lnR>
+                    <a:lnB w="12700" cap="flat" cmpd="sng" algn="ctr">
+                      <a:solidFill>
+                        <a:schemeClr val="tx1"/>
+                      </a:solidFill>
+                      <a:prstDash val="solid"/>
+                      <a:round/>
+                      <a:headEnd type="none" w="med" len="med"/>
+                      <a:tailEnd type="none" w="med" len="med"/>
+                    </a:lnB>
+                  </a:tcPr>
+                </a:tc>
+                <a:extLst>
+                  <a:ext uri="{0D108BD9-81ED-4DB2-BD59-A6C34878D82A}">
+                    <a16:rowId xmlns:a16="http://schemas.microsoft.com/office/drawing/2014/main" val="3666662108"/>
+                  </a:ext>
+                </a:extLst>
+              </a:tr>
+            </a:tbl>
+          </a:graphicData>
+        </a:graphic>
+      </p:graphicFrame>
+    </p:spTree>
+    <p:extLst>
+      <p:ext uri="{BB962C8B-B14F-4D97-AF65-F5344CB8AC3E}">
+        <p14:creationId xmlns:p14="http://schemas.microsoft.com/office/powerpoint/2010/main" val="2020818982"/>
+      </p:ext>
+    </p:extLst>
+  </p:cSld>
+  <p:clrMapOvr>
+    <a:masterClrMapping/>
+  </p:clrMapOvr>
+</p:sld>
+</file>
+
+<file path=ppt/slides/slide4.xml><?xml version="1.0" encoding="utf-8"?>
+<p:sld xmlns:a="http://schemas.openxmlformats.org/drawingml/2006/main" xmlns:r="http://schemas.openxmlformats.org/officeDocument/2006/relationships" xmlns:p="http://schemas.openxmlformats.org/presentationml/2006/main">
+  <p:cSld>
+    <p:bg>
+      <p:bgPr>
+        <a:blipFill>
+          <a:blip r:embed="rId2">
+            <a:extLst/>
+          </a:blip>
+          <a:stretch/>
+        </a:blipFill>
+        <a:effectLst/>
+      </p:bgPr>
+    </p:bg>
+    <p:spTree>
+      <p:nvGrpSpPr>
+        <p:cNvPr id="1" name=""/>
+        <p:cNvGrpSpPr/>
+        <p:nvPr/>
+      </p:nvGrpSpPr>
+      <p:grpSpPr>
+        <a:xfrm>
+          <a:off x="0" y="0"/>
+          <a:ext cx="0" cy="0"/>
+          <a:chOff x="0" y="0"/>
+          <a:chExt cx="0" cy="0"/>
+        </a:xfrm>
+      </p:grpSpPr>
+      <p:sp>
+        <p:nvSpPr>
+          <p:cNvPr id="2" name="Title 1">
+            <a:extLst>
+              <a:ext uri="{FF2B5EF4-FFF2-40B4-BE49-F238E27FC236}">
+                <a16:creationId xmlns:a16="http://schemas.microsoft.com/office/drawing/2014/main" id="{D78E10A0-5EEE-43FC-B0BA-FA976B55E0AD}"/>
+              </a:ext>
+            </a:extLst>
+          </p:cNvPr>
+          <p:cNvSpPr>
+            <a:spLocks noGrp="1"/>
+          </p:cNvSpPr>
+          <p:nvPr>
+            <p:ph type="title"/>
+          </p:nvPr>
+        </p:nvSpPr>
+        <p:spPr>
+          <a:xfrm>
+            <a:off x="7865806" y="643463"/>
+            <a:ext cx="3706762" cy="1608124"/>
+          </a:xfrm>
+        </p:spPr>
+        <p:txBody>
+          <a:bodyPr>
+            <a:normAutofit/>
+          </a:bodyPr>
+          <a:lstStyle/>
+          <a:p>
+            <a:r>
+              <a:rPr lang="en-US">
                 <a:latin typeface="Times New Roman" panose="02020603050405020304" pitchFamily="18" charset="0"/>
                 <a:cs typeface="Times New Roman" panose="02020603050405020304" pitchFamily="18" charset="0"/>
               </a:rPr>
-              <a:t>Describing of models</a:t>
+              <a:t>Module structure</a:t>
             </a:r>
+          </a:p>
+        </p:txBody>
+      </p:sp>
+      <p:pic>
+        <p:nvPicPr>
+          <p:cNvPr id="19" name="Content Placeholder 11">
+            <a:extLst>
+              <a:ext uri="{FF2B5EF4-FFF2-40B4-BE49-F238E27FC236}">
+                <a16:creationId xmlns:a16="http://schemas.microsoft.com/office/drawing/2014/main" id="{956DE53D-8880-488F-B5C4-BB30E474657A}"/>
+              </a:ext>
+            </a:extLst>
+          </p:cNvPr>
+          <p:cNvPicPr>
+            <a:picLocks noChangeAspect="1"/>
+          </p:cNvPicPr>
+          <p:nvPr/>
+        </p:nvPicPr>
+        <p:blipFill rotWithShape="1">
+          <a:blip r:embed="rId3"/>
+          <a:srcRect t="1329" r="2" b="9462"/>
+          <a:stretch/>
+        </p:blipFill>
+        <p:spPr>
+          <a:xfrm>
+            <a:off x="20" y="975"/>
+            <a:ext cx="7552924" cy="6858000"/>
+          </a:xfrm>
+          <a:prstGeom prst="rect">
+            <a:avLst/>
+          </a:prstGeom>
+        </p:spPr>
+      </p:pic>
+      <p:sp>
+        <p:nvSpPr>
+          <p:cNvPr id="21" name="Content Placeholder 20">
+            <a:extLst>
+              <a:ext uri="{FF2B5EF4-FFF2-40B4-BE49-F238E27FC236}">
+                <a16:creationId xmlns:a16="http://schemas.microsoft.com/office/drawing/2014/main" id="{5F892FBA-ED53-43AF-8ED6-76B64CE4FE1D}"/>
+              </a:ext>
+            </a:extLst>
+          </p:cNvPr>
+          <p:cNvSpPr>
+            <a:spLocks noGrp="1"/>
+          </p:cNvSpPr>
+          <p:nvPr>
+            <p:ph idx="1"/>
+          </p:nvPr>
+        </p:nvSpPr>
+        <p:spPr>
+          <a:xfrm>
+            <a:off x="7865806" y="2251587"/>
+            <a:ext cx="3706762" cy="3972232"/>
+          </a:xfrm>
+        </p:spPr>
+        <p:txBody>
+          <a:bodyPr>
+            <a:normAutofit/>
+          </a:bodyPr>
+          <a:lstStyle/>
+          <a:p>
+            <a:endParaRPr lang="en-US" dirty="0"/>
           </a:p>
         </p:txBody>
       </p:sp>
     </p:spTree>
     <p:extLst>
       <p:ext uri="{BB962C8B-B14F-4D97-AF65-F5344CB8AC3E}">
-        <p14:creationId xmlns:p14="http://schemas.microsoft.com/office/powerpoint/2010/main" val="2020818982"/>
+        <p14:creationId xmlns:p14="http://schemas.microsoft.com/office/powerpoint/2010/main" val="1767466377"/>
       </p:ext>
     </p:extLst>
   </p:cSld>
@@ -9484,8 +14320,8 @@
         </p:nvSpPr>
         <p:spPr>
           <a:xfrm>
-            <a:off x="4955458" y="639097"/>
-            <a:ext cx="6593075" cy="1612490"/>
+            <a:off x="6400800" y="609600"/>
+            <a:ext cx="5147730" cy="1641987"/>
           </a:xfrm>
         </p:spPr>
         <p:txBody>
@@ -9504,47 +14340,12 @@
           </a:p>
         </p:txBody>
       </p:sp>
-      <p:pic>
-        <p:nvPicPr>
-          <p:cNvPr id="8" name="Content Placeholder 4">
+      <p:sp>
+        <p:nvSpPr>
+          <p:cNvPr id="14" name="Content Placeholder 13">
             <a:extLst>
               <a:ext uri="{FF2B5EF4-FFF2-40B4-BE49-F238E27FC236}">
-                <a16:creationId xmlns:a16="http://schemas.microsoft.com/office/drawing/2014/main" id="{B3F11213-622C-4B13-B881-F54318159181}"/>
-              </a:ext>
-            </a:extLst>
-          </p:cNvPr>
-          <p:cNvPicPr>
-            <a:picLocks noChangeAspect="1"/>
-          </p:cNvPicPr>
-          <p:nvPr/>
-        </p:nvPicPr>
-        <p:blipFill rotWithShape="1">
-          <a:blip r:embed="rId3">
-            <a:extLst>
-              <a:ext uri="{28A0092B-C50C-407E-A947-70E740481C1C}">
-                <a14:useLocalDpi xmlns:a14="http://schemas.microsoft.com/office/drawing/2010/main" val="0"/>
-              </a:ext>
-            </a:extLst>
-          </a:blip>
-          <a:srcRect l="13027" r="9495"/>
-          <a:stretch/>
-        </p:blipFill>
-        <p:spPr>
-          <a:xfrm>
-            <a:off x="20" y="975"/>
-            <a:ext cx="4635988" cy="6858000"/>
-          </a:xfrm>
-          <a:prstGeom prst="rect">
-            <a:avLst/>
-          </a:prstGeom>
-        </p:spPr>
-      </p:pic>
-      <p:sp>
-        <p:nvSpPr>
-          <p:cNvPr id="10" name="Content Placeholder 9">
-            <a:extLst>
-              <a:ext uri="{FF2B5EF4-FFF2-40B4-BE49-F238E27FC236}">
-                <a16:creationId xmlns:a16="http://schemas.microsoft.com/office/drawing/2014/main" id="{125664D4-5AF4-4E4E-9033-77C41ED8363E}"/>
+                <a16:creationId xmlns:a16="http://schemas.microsoft.com/office/drawing/2014/main" id="{8F27D092-CCA6-4DEF-BCE7-24480CE597B2}"/>
               </a:ext>
             </a:extLst>
           </p:cNvPr>
@@ -9557,8 +14358,8 @@
         </p:nvSpPr>
         <p:spPr>
           <a:xfrm>
-            <a:off x="4955458" y="2251587"/>
-            <a:ext cx="6593075" cy="3972232"/>
+            <a:off x="6400800" y="2251587"/>
+            <a:ext cx="5147730" cy="3637935"/>
           </a:xfrm>
         </p:spPr>
         <p:txBody>
@@ -9567,10 +14368,71 @@
           </a:bodyPr>
           <a:lstStyle/>
           <a:p>
-            <a:endParaRPr lang="en-US"/>
+            <a:r>
+              <a:rPr lang="en-US" dirty="0"/>
+              <a:t>Negative edge is flag reset.</a:t>
+            </a:r>
           </a:p>
         </p:txBody>
       </p:sp>
+      <p:pic>
+        <p:nvPicPr>
+          <p:cNvPr id="15" name="Picture 14">
+            <a:extLst>
+              <a:ext uri="{FF2B5EF4-FFF2-40B4-BE49-F238E27FC236}">
+                <a16:creationId xmlns:a16="http://schemas.microsoft.com/office/drawing/2014/main" id="{03FBCB16-DB33-42F8-B51B-7FDCCDFC47BA}"/>
+              </a:ext>
+            </a:extLst>
+          </p:cNvPr>
+          <p:cNvPicPr>
+            <a:picLocks noChangeAspect="1"/>
+          </p:cNvPicPr>
+          <p:nvPr/>
+        </p:nvPicPr>
+        <p:blipFill>
+          <a:blip r:embed="rId3"/>
+          <a:stretch>
+            <a:fillRect/>
+          </a:stretch>
+        </p:blipFill>
+        <p:spPr>
+          <a:xfrm>
+            <a:off x="648930" y="2347932"/>
+            <a:ext cx="5447070" cy="1832754"/>
+          </a:xfrm>
+          <a:prstGeom prst="roundRect">
+            <a:avLst>
+              <a:gd name="adj" fmla="val 4380"/>
+            </a:avLst>
+          </a:prstGeom>
+          <a:ln w="50800" cap="sq" cmpd="dbl">
+            <a:gradFill flip="none" rotWithShape="1">
+              <a:gsLst>
+                <a:gs pos="0">
+                  <a:srgbClr val="FFFFFF"/>
+                </a:gs>
+                <a:gs pos="100000">
+                  <a:schemeClr val="tx1">
+                    <a:alpha val="0"/>
+                  </a:schemeClr>
+                </a:gs>
+              </a:gsLst>
+              <a:path path="circle">
+                <a:fillToRect l="50000" t="50000" r="50000" b="50000"/>
+              </a:path>
+              <a:tileRect/>
+            </a:gradFill>
+            <a:miter lim="800000"/>
+          </a:ln>
+          <a:effectLst>
+            <a:outerShdw blurRad="254000" algn="tl" rotWithShape="0">
+              <a:srgbClr val="000000">
+                <a:alpha val="43000"/>
+              </a:srgbClr>
+            </a:outerShdw>
+          </a:effectLst>
+        </p:spPr>
+      </p:pic>
     </p:spTree>
     <p:extLst>
       <p:ext uri="{BB962C8B-B14F-4D97-AF65-F5344CB8AC3E}">
@@ -9585,6 +14447,90 @@
 </file>
 
 <file path=ppt/slides/slide6.xml><?xml version="1.0" encoding="utf-8"?>
+<p:sld xmlns:a="http://schemas.openxmlformats.org/drawingml/2006/main" xmlns:r="http://schemas.openxmlformats.org/officeDocument/2006/relationships" xmlns:p="http://schemas.openxmlformats.org/presentationml/2006/main">
+  <p:cSld>
+    <p:spTree>
+      <p:nvGrpSpPr>
+        <p:cNvPr id="1" name=""/>
+        <p:cNvGrpSpPr/>
+        <p:nvPr/>
+      </p:nvGrpSpPr>
+      <p:grpSpPr>
+        <a:xfrm>
+          <a:off x="0" y="0"/>
+          <a:ext cx="0" cy="0"/>
+          <a:chOff x="0" y="0"/>
+          <a:chExt cx="0" cy="0"/>
+        </a:xfrm>
+      </p:grpSpPr>
+      <p:sp>
+        <p:nvSpPr>
+          <p:cNvPr id="2" name="Title 1">
+            <a:extLst>
+              <a:ext uri="{FF2B5EF4-FFF2-40B4-BE49-F238E27FC236}">
+                <a16:creationId xmlns:a16="http://schemas.microsoft.com/office/drawing/2014/main" id="{D9A6B06E-59B0-4194-AF06-23B63EB6B813}"/>
+              </a:ext>
+            </a:extLst>
+          </p:cNvPr>
+          <p:cNvSpPr>
+            <a:spLocks noGrp="1"/>
+          </p:cNvSpPr>
+          <p:nvPr>
+            <p:ph type="title"/>
+          </p:nvPr>
+        </p:nvSpPr>
+        <p:spPr/>
+        <p:txBody>
+          <a:bodyPr/>
+          <a:lstStyle/>
+          <a:p>
+            <a:pPr algn="ctr"/>
+            <a:r>
+              <a:rPr lang="en-US" dirty="0"/>
+              <a:t>output</a:t>
+            </a:r>
+          </a:p>
+        </p:txBody>
+      </p:sp>
+      <p:sp>
+        <p:nvSpPr>
+          <p:cNvPr id="3" name="Content Placeholder 2">
+            <a:extLst>
+              <a:ext uri="{FF2B5EF4-FFF2-40B4-BE49-F238E27FC236}">
+                <a16:creationId xmlns:a16="http://schemas.microsoft.com/office/drawing/2014/main" id="{6A4F808D-8FF0-45B5-B8C5-80D3C16CF17E}"/>
+              </a:ext>
+            </a:extLst>
+          </p:cNvPr>
+          <p:cNvSpPr>
+            <a:spLocks noGrp="1"/>
+          </p:cNvSpPr>
+          <p:nvPr>
+            <p:ph idx="1"/>
+          </p:nvPr>
+        </p:nvSpPr>
+        <p:spPr/>
+        <p:txBody>
+          <a:bodyPr/>
+          <a:lstStyle/>
+          <a:p>
+            <a:endParaRPr lang="en-US"/>
+          </a:p>
+        </p:txBody>
+      </p:sp>
+    </p:spTree>
+    <p:extLst>
+      <p:ext uri="{BB962C8B-B14F-4D97-AF65-F5344CB8AC3E}">
+        <p14:creationId xmlns:p14="http://schemas.microsoft.com/office/powerpoint/2010/main" val="1732912196"/>
+      </p:ext>
+    </p:extLst>
+  </p:cSld>
+  <p:clrMapOvr>
+    <a:masterClrMapping/>
+  </p:clrMapOvr>
+</p:sld>
+</file>
+
+<file path=ppt/slides/slide7.xml><?xml version="1.0" encoding="utf-8"?>
 <p:sld xmlns:a="http://schemas.openxmlformats.org/drawingml/2006/main" xmlns:r="http://schemas.openxmlformats.org/officeDocument/2006/relationships" xmlns:p="http://schemas.openxmlformats.org/presentationml/2006/main">
   <p:cSld>
     <p:bg>

--- a/LTS25HDLPresentation.pptx
+++ b/LTS25HDLPresentation.pptx
@@ -347,7 +347,7 @@
           <a:p>
             <a:fld id="{DD0D1092-C6FC-47DC-A918-AF4C987E6AA9}" type="datetimeFigureOut">
               <a:rPr lang="en-US" smtClean="0"/>
-              <a:t>4/29/2019</a:t>
+              <a:t>4/30/2019</a:t>
             </a:fld>
             <a:endParaRPr lang="en-US"/>
           </a:p>
@@ -686,7 +686,7 @@
           <a:p>
             <a:fld id="{DD0D1092-C6FC-47DC-A918-AF4C987E6AA9}" type="datetimeFigureOut">
               <a:rPr lang="en-US" smtClean="0"/>
-              <a:t>4/29/2019</a:t>
+              <a:t>4/30/2019</a:t>
             </a:fld>
             <a:endParaRPr lang="en-US"/>
           </a:p>
@@ -964,7 +964,7 @@
           <a:p>
             <a:fld id="{DD0D1092-C6FC-47DC-A918-AF4C987E6AA9}" type="datetimeFigureOut">
               <a:rPr lang="en-US" smtClean="0"/>
-              <a:t>4/29/2019</a:t>
+              <a:t>4/30/2019</a:t>
             </a:fld>
             <a:endParaRPr lang="en-US"/>
           </a:p>
@@ -1532,7 +1532,7 @@
           <a:p>
             <a:fld id="{DD0D1092-C6FC-47DC-A918-AF4C987E6AA9}" type="datetimeFigureOut">
               <a:rPr lang="en-US" smtClean="0"/>
-              <a:t>4/29/2019</a:t>
+              <a:t>4/30/2019</a:t>
             </a:fld>
             <a:endParaRPr lang="en-US"/>
           </a:p>
@@ -1810,7 +1810,7 @@
           <a:p>
             <a:fld id="{DD0D1092-C6FC-47DC-A918-AF4C987E6AA9}" type="datetimeFigureOut">
               <a:rPr lang="en-US" smtClean="0"/>
-              <a:t>4/29/2019</a:t>
+              <a:t>4/30/2019</a:t>
             </a:fld>
             <a:endParaRPr lang="en-US"/>
           </a:p>
@@ -2372,7 +2372,7 @@
           <a:p>
             <a:fld id="{DD0D1092-C6FC-47DC-A918-AF4C987E6AA9}" type="datetimeFigureOut">
               <a:rPr lang="en-US" smtClean="0"/>
-              <a:t>4/29/2019</a:t>
+              <a:t>4/30/2019</a:t>
             </a:fld>
             <a:endParaRPr lang="en-US"/>
           </a:p>
@@ -2699,7 +2699,7 @@
           <a:p>
             <a:fld id="{DD0D1092-C6FC-47DC-A918-AF4C987E6AA9}" type="datetimeFigureOut">
               <a:rPr lang="en-US" smtClean="0"/>
-              <a:t>4/29/2019</a:t>
+              <a:t>4/30/2019</a:t>
             </a:fld>
             <a:endParaRPr lang="en-US"/>
           </a:p>
@@ -2876,7 +2876,7 @@
           <a:p>
             <a:fld id="{DD0D1092-C6FC-47DC-A918-AF4C987E6AA9}" type="datetimeFigureOut">
               <a:rPr lang="en-US" smtClean="0"/>
-              <a:t>4/29/2019</a:t>
+              <a:t>4/30/2019</a:t>
             </a:fld>
             <a:endParaRPr lang="en-US"/>
           </a:p>
@@ -3114,7 +3114,7 @@
           <a:p>
             <a:fld id="{DD0D1092-C6FC-47DC-A918-AF4C987E6AA9}" type="datetimeFigureOut">
               <a:rPr lang="en-US" smtClean="0"/>
-              <a:t>4/29/2019</a:t>
+              <a:t>4/30/2019</a:t>
             </a:fld>
             <a:endParaRPr lang="en-US"/>
           </a:p>
@@ -3314,7 +3314,7 @@
           <a:p>
             <a:fld id="{DD0D1092-C6FC-47DC-A918-AF4C987E6AA9}" type="datetimeFigureOut">
               <a:rPr lang="en-US" smtClean="0"/>
-              <a:t>4/29/2019</a:t>
+              <a:t>4/30/2019</a:t>
             </a:fld>
             <a:endParaRPr lang="en-US"/>
           </a:p>
@@ -3590,7 +3590,7 @@
           <a:p>
             <a:fld id="{DD0D1092-C6FC-47DC-A918-AF4C987E6AA9}" type="datetimeFigureOut">
               <a:rPr lang="en-US" smtClean="0"/>
-              <a:t>4/29/2019</a:t>
+              <a:t>4/30/2019</a:t>
             </a:fld>
             <a:endParaRPr lang="en-US"/>
           </a:p>
@@ -3856,7 +3856,7 @@
           <a:p>
             <a:fld id="{DD0D1092-C6FC-47DC-A918-AF4C987E6AA9}" type="datetimeFigureOut">
               <a:rPr lang="en-US" smtClean="0"/>
-              <a:t>4/29/2019</a:t>
+              <a:t>4/30/2019</a:t>
             </a:fld>
             <a:endParaRPr lang="en-US"/>
           </a:p>
@@ -4230,7 +4230,7 @@
           <a:p>
             <a:fld id="{DD0D1092-C6FC-47DC-A918-AF4C987E6AA9}" type="datetimeFigureOut">
               <a:rPr lang="en-US" smtClean="0"/>
-              <a:t>4/29/2019</a:t>
+              <a:t>4/30/2019</a:t>
             </a:fld>
             <a:endParaRPr lang="en-US"/>
           </a:p>
@@ -4378,7 +4378,7 @@
           <a:p>
             <a:fld id="{DD0D1092-C6FC-47DC-A918-AF4C987E6AA9}" type="datetimeFigureOut">
               <a:rPr lang="en-US" smtClean="0"/>
-              <a:t>4/29/2019</a:t>
+              <a:t>4/30/2019</a:t>
             </a:fld>
             <a:endParaRPr lang="en-US"/>
           </a:p>
@@ -4503,7 +4503,7 @@
           <a:p>
             <a:fld id="{DD0D1092-C6FC-47DC-A918-AF4C987E6AA9}" type="datetimeFigureOut">
               <a:rPr lang="en-US" smtClean="0"/>
-              <a:t>4/29/2019</a:t>
+              <a:t>4/30/2019</a:t>
             </a:fld>
             <a:endParaRPr lang="en-US"/>
           </a:p>
@@ -4793,7 +4793,7 @@
           <a:p>
             <a:fld id="{DD0D1092-C6FC-47DC-A918-AF4C987E6AA9}" type="datetimeFigureOut">
               <a:rPr lang="en-US" smtClean="0"/>
-              <a:t>4/29/2019</a:t>
+              <a:t>4/30/2019</a:t>
             </a:fld>
             <a:endParaRPr lang="en-US"/>
           </a:p>
@@ -5122,7 +5122,7 @@
           <a:p>
             <a:fld id="{DD0D1092-C6FC-47DC-A918-AF4C987E6AA9}" type="datetimeFigureOut">
               <a:rPr lang="en-US" smtClean="0"/>
-              <a:t>4/29/2019</a:t>
+              <a:t>4/30/2019</a:t>
             </a:fld>
             <a:endParaRPr lang="en-US"/>
           </a:p>
@@ -5336,7 +5336,7 @@
           <a:p>
             <a:fld id="{DD0D1092-C6FC-47DC-A918-AF4C987E6AA9}" type="datetimeFigureOut">
               <a:rPr lang="en-US" smtClean="0"/>
-              <a:t>4/29/2019</a:t>
+              <a:t>4/30/2019</a:t>
             </a:fld>
             <a:endParaRPr lang="en-US"/>
           </a:p>
@@ -5842,12 +5842,9 @@
   <p:cSld>
     <p:bg>
       <p:bgPr>
-        <a:blipFill>
-          <a:blip r:embed="rId2">
-            <a:extLst/>
-          </a:blip>
-          <a:stretch/>
-        </a:blipFill>
+        <a:solidFill>
+          <a:schemeClr val="bg1"/>
+        </a:solidFill>
         <a:effectLst/>
       </p:bgPr>
     </p:bg>
@@ -5867,10 +5864,10 @@
       </p:grpSpPr>
       <p:sp useBgFill="1">
         <p:nvSpPr>
-          <p:cNvPr id="32" name="Rectangle 31">
+          <p:cNvPr id="45" name="Rectangle 44">
             <a:extLst>
               <a:ext uri="{FF2B5EF4-FFF2-40B4-BE49-F238E27FC236}">
-                <a16:creationId xmlns:a16="http://schemas.microsoft.com/office/drawing/2014/main" id="{1BE7BD64-C268-4BE6-8D67-F5DD171F0154}"/>
+                <a16:creationId xmlns:a16="http://schemas.microsoft.com/office/drawing/2014/main" id="{0DC895F7-4E59-40FB-87DD-ACE47F94C143}"/>
               </a:ext>
               <a:ext uri="{C183D7F6-B498-43B3-948B-1728B52AA6E4}">
                 <adec:decorative xmlns:adec="http://schemas.microsoft.com/office/drawing/2017/decorative" val="1"/>
@@ -5891,7 +5888,7 @@
         <p:spPr>
           <a:xfrm>
             <a:off x="0" y="0"/>
-            <a:ext cx="12192000" cy="6858000"/>
+            <a:ext cx="12188825" cy="6856214"/>
           </a:xfrm>
           <a:prstGeom prst="rect">
             <a:avLst/>
@@ -5927,10 +5924,46 @@
       </p:sp>
       <p:pic>
         <p:nvPicPr>
-          <p:cNvPr id="34" name="Picture 33">
+          <p:cNvPr id="10" name="Content Placeholder 4">
             <a:extLst>
               <a:ext uri="{FF2B5EF4-FFF2-40B4-BE49-F238E27FC236}">
-                <a16:creationId xmlns:a16="http://schemas.microsoft.com/office/drawing/2014/main" id="{7D6C6E9A-567D-4054-B920-2E1BAF6D2426}"/>
+                <a16:creationId xmlns:a16="http://schemas.microsoft.com/office/drawing/2014/main" id="{EA429F27-0A09-4CDE-AEB9-2CAA96407713}"/>
+              </a:ext>
+            </a:extLst>
+          </p:cNvPr>
+          <p:cNvPicPr>
+            <a:picLocks noChangeAspect="1"/>
+          </p:cNvPicPr>
+          <p:nvPr/>
+        </p:nvPicPr>
+        <p:blipFill rotWithShape="1">
+          <a:blip r:embed="rId2">
+            <a:alphaModFix amt="35000"/>
+            <a:extLst>
+              <a:ext uri="{28A0092B-C50C-407E-A947-70E740481C1C}">
+                <a14:useLocalDpi xmlns:a14="http://schemas.microsoft.com/office/drawing/2010/main" val="0"/>
+              </a:ext>
+            </a:extLst>
+          </a:blip>
+          <a:srcRect t="10000"/>
+          <a:stretch/>
+        </p:blipFill>
+        <p:spPr>
+          <a:xfrm>
+            <a:off x="0" y="10"/>
+            <a:ext cx="12191999" cy="6858000"/>
+          </a:xfrm>
+          <a:prstGeom prst="rect">
+            <a:avLst/>
+          </a:prstGeom>
+        </p:spPr>
+      </p:pic>
+      <p:pic>
+        <p:nvPicPr>
+          <p:cNvPr id="47" name="Picture 46">
+            <a:extLst>
+              <a:ext uri="{FF2B5EF4-FFF2-40B4-BE49-F238E27FC236}">
+                <a16:creationId xmlns:a16="http://schemas.microsoft.com/office/drawing/2014/main" id="{1A4C720E-710D-44F8-A8D7-2BAA61E1814B}"/>
               </a:ext>
               <a:ext uri="{C183D7F6-B498-43B3-948B-1728B52AA6E4}">
                 <adec:decorative xmlns:adec="http://schemas.microsoft.com/office/drawing/2017/decorative" val="1"/>
@@ -5950,1932 +5983,27 @@
         </p:nvPicPr>
         <p:blipFill>
           <a:blip r:embed="rId3">
+            <a:alphaModFix amt="51000"/>
             <a:extLst>
               <a:ext uri="{28A0092B-C50C-407E-A947-70E740481C1C}">
                 <a14:useLocalDpi xmlns:a14="http://schemas.microsoft.com/office/drawing/2010/main" val="0"/>
               </a:ext>
             </a:extLst>
           </a:blip>
-          <a:srcRect/>
           <a:stretch>
             <a:fillRect/>
           </a:stretch>
         </p:blipFill>
         <p:spPr>
           <a:xfrm>
-            <a:off x="1" y="0"/>
-            <a:ext cx="9676190" cy="5442857"/>
+            <a:off x="1588" y="893"/>
+            <a:ext cx="12188825" cy="6856214"/>
           </a:xfrm>
-          <a:custGeom>
+          <a:prstGeom prst="rect">
             <a:avLst/>
-            <a:gdLst>
-              <a:gd name="connsiteX0" fmla="*/ 0 w 9676190"/>
-              <a:gd name="connsiteY0" fmla="*/ 0 h 5442857"/>
-              <a:gd name="connsiteX1" fmla="*/ 9676190 w 9676190"/>
-              <a:gd name="connsiteY1" fmla="*/ 0 h 5442857"/>
-              <a:gd name="connsiteX2" fmla="*/ 9676190 w 9676190"/>
-              <a:gd name="connsiteY2" fmla="*/ 5442857 h 5442857"/>
-              <a:gd name="connsiteX3" fmla="*/ 1890711 w 9676190"/>
-              <a:gd name="connsiteY3" fmla="*/ 5442857 h 5442857"/>
-              <a:gd name="connsiteX4" fmla="*/ 1883227 w 9676190"/>
-              <a:gd name="connsiteY4" fmla="*/ 5203371 h 5442857"/>
-              <a:gd name="connsiteX5" fmla="*/ 1872341 w 9676190"/>
-              <a:gd name="connsiteY5" fmla="*/ 5170714 h 5442857"/>
-              <a:gd name="connsiteX6" fmla="*/ 1828798 w 9676190"/>
-              <a:gd name="connsiteY6" fmla="*/ 5116285 h 5442857"/>
-              <a:gd name="connsiteX7" fmla="*/ 1796141 w 9676190"/>
-              <a:gd name="connsiteY7" fmla="*/ 4953000 h 5442857"/>
-              <a:gd name="connsiteX8" fmla="*/ 1817912 w 9676190"/>
-              <a:gd name="connsiteY8" fmla="*/ 4909457 h 5442857"/>
-              <a:gd name="connsiteX9" fmla="*/ 1741712 w 9676190"/>
-              <a:gd name="connsiteY9" fmla="*/ 4789714 h 5442857"/>
-              <a:gd name="connsiteX10" fmla="*/ 1730827 w 9676190"/>
-              <a:gd name="connsiteY10" fmla="*/ 4757057 h 5442857"/>
-              <a:gd name="connsiteX11" fmla="*/ 1687284 w 9676190"/>
-              <a:gd name="connsiteY11" fmla="*/ 4702628 h 5442857"/>
-              <a:gd name="connsiteX12" fmla="*/ 1632855 w 9676190"/>
-              <a:gd name="connsiteY12" fmla="*/ 4593771 h 5442857"/>
-              <a:gd name="connsiteX13" fmla="*/ 1600198 w 9676190"/>
-              <a:gd name="connsiteY13" fmla="*/ 4572000 h 5442857"/>
-              <a:gd name="connsiteX14" fmla="*/ 1578427 w 9676190"/>
-              <a:gd name="connsiteY14" fmla="*/ 4550228 h 5442857"/>
-              <a:gd name="connsiteX15" fmla="*/ 1556655 w 9676190"/>
-              <a:gd name="connsiteY15" fmla="*/ 4517571 h 5442857"/>
-              <a:gd name="connsiteX16" fmla="*/ 1523998 w 9676190"/>
-              <a:gd name="connsiteY16" fmla="*/ 4506685 h 5442857"/>
-              <a:gd name="connsiteX17" fmla="*/ 1491341 w 9676190"/>
-              <a:gd name="connsiteY17" fmla="*/ 4484914 h 5442857"/>
-              <a:gd name="connsiteX18" fmla="*/ 1415141 w 9676190"/>
-              <a:gd name="connsiteY18" fmla="*/ 4463143 h 5442857"/>
-              <a:gd name="connsiteX19" fmla="*/ 1349827 w 9676190"/>
-              <a:gd name="connsiteY19" fmla="*/ 4397828 h 5442857"/>
-              <a:gd name="connsiteX20" fmla="*/ 1328055 w 9676190"/>
-              <a:gd name="connsiteY20" fmla="*/ 4376057 h 5442857"/>
-              <a:gd name="connsiteX21" fmla="*/ 1295398 w 9676190"/>
-              <a:gd name="connsiteY21" fmla="*/ 4354285 h 5442857"/>
-              <a:gd name="connsiteX22" fmla="*/ 1262741 w 9676190"/>
-              <a:gd name="connsiteY22" fmla="*/ 4321628 h 5442857"/>
-              <a:gd name="connsiteX23" fmla="*/ 1197427 w 9676190"/>
-              <a:gd name="connsiteY23" fmla="*/ 4299857 h 5442857"/>
-              <a:gd name="connsiteX24" fmla="*/ 1153884 w 9676190"/>
-              <a:gd name="connsiteY24" fmla="*/ 4288971 h 5442857"/>
-              <a:gd name="connsiteX25" fmla="*/ 1088570 w 9676190"/>
-              <a:gd name="connsiteY25" fmla="*/ 4267200 h 5442857"/>
-              <a:gd name="connsiteX26" fmla="*/ 1023255 w 9676190"/>
-              <a:gd name="connsiteY26" fmla="*/ 4223657 h 5442857"/>
-              <a:gd name="connsiteX27" fmla="*/ 1001484 w 9676190"/>
-              <a:gd name="connsiteY27" fmla="*/ 4201885 h 5442857"/>
-              <a:gd name="connsiteX28" fmla="*/ 947055 w 9676190"/>
-              <a:gd name="connsiteY28" fmla="*/ 4191000 h 5442857"/>
-              <a:gd name="connsiteX29" fmla="*/ 903512 w 9676190"/>
-              <a:gd name="connsiteY29" fmla="*/ 4180114 h 5442857"/>
-              <a:gd name="connsiteX30" fmla="*/ 870855 w 9676190"/>
-              <a:gd name="connsiteY30" fmla="*/ 4158343 h 5442857"/>
-              <a:gd name="connsiteX31" fmla="*/ 805541 w 9676190"/>
-              <a:gd name="connsiteY31" fmla="*/ 4136571 h 5442857"/>
-              <a:gd name="connsiteX32" fmla="*/ 772884 w 9676190"/>
-              <a:gd name="connsiteY32" fmla="*/ 4125685 h 5442857"/>
-              <a:gd name="connsiteX33" fmla="*/ 707570 w 9676190"/>
-              <a:gd name="connsiteY33" fmla="*/ 4103914 h 5442857"/>
-              <a:gd name="connsiteX34" fmla="*/ 674912 w 9676190"/>
-              <a:gd name="connsiteY34" fmla="*/ 4093028 h 5442857"/>
-              <a:gd name="connsiteX35" fmla="*/ 631370 w 9676190"/>
-              <a:gd name="connsiteY35" fmla="*/ 4082143 h 5442857"/>
-              <a:gd name="connsiteX36" fmla="*/ 359227 w 9676190"/>
-              <a:gd name="connsiteY36" fmla="*/ 4093028 h 5442857"/>
-              <a:gd name="connsiteX37" fmla="*/ 293912 w 9676190"/>
-              <a:gd name="connsiteY37" fmla="*/ 4136571 h 5442857"/>
-              <a:gd name="connsiteX38" fmla="*/ 217712 w 9676190"/>
-              <a:gd name="connsiteY38" fmla="*/ 4158343 h 5442857"/>
-              <a:gd name="connsiteX39" fmla="*/ 185055 w 9676190"/>
-              <a:gd name="connsiteY39" fmla="*/ 4180114 h 5442857"/>
-              <a:gd name="connsiteX40" fmla="*/ 141512 w 9676190"/>
-              <a:gd name="connsiteY40" fmla="*/ 4201885 h 5442857"/>
-              <a:gd name="connsiteX41" fmla="*/ 119741 w 9676190"/>
-              <a:gd name="connsiteY41" fmla="*/ 4223657 h 5442857"/>
-              <a:gd name="connsiteX42" fmla="*/ 87084 w 9676190"/>
-              <a:gd name="connsiteY42" fmla="*/ 4234543 h 5442857"/>
-              <a:gd name="connsiteX43" fmla="*/ 10884 w 9676190"/>
-              <a:gd name="connsiteY43" fmla="*/ 4278085 h 5442857"/>
-              <a:gd name="connsiteX44" fmla="*/ 0 w 9676190"/>
-              <a:gd name="connsiteY44" fmla="*/ 4287781 h 5442857"/>
-            </a:gdLst>
-            <a:ahLst/>
-            <a:cxnLst>
-              <a:cxn ang="0">
-                <a:pos x="connsiteX0" y="connsiteY0"/>
-              </a:cxn>
-              <a:cxn ang="0">
-                <a:pos x="connsiteX1" y="connsiteY1"/>
-              </a:cxn>
-              <a:cxn ang="0">
-                <a:pos x="connsiteX2" y="connsiteY2"/>
-              </a:cxn>
-              <a:cxn ang="0">
-                <a:pos x="connsiteX3" y="connsiteY3"/>
-              </a:cxn>
-              <a:cxn ang="0">
-                <a:pos x="connsiteX4" y="connsiteY4"/>
-              </a:cxn>
-              <a:cxn ang="0">
-                <a:pos x="connsiteX5" y="connsiteY5"/>
-              </a:cxn>
-              <a:cxn ang="0">
-                <a:pos x="connsiteX6" y="connsiteY6"/>
-              </a:cxn>
-              <a:cxn ang="0">
-                <a:pos x="connsiteX7" y="connsiteY7"/>
-              </a:cxn>
-              <a:cxn ang="0">
-                <a:pos x="connsiteX8" y="connsiteY8"/>
-              </a:cxn>
-              <a:cxn ang="0">
-                <a:pos x="connsiteX9" y="connsiteY9"/>
-              </a:cxn>
-              <a:cxn ang="0">
-                <a:pos x="connsiteX10" y="connsiteY10"/>
-              </a:cxn>
-              <a:cxn ang="0">
-                <a:pos x="connsiteX11" y="connsiteY11"/>
-              </a:cxn>
-              <a:cxn ang="0">
-                <a:pos x="connsiteX12" y="connsiteY12"/>
-              </a:cxn>
-              <a:cxn ang="0">
-                <a:pos x="connsiteX13" y="connsiteY13"/>
-              </a:cxn>
-              <a:cxn ang="0">
-                <a:pos x="connsiteX14" y="connsiteY14"/>
-              </a:cxn>
-              <a:cxn ang="0">
-                <a:pos x="connsiteX15" y="connsiteY15"/>
-              </a:cxn>
-              <a:cxn ang="0">
-                <a:pos x="connsiteX16" y="connsiteY16"/>
-              </a:cxn>
-              <a:cxn ang="0">
-                <a:pos x="connsiteX17" y="connsiteY17"/>
-              </a:cxn>
-              <a:cxn ang="0">
-                <a:pos x="connsiteX18" y="connsiteY18"/>
-              </a:cxn>
-              <a:cxn ang="0">
-                <a:pos x="connsiteX19" y="connsiteY19"/>
-              </a:cxn>
-              <a:cxn ang="0">
-                <a:pos x="connsiteX20" y="connsiteY20"/>
-              </a:cxn>
-              <a:cxn ang="0">
-                <a:pos x="connsiteX21" y="connsiteY21"/>
-              </a:cxn>
-              <a:cxn ang="0">
-                <a:pos x="connsiteX22" y="connsiteY22"/>
-              </a:cxn>
-              <a:cxn ang="0">
-                <a:pos x="connsiteX23" y="connsiteY23"/>
-              </a:cxn>
-              <a:cxn ang="0">
-                <a:pos x="connsiteX24" y="connsiteY24"/>
-              </a:cxn>
-              <a:cxn ang="0">
-                <a:pos x="connsiteX25" y="connsiteY25"/>
-              </a:cxn>
-              <a:cxn ang="0">
-                <a:pos x="connsiteX26" y="connsiteY26"/>
-              </a:cxn>
-              <a:cxn ang="0">
-                <a:pos x="connsiteX27" y="connsiteY27"/>
-              </a:cxn>
-              <a:cxn ang="0">
-                <a:pos x="connsiteX28" y="connsiteY28"/>
-              </a:cxn>
-              <a:cxn ang="0">
-                <a:pos x="connsiteX29" y="connsiteY29"/>
-              </a:cxn>
-              <a:cxn ang="0">
-                <a:pos x="connsiteX30" y="connsiteY30"/>
-              </a:cxn>
-              <a:cxn ang="0">
-                <a:pos x="connsiteX31" y="connsiteY31"/>
-              </a:cxn>
-              <a:cxn ang="0">
-                <a:pos x="connsiteX32" y="connsiteY32"/>
-              </a:cxn>
-              <a:cxn ang="0">
-                <a:pos x="connsiteX33" y="connsiteY33"/>
-              </a:cxn>
-              <a:cxn ang="0">
-                <a:pos x="connsiteX34" y="connsiteY34"/>
-              </a:cxn>
-              <a:cxn ang="0">
-                <a:pos x="connsiteX35" y="connsiteY35"/>
-              </a:cxn>
-              <a:cxn ang="0">
-                <a:pos x="connsiteX36" y="connsiteY36"/>
-              </a:cxn>
-              <a:cxn ang="0">
-                <a:pos x="connsiteX37" y="connsiteY37"/>
-              </a:cxn>
-              <a:cxn ang="0">
-                <a:pos x="connsiteX38" y="connsiteY38"/>
-              </a:cxn>
-              <a:cxn ang="0">
-                <a:pos x="connsiteX39" y="connsiteY39"/>
-              </a:cxn>
-              <a:cxn ang="0">
-                <a:pos x="connsiteX40" y="connsiteY40"/>
-              </a:cxn>
-              <a:cxn ang="0">
-                <a:pos x="connsiteX41" y="connsiteY41"/>
-              </a:cxn>
-              <a:cxn ang="0">
-                <a:pos x="connsiteX42" y="connsiteY42"/>
-              </a:cxn>
-              <a:cxn ang="0">
-                <a:pos x="connsiteX43" y="connsiteY43"/>
-              </a:cxn>
-              <a:cxn ang="0">
-                <a:pos x="connsiteX44" y="connsiteY44"/>
-              </a:cxn>
-            </a:cxnLst>
-            <a:rect l="l" t="t" r="r" b="b"/>
-            <a:pathLst>
-              <a:path w="9676190" h="5442857">
-                <a:moveTo>
-                  <a:pt x="0" y="0"/>
-                </a:moveTo>
-                <a:lnTo>
-                  <a:pt x="9676190" y="0"/>
-                </a:lnTo>
-                <a:lnTo>
-                  <a:pt x="9676190" y="5442857"/>
-                </a:lnTo>
-                <a:lnTo>
-                  <a:pt x="1890711" y="5442857"/>
-                </a:lnTo>
-                <a:lnTo>
-                  <a:pt x="1883227" y="5203371"/>
-                </a:lnTo>
-                <a:cubicBezTo>
-                  <a:pt x="1882572" y="5191915"/>
-                  <a:pt x="1877473" y="5180977"/>
-                  <a:pt x="1872341" y="5170714"/>
-                </a:cubicBezTo>
-                <a:cubicBezTo>
-                  <a:pt x="1858608" y="5143249"/>
-                  <a:pt x="1849049" y="5136536"/>
-                  <a:pt x="1828798" y="5116285"/>
-                </a:cubicBezTo>
-                <a:cubicBezTo>
-                  <a:pt x="1791950" y="5005739"/>
-                  <a:pt x="1816272" y="5093911"/>
-                  <a:pt x="1796141" y="4953000"/>
-                </a:cubicBezTo>
-                <a:cubicBezTo>
-                  <a:pt x="1793524" y="4934684"/>
-                  <a:pt x="1814283" y="4916714"/>
-                  <a:pt x="1817912" y="4909457"/>
-                </a:cubicBezTo>
-                <a:cubicBezTo>
-                  <a:pt x="1792512" y="4869543"/>
-                  <a:pt x="1756672" y="4834597"/>
-                  <a:pt x="1741712" y="4789714"/>
-                </a:cubicBezTo>
-                <a:cubicBezTo>
-                  <a:pt x="1738084" y="4778828"/>
-                  <a:pt x="1735959" y="4767320"/>
-                  <a:pt x="1730827" y="4757057"/>
-                </a:cubicBezTo>
-                <a:cubicBezTo>
-                  <a:pt x="1717096" y="4729596"/>
-                  <a:pt x="1707532" y="4722877"/>
-                  <a:pt x="1687284" y="4702628"/>
-                </a:cubicBezTo>
-                <a:cubicBezTo>
-                  <a:pt x="1677462" y="4663342"/>
-                  <a:pt x="1671736" y="4619691"/>
-                  <a:pt x="1632855" y="4593771"/>
-                </a:cubicBezTo>
-                <a:cubicBezTo>
-                  <a:pt x="1621969" y="4586514"/>
-                  <a:pt x="1610414" y="4580173"/>
-                  <a:pt x="1600198" y="4572000"/>
-                </a:cubicBezTo>
-                <a:cubicBezTo>
-                  <a:pt x="1592184" y="4565589"/>
-                  <a:pt x="1584838" y="4558242"/>
-                  <a:pt x="1578427" y="4550228"/>
-                </a:cubicBezTo>
-                <a:cubicBezTo>
-                  <a:pt x="1570254" y="4540012"/>
-                  <a:pt x="1566871" y="4525744"/>
-                  <a:pt x="1556655" y="4517571"/>
-                </a:cubicBezTo>
-                <a:cubicBezTo>
-                  <a:pt x="1547695" y="4510403"/>
-                  <a:pt x="1534261" y="4511817"/>
-                  <a:pt x="1523998" y="4506685"/>
-                </a:cubicBezTo>
-                <a:cubicBezTo>
-                  <a:pt x="1512296" y="4500834"/>
-                  <a:pt x="1503043" y="4490765"/>
-                  <a:pt x="1491341" y="4484914"/>
-                </a:cubicBezTo>
-                <a:cubicBezTo>
-                  <a:pt x="1475720" y="4477104"/>
-                  <a:pt x="1429098" y="4466632"/>
-                  <a:pt x="1415141" y="4463143"/>
-                </a:cubicBezTo>
-                <a:lnTo>
-                  <a:pt x="1349827" y="4397828"/>
-                </a:lnTo>
-                <a:cubicBezTo>
-                  <a:pt x="1342570" y="4390571"/>
-                  <a:pt x="1336594" y="4381750"/>
-                  <a:pt x="1328055" y="4376057"/>
-                </a:cubicBezTo>
-                <a:cubicBezTo>
-                  <a:pt x="1317169" y="4368800"/>
-                  <a:pt x="1305449" y="4362661"/>
-                  <a:pt x="1295398" y="4354285"/>
-                </a:cubicBezTo>
-                <a:cubicBezTo>
-                  <a:pt x="1283572" y="4344430"/>
-                  <a:pt x="1276198" y="4329104"/>
-                  <a:pt x="1262741" y="4321628"/>
-                </a:cubicBezTo>
-                <a:cubicBezTo>
-                  <a:pt x="1242680" y="4310483"/>
-                  <a:pt x="1219691" y="4305423"/>
-                  <a:pt x="1197427" y="4299857"/>
-                </a:cubicBezTo>
-                <a:cubicBezTo>
-                  <a:pt x="1182913" y="4296228"/>
-                  <a:pt x="1168214" y="4293270"/>
-                  <a:pt x="1153884" y="4288971"/>
-                </a:cubicBezTo>
-                <a:cubicBezTo>
-                  <a:pt x="1131903" y="4282377"/>
-                  <a:pt x="1088570" y="4267200"/>
-                  <a:pt x="1088570" y="4267200"/>
-                </a:cubicBezTo>
-                <a:cubicBezTo>
-                  <a:pt x="1066798" y="4252686"/>
-                  <a:pt x="1041757" y="4242160"/>
-                  <a:pt x="1023255" y="4223657"/>
-                </a:cubicBezTo>
-                <a:cubicBezTo>
-                  <a:pt x="1015998" y="4216400"/>
-                  <a:pt x="1010917" y="4205928"/>
-                  <a:pt x="1001484" y="4201885"/>
-                </a:cubicBezTo>
-                <a:cubicBezTo>
-                  <a:pt x="984478" y="4194597"/>
-                  <a:pt x="965117" y="4195014"/>
-                  <a:pt x="947055" y="4191000"/>
-                </a:cubicBezTo>
-                <a:cubicBezTo>
-                  <a:pt x="932450" y="4187755"/>
-                  <a:pt x="918026" y="4183743"/>
-                  <a:pt x="903512" y="4180114"/>
-                </a:cubicBezTo>
-                <a:cubicBezTo>
-                  <a:pt x="892626" y="4172857"/>
-                  <a:pt x="882810" y="4163656"/>
-                  <a:pt x="870855" y="4158343"/>
-                </a:cubicBezTo>
-                <a:cubicBezTo>
-                  <a:pt x="849884" y="4149022"/>
-                  <a:pt x="827312" y="4143828"/>
-                  <a:pt x="805541" y="4136571"/>
-                </a:cubicBezTo>
-                <a:lnTo>
-                  <a:pt x="772884" y="4125685"/>
-                </a:lnTo>
-                <a:lnTo>
-                  <a:pt x="707570" y="4103914"/>
-                </a:lnTo>
-                <a:cubicBezTo>
-                  <a:pt x="696684" y="4100285"/>
-                  <a:pt x="686044" y="4095811"/>
-                  <a:pt x="674912" y="4093028"/>
-                </a:cubicBezTo>
-                <a:lnTo>
-                  <a:pt x="631370" y="4082143"/>
-                </a:lnTo>
-                <a:cubicBezTo>
-                  <a:pt x="540656" y="4085771"/>
-                  <a:pt x="448856" y="4078572"/>
-                  <a:pt x="359227" y="4093028"/>
-                </a:cubicBezTo>
-                <a:cubicBezTo>
-                  <a:pt x="333395" y="4097194"/>
-                  <a:pt x="318735" y="4128296"/>
-                  <a:pt x="293912" y="4136571"/>
-                </a:cubicBezTo>
-                <a:cubicBezTo>
-                  <a:pt x="247062" y="4152188"/>
-                  <a:pt x="272387" y="4144674"/>
-                  <a:pt x="217712" y="4158343"/>
-                </a:cubicBezTo>
-                <a:cubicBezTo>
-                  <a:pt x="206826" y="4165600"/>
-                  <a:pt x="196414" y="4173623"/>
-                  <a:pt x="185055" y="4180114"/>
-                </a:cubicBezTo>
-                <a:cubicBezTo>
-                  <a:pt x="170966" y="4188165"/>
-                  <a:pt x="155014" y="4192884"/>
-                  <a:pt x="141512" y="4201885"/>
-                </a:cubicBezTo>
-                <a:cubicBezTo>
-                  <a:pt x="132973" y="4207578"/>
-                  <a:pt x="128542" y="4218376"/>
-                  <a:pt x="119741" y="4223657"/>
-                </a:cubicBezTo>
-                <a:cubicBezTo>
-                  <a:pt x="109902" y="4229561"/>
-                  <a:pt x="97631" y="4230023"/>
-                  <a:pt x="87084" y="4234543"/>
-                </a:cubicBezTo>
-                <a:cubicBezTo>
-                  <a:pt x="63016" y="4244858"/>
-                  <a:pt x="31908" y="4261266"/>
-                  <a:pt x="10884" y="4278085"/>
-                </a:cubicBezTo>
-                <a:lnTo>
-                  <a:pt x="0" y="4287781"/>
-                </a:lnTo>
-                <a:close/>
-              </a:path>
-            </a:pathLst>
-          </a:custGeom>
+          </a:prstGeom>
         </p:spPr>
       </p:pic>
-      <p:pic>
-        <p:nvPicPr>
-          <p:cNvPr id="36" name="Picture 35">
-            <a:extLst>
-              <a:ext uri="{FF2B5EF4-FFF2-40B4-BE49-F238E27FC236}">
-                <a16:creationId xmlns:a16="http://schemas.microsoft.com/office/drawing/2014/main" id="{94164FB2-EFB1-4531-A8F4-DD77A03E2CCB}"/>
-              </a:ext>
-              <a:ext uri="{C183D7F6-B498-43B3-948B-1728B52AA6E4}">
-                <adec:decorative xmlns:adec="http://schemas.microsoft.com/office/drawing/2017/decorative" val="1"/>
-              </a:ext>
-            </a:extLst>
-          </p:cNvPr>
-          <p:cNvPicPr>
-            <a:picLocks noGrp="1" noRot="1" noChangeAspect="1" noMove="1" noResize="1" noEditPoints="1" noAdjustHandles="1" noChangeArrowheads="1" noChangeShapeType="1" noCrop="1"/>
-          </p:cNvPicPr>
-          <p:nvPr>
-            <p:extLst>
-              <p:ext uri="{386F3935-93C4-4BCD-93E2-E3B085C9AB24}">
-                <p16:designElem xmlns:p16="http://schemas.microsoft.com/office/powerpoint/2015/main" val="1"/>
-              </p:ext>
-            </p:extLst>
-          </p:nvPr>
-        </p:nvPicPr>
-        <p:blipFill rotWithShape="1">
-          <a:blip r:embed="rId3">
-            <a:extLst>
-              <a:ext uri="{28A0092B-C50C-407E-A947-70E740481C1C}">
-                <a14:useLocalDpi xmlns:a14="http://schemas.microsoft.com/office/drawing/2010/main" val="0"/>
-              </a:ext>
-            </a:extLst>
-          </a:blip>
-          <a:srcRect t="72342" r="78777"/>
-          <a:stretch/>
-        </p:blipFill>
-        <p:spPr>
-          <a:xfrm>
-            <a:off x="0" y="5352597"/>
-            <a:ext cx="2053566" cy="1505403"/>
-          </a:xfrm>
-          <a:custGeom>
-            <a:avLst/>
-            <a:gdLst>
-              <a:gd name="connsiteX0" fmla="*/ 1355645 w 2053566"/>
-              <a:gd name="connsiteY0" fmla="*/ 0 h 1505403"/>
-              <a:gd name="connsiteX1" fmla="*/ 2053566 w 2053566"/>
-              <a:gd name="connsiteY1" fmla="*/ 0 h 1505403"/>
-              <a:gd name="connsiteX2" fmla="*/ 2053566 w 2053566"/>
-              <a:gd name="connsiteY2" fmla="*/ 500084 h 1505403"/>
-              <a:gd name="connsiteX3" fmla="*/ 2046514 w 2053566"/>
-              <a:gd name="connsiteY3" fmla="*/ 493032 h 1505403"/>
-              <a:gd name="connsiteX4" fmla="*/ 2002971 w 2053566"/>
-              <a:gd name="connsiteY4" fmla="*/ 438603 h 1505403"/>
-              <a:gd name="connsiteX5" fmla="*/ 1970314 w 2053566"/>
-              <a:gd name="connsiteY5" fmla="*/ 416832 h 1505403"/>
-              <a:gd name="connsiteX6" fmla="*/ 1926771 w 2053566"/>
-              <a:gd name="connsiteY6" fmla="*/ 373289 h 1505403"/>
-              <a:gd name="connsiteX7" fmla="*/ 1905000 w 2053566"/>
-              <a:gd name="connsiteY7" fmla="*/ 351517 h 1505403"/>
-              <a:gd name="connsiteX8" fmla="*/ 1839686 w 2053566"/>
-              <a:gd name="connsiteY8" fmla="*/ 307974 h 1505403"/>
-              <a:gd name="connsiteX9" fmla="*/ 1774371 w 2053566"/>
-              <a:gd name="connsiteY9" fmla="*/ 286203 h 1505403"/>
-              <a:gd name="connsiteX10" fmla="*/ 1741714 w 2053566"/>
-              <a:gd name="connsiteY10" fmla="*/ 264432 h 1505403"/>
-              <a:gd name="connsiteX11" fmla="*/ 1676400 w 2053566"/>
-              <a:gd name="connsiteY11" fmla="*/ 242660 h 1505403"/>
-              <a:gd name="connsiteX12" fmla="*/ 1643743 w 2053566"/>
-              <a:gd name="connsiteY12" fmla="*/ 210003 h 1505403"/>
-              <a:gd name="connsiteX13" fmla="*/ 1600200 w 2053566"/>
-              <a:gd name="connsiteY13" fmla="*/ 199117 h 1505403"/>
-              <a:gd name="connsiteX14" fmla="*/ 1578429 w 2053566"/>
-              <a:gd name="connsiteY14" fmla="*/ 155574 h 1505403"/>
-              <a:gd name="connsiteX15" fmla="*/ 1502229 w 2053566"/>
-              <a:gd name="connsiteY15" fmla="*/ 90260 h 1505403"/>
-              <a:gd name="connsiteX16" fmla="*/ 1436914 w 2053566"/>
-              <a:gd name="connsiteY16" fmla="*/ 46717 h 1505403"/>
-              <a:gd name="connsiteX17" fmla="*/ 1404257 w 2053566"/>
-              <a:gd name="connsiteY17" fmla="*/ 24946 h 1505403"/>
-              <a:gd name="connsiteX18" fmla="*/ 1360714 w 2053566"/>
-              <a:gd name="connsiteY18" fmla="*/ 3174 h 1505403"/>
-              <a:gd name="connsiteX19" fmla="*/ 0 w 2053566"/>
-              <a:gd name="connsiteY19" fmla="*/ 0 h 1505403"/>
-              <a:gd name="connsiteX20" fmla="*/ 614898 w 2053566"/>
-              <a:gd name="connsiteY20" fmla="*/ 0 h 1505403"/>
-              <a:gd name="connsiteX21" fmla="*/ 620486 w 2053566"/>
-              <a:gd name="connsiteY21" fmla="*/ 35832 h 1505403"/>
-              <a:gd name="connsiteX22" fmla="*/ 685800 w 2053566"/>
-              <a:gd name="connsiteY22" fmla="*/ 101146 h 1505403"/>
-              <a:gd name="connsiteX23" fmla="*/ 718457 w 2053566"/>
-              <a:gd name="connsiteY23" fmla="*/ 122917 h 1505403"/>
-              <a:gd name="connsiteX24" fmla="*/ 762000 w 2053566"/>
-              <a:gd name="connsiteY24" fmla="*/ 133803 h 1505403"/>
-              <a:gd name="connsiteX25" fmla="*/ 794657 w 2053566"/>
-              <a:gd name="connsiteY25" fmla="*/ 144689 h 1505403"/>
-              <a:gd name="connsiteX26" fmla="*/ 838200 w 2053566"/>
-              <a:gd name="connsiteY26" fmla="*/ 155574 h 1505403"/>
-              <a:gd name="connsiteX27" fmla="*/ 903514 w 2053566"/>
-              <a:gd name="connsiteY27" fmla="*/ 177346 h 1505403"/>
-              <a:gd name="connsiteX28" fmla="*/ 968829 w 2053566"/>
-              <a:gd name="connsiteY28" fmla="*/ 210003 h 1505403"/>
-              <a:gd name="connsiteX29" fmla="*/ 1012371 w 2053566"/>
-              <a:gd name="connsiteY29" fmla="*/ 242660 h 1505403"/>
-              <a:gd name="connsiteX30" fmla="*/ 1045029 w 2053566"/>
-              <a:gd name="connsiteY30" fmla="*/ 253546 h 1505403"/>
-              <a:gd name="connsiteX31" fmla="*/ 1077686 w 2053566"/>
-              <a:gd name="connsiteY31" fmla="*/ 286203 h 1505403"/>
-              <a:gd name="connsiteX32" fmla="*/ 1110343 w 2053566"/>
-              <a:gd name="connsiteY32" fmla="*/ 297089 h 1505403"/>
-              <a:gd name="connsiteX33" fmla="*/ 1175657 w 2053566"/>
-              <a:gd name="connsiteY33" fmla="*/ 340632 h 1505403"/>
-              <a:gd name="connsiteX34" fmla="*/ 1208314 w 2053566"/>
-              <a:gd name="connsiteY34" fmla="*/ 362403 h 1505403"/>
-              <a:gd name="connsiteX35" fmla="*/ 1284514 w 2053566"/>
-              <a:gd name="connsiteY35" fmla="*/ 384174 h 1505403"/>
-              <a:gd name="connsiteX36" fmla="*/ 1317171 w 2053566"/>
-              <a:gd name="connsiteY36" fmla="*/ 405946 h 1505403"/>
-              <a:gd name="connsiteX37" fmla="*/ 1382486 w 2053566"/>
-              <a:gd name="connsiteY37" fmla="*/ 427717 h 1505403"/>
-              <a:gd name="connsiteX38" fmla="*/ 1436914 w 2053566"/>
-              <a:gd name="connsiteY38" fmla="*/ 471260 h 1505403"/>
-              <a:gd name="connsiteX39" fmla="*/ 1458686 w 2053566"/>
-              <a:gd name="connsiteY39" fmla="*/ 493032 h 1505403"/>
-              <a:gd name="connsiteX40" fmla="*/ 1524000 w 2053566"/>
-              <a:gd name="connsiteY40" fmla="*/ 514803 h 1505403"/>
-              <a:gd name="connsiteX41" fmla="*/ 1578429 w 2053566"/>
-              <a:gd name="connsiteY41" fmla="*/ 569232 h 1505403"/>
-              <a:gd name="connsiteX42" fmla="*/ 1611086 w 2053566"/>
-              <a:gd name="connsiteY42" fmla="*/ 601889 h 1505403"/>
-              <a:gd name="connsiteX43" fmla="*/ 1687286 w 2053566"/>
-              <a:gd name="connsiteY43" fmla="*/ 667203 h 1505403"/>
-              <a:gd name="connsiteX44" fmla="*/ 1763486 w 2053566"/>
-              <a:gd name="connsiteY44" fmla="*/ 743403 h 1505403"/>
-              <a:gd name="connsiteX45" fmla="*/ 1796143 w 2053566"/>
-              <a:gd name="connsiteY45" fmla="*/ 776060 h 1505403"/>
-              <a:gd name="connsiteX46" fmla="*/ 1817914 w 2053566"/>
-              <a:gd name="connsiteY46" fmla="*/ 797832 h 1505403"/>
-              <a:gd name="connsiteX47" fmla="*/ 1883229 w 2053566"/>
-              <a:gd name="connsiteY47" fmla="*/ 841374 h 1505403"/>
-              <a:gd name="connsiteX48" fmla="*/ 1915886 w 2053566"/>
-              <a:gd name="connsiteY48" fmla="*/ 863146 h 1505403"/>
-              <a:gd name="connsiteX49" fmla="*/ 1948543 w 2053566"/>
-              <a:gd name="connsiteY49" fmla="*/ 895803 h 1505403"/>
-              <a:gd name="connsiteX50" fmla="*/ 1992086 w 2053566"/>
-              <a:gd name="connsiteY50" fmla="*/ 906689 h 1505403"/>
-              <a:gd name="connsiteX51" fmla="*/ 2024743 w 2053566"/>
-              <a:gd name="connsiteY51" fmla="*/ 917574 h 1505403"/>
-              <a:gd name="connsiteX52" fmla="*/ 2053566 w 2053566"/>
-              <a:gd name="connsiteY52" fmla="*/ 925251 h 1505403"/>
-              <a:gd name="connsiteX53" fmla="*/ 2053566 w 2053566"/>
-              <a:gd name="connsiteY53" fmla="*/ 1505403 h 1505403"/>
-              <a:gd name="connsiteX54" fmla="*/ 0 w 2053566"/>
-              <a:gd name="connsiteY54" fmla="*/ 1505403 h 1505403"/>
-            </a:gdLst>
-            <a:ahLst/>
-            <a:cxnLst>
-              <a:cxn ang="0">
-                <a:pos x="connsiteX0" y="connsiteY0"/>
-              </a:cxn>
-              <a:cxn ang="0">
-                <a:pos x="connsiteX1" y="connsiteY1"/>
-              </a:cxn>
-              <a:cxn ang="0">
-                <a:pos x="connsiteX2" y="connsiteY2"/>
-              </a:cxn>
-              <a:cxn ang="0">
-                <a:pos x="connsiteX3" y="connsiteY3"/>
-              </a:cxn>
-              <a:cxn ang="0">
-                <a:pos x="connsiteX4" y="connsiteY4"/>
-              </a:cxn>
-              <a:cxn ang="0">
-                <a:pos x="connsiteX5" y="connsiteY5"/>
-              </a:cxn>
-              <a:cxn ang="0">
-                <a:pos x="connsiteX6" y="connsiteY6"/>
-              </a:cxn>
-              <a:cxn ang="0">
-                <a:pos x="connsiteX7" y="connsiteY7"/>
-              </a:cxn>
-              <a:cxn ang="0">
-                <a:pos x="connsiteX8" y="connsiteY8"/>
-              </a:cxn>
-              <a:cxn ang="0">
-                <a:pos x="connsiteX9" y="connsiteY9"/>
-              </a:cxn>
-              <a:cxn ang="0">
-                <a:pos x="connsiteX10" y="connsiteY10"/>
-              </a:cxn>
-              <a:cxn ang="0">
-                <a:pos x="connsiteX11" y="connsiteY11"/>
-              </a:cxn>
-              <a:cxn ang="0">
-                <a:pos x="connsiteX12" y="connsiteY12"/>
-              </a:cxn>
-              <a:cxn ang="0">
-                <a:pos x="connsiteX13" y="connsiteY13"/>
-              </a:cxn>
-              <a:cxn ang="0">
-                <a:pos x="connsiteX14" y="connsiteY14"/>
-              </a:cxn>
-              <a:cxn ang="0">
-                <a:pos x="connsiteX15" y="connsiteY15"/>
-              </a:cxn>
-              <a:cxn ang="0">
-                <a:pos x="connsiteX16" y="connsiteY16"/>
-              </a:cxn>
-              <a:cxn ang="0">
-                <a:pos x="connsiteX17" y="connsiteY17"/>
-              </a:cxn>
-              <a:cxn ang="0">
-                <a:pos x="connsiteX18" y="connsiteY18"/>
-              </a:cxn>
-              <a:cxn ang="0">
-                <a:pos x="connsiteX19" y="connsiteY19"/>
-              </a:cxn>
-              <a:cxn ang="0">
-                <a:pos x="connsiteX20" y="connsiteY20"/>
-              </a:cxn>
-              <a:cxn ang="0">
-                <a:pos x="connsiteX21" y="connsiteY21"/>
-              </a:cxn>
-              <a:cxn ang="0">
-                <a:pos x="connsiteX22" y="connsiteY22"/>
-              </a:cxn>
-              <a:cxn ang="0">
-                <a:pos x="connsiteX23" y="connsiteY23"/>
-              </a:cxn>
-              <a:cxn ang="0">
-                <a:pos x="connsiteX24" y="connsiteY24"/>
-              </a:cxn>
-              <a:cxn ang="0">
-                <a:pos x="connsiteX25" y="connsiteY25"/>
-              </a:cxn>
-              <a:cxn ang="0">
-                <a:pos x="connsiteX26" y="connsiteY26"/>
-              </a:cxn>
-              <a:cxn ang="0">
-                <a:pos x="connsiteX27" y="connsiteY27"/>
-              </a:cxn>
-              <a:cxn ang="0">
-                <a:pos x="connsiteX28" y="connsiteY28"/>
-              </a:cxn>
-              <a:cxn ang="0">
-                <a:pos x="connsiteX29" y="connsiteY29"/>
-              </a:cxn>
-              <a:cxn ang="0">
-                <a:pos x="connsiteX30" y="connsiteY30"/>
-              </a:cxn>
-              <a:cxn ang="0">
-                <a:pos x="connsiteX31" y="connsiteY31"/>
-              </a:cxn>
-              <a:cxn ang="0">
-                <a:pos x="connsiteX32" y="connsiteY32"/>
-              </a:cxn>
-              <a:cxn ang="0">
-                <a:pos x="connsiteX33" y="connsiteY33"/>
-              </a:cxn>
-              <a:cxn ang="0">
-                <a:pos x="connsiteX34" y="connsiteY34"/>
-              </a:cxn>
-              <a:cxn ang="0">
-                <a:pos x="connsiteX35" y="connsiteY35"/>
-              </a:cxn>
-              <a:cxn ang="0">
-                <a:pos x="connsiteX36" y="connsiteY36"/>
-              </a:cxn>
-              <a:cxn ang="0">
-                <a:pos x="connsiteX37" y="connsiteY37"/>
-              </a:cxn>
-              <a:cxn ang="0">
-                <a:pos x="connsiteX38" y="connsiteY38"/>
-              </a:cxn>
-              <a:cxn ang="0">
-                <a:pos x="connsiteX39" y="connsiteY39"/>
-              </a:cxn>
-              <a:cxn ang="0">
-                <a:pos x="connsiteX40" y="connsiteY40"/>
-              </a:cxn>
-              <a:cxn ang="0">
-                <a:pos x="connsiteX41" y="connsiteY41"/>
-              </a:cxn>
-              <a:cxn ang="0">
-                <a:pos x="connsiteX42" y="connsiteY42"/>
-              </a:cxn>
-              <a:cxn ang="0">
-                <a:pos x="connsiteX43" y="connsiteY43"/>
-              </a:cxn>
-              <a:cxn ang="0">
-                <a:pos x="connsiteX44" y="connsiteY44"/>
-              </a:cxn>
-              <a:cxn ang="0">
-                <a:pos x="connsiteX45" y="connsiteY45"/>
-              </a:cxn>
-              <a:cxn ang="0">
-                <a:pos x="connsiteX46" y="connsiteY46"/>
-              </a:cxn>
-              <a:cxn ang="0">
-                <a:pos x="connsiteX47" y="connsiteY47"/>
-              </a:cxn>
-              <a:cxn ang="0">
-                <a:pos x="connsiteX48" y="connsiteY48"/>
-              </a:cxn>
-              <a:cxn ang="0">
-                <a:pos x="connsiteX49" y="connsiteY49"/>
-              </a:cxn>
-              <a:cxn ang="0">
-                <a:pos x="connsiteX50" y="connsiteY50"/>
-              </a:cxn>
-              <a:cxn ang="0">
-                <a:pos x="connsiteX51" y="connsiteY51"/>
-              </a:cxn>
-              <a:cxn ang="0">
-                <a:pos x="connsiteX52" y="connsiteY52"/>
-              </a:cxn>
-              <a:cxn ang="0">
-                <a:pos x="connsiteX53" y="connsiteY53"/>
-              </a:cxn>
-              <a:cxn ang="0">
-                <a:pos x="connsiteX54" y="connsiteY54"/>
-              </a:cxn>
-            </a:cxnLst>
-            <a:rect l="l" t="t" r="r" b="b"/>
-            <a:pathLst>
-              <a:path w="2053566" h="1505403">
-                <a:moveTo>
-                  <a:pt x="1355645" y="0"/>
-                </a:moveTo>
-                <a:lnTo>
-                  <a:pt x="2053566" y="0"/>
-                </a:lnTo>
-                <a:lnTo>
-                  <a:pt x="2053566" y="500084"/>
-                </a:lnTo>
-                <a:lnTo>
-                  <a:pt x="2046514" y="493032"/>
-                </a:lnTo>
-                <a:cubicBezTo>
-                  <a:pt x="2021363" y="461593"/>
-                  <a:pt x="2032180" y="461970"/>
-                  <a:pt x="2002971" y="438603"/>
-                </a:cubicBezTo>
-                <a:cubicBezTo>
-                  <a:pt x="1992755" y="430430"/>
-                  <a:pt x="1980247" y="425346"/>
-                  <a:pt x="1970314" y="416832"/>
-                </a:cubicBezTo>
-                <a:cubicBezTo>
-                  <a:pt x="1954729" y="403474"/>
-                  <a:pt x="1941285" y="387803"/>
-                  <a:pt x="1926771" y="373289"/>
-                </a:cubicBezTo>
-                <a:cubicBezTo>
-                  <a:pt x="1919514" y="366032"/>
-                  <a:pt x="1913539" y="357210"/>
-                  <a:pt x="1905000" y="351517"/>
-                </a:cubicBezTo>
-                <a:cubicBezTo>
-                  <a:pt x="1883229" y="337003"/>
-                  <a:pt x="1864509" y="316248"/>
-                  <a:pt x="1839686" y="307974"/>
-                </a:cubicBezTo>
-                <a:cubicBezTo>
-                  <a:pt x="1817914" y="300717"/>
-                  <a:pt x="1793466" y="298933"/>
-                  <a:pt x="1774371" y="286203"/>
-                </a:cubicBezTo>
-                <a:cubicBezTo>
-                  <a:pt x="1763485" y="278946"/>
-                  <a:pt x="1753669" y="269745"/>
-                  <a:pt x="1741714" y="264432"/>
-                </a:cubicBezTo>
-                <a:cubicBezTo>
-                  <a:pt x="1720743" y="255111"/>
-                  <a:pt x="1676400" y="242660"/>
-                  <a:pt x="1676400" y="242660"/>
-                </a:cubicBezTo>
-                <a:cubicBezTo>
-                  <a:pt x="1665514" y="231774"/>
-                  <a:pt x="1657109" y="217641"/>
-                  <a:pt x="1643743" y="210003"/>
-                </a:cubicBezTo>
-                <a:cubicBezTo>
-                  <a:pt x="1630753" y="202580"/>
-                  <a:pt x="1614393" y="203848"/>
-                  <a:pt x="1600200" y="199117"/>
-                </a:cubicBezTo>
-                <a:cubicBezTo>
-                  <a:pt x="1592503" y="196551"/>
-                  <a:pt x="1582058" y="162831"/>
-                  <a:pt x="1578429" y="155574"/>
-                </a:cubicBezTo>
-                <a:cubicBezTo>
-                  <a:pt x="1553029" y="133803"/>
-                  <a:pt x="1528745" y="110657"/>
-                  <a:pt x="1502229" y="90260"/>
-                </a:cubicBezTo>
-                <a:cubicBezTo>
-                  <a:pt x="1481489" y="74306"/>
-                  <a:pt x="1458686" y="61231"/>
-                  <a:pt x="1436914" y="46717"/>
-                </a:cubicBezTo>
-                <a:cubicBezTo>
-                  <a:pt x="1426028" y="39460"/>
-                  <a:pt x="1415959" y="30797"/>
-                  <a:pt x="1404257" y="24946"/>
-                </a:cubicBezTo>
-                <a:cubicBezTo>
-                  <a:pt x="1389743" y="17689"/>
-                  <a:pt x="1374803" y="11225"/>
-                  <a:pt x="1360714" y="3174"/>
-                </a:cubicBezTo>
-                <a:close/>
-                <a:moveTo>
-                  <a:pt x="0" y="0"/>
-                </a:moveTo>
-                <a:lnTo>
-                  <a:pt x="614898" y="0"/>
-                </a:lnTo>
-                <a:lnTo>
-                  <a:pt x="620486" y="35832"/>
-                </a:lnTo>
-                <a:cubicBezTo>
-                  <a:pt x="631645" y="64528"/>
-                  <a:pt x="660182" y="84067"/>
-                  <a:pt x="685800" y="101146"/>
-                </a:cubicBezTo>
-                <a:cubicBezTo>
-                  <a:pt x="696686" y="108403"/>
-                  <a:pt x="706432" y="117763"/>
-                  <a:pt x="718457" y="122917"/>
-                </a:cubicBezTo>
-                <a:cubicBezTo>
-                  <a:pt x="732208" y="128810"/>
-                  <a:pt x="747615" y="129693"/>
-                  <a:pt x="762000" y="133803"/>
-                </a:cubicBezTo>
-                <a:cubicBezTo>
-                  <a:pt x="773033" y="136955"/>
-                  <a:pt x="783624" y="141537"/>
-                  <a:pt x="794657" y="144689"/>
-                </a:cubicBezTo>
-                <a:cubicBezTo>
-                  <a:pt x="809042" y="148799"/>
-                  <a:pt x="823870" y="151275"/>
-                  <a:pt x="838200" y="155574"/>
-                </a:cubicBezTo>
-                <a:cubicBezTo>
-                  <a:pt x="860181" y="162168"/>
-                  <a:pt x="884419" y="164616"/>
-                  <a:pt x="903514" y="177346"/>
-                </a:cubicBezTo>
-                <a:cubicBezTo>
-                  <a:pt x="945719" y="205482"/>
-                  <a:pt x="923759" y="194980"/>
-                  <a:pt x="968829" y="210003"/>
-                </a:cubicBezTo>
-                <a:cubicBezTo>
-                  <a:pt x="983343" y="220889"/>
-                  <a:pt x="996619" y="233659"/>
-                  <a:pt x="1012371" y="242660"/>
-                </a:cubicBezTo>
-                <a:cubicBezTo>
-                  <a:pt x="1022334" y="248353"/>
-                  <a:pt x="1035481" y="247181"/>
-                  <a:pt x="1045029" y="253546"/>
-                </a:cubicBezTo>
-                <a:cubicBezTo>
-                  <a:pt x="1057838" y="262085"/>
-                  <a:pt x="1064877" y="277664"/>
-                  <a:pt x="1077686" y="286203"/>
-                </a:cubicBezTo>
-                <a:cubicBezTo>
-                  <a:pt x="1087233" y="292568"/>
-                  <a:pt x="1100312" y="291516"/>
-                  <a:pt x="1110343" y="297089"/>
-                </a:cubicBezTo>
-                <a:cubicBezTo>
-                  <a:pt x="1133216" y="309796"/>
-                  <a:pt x="1153886" y="326118"/>
-                  <a:pt x="1175657" y="340632"/>
-                </a:cubicBezTo>
-                <a:cubicBezTo>
-                  <a:pt x="1186543" y="347889"/>
-                  <a:pt x="1195622" y="359230"/>
-                  <a:pt x="1208314" y="362403"/>
-                </a:cubicBezTo>
-                <a:cubicBezTo>
-                  <a:pt x="1262989" y="376072"/>
-                  <a:pt x="1237664" y="368558"/>
-                  <a:pt x="1284514" y="384174"/>
-                </a:cubicBezTo>
-                <a:cubicBezTo>
-                  <a:pt x="1295400" y="391431"/>
-                  <a:pt x="1305216" y="400632"/>
-                  <a:pt x="1317171" y="405946"/>
-                </a:cubicBezTo>
-                <a:cubicBezTo>
-                  <a:pt x="1338142" y="415267"/>
-                  <a:pt x="1382486" y="427717"/>
-                  <a:pt x="1382486" y="427717"/>
-                </a:cubicBezTo>
-                <a:cubicBezTo>
-                  <a:pt x="1435049" y="480282"/>
-                  <a:pt x="1368259" y="416336"/>
-                  <a:pt x="1436914" y="471260"/>
-                </a:cubicBezTo>
-                <a:cubicBezTo>
-                  <a:pt x="1444928" y="477671"/>
-                  <a:pt x="1449506" y="488442"/>
-                  <a:pt x="1458686" y="493032"/>
-                </a:cubicBezTo>
-                <a:cubicBezTo>
-                  <a:pt x="1479212" y="503295"/>
-                  <a:pt x="1524000" y="514803"/>
-                  <a:pt x="1524000" y="514803"/>
-                </a:cubicBezTo>
-                <a:lnTo>
-                  <a:pt x="1578429" y="569232"/>
-                </a:lnTo>
-                <a:cubicBezTo>
-                  <a:pt x="1589315" y="580118"/>
-                  <a:pt x="1598277" y="593350"/>
-                  <a:pt x="1611086" y="601889"/>
-                </a:cubicBezTo>
-                <a:cubicBezTo>
-                  <a:pt x="1660822" y="635046"/>
-                  <a:pt x="1634492" y="614409"/>
-                  <a:pt x="1687286" y="667203"/>
-                </a:cubicBezTo>
-                <a:lnTo>
-                  <a:pt x="1763486" y="743403"/>
-                </a:lnTo>
-                <a:lnTo>
-                  <a:pt x="1796143" y="776060"/>
-                </a:lnTo>
-                <a:cubicBezTo>
-                  <a:pt x="1803400" y="783317"/>
-                  <a:pt x="1809374" y="792139"/>
-                  <a:pt x="1817914" y="797832"/>
-                </a:cubicBezTo>
-                <a:lnTo>
-                  <a:pt x="1883229" y="841374"/>
-                </a:lnTo>
-                <a:cubicBezTo>
-                  <a:pt x="1894115" y="848631"/>
-                  <a:pt x="1906635" y="853895"/>
-                  <a:pt x="1915886" y="863146"/>
-                </a:cubicBezTo>
-                <a:cubicBezTo>
-                  <a:pt x="1926772" y="874032"/>
-                  <a:pt x="1935177" y="888165"/>
-                  <a:pt x="1948543" y="895803"/>
-                </a:cubicBezTo>
-                <a:cubicBezTo>
-                  <a:pt x="1961533" y="903226"/>
-                  <a:pt x="1977701" y="902579"/>
-                  <a:pt x="1992086" y="906689"/>
-                </a:cubicBezTo>
-                <a:cubicBezTo>
-                  <a:pt x="2003119" y="909841"/>
-                  <a:pt x="2013673" y="914555"/>
-                  <a:pt x="2024743" y="917574"/>
-                </a:cubicBezTo>
-                <a:lnTo>
-                  <a:pt x="2053566" y="925251"/>
-                </a:lnTo>
-                <a:lnTo>
-                  <a:pt x="2053566" y="1505403"/>
-                </a:lnTo>
-                <a:lnTo>
-                  <a:pt x="0" y="1505403"/>
-                </a:lnTo>
-                <a:close/>
-              </a:path>
-            </a:pathLst>
-          </a:custGeom>
-        </p:spPr>
-      </p:pic>
-      <p:pic>
-        <p:nvPicPr>
-          <p:cNvPr id="38" name="Picture 37">
-            <a:extLst>
-              <a:ext uri="{FF2B5EF4-FFF2-40B4-BE49-F238E27FC236}">
-                <a16:creationId xmlns:a16="http://schemas.microsoft.com/office/drawing/2014/main" id="{0E6BC652-4BE1-478A-BFA7-47149E82F2F1}"/>
-              </a:ext>
-              <a:ext uri="{C183D7F6-B498-43B3-948B-1728B52AA6E4}">
-                <adec:decorative xmlns:adec="http://schemas.microsoft.com/office/drawing/2017/decorative" val="1"/>
-              </a:ext>
-            </a:extLst>
-          </p:cNvPr>
-          <p:cNvPicPr>
-            <a:picLocks noGrp="1" noRot="1" noChangeAspect="1" noMove="1" noResize="1" noEditPoints="1" noAdjustHandles="1" noChangeArrowheads="1" noChangeShapeType="1" noCrop="1"/>
-          </p:cNvPicPr>
-          <p:nvPr>
-            <p:extLst>
-              <p:ext uri="{386F3935-93C4-4BCD-93E2-E3B085C9AB24}">
-                <p16:designElem xmlns:p16="http://schemas.microsoft.com/office/powerpoint/2015/main" val="1"/>
-              </p:ext>
-            </p:extLst>
-          </p:nvPr>
-        </p:nvPicPr>
-        <p:blipFill rotWithShape="1">
-          <a:blip r:embed="rId3">
-            <a:extLst>
-              <a:ext uri="{28A0092B-C50C-407E-A947-70E740481C1C}">
-                <a14:useLocalDpi xmlns:a14="http://schemas.microsoft.com/office/drawing/2010/main" val="0"/>
-              </a:ext>
-            </a:extLst>
-          </a:blip>
-          <a:srcRect l="34623" r="26442" b="66400"/>
-          <a:stretch/>
-        </p:blipFill>
-        <p:spPr>
-          <a:xfrm rot="1800000" flipH="1">
-            <a:off x="489857" y="4860000"/>
-            <a:ext cx="1806209" cy="876778"/>
-          </a:xfrm>
-          <a:custGeom>
-            <a:avLst/>
-            <a:gdLst>
-              <a:gd name="connsiteX0" fmla="*/ 527412 w 1806209"/>
-              <a:gd name="connsiteY0" fmla="*/ 0 h 876778"/>
-              <a:gd name="connsiteX1" fmla="*/ 0 w 1806209"/>
-              <a:gd name="connsiteY1" fmla="*/ 0 h 876778"/>
-              <a:gd name="connsiteX2" fmla="*/ 0 w 1806209"/>
-              <a:gd name="connsiteY2" fmla="*/ 255471 h 876778"/>
-              <a:gd name="connsiteX3" fmla="*/ 10065 w 1806209"/>
-              <a:gd name="connsiteY3" fmla="*/ 245407 h 876778"/>
-              <a:gd name="connsiteX4" fmla="*/ 20951 w 1806209"/>
-              <a:gd name="connsiteY4" fmla="*/ 234521 h 876778"/>
-              <a:gd name="connsiteX5" fmla="*/ 53608 w 1806209"/>
-              <a:gd name="connsiteY5" fmla="*/ 223635 h 876778"/>
-              <a:gd name="connsiteX6" fmla="*/ 118922 w 1806209"/>
-              <a:gd name="connsiteY6" fmla="*/ 190978 h 876778"/>
-              <a:gd name="connsiteX7" fmla="*/ 206008 w 1806209"/>
-              <a:gd name="connsiteY7" fmla="*/ 147435 h 876778"/>
-              <a:gd name="connsiteX8" fmla="*/ 238665 w 1806209"/>
-              <a:gd name="connsiteY8" fmla="*/ 125664 h 876778"/>
-              <a:gd name="connsiteX9" fmla="*/ 260436 w 1806209"/>
-              <a:gd name="connsiteY9" fmla="*/ 103892 h 876778"/>
-              <a:gd name="connsiteX10" fmla="*/ 303979 w 1806209"/>
-              <a:gd name="connsiteY10" fmla="*/ 93007 h 876778"/>
-              <a:gd name="connsiteX11" fmla="*/ 336636 w 1806209"/>
-              <a:gd name="connsiteY11" fmla="*/ 82121 h 876778"/>
-              <a:gd name="connsiteX12" fmla="*/ 358408 w 1806209"/>
-              <a:gd name="connsiteY12" fmla="*/ 60350 h 876778"/>
-              <a:gd name="connsiteX13" fmla="*/ 412836 w 1806209"/>
-              <a:gd name="connsiteY13" fmla="*/ 49464 h 876778"/>
-              <a:gd name="connsiteX14" fmla="*/ 478151 w 1806209"/>
-              <a:gd name="connsiteY14" fmla="*/ 27692 h 876778"/>
-              <a:gd name="connsiteX15" fmla="*/ 510808 w 1806209"/>
-              <a:gd name="connsiteY15" fmla="*/ 16807 h 876778"/>
-              <a:gd name="connsiteX16" fmla="*/ 1806209 w 1806209"/>
-              <a:gd name="connsiteY16" fmla="*/ 0 h 876778"/>
-              <a:gd name="connsiteX17" fmla="*/ 708134 w 1806209"/>
-              <a:gd name="connsiteY17" fmla="*/ 0 h 876778"/>
-              <a:gd name="connsiteX18" fmla="*/ 709028 w 1806209"/>
-              <a:gd name="connsiteY18" fmla="*/ 1950 h 876778"/>
-              <a:gd name="connsiteX19" fmla="*/ 641436 w 1806209"/>
-              <a:gd name="connsiteY19" fmla="*/ 71235 h 876778"/>
-              <a:gd name="connsiteX20" fmla="*/ 576122 w 1806209"/>
-              <a:gd name="connsiteY20" fmla="*/ 114778 h 876778"/>
-              <a:gd name="connsiteX21" fmla="*/ 543465 w 1806209"/>
-              <a:gd name="connsiteY21" fmla="*/ 125664 h 876778"/>
-              <a:gd name="connsiteX22" fmla="*/ 510808 w 1806209"/>
-              <a:gd name="connsiteY22" fmla="*/ 147435 h 876778"/>
-              <a:gd name="connsiteX23" fmla="*/ 314865 w 1806209"/>
-              <a:gd name="connsiteY23" fmla="*/ 169207 h 876778"/>
-              <a:gd name="connsiteX24" fmla="*/ 260436 w 1806209"/>
-              <a:gd name="connsiteY24" fmla="*/ 212750 h 876778"/>
-              <a:gd name="connsiteX25" fmla="*/ 195122 w 1806209"/>
-              <a:gd name="connsiteY25" fmla="*/ 256292 h 876778"/>
-              <a:gd name="connsiteX26" fmla="*/ 140694 w 1806209"/>
-              <a:gd name="connsiteY26" fmla="*/ 321607 h 876778"/>
-              <a:gd name="connsiteX27" fmla="*/ 86265 w 1806209"/>
-              <a:gd name="connsiteY27" fmla="*/ 376035 h 876778"/>
-              <a:gd name="connsiteX28" fmla="*/ 42722 w 1806209"/>
-              <a:gd name="connsiteY28" fmla="*/ 430464 h 876778"/>
-              <a:gd name="connsiteX29" fmla="*/ 2368 w 1806209"/>
-              <a:gd name="connsiteY29" fmla="*/ 445198 h 876778"/>
-              <a:gd name="connsiteX30" fmla="*/ 0 w 1806209"/>
-              <a:gd name="connsiteY30" fmla="*/ 445880 h 876778"/>
-              <a:gd name="connsiteX31" fmla="*/ 0 w 1806209"/>
-              <a:gd name="connsiteY31" fmla="*/ 876778 h 876778"/>
-              <a:gd name="connsiteX32" fmla="*/ 1806209 w 1806209"/>
-              <a:gd name="connsiteY32" fmla="*/ 876778 h 876778"/>
-            </a:gdLst>
-            <a:ahLst/>
-            <a:cxnLst>
-              <a:cxn ang="0">
-                <a:pos x="connsiteX0" y="connsiteY0"/>
-              </a:cxn>
-              <a:cxn ang="0">
-                <a:pos x="connsiteX1" y="connsiteY1"/>
-              </a:cxn>
-              <a:cxn ang="0">
-                <a:pos x="connsiteX2" y="connsiteY2"/>
-              </a:cxn>
-              <a:cxn ang="0">
-                <a:pos x="connsiteX3" y="connsiteY3"/>
-              </a:cxn>
-              <a:cxn ang="0">
-                <a:pos x="connsiteX4" y="connsiteY4"/>
-              </a:cxn>
-              <a:cxn ang="0">
-                <a:pos x="connsiteX5" y="connsiteY5"/>
-              </a:cxn>
-              <a:cxn ang="0">
-                <a:pos x="connsiteX6" y="connsiteY6"/>
-              </a:cxn>
-              <a:cxn ang="0">
-                <a:pos x="connsiteX7" y="connsiteY7"/>
-              </a:cxn>
-              <a:cxn ang="0">
-                <a:pos x="connsiteX8" y="connsiteY8"/>
-              </a:cxn>
-              <a:cxn ang="0">
-                <a:pos x="connsiteX9" y="connsiteY9"/>
-              </a:cxn>
-              <a:cxn ang="0">
-                <a:pos x="connsiteX10" y="connsiteY10"/>
-              </a:cxn>
-              <a:cxn ang="0">
-                <a:pos x="connsiteX11" y="connsiteY11"/>
-              </a:cxn>
-              <a:cxn ang="0">
-                <a:pos x="connsiteX12" y="connsiteY12"/>
-              </a:cxn>
-              <a:cxn ang="0">
-                <a:pos x="connsiteX13" y="connsiteY13"/>
-              </a:cxn>
-              <a:cxn ang="0">
-                <a:pos x="connsiteX14" y="connsiteY14"/>
-              </a:cxn>
-              <a:cxn ang="0">
-                <a:pos x="connsiteX15" y="connsiteY15"/>
-              </a:cxn>
-              <a:cxn ang="0">
-                <a:pos x="connsiteX16" y="connsiteY16"/>
-              </a:cxn>
-              <a:cxn ang="0">
-                <a:pos x="connsiteX17" y="connsiteY17"/>
-              </a:cxn>
-              <a:cxn ang="0">
-                <a:pos x="connsiteX18" y="connsiteY18"/>
-              </a:cxn>
-              <a:cxn ang="0">
-                <a:pos x="connsiteX19" y="connsiteY19"/>
-              </a:cxn>
-              <a:cxn ang="0">
-                <a:pos x="connsiteX20" y="connsiteY20"/>
-              </a:cxn>
-              <a:cxn ang="0">
-                <a:pos x="connsiteX21" y="connsiteY21"/>
-              </a:cxn>
-              <a:cxn ang="0">
-                <a:pos x="connsiteX22" y="connsiteY22"/>
-              </a:cxn>
-              <a:cxn ang="0">
-                <a:pos x="connsiteX23" y="connsiteY23"/>
-              </a:cxn>
-              <a:cxn ang="0">
-                <a:pos x="connsiteX24" y="connsiteY24"/>
-              </a:cxn>
-              <a:cxn ang="0">
-                <a:pos x="connsiteX25" y="connsiteY25"/>
-              </a:cxn>
-              <a:cxn ang="0">
-                <a:pos x="connsiteX26" y="connsiteY26"/>
-              </a:cxn>
-              <a:cxn ang="0">
-                <a:pos x="connsiteX27" y="connsiteY27"/>
-              </a:cxn>
-              <a:cxn ang="0">
-                <a:pos x="connsiteX28" y="connsiteY28"/>
-              </a:cxn>
-              <a:cxn ang="0">
-                <a:pos x="connsiteX29" y="connsiteY29"/>
-              </a:cxn>
-              <a:cxn ang="0">
-                <a:pos x="connsiteX30" y="connsiteY30"/>
-              </a:cxn>
-              <a:cxn ang="0">
-                <a:pos x="connsiteX31" y="connsiteY31"/>
-              </a:cxn>
-              <a:cxn ang="0">
-                <a:pos x="connsiteX32" y="connsiteY32"/>
-              </a:cxn>
-            </a:cxnLst>
-            <a:rect l="l" t="t" r="r" b="b"/>
-            <a:pathLst>
-              <a:path w="1806209" h="876778">
-                <a:moveTo>
-                  <a:pt x="527412" y="0"/>
-                </a:moveTo>
-                <a:lnTo>
-                  <a:pt x="0" y="0"/>
-                </a:lnTo>
-                <a:lnTo>
-                  <a:pt x="0" y="255471"/>
-                </a:lnTo>
-                <a:lnTo>
-                  <a:pt x="10065" y="245407"/>
-                </a:lnTo>
-                <a:cubicBezTo>
-                  <a:pt x="13308" y="241284"/>
-                  <a:pt x="16551" y="237161"/>
-                  <a:pt x="20951" y="234521"/>
-                </a:cubicBezTo>
-                <a:cubicBezTo>
-                  <a:pt x="30790" y="228617"/>
-                  <a:pt x="43345" y="228767"/>
-                  <a:pt x="53608" y="223635"/>
-                </a:cubicBezTo>
-                <a:cubicBezTo>
-                  <a:pt x="138017" y="181431"/>
-                  <a:pt x="36838" y="218340"/>
-                  <a:pt x="118922" y="190978"/>
-                </a:cubicBezTo>
-                <a:cubicBezTo>
-                  <a:pt x="156922" y="152980"/>
-                  <a:pt x="130958" y="172453"/>
-                  <a:pt x="206008" y="147435"/>
-                </a:cubicBezTo>
-                <a:cubicBezTo>
-                  <a:pt x="216894" y="140178"/>
-                  <a:pt x="228449" y="133837"/>
-                  <a:pt x="238665" y="125664"/>
-                </a:cubicBezTo>
-                <a:cubicBezTo>
-                  <a:pt x="246679" y="119253"/>
-                  <a:pt x="251256" y="108482"/>
-                  <a:pt x="260436" y="103892"/>
-                </a:cubicBezTo>
-                <a:cubicBezTo>
-                  <a:pt x="273817" y="97201"/>
-                  <a:pt x="289594" y="97117"/>
-                  <a:pt x="303979" y="93007"/>
-                </a:cubicBezTo>
-                <a:cubicBezTo>
-                  <a:pt x="315012" y="89855"/>
-                  <a:pt x="325750" y="85750"/>
-                  <a:pt x="336636" y="82121"/>
-                </a:cubicBezTo>
-                <a:cubicBezTo>
-                  <a:pt x="343893" y="74864"/>
-                  <a:pt x="348975" y="64393"/>
-                  <a:pt x="358408" y="60350"/>
-                </a:cubicBezTo>
-                <a:cubicBezTo>
-                  <a:pt x="375414" y="53062"/>
-                  <a:pt x="394986" y="54332"/>
-                  <a:pt x="412836" y="49464"/>
-                </a:cubicBezTo>
-                <a:cubicBezTo>
-                  <a:pt x="434977" y="43425"/>
-                  <a:pt x="456379" y="34949"/>
-                  <a:pt x="478151" y="27692"/>
-                </a:cubicBezTo>
-                <a:lnTo>
-                  <a:pt x="510808" y="16807"/>
-                </a:lnTo>
-                <a:close/>
-                <a:moveTo>
-                  <a:pt x="1806209" y="0"/>
-                </a:moveTo>
-                <a:lnTo>
-                  <a:pt x="708134" y="0"/>
-                </a:lnTo>
-                <a:lnTo>
-                  <a:pt x="709028" y="1950"/>
-                </a:lnTo>
-                <a:cubicBezTo>
-                  <a:pt x="728907" y="60380"/>
-                  <a:pt x="677113" y="62316"/>
-                  <a:pt x="641436" y="71235"/>
-                </a:cubicBezTo>
-                <a:cubicBezTo>
-                  <a:pt x="619665" y="85749"/>
-                  <a:pt x="600945" y="106503"/>
-                  <a:pt x="576122" y="114778"/>
-                </a:cubicBezTo>
-                <a:cubicBezTo>
-                  <a:pt x="565236" y="118407"/>
-                  <a:pt x="553728" y="120532"/>
-                  <a:pt x="543465" y="125664"/>
-                </a:cubicBezTo>
-                <a:cubicBezTo>
-                  <a:pt x="531763" y="131515"/>
-                  <a:pt x="523220" y="143298"/>
-                  <a:pt x="510808" y="147435"/>
-                </a:cubicBezTo>
-                <a:cubicBezTo>
-                  <a:pt x="474669" y="159481"/>
-                  <a:pt x="324413" y="168411"/>
-                  <a:pt x="314865" y="169207"/>
-                </a:cubicBezTo>
-                <a:cubicBezTo>
-                  <a:pt x="241324" y="193719"/>
-                  <a:pt x="321038" y="159724"/>
-                  <a:pt x="260436" y="212750"/>
-                </a:cubicBezTo>
-                <a:cubicBezTo>
-                  <a:pt x="240744" y="229980"/>
-                  <a:pt x="195122" y="256292"/>
-                  <a:pt x="195122" y="256292"/>
-                </a:cubicBezTo>
-                <a:cubicBezTo>
-                  <a:pt x="141076" y="337364"/>
-                  <a:pt x="210531" y="237803"/>
-                  <a:pt x="140694" y="321607"/>
-                </a:cubicBezTo>
-                <a:cubicBezTo>
-                  <a:pt x="95337" y="376034"/>
-                  <a:pt x="146135" y="336122"/>
-                  <a:pt x="86265" y="376035"/>
-                </a:cubicBezTo>
-                <a:cubicBezTo>
-                  <a:pt x="78573" y="387573"/>
-                  <a:pt x="58234" y="422708"/>
-                  <a:pt x="42722" y="430464"/>
-                </a:cubicBezTo>
-                <a:cubicBezTo>
-                  <a:pt x="32459" y="435596"/>
-                  <a:pt x="16131" y="441039"/>
-                  <a:pt x="2368" y="445198"/>
-                </a:cubicBezTo>
-                <a:lnTo>
-                  <a:pt x="0" y="445880"/>
-                </a:lnTo>
-                <a:lnTo>
-                  <a:pt x="0" y="876778"/>
-                </a:lnTo>
-                <a:lnTo>
-                  <a:pt x="1806209" y="876778"/>
-                </a:lnTo>
-                <a:close/>
-              </a:path>
-            </a:pathLst>
-          </a:custGeom>
-        </p:spPr>
-      </p:pic>
-      <p:sp>
-        <p:nvSpPr>
-          <p:cNvPr id="40" name="Freeform: Shape 39">
-            <a:extLst>
-              <a:ext uri="{FF2B5EF4-FFF2-40B4-BE49-F238E27FC236}">
-                <a16:creationId xmlns:a16="http://schemas.microsoft.com/office/drawing/2014/main" id="{57E6F9A8-1B4B-4FEF-942A-15CA97ECE0BA}"/>
-              </a:ext>
-              <a:ext uri="{C183D7F6-B498-43B3-948B-1728B52AA6E4}">
-                <adec:decorative xmlns:adec="http://schemas.microsoft.com/office/drawing/2017/decorative" val="1"/>
-              </a:ext>
-            </a:extLst>
-          </p:cNvPr>
-          <p:cNvSpPr>
-            <a:spLocks noGrp="1" noRot="1" noChangeAspect="1" noMove="1" noResize="1" noEditPoints="1" noAdjustHandles="1" noChangeArrowheads="1" noChangeShapeType="1" noTextEdit="1"/>
-          </p:cNvSpPr>
-          <p:nvPr>
-            <p:extLst>
-              <p:ext uri="{386F3935-93C4-4BCD-93E2-E3B085C9AB24}">
-                <p16:designElem xmlns:p16="http://schemas.microsoft.com/office/powerpoint/2015/main" val="1"/>
-              </p:ext>
-            </p:extLst>
-          </p:nvPr>
-        </p:nvSpPr>
-        <p:spPr>
-          <a:xfrm>
-            <a:off x="3346837" y="0"/>
-            <a:ext cx="8845162" cy="6858000"/>
-          </a:xfrm>
-          <a:custGeom>
-            <a:avLst/>
-            <a:gdLst>
-              <a:gd name="connsiteX0" fmla="*/ 0 w 8845162"/>
-              <a:gd name="connsiteY0" fmla="*/ 0 h 6858000"/>
-              <a:gd name="connsiteX1" fmla="*/ 6265248 w 8845162"/>
-              <a:gd name="connsiteY1" fmla="*/ 0 h 6858000"/>
-              <a:gd name="connsiteX2" fmla="*/ 7537703 w 8845162"/>
-              <a:gd name="connsiteY2" fmla="*/ 0 h 6858000"/>
-              <a:gd name="connsiteX3" fmla="*/ 8845162 w 8845162"/>
-              <a:gd name="connsiteY3" fmla="*/ 0 h 6858000"/>
-              <a:gd name="connsiteX4" fmla="*/ 8845162 w 8845162"/>
-              <a:gd name="connsiteY4" fmla="*/ 6858000 h 6858000"/>
-              <a:gd name="connsiteX5" fmla="*/ 7537703 w 8845162"/>
-              <a:gd name="connsiteY5" fmla="*/ 6858000 h 6858000"/>
-              <a:gd name="connsiteX6" fmla="*/ 6265248 w 8845162"/>
-              <a:gd name="connsiteY6" fmla="*/ 6858000 h 6858000"/>
-              <a:gd name="connsiteX7" fmla="*/ 20957 w 8845162"/>
-              <a:gd name="connsiteY7" fmla="*/ 6858000 h 6858000"/>
-              <a:gd name="connsiteX8" fmla="*/ 46002 w 8845162"/>
-              <a:gd name="connsiteY8" fmla="*/ 6702325 h 6858000"/>
-              <a:gd name="connsiteX9" fmla="*/ 69870 w 8845162"/>
-              <a:gd name="connsiteY9" fmla="*/ 6547334 h 6858000"/>
-              <a:gd name="connsiteX10" fmla="*/ 93234 w 8845162"/>
-              <a:gd name="connsiteY10" fmla="*/ 6391658 h 6858000"/>
-              <a:gd name="connsiteX11" fmla="*/ 113237 w 8845162"/>
-              <a:gd name="connsiteY11" fmla="*/ 6235295 h 6858000"/>
-              <a:gd name="connsiteX12" fmla="*/ 133409 w 8845162"/>
-              <a:gd name="connsiteY12" fmla="*/ 6079619 h 6858000"/>
-              <a:gd name="connsiteX13" fmla="*/ 152234 w 8845162"/>
-              <a:gd name="connsiteY13" fmla="*/ 5923256 h 6858000"/>
-              <a:gd name="connsiteX14" fmla="*/ 168370 w 8845162"/>
-              <a:gd name="connsiteY14" fmla="*/ 5768951 h 6858000"/>
-              <a:gd name="connsiteX15" fmla="*/ 183667 w 8845162"/>
-              <a:gd name="connsiteY15" fmla="*/ 5612589 h 6858000"/>
-              <a:gd name="connsiteX16" fmla="*/ 197619 w 8845162"/>
-              <a:gd name="connsiteY16" fmla="*/ 5456912 h 6858000"/>
-              <a:gd name="connsiteX17" fmla="*/ 209720 w 8845162"/>
-              <a:gd name="connsiteY17" fmla="*/ 5303979 h 6858000"/>
-              <a:gd name="connsiteX18" fmla="*/ 221823 w 8845162"/>
-              <a:gd name="connsiteY18" fmla="*/ 5148988 h 6858000"/>
-              <a:gd name="connsiteX19" fmla="*/ 231908 w 8845162"/>
-              <a:gd name="connsiteY19" fmla="*/ 4996055 h 6858000"/>
-              <a:gd name="connsiteX20" fmla="*/ 239808 w 8845162"/>
-              <a:gd name="connsiteY20" fmla="*/ 4843121 h 6858000"/>
-              <a:gd name="connsiteX21" fmla="*/ 248045 w 8845162"/>
-              <a:gd name="connsiteY21" fmla="*/ 4690874 h 6858000"/>
-              <a:gd name="connsiteX22" fmla="*/ 254936 w 8845162"/>
-              <a:gd name="connsiteY22" fmla="*/ 4539998 h 6858000"/>
-              <a:gd name="connsiteX23" fmla="*/ 259811 w 8845162"/>
-              <a:gd name="connsiteY23" fmla="*/ 4390493 h 6858000"/>
-              <a:gd name="connsiteX24" fmla="*/ 264014 w 8845162"/>
-              <a:gd name="connsiteY24" fmla="*/ 4240989 h 6858000"/>
-              <a:gd name="connsiteX25" fmla="*/ 268047 w 8845162"/>
-              <a:gd name="connsiteY25" fmla="*/ 4092856 h 6858000"/>
-              <a:gd name="connsiteX26" fmla="*/ 269897 w 8845162"/>
-              <a:gd name="connsiteY26" fmla="*/ 3946781 h 6858000"/>
-              <a:gd name="connsiteX27" fmla="*/ 271913 w 8845162"/>
-              <a:gd name="connsiteY27" fmla="*/ 3800705 h 6858000"/>
-              <a:gd name="connsiteX28" fmla="*/ 272922 w 8845162"/>
-              <a:gd name="connsiteY28" fmla="*/ 3656687 h 6858000"/>
-              <a:gd name="connsiteX29" fmla="*/ 271913 w 8845162"/>
-              <a:gd name="connsiteY29" fmla="*/ 3514041 h 6858000"/>
-              <a:gd name="connsiteX30" fmla="*/ 271913 w 8845162"/>
-              <a:gd name="connsiteY30" fmla="*/ 3372766 h 6858000"/>
-              <a:gd name="connsiteX31" fmla="*/ 269897 w 8845162"/>
-              <a:gd name="connsiteY31" fmla="*/ 3232863 h 6858000"/>
-              <a:gd name="connsiteX32" fmla="*/ 266871 w 8845162"/>
-              <a:gd name="connsiteY32" fmla="*/ 3095703 h 6858000"/>
-              <a:gd name="connsiteX33" fmla="*/ 264014 w 8845162"/>
-              <a:gd name="connsiteY33" fmla="*/ 2959915 h 6858000"/>
-              <a:gd name="connsiteX34" fmla="*/ 260820 w 8845162"/>
-              <a:gd name="connsiteY34" fmla="*/ 2826869 h 6858000"/>
-              <a:gd name="connsiteX35" fmla="*/ 255946 w 8845162"/>
-              <a:gd name="connsiteY35" fmla="*/ 2694510 h 6858000"/>
-              <a:gd name="connsiteX36" fmla="*/ 250734 w 8845162"/>
-              <a:gd name="connsiteY36" fmla="*/ 2564209 h 6858000"/>
-              <a:gd name="connsiteX37" fmla="*/ 246028 w 8845162"/>
-              <a:gd name="connsiteY37" fmla="*/ 2436650 h 6858000"/>
-              <a:gd name="connsiteX38" fmla="*/ 232749 w 8845162"/>
-              <a:gd name="connsiteY38" fmla="*/ 2187704 h 6858000"/>
-              <a:gd name="connsiteX39" fmla="*/ 218630 w 8845162"/>
-              <a:gd name="connsiteY39" fmla="*/ 1949046 h 6858000"/>
-              <a:gd name="connsiteX40" fmla="*/ 203837 w 8845162"/>
-              <a:gd name="connsiteY40" fmla="*/ 1719989 h 6858000"/>
-              <a:gd name="connsiteX41" fmla="*/ 187532 w 8845162"/>
-              <a:gd name="connsiteY41" fmla="*/ 1503276 h 6858000"/>
-              <a:gd name="connsiteX42" fmla="*/ 170555 w 8845162"/>
-              <a:gd name="connsiteY42" fmla="*/ 1296164 h 6858000"/>
-              <a:gd name="connsiteX43" fmla="*/ 152234 w 8845162"/>
-              <a:gd name="connsiteY43" fmla="*/ 1104140 h 6858000"/>
-              <a:gd name="connsiteX44" fmla="*/ 134248 w 8845162"/>
-              <a:gd name="connsiteY44" fmla="*/ 923775 h 6858000"/>
-              <a:gd name="connsiteX45" fmla="*/ 116263 w 8845162"/>
-              <a:gd name="connsiteY45" fmla="*/ 757811 h 6858000"/>
-              <a:gd name="connsiteX46" fmla="*/ 99286 w 8845162"/>
-              <a:gd name="connsiteY46" fmla="*/ 605564 h 6858000"/>
-              <a:gd name="connsiteX47" fmla="*/ 83149 w 8845162"/>
-              <a:gd name="connsiteY47" fmla="*/ 470461 h 6858000"/>
-              <a:gd name="connsiteX48" fmla="*/ 67853 w 8845162"/>
-              <a:gd name="connsiteY48" fmla="*/ 348389 h 6858000"/>
-              <a:gd name="connsiteX49" fmla="*/ 55078 w 8845162"/>
-              <a:gd name="connsiteY49" fmla="*/ 245519 h 6858000"/>
-              <a:gd name="connsiteX50" fmla="*/ 42976 w 8845162"/>
-              <a:gd name="connsiteY50" fmla="*/ 159108 h 6858000"/>
-              <a:gd name="connsiteX51" fmla="*/ 25662 w 8845162"/>
-              <a:gd name="connsiteY51" fmla="*/ 40464 h 6858000"/>
-              <a:gd name="connsiteX52" fmla="*/ 19779 w 8845162"/>
-              <a:gd name="connsiteY52" fmla="*/ 2 h 6858000"/>
-              <a:gd name="connsiteX53" fmla="*/ 26532 w 8845162"/>
-              <a:gd name="connsiteY53" fmla="*/ 2 h 6858000"/>
-              <a:gd name="connsiteX54" fmla="*/ 26532 w 8845162"/>
-              <a:gd name="connsiteY54" fmla="*/ 1 h 6858000"/>
-              <a:gd name="connsiteX55" fmla="*/ 0 w 8845162"/>
-              <a:gd name="connsiteY55" fmla="*/ 1 h 6858000"/>
-            </a:gdLst>
-            <a:ahLst/>
-            <a:cxnLst>
-              <a:cxn ang="0">
-                <a:pos x="connsiteX0" y="connsiteY0"/>
-              </a:cxn>
-              <a:cxn ang="0">
-                <a:pos x="connsiteX1" y="connsiteY1"/>
-              </a:cxn>
-              <a:cxn ang="0">
-                <a:pos x="connsiteX2" y="connsiteY2"/>
-              </a:cxn>
-              <a:cxn ang="0">
-                <a:pos x="connsiteX3" y="connsiteY3"/>
-              </a:cxn>
-              <a:cxn ang="0">
-                <a:pos x="connsiteX4" y="connsiteY4"/>
-              </a:cxn>
-              <a:cxn ang="0">
-                <a:pos x="connsiteX5" y="connsiteY5"/>
-              </a:cxn>
-              <a:cxn ang="0">
-                <a:pos x="connsiteX6" y="connsiteY6"/>
-              </a:cxn>
-              <a:cxn ang="0">
-                <a:pos x="connsiteX7" y="connsiteY7"/>
-              </a:cxn>
-              <a:cxn ang="0">
-                <a:pos x="connsiteX8" y="connsiteY8"/>
-              </a:cxn>
-              <a:cxn ang="0">
-                <a:pos x="connsiteX9" y="connsiteY9"/>
-              </a:cxn>
-              <a:cxn ang="0">
-                <a:pos x="connsiteX10" y="connsiteY10"/>
-              </a:cxn>
-              <a:cxn ang="0">
-                <a:pos x="connsiteX11" y="connsiteY11"/>
-              </a:cxn>
-              <a:cxn ang="0">
-                <a:pos x="connsiteX12" y="connsiteY12"/>
-              </a:cxn>
-              <a:cxn ang="0">
-                <a:pos x="connsiteX13" y="connsiteY13"/>
-              </a:cxn>
-              <a:cxn ang="0">
-                <a:pos x="connsiteX14" y="connsiteY14"/>
-              </a:cxn>
-              <a:cxn ang="0">
-                <a:pos x="connsiteX15" y="connsiteY15"/>
-              </a:cxn>
-              <a:cxn ang="0">
-                <a:pos x="connsiteX16" y="connsiteY16"/>
-              </a:cxn>
-              <a:cxn ang="0">
-                <a:pos x="connsiteX17" y="connsiteY17"/>
-              </a:cxn>
-              <a:cxn ang="0">
-                <a:pos x="connsiteX18" y="connsiteY18"/>
-              </a:cxn>
-              <a:cxn ang="0">
-                <a:pos x="connsiteX19" y="connsiteY19"/>
-              </a:cxn>
-              <a:cxn ang="0">
-                <a:pos x="connsiteX20" y="connsiteY20"/>
-              </a:cxn>
-              <a:cxn ang="0">
-                <a:pos x="connsiteX21" y="connsiteY21"/>
-              </a:cxn>
-              <a:cxn ang="0">
-                <a:pos x="connsiteX22" y="connsiteY22"/>
-              </a:cxn>
-              <a:cxn ang="0">
-                <a:pos x="connsiteX23" y="connsiteY23"/>
-              </a:cxn>
-              <a:cxn ang="0">
-                <a:pos x="connsiteX24" y="connsiteY24"/>
-              </a:cxn>
-              <a:cxn ang="0">
-                <a:pos x="connsiteX25" y="connsiteY25"/>
-              </a:cxn>
-              <a:cxn ang="0">
-                <a:pos x="connsiteX26" y="connsiteY26"/>
-              </a:cxn>
-              <a:cxn ang="0">
-                <a:pos x="connsiteX27" y="connsiteY27"/>
-              </a:cxn>
-              <a:cxn ang="0">
-                <a:pos x="connsiteX28" y="connsiteY28"/>
-              </a:cxn>
-              <a:cxn ang="0">
-                <a:pos x="connsiteX29" y="connsiteY29"/>
-              </a:cxn>
-              <a:cxn ang="0">
-                <a:pos x="connsiteX30" y="connsiteY30"/>
-              </a:cxn>
-              <a:cxn ang="0">
-                <a:pos x="connsiteX31" y="connsiteY31"/>
-              </a:cxn>
-              <a:cxn ang="0">
-                <a:pos x="connsiteX32" y="connsiteY32"/>
-              </a:cxn>
-              <a:cxn ang="0">
-                <a:pos x="connsiteX33" y="connsiteY33"/>
-              </a:cxn>
-              <a:cxn ang="0">
-                <a:pos x="connsiteX34" y="connsiteY34"/>
-              </a:cxn>
-              <a:cxn ang="0">
-                <a:pos x="connsiteX35" y="connsiteY35"/>
-              </a:cxn>
-              <a:cxn ang="0">
-                <a:pos x="connsiteX36" y="connsiteY36"/>
-              </a:cxn>
-              <a:cxn ang="0">
-                <a:pos x="connsiteX37" y="connsiteY37"/>
-              </a:cxn>
-              <a:cxn ang="0">
-                <a:pos x="connsiteX38" y="connsiteY38"/>
-              </a:cxn>
-              <a:cxn ang="0">
-                <a:pos x="connsiteX39" y="connsiteY39"/>
-              </a:cxn>
-              <a:cxn ang="0">
-                <a:pos x="connsiteX40" y="connsiteY40"/>
-              </a:cxn>
-              <a:cxn ang="0">
-                <a:pos x="connsiteX41" y="connsiteY41"/>
-              </a:cxn>
-              <a:cxn ang="0">
-                <a:pos x="connsiteX42" y="connsiteY42"/>
-              </a:cxn>
-              <a:cxn ang="0">
-                <a:pos x="connsiteX43" y="connsiteY43"/>
-              </a:cxn>
-              <a:cxn ang="0">
-                <a:pos x="connsiteX44" y="connsiteY44"/>
-              </a:cxn>
-              <a:cxn ang="0">
-                <a:pos x="connsiteX45" y="connsiteY45"/>
-              </a:cxn>
-              <a:cxn ang="0">
-                <a:pos x="connsiteX46" y="connsiteY46"/>
-              </a:cxn>
-              <a:cxn ang="0">
-                <a:pos x="connsiteX47" y="connsiteY47"/>
-              </a:cxn>
-              <a:cxn ang="0">
-                <a:pos x="connsiteX48" y="connsiteY48"/>
-              </a:cxn>
-              <a:cxn ang="0">
-                <a:pos x="connsiteX49" y="connsiteY49"/>
-              </a:cxn>
-              <a:cxn ang="0">
-                <a:pos x="connsiteX50" y="connsiteY50"/>
-              </a:cxn>
-              <a:cxn ang="0">
-                <a:pos x="connsiteX51" y="connsiteY51"/>
-              </a:cxn>
-              <a:cxn ang="0">
-                <a:pos x="connsiteX52" y="connsiteY52"/>
-              </a:cxn>
-              <a:cxn ang="0">
-                <a:pos x="connsiteX53" y="connsiteY53"/>
-              </a:cxn>
-              <a:cxn ang="0">
-                <a:pos x="connsiteX54" y="connsiteY54"/>
-              </a:cxn>
-              <a:cxn ang="0">
-                <a:pos x="connsiteX55" y="connsiteY55"/>
-              </a:cxn>
-            </a:cxnLst>
-            <a:rect l="l" t="t" r="r" b="b"/>
-            <a:pathLst>
-              <a:path w="8845162" h="6858000">
-                <a:moveTo>
-                  <a:pt x="0" y="0"/>
-                </a:moveTo>
-                <a:lnTo>
-                  <a:pt x="6265248" y="0"/>
-                </a:lnTo>
-                <a:lnTo>
-                  <a:pt x="7537703" y="0"/>
-                </a:lnTo>
-                <a:lnTo>
-                  <a:pt x="8845162" y="0"/>
-                </a:lnTo>
-                <a:lnTo>
-                  <a:pt x="8845162" y="6858000"/>
-                </a:lnTo>
-                <a:lnTo>
-                  <a:pt x="7537703" y="6858000"/>
-                </a:lnTo>
-                <a:lnTo>
-                  <a:pt x="6265248" y="6858000"/>
-                </a:lnTo>
-                <a:lnTo>
-                  <a:pt x="20957" y="6858000"/>
-                </a:lnTo>
-                <a:lnTo>
-                  <a:pt x="46002" y="6702325"/>
-                </a:lnTo>
-                <a:lnTo>
-                  <a:pt x="69870" y="6547334"/>
-                </a:lnTo>
-                <a:lnTo>
-                  <a:pt x="93234" y="6391658"/>
-                </a:lnTo>
-                <a:lnTo>
-                  <a:pt x="113237" y="6235295"/>
-                </a:lnTo>
-                <a:lnTo>
-                  <a:pt x="133409" y="6079619"/>
-                </a:lnTo>
-                <a:lnTo>
-                  <a:pt x="152234" y="5923256"/>
-                </a:lnTo>
-                <a:lnTo>
-                  <a:pt x="168370" y="5768951"/>
-                </a:lnTo>
-                <a:lnTo>
-                  <a:pt x="183667" y="5612589"/>
-                </a:lnTo>
-                <a:lnTo>
-                  <a:pt x="197619" y="5456912"/>
-                </a:lnTo>
-                <a:lnTo>
-                  <a:pt x="209720" y="5303979"/>
-                </a:lnTo>
-                <a:lnTo>
-                  <a:pt x="221823" y="5148988"/>
-                </a:lnTo>
-                <a:lnTo>
-                  <a:pt x="231908" y="4996055"/>
-                </a:lnTo>
-                <a:lnTo>
-                  <a:pt x="239808" y="4843121"/>
-                </a:lnTo>
-                <a:lnTo>
-                  <a:pt x="248045" y="4690874"/>
-                </a:lnTo>
-                <a:lnTo>
-                  <a:pt x="254936" y="4539998"/>
-                </a:lnTo>
-                <a:lnTo>
-                  <a:pt x="259811" y="4390493"/>
-                </a:lnTo>
-                <a:lnTo>
-                  <a:pt x="264014" y="4240989"/>
-                </a:lnTo>
-                <a:lnTo>
-                  <a:pt x="268047" y="4092856"/>
-                </a:lnTo>
-                <a:lnTo>
-                  <a:pt x="269897" y="3946781"/>
-                </a:lnTo>
-                <a:lnTo>
-                  <a:pt x="271913" y="3800705"/>
-                </a:lnTo>
-                <a:lnTo>
-                  <a:pt x="272922" y="3656687"/>
-                </a:lnTo>
-                <a:lnTo>
-                  <a:pt x="271913" y="3514041"/>
-                </a:lnTo>
-                <a:lnTo>
-                  <a:pt x="271913" y="3372766"/>
-                </a:lnTo>
-                <a:lnTo>
-                  <a:pt x="269897" y="3232863"/>
-                </a:lnTo>
-                <a:lnTo>
-                  <a:pt x="266871" y="3095703"/>
-                </a:lnTo>
-                <a:lnTo>
-                  <a:pt x="264014" y="2959915"/>
-                </a:lnTo>
-                <a:lnTo>
-                  <a:pt x="260820" y="2826869"/>
-                </a:lnTo>
-                <a:lnTo>
-                  <a:pt x="255946" y="2694510"/>
-                </a:lnTo>
-                <a:lnTo>
-                  <a:pt x="250734" y="2564209"/>
-                </a:lnTo>
-                <a:lnTo>
-                  <a:pt x="246028" y="2436650"/>
-                </a:lnTo>
-                <a:lnTo>
-                  <a:pt x="232749" y="2187704"/>
-                </a:lnTo>
-                <a:lnTo>
-                  <a:pt x="218630" y="1949046"/>
-                </a:lnTo>
-                <a:lnTo>
-                  <a:pt x="203837" y="1719989"/>
-                </a:lnTo>
-                <a:lnTo>
-                  <a:pt x="187532" y="1503276"/>
-                </a:lnTo>
-                <a:lnTo>
-                  <a:pt x="170555" y="1296164"/>
-                </a:lnTo>
-                <a:lnTo>
-                  <a:pt x="152234" y="1104140"/>
-                </a:lnTo>
-                <a:lnTo>
-                  <a:pt x="134248" y="923775"/>
-                </a:lnTo>
-                <a:lnTo>
-                  <a:pt x="116263" y="757811"/>
-                </a:lnTo>
-                <a:lnTo>
-                  <a:pt x="99286" y="605564"/>
-                </a:lnTo>
-                <a:lnTo>
-                  <a:pt x="83149" y="470461"/>
-                </a:lnTo>
-                <a:lnTo>
-                  <a:pt x="67853" y="348389"/>
-                </a:lnTo>
-                <a:lnTo>
-                  <a:pt x="55078" y="245519"/>
-                </a:lnTo>
-                <a:lnTo>
-                  <a:pt x="42976" y="159108"/>
-                </a:lnTo>
-                <a:lnTo>
-                  <a:pt x="25662" y="40464"/>
-                </a:lnTo>
-                <a:lnTo>
-                  <a:pt x="19779" y="2"/>
-                </a:lnTo>
-                <a:lnTo>
-                  <a:pt x="26532" y="2"/>
-                </a:lnTo>
-                <a:lnTo>
-                  <a:pt x="26532" y="1"/>
-                </a:lnTo>
-                <a:lnTo>
-                  <a:pt x="0" y="1"/>
-                </a:lnTo>
-                <a:close/>
-              </a:path>
-            </a:pathLst>
-          </a:custGeom>
-          <a:solidFill>
-            <a:schemeClr val="bg2"/>
-          </a:solidFill>
-          <a:ln>
-            <a:noFill/>
-          </a:ln>
-        </p:spPr>
-        <p:style>
-          <a:lnRef idx="2">
-            <a:schemeClr val="accent1">
-              <a:shade val="50000"/>
-            </a:schemeClr>
-          </a:lnRef>
-          <a:fillRef idx="1">
-            <a:schemeClr val="accent1"/>
-          </a:fillRef>
-          <a:effectRef idx="0">
-            <a:schemeClr val="accent1"/>
-          </a:effectRef>
-          <a:fontRef idx="minor">
-            <a:schemeClr val="lt1"/>
-          </a:fontRef>
-        </p:style>
-        <p:txBody>
-          <a:bodyPr rtlCol="0" anchor="ctr"/>
-          <a:lstStyle/>
-          <a:p>
-            <a:pPr algn="ctr"/>
-            <a:endParaRPr lang="en-US"/>
-          </a:p>
-        </p:txBody>
-      </p:sp>
       <p:sp>
         <p:nvSpPr>
           <p:cNvPr id="2" name="Title 1">
@@ -7894,18 +6022,18 @@
         </p:nvSpPr>
         <p:spPr>
           <a:xfrm>
-            <a:off x="4392900" y="2688336"/>
-            <a:ext cx="6767224" cy="3182239"/>
+            <a:off x="3962399" y="1964267"/>
+            <a:ext cx="7197726" cy="2421464"/>
           </a:xfrm>
         </p:spPr>
         <p:txBody>
-          <a:bodyPr anchor="t">
+          <a:bodyPr>
             <a:normAutofit/>
           </a:bodyPr>
           <a:lstStyle/>
           <a:p>
             <a:r>
-              <a:rPr lang="en-US" sz="6600">
+              <a:rPr lang="en-US">
                 <a:latin typeface="Times New Roman" panose="02020603050405020304" pitchFamily="18" charset="0"/>
                 <a:cs typeface="Times New Roman" panose="02020603050405020304" pitchFamily="18" charset="0"/>
               </a:rPr>
@@ -7932,21 +6060,18 @@
         </p:nvSpPr>
         <p:spPr>
           <a:xfrm>
-            <a:off x="4392899" y="1578992"/>
-            <a:ext cx="6767225" cy="889888"/>
+            <a:off x="3962399" y="4385732"/>
+            <a:ext cx="7197726" cy="1405467"/>
           </a:xfrm>
         </p:spPr>
         <p:txBody>
-          <a:bodyPr anchor="b">
+          <a:bodyPr>
             <a:normAutofit/>
           </a:bodyPr>
           <a:lstStyle/>
           <a:p>
             <a:r>
-              <a:rPr lang="en-US" sz="2000">
-                <a:solidFill>
-                  <a:schemeClr val="accent2"/>
-                </a:solidFill>
+              <a:rPr lang="en-US">
                 <a:latin typeface="Times New Roman" panose="02020603050405020304" pitchFamily="18" charset="0"/>
                 <a:cs typeface="Times New Roman" panose="02020603050405020304" pitchFamily="18" charset="0"/>
               </a:rPr>
@@ -7955,45 +6080,6 @@
           </a:p>
         </p:txBody>
       </p:sp>
-      <p:pic>
-        <p:nvPicPr>
-          <p:cNvPr id="14" name="Content Placeholder 4">
-            <a:extLst>
-              <a:ext uri="{FF2B5EF4-FFF2-40B4-BE49-F238E27FC236}">
-                <a16:creationId xmlns:a16="http://schemas.microsoft.com/office/drawing/2014/main" id="{3E2DC5DB-AE27-42CC-BD43-7BC2D24E2862}"/>
-              </a:ext>
-            </a:extLst>
-          </p:cNvPr>
-          <p:cNvPicPr>
-            <a:picLocks noChangeAspect="1"/>
-          </p:cNvPicPr>
-          <p:nvPr/>
-        </p:nvPicPr>
-        <p:blipFill>
-          <a:blip r:embed="rId4">
-            <a:extLst>
-              <a:ext uri="{28A0092B-C50C-407E-A947-70E740481C1C}">
-                <a14:useLocalDpi xmlns:a14="http://schemas.microsoft.com/office/drawing/2010/main" val="0"/>
-              </a:ext>
-            </a:extLst>
-          </a:blip>
-          <a:stretch>
-            <a:fillRect/>
-          </a:stretch>
-        </p:blipFill>
-        <p:spPr>
-          <a:xfrm>
-            <a:off x="-2" y="4073082"/>
-            <a:ext cx="3346838" cy="2739549"/>
-          </a:xfrm>
-          <a:prstGeom prst="rect">
-            <a:avLst/>
-          </a:prstGeom>
-          <a:effectLst>
-            <a:softEdge rad="127000"/>
-          </a:effectLst>
-        </p:spPr>
-      </p:pic>
     </p:spTree>
     <p:extLst>
       <p:ext uri="{BB962C8B-B14F-4D97-AF65-F5344CB8AC3E}">
@@ -8002,7 +6088,7 @@
     </p:extLst>
   </p:cSld>
   <p:clrMapOvr>
-    <a:overrideClrMapping bg1="lt1" tx1="dk1" bg2="lt2" tx2="dk2" accent1="accent1" accent2="accent2" accent3="accent3" accent4="accent4" accent5="accent5" accent6="accent6" hlink="hlink" folHlink="folHlink"/>
+    <a:overrideClrMapping bg1="dk1" tx1="lt1" bg2="dk2" tx2="lt2" accent1="accent1" accent2="accent2" accent3="accent3" accent4="accent4" accent5="accent5" accent6="accent6" hlink="hlink" folHlink="folHlink"/>
   </p:clrMapOvr>
 </p:sld>
 </file>
@@ -12659,42 +10745,6 @@
           </p:style>
         </p:cxnSp>
       </p:grpSp>
-      <p:pic>
-        <p:nvPicPr>
-          <p:cNvPr id="18" name="Picture 17">
-            <a:extLst>
-              <a:ext uri="{FF2B5EF4-FFF2-40B4-BE49-F238E27FC236}">
-                <a16:creationId xmlns:a16="http://schemas.microsoft.com/office/drawing/2014/main" id="{F9B6C1A5-E510-4B23-BCA9-5FC7710300EE}"/>
-              </a:ext>
-            </a:extLst>
-          </p:cNvPr>
-          <p:cNvPicPr>
-            <a:picLocks noChangeAspect="1"/>
-          </p:cNvPicPr>
-          <p:nvPr/>
-        </p:nvPicPr>
-        <p:blipFill>
-          <a:blip r:embed="rId3">
-            <a:extLst>
-              <a:ext uri="{28A0092B-C50C-407E-A947-70E740481C1C}">
-                <a14:useLocalDpi xmlns:a14="http://schemas.microsoft.com/office/drawing/2010/main" val="0"/>
-              </a:ext>
-            </a:extLst>
-          </a:blip>
-          <a:stretch>
-            <a:fillRect/>
-          </a:stretch>
-        </p:blipFill>
-        <p:spPr>
-          <a:xfrm>
-            <a:off x="6764895" y="1713060"/>
-            <a:ext cx="4911726" cy="4543345"/>
-          </a:xfrm>
-          <a:prstGeom prst="rect">
-            <a:avLst/>
-          </a:prstGeom>
-        </p:spPr>
-      </p:pic>
       <p:sp>
         <p:nvSpPr>
           <p:cNvPr id="16" name="TextBox 15">
@@ -12730,6 +10780,42 @@
           </a:p>
         </p:txBody>
       </p:sp>
+      <p:pic>
+        <p:nvPicPr>
+          <p:cNvPr id="4" name="Picture 3">
+            <a:extLst>
+              <a:ext uri="{FF2B5EF4-FFF2-40B4-BE49-F238E27FC236}">
+                <a16:creationId xmlns:a16="http://schemas.microsoft.com/office/drawing/2014/main" id="{93F16077-092D-49DA-A95B-18BC84BD313D}"/>
+              </a:ext>
+            </a:extLst>
+          </p:cNvPr>
+          <p:cNvPicPr>
+            <a:picLocks noChangeAspect="1"/>
+          </p:cNvPicPr>
+          <p:nvPr/>
+        </p:nvPicPr>
+        <p:blipFill>
+          <a:blip r:embed="rId3">
+            <a:extLst>
+              <a:ext uri="{28A0092B-C50C-407E-A947-70E740481C1C}">
+                <a14:useLocalDpi xmlns:a14="http://schemas.microsoft.com/office/drawing/2010/main" val="0"/>
+              </a:ext>
+            </a:extLst>
+          </a:blip>
+          <a:stretch>
+            <a:fillRect/>
+          </a:stretch>
+        </p:blipFill>
+        <p:spPr>
+          <a:xfrm>
+            <a:off x="6811021" y="1766192"/>
+            <a:ext cx="4877964" cy="4514183"/>
+          </a:xfrm>
+          <a:prstGeom prst="rect">
+            <a:avLst/>
+          </a:prstGeom>
+        </p:spPr>
+      </p:pic>
     </p:spTree>
     <p:extLst>
       <p:ext uri="{BB962C8B-B14F-4D97-AF65-F5344CB8AC3E}">
@@ -13077,8 +11163,8 @@
         </p:nvSpPr>
         <p:spPr>
           <a:xfrm>
-            <a:off x="2222437" y="5502073"/>
-            <a:ext cx="4776188" cy="738664"/>
+            <a:off x="2127380" y="5502073"/>
+            <a:ext cx="4954555" cy="954107"/>
           </a:xfrm>
           <a:prstGeom prst="rect">
             <a:avLst/>
@@ -13128,7 +11214,23 @@
                 <a:ea typeface="Times New Roman" panose="02020603050405020304" pitchFamily="18" charset="0"/>
                 <a:cs typeface="Times New Roman" panose="02020603050405020304" pitchFamily="18" charset="0"/>
               </a:rPr>
-              <a:t> Scalar; second Reg/Mem bit not used </a:t>
+              <a:t> Scalar; second Reg/Mem bit not used and </a:t>
+            </a:r>
+            <a:r>
+              <a:rPr lang="en-US" altLang="en-US" sz="1400" dirty="0" err="1">
+                <a:latin typeface="Times New Roman" panose="02020603050405020304" pitchFamily="18" charset="0"/>
+                <a:ea typeface="Times New Roman" panose="02020603050405020304" pitchFamily="18" charset="0"/>
+                <a:cs typeface="Times New Roman" panose="02020603050405020304" pitchFamily="18" charset="0"/>
+              </a:rPr>
+              <a:t>addr</a:t>
+            </a:r>
+            <a:r>
+              <a:rPr lang="en-US" altLang="en-US" sz="1400" dirty="0">
+                <a:latin typeface="Times New Roman" panose="02020603050405020304" pitchFamily="18" charset="0"/>
+                <a:ea typeface="Times New Roman" panose="02020603050405020304" pitchFamily="18" charset="0"/>
+                <a:cs typeface="Times New Roman" panose="02020603050405020304" pitchFamily="18" charset="0"/>
+              </a:rPr>
+              <a:t> becomes 8 bit scalar</a:t>
             </a:r>
             <a:endParaRPr lang="en-US" altLang="en-US" sz="1400" dirty="0">
               <a:latin typeface="Times New Roman" panose="02020603050405020304" pitchFamily="18" charset="0"/>
@@ -14162,6 +12264,51 @@
           <a:chExt cx="0" cy="0"/>
         </a:xfrm>
       </p:grpSpPr>
+      <p:pic>
+        <p:nvPicPr>
+          <p:cNvPr id="8" name="Picture 7">
+            <a:extLst>
+              <a:ext uri="{FF2B5EF4-FFF2-40B4-BE49-F238E27FC236}">
+                <a16:creationId xmlns:a16="http://schemas.microsoft.com/office/drawing/2014/main" id="{6AF6706C-CF07-43A1-BCC4-CBA5D33820DA}"/>
+              </a:ext>
+              <a:ext uri="{C183D7F6-B498-43B3-948B-1728B52AA6E4}">
+                <adec:decorative xmlns:adec="http://schemas.microsoft.com/office/drawing/2017/decorative" val="1"/>
+              </a:ext>
+            </a:extLst>
+          </p:cNvPr>
+          <p:cNvPicPr>
+            <a:picLocks noGrp="1" noRot="1" noChangeAspect="1" noMove="1" noResize="1" noEditPoints="1" noAdjustHandles="1" noChangeArrowheads="1" noChangeShapeType="1" noCrop="1"/>
+          </p:cNvPicPr>
+          <p:nvPr>
+            <p:extLst>
+              <p:ext uri="{386F3935-93C4-4BCD-93E2-E3B085C9AB24}">
+                <p16:designElem xmlns:p16="http://schemas.microsoft.com/office/powerpoint/2015/main" val="1"/>
+              </p:ext>
+            </p:extLst>
+          </p:nvPr>
+        </p:nvPicPr>
+        <p:blipFill>
+          <a:blip r:embed="rId3">
+            <a:extLst>
+              <a:ext uri="{28A0092B-C50C-407E-A947-70E740481C1C}">
+                <a14:useLocalDpi xmlns:a14="http://schemas.microsoft.com/office/drawing/2010/main" val="0"/>
+              </a:ext>
+            </a:extLst>
+          </a:blip>
+          <a:stretch>
+            <a:fillRect/>
+          </a:stretch>
+        </p:blipFill>
+        <p:spPr>
+          <a:xfrm>
+            <a:off x="0" y="0"/>
+            <a:ext cx="12188825" cy="6856214"/>
+          </a:xfrm>
+          <a:prstGeom prst="rect">
+            <a:avLst/>
+          </a:prstGeom>
+        </p:spPr>
+      </p:pic>
       <p:sp>
         <p:nvSpPr>
           <p:cNvPr id="2" name="Title 1">
@@ -14180,21 +12327,19 @@
         </p:nvSpPr>
         <p:spPr>
           <a:xfrm>
-            <a:off x="7865806" y="643463"/>
-            <a:ext cx="3706762" cy="1608124"/>
+            <a:off x="8180983" y="639097"/>
+            <a:ext cx="3352256" cy="3746634"/>
           </a:xfrm>
         </p:spPr>
         <p:txBody>
-          <a:bodyPr>
+          <a:bodyPr vert="horz" lIns="91440" tIns="45720" rIns="91440" bIns="45720" rtlCol="0" anchor="b">
             <a:normAutofit/>
           </a:bodyPr>
           <a:lstStyle/>
           <a:p>
+            <a:pPr algn="r"/>
             <a:r>
-              <a:rPr lang="en-US">
-                <a:latin typeface="Times New Roman" panose="02020603050405020304" pitchFamily="18" charset="0"/>
-                <a:cs typeface="Times New Roman" panose="02020603050405020304" pitchFamily="18" charset="0"/>
-              </a:rPr>
+              <a:rPr lang="en-US" sz="4800"/>
               <a:t>Module structure</a:t>
             </a:r>
           </a:p>
@@ -14202,10 +12347,10 @@
       </p:sp>
       <p:pic>
         <p:nvPicPr>
-          <p:cNvPr id="19" name="Content Placeholder 11">
+          <p:cNvPr id="3" name="Picture 2">
             <a:extLst>
               <a:ext uri="{FF2B5EF4-FFF2-40B4-BE49-F238E27FC236}">
-                <a16:creationId xmlns:a16="http://schemas.microsoft.com/office/drawing/2014/main" id="{956DE53D-8880-488F-B5C4-BB30E474657A}"/>
+                <a16:creationId xmlns:a16="http://schemas.microsoft.com/office/drawing/2014/main" id="{D27884CD-4720-4648-B223-4058C61EAFD1}"/>
               </a:ext>
             </a:extLst>
           </p:cNvPr>
@@ -14214,53 +12359,50 @@
           </p:cNvPicPr>
           <p:nvPr/>
         </p:nvPicPr>
-        <p:blipFill rotWithShape="1">
-          <a:blip r:embed="rId3"/>
-          <a:srcRect t="1329" r="2" b="9462"/>
-          <a:stretch/>
+        <p:blipFill>
+          <a:blip r:embed="rId4"/>
+          <a:stretch>
+            <a:fillRect/>
+          </a:stretch>
         </p:blipFill>
         <p:spPr>
           <a:xfrm>
-            <a:off x="20" y="975"/>
-            <a:ext cx="7552924" cy="6858000"/>
+            <a:off x="629810" y="1372353"/>
+            <a:ext cx="6921364" cy="4118210"/>
           </a:xfrm>
-          <a:prstGeom prst="rect">
-            <a:avLst/>
+          <a:prstGeom prst="roundRect">
+            <a:avLst>
+              <a:gd name="adj" fmla="val 4380"/>
+            </a:avLst>
           </a:prstGeom>
+          <a:ln w="50800" cap="sq" cmpd="dbl">
+            <a:gradFill flip="none" rotWithShape="1">
+              <a:gsLst>
+                <a:gs pos="0">
+                  <a:srgbClr val="FFFFFF"/>
+                </a:gs>
+                <a:gs pos="100000">
+                  <a:schemeClr val="tx1">
+                    <a:alpha val="0"/>
+                  </a:schemeClr>
+                </a:gs>
+              </a:gsLst>
+              <a:path path="circle">
+                <a:fillToRect l="50000" t="50000" r="50000" b="50000"/>
+              </a:path>
+              <a:tileRect/>
+            </a:gradFill>
+            <a:miter lim="800000"/>
+          </a:ln>
+          <a:effectLst>
+            <a:outerShdw blurRad="254000" algn="tl" rotWithShape="0">
+              <a:srgbClr val="000000">
+                <a:alpha val="43000"/>
+              </a:srgbClr>
+            </a:outerShdw>
+          </a:effectLst>
         </p:spPr>
       </p:pic>
-      <p:sp>
-        <p:nvSpPr>
-          <p:cNvPr id="21" name="Content Placeholder 20">
-            <a:extLst>
-              <a:ext uri="{FF2B5EF4-FFF2-40B4-BE49-F238E27FC236}">
-                <a16:creationId xmlns:a16="http://schemas.microsoft.com/office/drawing/2014/main" id="{5F892FBA-ED53-43AF-8ED6-76B64CE4FE1D}"/>
-              </a:ext>
-            </a:extLst>
-          </p:cNvPr>
-          <p:cNvSpPr>
-            <a:spLocks noGrp="1"/>
-          </p:cNvSpPr>
-          <p:nvPr>
-            <p:ph idx="1"/>
-          </p:nvPr>
-        </p:nvSpPr>
-        <p:spPr>
-          <a:xfrm>
-            <a:off x="7865806" y="2251587"/>
-            <a:ext cx="3706762" cy="3972232"/>
-          </a:xfrm>
-        </p:spPr>
-        <p:txBody>
-          <a:bodyPr>
-            <a:normAutofit/>
-          </a:bodyPr>
-          <a:lstStyle/>
-          <a:p>
-            <a:endParaRPr lang="en-US" dirty="0"/>
-          </a:p>
-        </p:txBody>
-      </p:sp>
     </p:spTree>
     <p:extLst>
       <p:ext uri="{BB962C8B-B14F-4D97-AF65-F5344CB8AC3E}">
@@ -14370,17 +12512,17 @@
           <a:p>
             <a:r>
               <a:rPr lang="en-US" dirty="0"/>
-              <a:t>Negative edge is flag reset.</a:t>
+              <a:t>Negative edge is flag reset instead of waiting a full cycle or for a response.</a:t>
             </a:r>
           </a:p>
         </p:txBody>
       </p:sp>
       <p:pic>
         <p:nvPicPr>
-          <p:cNvPr id="15" name="Picture 14">
+          <p:cNvPr id="3" name="Picture 2">
             <a:extLst>
               <a:ext uri="{FF2B5EF4-FFF2-40B4-BE49-F238E27FC236}">
-                <a16:creationId xmlns:a16="http://schemas.microsoft.com/office/drawing/2014/main" id="{03FBCB16-DB33-42F8-B51B-7FDCCDFC47BA}"/>
+                <a16:creationId xmlns:a16="http://schemas.microsoft.com/office/drawing/2014/main" id="{66369604-F0EC-4712-8A0A-F708D0ACC869}"/>
               </a:ext>
             </a:extLst>
           </p:cNvPr>
@@ -14397,40 +12539,12 @@
         </p:blipFill>
         <p:spPr>
           <a:xfrm>
-            <a:off x="648930" y="2347932"/>
-            <a:ext cx="5447070" cy="1832754"/>
+            <a:off x="643470" y="2591961"/>
+            <a:ext cx="5191850" cy="1247949"/>
           </a:xfrm>
-          <a:prstGeom prst="roundRect">
-            <a:avLst>
-              <a:gd name="adj" fmla="val 4380"/>
-            </a:avLst>
+          <a:prstGeom prst="rect">
+            <a:avLst/>
           </a:prstGeom>
-          <a:ln w="50800" cap="sq" cmpd="dbl">
-            <a:gradFill flip="none" rotWithShape="1">
-              <a:gsLst>
-                <a:gs pos="0">
-                  <a:srgbClr val="FFFFFF"/>
-                </a:gs>
-                <a:gs pos="100000">
-                  <a:schemeClr val="tx1">
-                    <a:alpha val="0"/>
-                  </a:schemeClr>
-                </a:gs>
-              </a:gsLst>
-              <a:path path="circle">
-                <a:fillToRect l="50000" t="50000" r="50000" b="50000"/>
-              </a:path>
-              <a:tileRect/>
-            </a:gradFill>
-            <a:miter lim="800000"/>
-          </a:ln>
-          <a:effectLst>
-            <a:outerShdw blurRad="254000" algn="tl" rotWithShape="0">
-              <a:srgbClr val="000000">
-                <a:alpha val="43000"/>
-              </a:srgbClr>
-            </a:outerShdw>
-          </a:effectLst>
         </p:spPr>
       </p:pic>
     </p:spTree>
@@ -14479,7 +12593,12 @@
             <p:ph type="title"/>
           </p:nvPr>
         </p:nvSpPr>
-        <p:spPr/>
+        <p:spPr>
+          <a:xfrm>
+            <a:off x="924860" y="1272073"/>
+            <a:ext cx="10131425" cy="1456267"/>
+          </a:xfrm>
+        </p:spPr>
         <p:txBody>
           <a:bodyPr/>
           <a:lstStyle/>
@@ -14492,31 +12611,36 @@
           </a:p>
         </p:txBody>
       </p:sp>
-      <p:sp>
-        <p:nvSpPr>
-          <p:cNvPr id="3" name="Content Placeholder 2">
+      <p:pic>
+        <p:nvPicPr>
+          <p:cNvPr id="4" name="Picture 3">
             <a:extLst>
               <a:ext uri="{FF2B5EF4-FFF2-40B4-BE49-F238E27FC236}">
-                <a16:creationId xmlns:a16="http://schemas.microsoft.com/office/drawing/2014/main" id="{6A4F808D-8FF0-45B5-B8C5-80D3C16CF17E}"/>
+                <a16:creationId xmlns:a16="http://schemas.microsoft.com/office/drawing/2014/main" id="{B4A41F44-A68D-4D5F-AAF8-2417F13FBFC6}"/>
               </a:ext>
             </a:extLst>
           </p:cNvPr>
-          <p:cNvSpPr>
-            <a:spLocks noGrp="1"/>
-          </p:cNvSpPr>
-          <p:nvPr>
-            <p:ph idx="1"/>
-          </p:nvPr>
-        </p:nvSpPr>
-        <p:spPr/>
-        <p:txBody>
-          <a:bodyPr/>
-          <a:lstStyle/>
-          <a:p>
-            <a:endParaRPr lang="en-US"/>
-          </a:p>
-        </p:txBody>
-      </p:sp>
+          <p:cNvPicPr>
+            <a:picLocks noChangeAspect="1"/>
+          </p:cNvPicPr>
+          <p:nvPr/>
+        </p:nvPicPr>
+        <p:blipFill>
+          <a:blip r:embed="rId2"/>
+          <a:stretch>
+            <a:fillRect/>
+          </a:stretch>
+        </p:blipFill>
+        <p:spPr>
+          <a:xfrm>
+            <a:off x="924860" y="3728825"/>
+            <a:ext cx="10034270" cy="616440"/>
+          </a:xfrm>
+          <a:prstGeom prst="rect">
+            <a:avLst/>
+          </a:prstGeom>
+        </p:spPr>
+      </p:pic>
     </p:spTree>
     <p:extLst>
       <p:ext uri="{BB962C8B-B14F-4D97-AF65-F5344CB8AC3E}">
@@ -14558,108 +12682,12 @@
           <a:chExt cx="0" cy="0"/>
         </a:xfrm>
       </p:grpSpPr>
-      <p:sp useBgFill="1">
-        <p:nvSpPr>
-          <p:cNvPr id="13" name="Rectangle 12">
+      <p:pic>
+        <p:nvPicPr>
+          <p:cNvPr id="20" name="Picture 19">
             <a:extLst>
               <a:ext uri="{FF2B5EF4-FFF2-40B4-BE49-F238E27FC236}">
-                <a16:creationId xmlns:a16="http://schemas.microsoft.com/office/drawing/2014/main" id="{CBD94887-6A10-4F62-8EE1-B2BCFA1F380F}"/>
-              </a:ext>
-              <a:ext uri="{C183D7F6-B498-43B3-948B-1728B52AA6E4}">
-                <adec:decorative xmlns:adec="http://schemas.microsoft.com/office/drawing/2017/decorative" val="1"/>
-              </a:ext>
-            </a:extLst>
-          </p:cNvPr>
-          <p:cNvSpPr>
-            <a:spLocks noGrp="1" noRot="1" noChangeAspect="1" noMove="1" noResize="1" noEditPoints="1" noAdjustHandles="1" noChangeArrowheads="1" noChangeShapeType="1" noTextEdit="1"/>
-          </p:cNvSpPr>
-          <p:nvPr>
-            <p:extLst>
-              <p:ext uri="{386F3935-93C4-4BCD-93E2-E3B085C9AB24}">
-                <p16:designElem xmlns:p16="http://schemas.microsoft.com/office/powerpoint/2015/main" val="1"/>
-              </p:ext>
-            </p:extLst>
-          </p:nvPr>
-        </p:nvSpPr>
-        <p:spPr>
-          <a:xfrm>
-            <a:off x="-3175" y="-1786"/>
-            <a:ext cx="12188825" cy="6856214"/>
-          </a:xfrm>
-          <a:prstGeom prst="rect">
-            <a:avLst/>
-          </a:prstGeom>
-          <a:ln>
-            <a:noFill/>
-          </a:ln>
-        </p:spPr>
-        <p:style>
-          <a:lnRef idx="2">
-            <a:schemeClr val="accent1">
-              <a:shade val="50000"/>
-            </a:schemeClr>
-          </a:lnRef>
-          <a:fillRef idx="1">
-            <a:schemeClr val="accent1"/>
-          </a:fillRef>
-          <a:effectRef idx="0">
-            <a:schemeClr val="accent1"/>
-          </a:effectRef>
-          <a:fontRef idx="minor">
-            <a:schemeClr val="lt1"/>
-          </a:fontRef>
-        </p:style>
-        <p:txBody>
-          <a:bodyPr rtlCol="0" anchor="ctr"/>
-          <a:lstStyle/>
-          <a:p>
-            <a:pPr algn="ctr"/>
-            <a:endParaRPr lang="en-US"/>
-          </a:p>
-        </p:txBody>
-      </p:sp>
-      <p:pic>
-        <p:nvPicPr>
-          <p:cNvPr id="8" name="Content Placeholder 4">
-            <a:extLst>
-              <a:ext uri="{FF2B5EF4-FFF2-40B4-BE49-F238E27FC236}">
-                <a16:creationId xmlns:a16="http://schemas.microsoft.com/office/drawing/2014/main" id="{2536490C-892C-47CA-A059-ED828CE28135}"/>
-              </a:ext>
-            </a:extLst>
-          </p:cNvPr>
-          <p:cNvPicPr>
-            <a:picLocks noChangeAspect="1"/>
-          </p:cNvPicPr>
-          <p:nvPr/>
-        </p:nvPicPr>
-        <p:blipFill rotWithShape="1">
-          <a:blip r:embed="rId3">
-            <a:alphaModFix amt="20000"/>
-            <a:extLst>
-              <a:ext uri="{28A0092B-C50C-407E-A947-70E740481C1C}">
-                <a14:useLocalDpi xmlns:a14="http://schemas.microsoft.com/office/drawing/2010/main" val="0"/>
-              </a:ext>
-            </a:extLst>
-          </a:blip>
-          <a:srcRect t="10000"/>
-          <a:stretch/>
-        </p:blipFill>
-        <p:spPr>
-          <a:xfrm>
-            <a:off x="20" y="10"/>
-            <a:ext cx="12191980" cy="6857990"/>
-          </a:xfrm>
-          <a:prstGeom prst="rect">
-            <a:avLst/>
-          </a:prstGeom>
-        </p:spPr>
-      </p:pic>
-      <p:pic>
-        <p:nvPicPr>
-          <p:cNvPr id="15" name="Picture 14">
-            <a:extLst>
-              <a:ext uri="{FF2B5EF4-FFF2-40B4-BE49-F238E27FC236}">
-                <a16:creationId xmlns:a16="http://schemas.microsoft.com/office/drawing/2014/main" id="{A3D512BA-228A-4979-9312-ACD246E1099D}"/>
+                <a16:creationId xmlns:a16="http://schemas.microsoft.com/office/drawing/2014/main" id="{6AF6706C-CF07-43A1-BCC4-CBA5D33820DA}"/>
               </a:ext>
               <a:ext uri="{C183D7F6-B498-43B3-948B-1728B52AA6E4}">
                 <adec:decorative xmlns:adec="http://schemas.microsoft.com/office/drawing/2017/decorative" val="1"/>
@@ -14678,8 +12706,7 @@
           </p:nvPr>
         </p:nvPicPr>
         <p:blipFill>
-          <a:blip r:embed="rId4">
-            <a:alphaModFix amt="39000"/>
+          <a:blip r:embed="rId3">
             <a:extLst>
               <a:ext uri="{28A0092B-C50C-407E-A947-70E740481C1C}">
                 <a14:useLocalDpi xmlns:a14="http://schemas.microsoft.com/office/drawing/2010/main" val="0"/>
@@ -14718,27 +12745,88 @@
         </p:nvSpPr>
         <p:spPr>
           <a:xfrm>
-            <a:off x="685801" y="609600"/>
-            <a:ext cx="10131425" cy="1456267"/>
+            <a:off x="643464" y="639097"/>
+            <a:ext cx="4789678" cy="3746634"/>
           </a:xfrm>
         </p:spPr>
         <p:txBody>
-          <a:bodyPr>
+          <a:bodyPr vert="horz" lIns="91440" tIns="45720" rIns="91440" bIns="45720" rtlCol="0" anchor="b">
             <a:normAutofit/>
           </a:bodyPr>
           <a:lstStyle/>
           <a:p>
-            <a:pPr algn="ctr"/>
+            <a:pPr algn="r"/>
             <a:r>
-              <a:rPr lang="en-US" sz="7200" dirty="0">
-                <a:latin typeface="Times New Roman" panose="02020603050405020304" pitchFamily="18" charset="0"/>
-                <a:cs typeface="Times New Roman" panose="02020603050405020304" pitchFamily="18" charset="0"/>
-              </a:rPr>
+              <a:rPr lang="en-US" sz="4800"/>
               <a:t>Thank you</a:t>
             </a:r>
           </a:p>
         </p:txBody>
       </p:sp>
+      <p:pic>
+        <p:nvPicPr>
+          <p:cNvPr id="6" name="Content Placeholder 4">
+            <a:extLst>
+              <a:ext uri="{FF2B5EF4-FFF2-40B4-BE49-F238E27FC236}">
+                <a16:creationId xmlns:a16="http://schemas.microsoft.com/office/drawing/2014/main" id="{B90FAB59-E827-4162-83BC-37D609D7C355}"/>
+              </a:ext>
+            </a:extLst>
+          </p:cNvPr>
+          <p:cNvPicPr>
+            <a:picLocks noChangeAspect="1"/>
+          </p:cNvPicPr>
+          <p:nvPr/>
+        </p:nvPicPr>
+        <p:blipFill>
+          <a:blip r:embed="rId4">
+            <a:extLst>
+              <a:ext uri="{28A0092B-C50C-407E-A947-70E740481C1C}">
+                <a14:useLocalDpi xmlns:a14="http://schemas.microsoft.com/office/drawing/2010/main" val="0"/>
+              </a:ext>
+            </a:extLst>
+          </a:blip>
+          <a:stretch>
+            <a:fillRect/>
+          </a:stretch>
+        </p:blipFill>
+        <p:spPr>
+          <a:xfrm>
+            <a:off x="6076606" y="1187298"/>
+            <a:ext cx="5471927" cy="4479037"/>
+          </a:xfrm>
+          <a:prstGeom prst="roundRect">
+            <a:avLst>
+              <a:gd name="adj" fmla="val 4380"/>
+            </a:avLst>
+          </a:prstGeom>
+          <a:ln w="50800" cap="sq" cmpd="dbl">
+            <a:gradFill flip="none" rotWithShape="1">
+              <a:gsLst>
+                <a:gs pos="0">
+                  <a:srgbClr val="FFFFFF"/>
+                </a:gs>
+                <a:gs pos="100000">
+                  <a:schemeClr val="tx1">
+                    <a:alpha val="0"/>
+                  </a:schemeClr>
+                </a:gs>
+              </a:gsLst>
+              <a:path path="circle">
+                <a:fillToRect l="50000" t="50000" r="50000" b="50000"/>
+              </a:path>
+              <a:tileRect/>
+            </a:gradFill>
+            <a:miter lim="800000"/>
+          </a:ln>
+          <a:effectLst>
+            <a:outerShdw blurRad="254000" algn="tl" rotWithShape="0">
+              <a:srgbClr val="000000">
+                <a:alpha val="43000"/>
+              </a:srgbClr>
+            </a:outerShdw>
+          </a:effectLst>
+        </p:spPr>
+      </p:pic>
     </p:spTree>
     <p:extLst>
       <p:ext uri="{BB962C8B-B14F-4D97-AF65-F5344CB8AC3E}">
